--- a/session6/F-SQL_Subqueries.pptx
+++ b/session6/F-SQL_Subqueries.pptx
@@ -5,30 +5,33 @@
     <p:sldMasterId id="2147483660" r:id="rId1"/>
   </p:sldMasterIdLst>
   <p:notesMasterIdLst>
-    <p:notesMasterId r:id="rId20"/>
+    <p:notesMasterId r:id="rId23"/>
   </p:notesMasterIdLst>
   <p:handoutMasterIdLst>
-    <p:handoutMasterId r:id="rId21"/>
+    <p:handoutMasterId r:id="rId24"/>
   </p:handoutMasterIdLst>
   <p:sldIdLst>
     <p:sldId id="256" r:id="rId2"/>
     <p:sldId id="290" r:id="rId3"/>
-    <p:sldId id="298" r:id="rId4"/>
-    <p:sldId id="393" r:id="rId5"/>
-    <p:sldId id="348" r:id="rId6"/>
-    <p:sldId id="390" r:id="rId7"/>
-    <p:sldId id="333" r:id="rId8"/>
-    <p:sldId id="292" r:id="rId9"/>
-    <p:sldId id="293" r:id="rId10"/>
-    <p:sldId id="388" r:id="rId11"/>
-    <p:sldId id="291" r:id="rId12"/>
-    <p:sldId id="391" r:id="rId13"/>
-    <p:sldId id="392" r:id="rId14"/>
-    <p:sldId id="389" r:id="rId15"/>
-    <p:sldId id="349" r:id="rId16"/>
-    <p:sldId id="378" r:id="rId17"/>
-    <p:sldId id="340" r:id="rId18"/>
-    <p:sldId id="347" r:id="rId19"/>
+    <p:sldId id="291" r:id="rId4"/>
+    <p:sldId id="333" r:id="rId5"/>
+    <p:sldId id="394" r:id="rId6"/>
+    <p:sldId id="395" r:id="rId7"/>
+    <p:sldId id="396" r:id="rId8"/>
+    <p:sldId id="397" r:id="rId9"/>
+    <p:sldId id="393" r:id="rId10"/>
+    <p:sldId id="298" r:id="rId11"/>
+    <p:sldId id="348" r:id="rId12"/>
+    <p:sldId id="390" r:id="rId13"/>
+    <p:sldId id="292" r:id="rId14"/>
+    <p:sldId id="293" r:id="rId15"/>
+    <p:sldId id="388" r:id="rId16"/>
+    <p:sldId id="391" r:id="rId17"/>
+    <p:sldId id="392" r:id="rId18"/>
+    <p:sldId id="389" r:id="rId19"/>
+    <p:sldId id="399" r:id="rId20"/>
+    <p:sldId id="400" r:id="rId21"/>
+    <p:sldId id="398" r:id="rId22"/>
   </p:sldIdLst>
   <p:sldSz cx="9144000" cy="6858000" type="screen4x3"/>
   <p:notesSz cx="7315200" cy="9601200"/>
@@ -321,7 +324,7 @@
             <a:fld id="{0F6AC800-BF99-41BB-8DE5-8FC7E09D6C23}" type="datetimeFigureOut">
               <a:rPr lang="en-US" smtClean="0"/>
               <a:pPr/>
-              <a:t>2/21/2020</a:t>
+              <a:t>6/2/2021</a:t>
             </a:fld>
             <a:endParaRPr lang="en-US" dirty="0"/>
           </a:p>
@@ -706,7 +709,7 @@
     </p:spTree>
     <p:extLst>
       <p:ext uri="{BB962C8B-B14F-4D97-AF65-F5344CB8AC3E}">
-        <p14:creationId xmlns:p14="http://schemas.microsoft.com/office/powerpoint/2010/main" val="2693165334"/>
+        <p14:creationId xmlns:p14="http://schemas.microsoft.com/office/powerpoint/2010/main" val="420356855"/>
       </p:ext>
     </p:extLst>
   </p:cSld>
@@ -767,7 +770,7 @@
     </p:spTree>
     <p:extLst>
       <p:ext uri="{BB962C8B-B14F-4D97-AF65-F5344CB8AC3E}">
-        <p14:creationId xmlns:p14="http://schemas.microsoft.com/office/powerpoint/2010/main" val="179637353"/>
+        <p14:creationId xmlns:p14="http://schemas.microsoft.com/office/powerpoint/2010/main" val="2553902490"/>
       </p:ext>
     </p:extLst>
   </p:cSld>
@@ -828,7 +831,251 @@
     </p:spTree>
     <p:extLst>
       <p:ext uri="{BB962C8B-B14F-4D97-AF65-F5344CB8AC3E}">
+        <p14:creationId xmlns:p14="http://schemas.microsoft.com/office/powerpoint/2010/main" val="2693165334"/>
+      </p:ext>
+    </p:extLst>
+  </p:cSld>
+  <p:clrMapOvr>
+    <a:masterClrMapping/>
+  </p:clrMapOvr>
+</p:notes>
+</file>
+
+<file path=ppt/notesSlides/notesSlide5.xml><?xml version="1.0" encoding="utf-8"?>
+<p:notes xmlns:a="http://schemas.openxmlformats.org/drawingml/2006/main" xmlns:r="http://schemas.openxmlformats.org/officeDocument/2006/relationships" xmlns:p="http://schemas.openxmlformats.org/presentationml/2006/main">
+  <p:cSld>
+    <p:spTree>
+      <p:nvGrpSpPr>
+        <p:cNvPr id="1" name=""/>
+        <p:cNvGrpSpPr/>
+        <p:nvPr/>
+      </p:nvGrpSpPr>
+      <p:grpSpPr>
+        <a:xfrm>
+          <a:off x="0" y="0"/>
+          <a:ext cx="0" cy="0"/>
+          <a:chOff x="0" y="0"/>
+          <a:chExt cx="0" cy="0"/>
+        </a:xfrm>
+      </p:grpSpPr>
+      <p:sp>
+        <p:nvSpPr>
+          <p:cNvPr id="2" name="Slide Image Placeholder 1"/>
+          <p:cNvSpPr>
+            <a:spLocks noGrp="1" noRot="1" noChangeAspect="1"/>
+          </p:cNvSpPr>
+          <p:nvPr>
+            <p:ph type="sldImg"/>
+          </p:nvPr>
+        </p:nvSpPr>
+        <p:spPr/>
+      </p:sp>
+      <p:sp>
+        <p:nvSpPr>
+          <p:cNvPr id="3" name="Notes Placeholder 2"/>
+          <p:cNvSpPr>
+            <a:spLocks noGrp="1"/>
+          </p:cNvSpPr>
+          <p:nvPr>
+            <p:ph type="body" idx="1"/>
+          </p:nvPr>
+        </p:nvSpPr>
+        <p:spPr/>
+        <p:txBody>
+          <a:bodyPr/>
+          <a:lstStyle/>
+          <a:p>
+            <a:endParaRPr lang="en-US"/>
+          </a:p>
+        </p:txBody>
+      </p:sp>
+    </p:spTree>
+    <p:extLst>
+      <p:ext uri="{BB962C8B-B14F-4D97-AF65-F5344CB8AC3E}">
+        <p14:creationId xmlns:p14="http://schemas.microsoft.com/office/powerpoint/2010/main" val="179637353"/>
+      </p:ext>
+    </p:extLst>
+  </p:cSld>
+  <p:clrMapOvr>
+    <a:masterClrMapping/>
+  </p:clrMapOvr>
+</p:notes>
+</file>
+
+<file path=ppt/notesSlides/notesSlide6.xml><?xml version="1.0" encoding="utf-8"?>
+<p:notes xmlns:a="http://schemas.openxmlformats.org/drawingml/2006/main" xmlns:r="http://schemas.openxmlformats.org/officeDocument/2006/relationships" xmlns:p="http://schemas.openxmlformats.org/presentationml/2006/main">
+  <p:cSld>
+    <p:spTree>
+      <p:nvGrpSpPr>
+        <p:cNvPr id="1" name=""/>
+        <p:cNvGrpSpPr/>
+        <p:nvPr/>
+      </p:nvGrpSpPr>
+      <p:grpSpPr>
+        <a:xfrm>
+          <a:off x="0" y="0"/>
+          <a:ext cx="0" cy="0"/>
+          <a:chOff x="0" y="0"/>
+          <a:chExt cx="0" cy="0"/>
+        </a:xfrm>
+      </p:grpSpPr>
+      <p:sp>
+        <p:nvSpPr>
+          <p:cNvPr id="2" name="Slide Image Placeholder 1"/>
+          <p:cNvSpPr>
+            <a:spLocks noGrp="1" noRot="1" noChangeAspect="1"/>
+          </p:cNvSpPr>
+          <p:nvPr>
+            <p:ph type="sldImg"/>
+          </p:nvPr>
+        </p:nvSpPr>
+        <p:spPr/>
+      </p:sp>
+      <p:sp>
+        <p:nvSpPr>
+          <p:cNvPr id="3" name="Notes Placeholder 2"/>
+          <p:cNvSpPr>
+            <a:spLocks noGrp="1"/>
+          </p:cNvSpPr>
+          <p:nvPr>
+            <p:ph type="body" idx="1"/>
+          </p:nvPr>
+        </p:nvSpPr>
+        <p:spPr/>
+        <p:txBody>
+          <a:bodyPr/>
+          <a:lstStyle/>
+          <a:p>
+            <a:endParaRPr lang="en-US"/>
+          </a:p>
+        </p:txBody>
+      </p:sp>
+    </p:spTree>
+    <p:extLst>
+      <p:ext uri="{BB962C8B-B14F-4D97-AF65-F5344CB8AC3E}">
         <p14:creationId xmlns:p14="http://schemas.microsoft.com/office/powerpoint/2010/main" val="3366048368"/>
+      </p:ext>
+    </p:extLst>
+  </p:cSld>
+  <p:clrMapOvr>
+    <a:masterClrMapping/>
+  </p:clrMapOvr>
+</p:notes>
+</file>
+
+<file path=ppt/notesSlides/notesSlide7.xml><?xml version="1.0" encoding="utf-8"?>
+<p:notes xmlns:a="http://schemas.openxmlformats.org/drawingml/2006/main" xmlns:r="http://schemas.openxmlformats.org/officeDocument/2006/relationships" xmlns:p="http://schemas.openxmlformats.org/presentationml/2006/main">
+  <p:cSld>
+    <p:spTree>
+      <p:nvGrpSpPr>
+        <p:cNvPr id="1" name=""/>
+        <p:cNvGrpSpPr/>
+        <p:nvPr/>
+      </p:nvGrpSpPr>
+      <p:grpSpPr>
+        <a:xfrm>
+          <a:off x="0" y="0"/>
+          <a:ext cx="0" cy="0"/>
+          <a:chOff x="0" y="0"/>
+          <a:chExt cx="0" cy="0"/>
+        </a:xfrm>
+      </p:grpSpPr>
+      <p:sp>
+        <p:nvSpPr>
+          <p:cNvPr id="2" name="Slide Image Placeholder 1"/>
+          <p:cNvSpPr>
+            <a:spLocks noGrp="1" noRot="1" noChangeAspect="1"/>
+          </p:cNvSpPr>
+          <p:nvPr>
+            <p:ph type="sldImg"/>
+          </p:nvPr>
+        </p:nvSpPr>
+        <p:spPr/>
+      </p:sp>
+      <p:sp>
+        <p:nvSpPr>
+          <p:cNvPr id="3" name="Notes Placeholder 2"/>
+          <p:cNvSpPr>
+            <a:spLocks noGrp="1"/>
+          </p:cNvSpPr>
+          <p:nvPr>
+            <p:ph type="body" idx="1"/>
+          </p:nvPr>
+        </p:nvSpPr>
+        <p:spPr/>
+        <p:txBody>
+          <a:bodyPr/>
+          <a:lstStyle/>
+          <a:p>
+            <a:endParaRPr lang="en-US"/>
+          </a:p>
+        </p:txBody>
+      </p:sp>
+    </p:spTree>
+    <p:extLst>
+      <p:ext uri="{BB962C8B-B14F-4D97-AF65-F5344CB8AC3E}">
+        <p14:creationId xmlns:p14="http://schemas.microsoft.com/office/powerpoint/2010/main" val="3940822767"/>
+      </p:ext>
+    </p:extLst>
+  </p:cSld>
+  <p:clrMapOvr>
+    <a:masterClrMapping/>
+  </p:clrMapOvr>
+</p:notes>
+</file>
+
+<file path=ppt/notesSlides/notesSlide8.xml><?xml version="1.0" encoding="utf-8"?>
+<p:notes xmlns:a="http://schemas.openxmlformats.org/drawingml/2006/main" xmlns:r="http://schemas.openxmlformats.org/officeDocument/2006/relationships" xmlns:p="http://schemas.openxmlformats.org/presentationml/2006/main">
+  <p:cSld>
+    <p:spTree>
+      <p:nvGrpSpPr>
+        <p:cNvPr id="1" name=""/>
+        <p:cNvGrpSpPr/>
+        <p:nvPr/>
+      </p:nvGrpSpPr>
+      <p:grpSpPr>
+        <a:xfrm>
+          <a:off x="0" y="0"/>
+          <a:ext cx="0" cy="0"/>
+          <a:chOff x="0" y="0"/>
+          <a:chExt cx="0" cy="0"/>
+        </a:xfrm>
+      </p:grpSpPr>
+      <p:sp>
+        <p:nvSpPr>
+          <p:cNvPr id="2" name="Slide Image Placeholder 1"/>
+          <p:cNvSpPr>
+            <a:spLocks noGrp="1" noRot="1" noChangeAspect="1"/>
+          </p:cNvSpPr>
+          <p:nvPr>
+            <p:ph type="sldImg"/>
+          </p:nvPr>
+        </p:nvSpPr>
+        <p:spPr/>
+      </p:sp>
+      <p:sp>
+        <p:nvSpPr>
+          <p:cNvPr id="3" name="Notes Placeholder 2"/>
+          <p:cNvSpPr>
+            <a:spLocks noGrp="1"/>
+          </p:cNvSpPr>
+          <p:nvPr>
+            <p:ph type="body" idx="1"/>
+          </p:nvPr>
+        </p:nvSpPr>
+        <p:spPr/>
+        <p:txBody>
+          <a:bodyPr/>
+          <a:lstStyle/>
+          <a:p>
+            <a:endParaRPr lang="en-US"/>
+          </a:p>
+        </p:txBody>
+      </p:sp>
+    </p:spTree>
+    <p:extLst>
+      <p:ext uri="{BB962C8B-B14F-4D97-AF65-F5344CB8AC3E}">
+        <p14:creationId xmlns:p14="http://schemas.microsoft.com/office/powerpoint/2010/main" val="1869564588"/>
       </p:ext>
     </p:extLst>
   </p:cSld>
@@ -969,7 +1216,7 @@
           <a:p>
             <a:fld id="{5F4C8C79-FAFE-4D56-A4D5-361B65C3B3FA}" type="datetimeFigureOut">
               <a:rPr lang="en-US" smtClean="0"/>
-              <a:t>2/21/2020</a:t>
+              <a:t>6/2/2021</a:t>
             </a:fld>
             <a:endParaRPr lang="en-US"/>
           </a:p>
@@ -1139,7 +1386,7 @@
           <a:p>
             <a:fld id="{5F4C8C79-FAFE-4D56-A4D5-361B65C3B3FA}" type="datetimeFigureOut">
               <a:rPr lang="en-US" smtClean="0"/>
-              <a:t>2/21/2020</a:t>
+              <a:t>6/2/2021</a:t>
             </a:fld>
             <a:endParaRPr lang="en-US"/>
           </a:p>
@@ -1319,7 +1566,7 @@
           <a:p>
             <a:fld id="{5F4C8C79-FAFE-4D56-A4D5-361B65C3B3FA}" type="datetimeFigureOut">
               <a:rPr lang="en-US" smtClean="0"/>
-              <a:t>2/21/2020</a:t>
+              <a:t>6/2/2021</a:t>
             </a:fld>
             <a:endParaRPr lang="en-US"/>
           </a:p>
@@ -1520,7 +1767,7 @@
           <a:p>
             <a:fld id="{5F4C8C79-FAFE-4D56-A4D5-361B65C3B3FA}" type="datetimeFigureOut">
               <a:rPr lang="en-US" smtClean="0"/>
-              <a:t>2/21/2020</a:t>
+              <a:t>6/2/2021</a:t>
             </a:fld>
             <a:endParaRPr lang="en-US"/>
           </a:p>
@@ -1764,7 +2011,7 @@
           <a:p>
             <a:fld id="{5F4C8C79-FAFE-4D56-A4D5-361B65C3B3FA}" type="datetimeFigureOut">
               <a:rPr lang="en-US" smtClean="0"/>
-              <a:t>2/21/2020</a:t>
+              <a:t>6/2/2021</a:t>
             </a:fld>
             <a:endParaRPr lang="en-US"/>
           </a:p>
@@ -1996,7 +2243,7 @@
           <a:p>
             <a:fld id="{5F4C8C79-FAFE-4D56-A4D5-361B65C3B3FA}" type="datetimeFigureOut">
               <a:rPr lang="en-US" smtClean="0"/>
-              <a:t>2/21/2020</a:t>
+              <a:t>6/2/2021</a:t>
             </a:fld>
             <a:endParaRPr lang="en-US"/>
           </a:p>
@@ -2363,7 +2610,7 @@
           <a:p>
             <a:fld id="{5F4C8C79-FAFE-4D56-A4D5-361B65C3B3FA}" type="datetimeFigureOut">
               <a:rPr lang="en-US" smtClean="0"/>
-              <a:t>2/21/2020</a:t>
+              <a:t>6/2/2021</a:t>
             </a:fld>
             <a:endParaRPr lang="en-US"/>
           </a:p>
@@ -2481,7 +2728,7 @@
           <a:p>
             <a:fld id="{5F4C8C79-FAFE-4D56-A4D5-361B65C3B3FA}" type="datetimeFigureOut">
               <a:rPr lang="en-US" smtClean="0"/>
-              <a:t>2/21/2020</a:t>
+              <a:t>6/2/2021</a:t>
             </a:fld>
             <a:endParaRPr lang="en-US"/>
           </a:p>
@@ -2576,7 +2823,7 @@
           <a:p>
             <a:fld id="{5F4C8C79-FAFE-4D56-A4D5-361B65C3B3FA}" type="datetimeFigureOut">
               <a:rPr lang="en-US" smtClean="0"/>
-              <a:t>2/21/2020</a:t>
+              <a:t>6/2/2021</a:t>
             </a:fld>
             <a:endParaRPr lang="en-US"/>
           </a:p>
@@ -2853,7 +3100,7 @@
           <a:p>
             <a:fld id="{5F4C8C79-FAFE-4D56-A4D5-361B65C3B3FA}" type="datetimeFigureOut">
               <a:rPr lang="en-US" smtClean="0"/>
-              <a:t>2/21/2020</a:t>
+              <a:t>6/2/2021</a:t>
             </a:fld>
             <a:endParaRPr lang="en-US"/>
           </a:p>
@@ -3110,7 +3357,7 @@
           <a:p>
             <a:fld id="{5F4C8C79-FAFE-4D56-A4D5-361B65C3B3FA}" type="datetimeFigureOut">
               <a:rPr lang="en-US" smtClean="0"/>
-              <a:t>2/21/2020</a:t>
+              <a:t>6/2/2021</a:t>
             </a:fld>
             <a:endParaRPr lang="en-US"/>
           </a:p>
@@ -3323,7 +3570,7 @@
             <a:fld id="{5F4C8C79-FAFE-4D56-A4D5-361B65C3B3FA}" type="datetimeFigureOut">
               <a:rPr lang="en-US" smtClean="0"/>
               <a:pPr/>
-              <a:t>2/21/2020</a:t>
+              <a:t>6/2/2021</a:t>
             </a:fld>
             <a:endParaRPr lang="en-US" dirty="0"/>
           </a:p>
@@ -3800,14 +4047,14 @@
       </p:grpSpPr>
       <p:sp>
         <p:nvSpPr>
-          <p:cNvPr id="189" name="Shape 189"/>
+          <p:cNvPr id="78" name="Shape 78"/>
           <p:cNvSpPr/>
           <p:nvPr/>
         </p:nvSpPr>
         <p:spPr>
           <a:xfrm>
             <a:off x="386308" y="147496"/>
-            <a:ext cx="7757379" cy="553998"/>
+            <a:ext cx="8508310" cy="553998"/>
           </a:xfrm>
           <a:prstGeom prst="rect">
             <a:avLst/>
@@ -3817,12 +4064,12 @@
           </a:ln>
           <a:extLst>
             <a:ext uri="{C572A759-6A51-4108-AA02-DFA0A04FC94B}">
-              <ma14:wrappingTextBoxFlag xmlns:ma14="http://schemas.microsoft.com/office/mac/drawingml/2011/main" xmlns="" val="1"/>
+              <ma14:wrappingTextBoxFlag xmlns="" xmlns:ma14="http://schemas.microsoft.com/office/mac/drawingml/2011/main" val="1"/>
             </a:ext>
           </a:extLst>
         </p:spPr>
         <p:txBody>
-          <a:bodyPr lIns="45719" rIns="45719">
+          <a:bodyPr wrap="square" lIns="45719" rIns="45719">
             <a:spAutoFit/>
           </a:bodyPr>
           <a:lstStyle>
@@ -3854,7 +4101,7 @@
                 </a:uFill>
                 <a:latin typeface="Arial Unicode MS" panose="020B0604020202020204" pitchFamily="34" charset="-128"/>
               </a:rPr>
-              <a:t>WHERE …. IN …. practice</a:t>
+              <a:t>Simplifying Common Queries</a:t>
             </a:r>
             <a:endParaRPr sz="3000" b="1" dirty="0">
               <a:uFill>
@@ -3869,13 +4116,13 @@
       </p:sp>
       <p:sp>
         <p:nvSpPr>
-          <p:cNvPr id="190" name="Shape 190"/>
+          <p:cNvPr id="79" name="Shape 79"/>
           <p:cNvSpPr/>
           <p:nvPr/>
         </p:nvSpPr>
         <p:spPr>
           <a:xfrm>
-            <a:off x="469900" y="1324179"/>
+            <a:off x="469900" y="1282700"/>
             <a:ext cx="8204200" cy="307777"/>
           </a:xfrm>
           <a:prstGeom prst="rect">
@@ -3886,7 +4133,7 @@
           </a:ln>
           <a:extLst>
             <a:ext uri="{C572A759-6A51-4108-AA02-DFA0A04FC94B}">
-              <ma14:wrappingTextBoxFlag xmlns:ma14="http://schemas.microsoft.com/office/mac/drawingml/2011/main" xmlns="" val="1"/>
+              <ma14:wrappingTextBoxFlag xmlns="" xmlns:ma14="http://schemas.microsoft.com/office/mac/drawingml/2011/main" val="1"/>
             </a:ext>
           </a:extLst>
         </p:spPr>
@@ -3922,121 +4169,49 @@
       </p:sp>
       <p:sp>
         <p:nvSpPr>
-          <p:cNvPr id="2" name="TextBox 1"/>
-          <p:cNvSpPr txBox="1"/>
+          <p:cNvPr id="3" name="Rectangle 2"/>
+          <p:cNvSpPr/>
           <p:nvPr/>
         </p:nvSpPr>
         <p:spPr>
           <a:xfrm>
-            <a:off x="110532" y="1478067"/>
-            <a:ext cx="8912888" cy="5355312"/>
+            <a:off x="469900" y="1125743"/>
+            <a:ext cx="8044665" cy="5632311"/>
           </a:xfrm>
           <a:prstGeom prst="rect">
             <a:avLst/>
           </a:prstGeom>
-          <a:noFill/>
         </p:spPr>
         <p:txBody>
-          <a:bodyPr wrap="square" rtlCol="0">
+          <a:bodyPr wrap="square">
             <a:spAutoFit/>
           </a:bodyPr>
           <a:lstStyle/>
           <a:p>
-            <a:pPr marL="285750" indent="-285750">
-              <a:buFont typeface="Arial" panose="020B0604020202020204" pitchFamily="34" charset="0"/>
-              <a:buChar char="•"/>
-            </a:pPr>
-            <a:r>
-              <a:rPr lang="en-US" dirty="0"/>
-              <a:t>Using a WHERE…IN subquery, find the Drama movies.</a:t>
-            </a:r>
-          </a:p>
-          <a:p>
-            <a:pPr marL="742950" lvl="1" indent="-285750">
-              <a:buFont typeface="Arial" panose="020B0604020202020204" pitchFamily="34" charset="0"/>
-              <a:buChar char="•"/>
-            </a:pPr>
-            <a:r>
-              <a:rPr lang="en-US" dirty="0"/>
-              <a:t>Your subquery should return the IDs of Drama movies</a:t>
-            </a:r>
-          </a:p>
-          <a:p>
-            <a:pPr marL="742950" lvl="1" indent="-285750">
-              <a:buFont typeface="Arial" panose="020B0604020202020204" pitchFamily="34" charset="0"/>
-              <a:buChar char="•"/>
-            </a:pPr>
-            <a:r>
-              <a:rPr lang="en-US" dirty="0"/>
-              <a:t>Try also the same query with a JOIN</a:t>
-            </a:r>
-          </a:p>
-          <a:p>
-            <a:pPr marL="742950" lvl="1" indent="-285750">
-              <a:buFont typeface="Arial" panose="020B0604020202020204" pitchFamily="34" charset="0"/>
-              <a:buChar char="•"/>
-            </a:pPr>
+            <a:r>
+              <a:rPr lang="en-US" dirty="0"/>
+              <a:t>We can save the results of a query in order to reuse the results easier, using the “CREATE TEMPORARY TABLE” command.</a:t>
+            </a:r>
+          </a:p>
+          <a:p>
             <a:endParaRPr lang="en-US" dirty="0"/>
           </a:p>
           <a:p>
-            <a:pPr marL="285750" indent="-285750">
-              <a:buFont typeface="Arial" panose="020B0604020202020204" pitchFamily="34" charset="0"/>
-              <a:buChar char="•"/>
-            </a:pPr>
-            <a:r>
-              <a:rPr lang="en-US" dirty="0"/>
-              <a:t>Using a WHERE…IN subquery, </a:t>
-            </a:r>
+            <a:endParaRPr lang="en-US" b="1" dirty="0"/>
+          </a:p>
+          <a:p>
             <a:r>
               <a:rPr lang="en-US" b="1" dirty="0"/>
-              <a:t>remove</a:t>
-            </a:r>
-            <a:r>
-              <a:rPr lang="en-US" dirty="0"/>
-              <a:t> the Drama movies.</a:t>
-            </a:r>
-          </a:p>
-          <a:p>
-            <a:pPr marL="742950" lvl="1" indent="-285750">
-              <a:buFont typeface="Arial" panose="020B0604020202020204" pitchFamily="34" charset="0"/>
-              <a:buChar char="•"/>
-            </a:pPr>
-            <a:r>
-              <a:rPr lang="en-US" dirty="0"/>
-              <a:t>Use the NOT IN construct now</a:t>
-            </a:r>
-          </a:p>
-          <a:p>
-            <a:pPr marL="742950" lvl="1" indent="-285750">
-              <a:buFont typeface="Arial" panose="020B0604020202020204" pitchFamily="34" charset="0"/>
-              <a:buChar char="•"/>
-            </a:pPr>
-            <a:r>
-              <a:rPr lang="en-US" i="1" dirty="0"/>
-              <a:t>Notice that the JOIN query does not work for movies that have “Drama” and other genres associated with them</a:t>
+              <a:t>Example: </a:t>
             </a:r>
           </a:p>
           <a:p>
             <a:endParaRPr lang="en-US" dirty="0"/>
           </a:p>
           <a:p>
-            <a:pPr marL="285750" indent="-285750">
-              <a:buFont typeface="Arial" panose="020B0604020202020204" pitchFamily="34" charset="0"/>
-              <a:buChar char="•"/>
-            </a:pPr>
-            <a:r>
-              <a:rPr lang="en-US" dirty="0"/>
-              <a:t>Find the movies where Brad Pitt and George Clooney played.</a:t>
-            </a:r>
-          </a:p>
-          <a:p>
-            <a:pPr marL="742950" lvl="1" indent="-285750">
-              <a:buFont typeface="Arial" panose="020B0604020202020204" pitchFamily="34" charset="0"/>
-              <a:buChar char="•"/>
-            </a:pPr>
-            <a:r>
-              <a:rPr lang="en-US" dirty="0"/>
-              <a:t>Use the </a:t>
+            <a:r>
+              <a:rPr lang="en-US" b="1" dirty="0"/>
+              <a:t>CREATE TEMPORARY TABLE </a:t>
             </a:r>
             <a:r>
               <a:rPr lang="en-US" dirty="0" err="1"/>
@@ -4044,66 +4219,160 @@
             </a:r>
             <a:r>
               <a:rPr lang="en-US" dirty="0"/>
-              <a:t> temporary table that we defined before to find movie ids for Brad Pitt and George Clooney</a:t>
-            </a:r>
-          </a:p>
-          <a:p>
-            <a:pPr marL="742950" lvl="1" indent="-285750">
-              <a:buFont typeface="Arial" panose="020B0604020202020204" pitchFamily="34" charset="0"/>
-              <a:buChar char="•"/>
-            </a:pPr>
-            <a:r>
-              <a:rPr lang="en-US" dirty="0"/>
-              <a:t>Use the SELECT * FROM movies WHERE id IN (…) AND id IN (…) construct</a:t>
-            </a:r>
-          </a:p>
-          <a:p>
-            <a:pPr marL="742950" lvl="1" indent="-285750">
-              <a:buFont typeface="Arial" panose="020B0604020202020204" pitchFamily="34" charset="0"/>
-              <a:buChar char="•"/>
-            </a:pPr>
-            <a:r>
-              <a:rPr lang="en-US" dirty="0"/>
-              <a:t>Use the movie ids for Brad Pitt as a subquery, and the movie ids by George Clooney as another subquery</a:t>
-            </a:r>
+              <a:t> </a:t>
+            </a:r>
+            <a:r>
+              <a:rPr lang="en-US" b="1" dirty="0"/>
+              <a:t>AS</a:t>
+            </a:r>
+          </a:p>
+          <a:p>
+            <a:pPr lvl="1"/>
+            <a:r>
+              <a:rPr lang="en-US" b="1" dirty="0"/>
+              <a:t>SELECT</a:t>
+            </a:r>
+            <a:r>
+              <a:rPr lang="en-US" dirty="0"/>
+              <a:t> 	R.*, </a:t>
+            </a:r>
+          </a:p>
+          <a:p>
+            <a:pPr lvl="1"/>
+            <a:r>
+              <a:rPr lang="en-US" dirty="0"/>
+              <a:t>		M.name AS title, </a:t>
+            </a:r>
+            <a:r>
+              <a:rPr lang="en-US" dirty="0" err="1"/>
+              <a:t>M.year</a:t>
+            </a:r>
+            <a:r>
+              <a:rPr lang="en-US" dirty="0"/>
+              <a:t>, M. rating, </a:t>
+            </a:r>
+          </a:p>
+          <a:p>
+            <a:pPr lvl="1"/>
+            <a:r>
+              <a:rPr lang="en-US" dirty="0"/>
+              <a:t>		</a:t>
+            </a:r>
+            <a:r>
+              <a:rPr lang="en-US" dirty="0" err="1"/>
+              <a:t>A.first_name</a:t>
+            </a:r>
+            <a:r>
+              <a:rPr lang="en-US" dirty="0"/>
+              <a:t>, </a:t>
+            </a:r>
+            <a:r>
+              <a:rPr lang="en-US" dirty="0" err="1"/>
+              <a:t>A.last_name</a:t>
+            </a:r>
+            <a:r>
+              <a:rPr lang="en-US" dirty="0"/>
+              <a:t>, </a:t>
+            </a:r>
+            <a:r>
+              <a:rPr lang="en-US" dirty="0" err="1"/>
+              <a:t>A.gender</a:t>
+            </a:r>
+            <a:endParaRPr lang="en-US" dirty="0"/>
+          </a:p>
+          <a:p>
+            <a:pPr lvl="1"/>
+            <a:r>
+              <a:rPr lang="en-US" b="1" dirty="0"/>
+              <a:t>FROM</a:t>
+            </a:r>
+            <a:r>
+              <a:rPr lang="en-US" dirty="0"/>
+              <a:t> 	roles R </a:t>
+            </a:r>
+          </a:p>
+          <a:p>
+            <a:pPr lvl="1"/>
+            <a:r>
+              <a:rPr lang="en-US" dirty="0"/>
+              <a:t>		JOIN actors A ON A.id = </a:t>
+            </a:r>
+            <a:r>
+              <a:rPr lang="en-US" dirty="0" err="1"/>
+              <a:t>R.actor_id</a:t>
+            </a:r>
+            <a:r>
+              <a:rPr lang="en-US" dirty="0"/>
+              <a:t>    </a:t>
+            </a:r>
+          </a:p>
+          <a:p>
+            <a:pPr lvl="1"/>
+            <a:r>
+              <a:rPr lang="en-US" dirty="0"/>
+              <a:t>		JOIN movies M ON M.id = </a:t>
+            </a:r>
+            <a:r>
+              <a:rPr lang="en-US" dirty="0" err="1"/>
+              <a:t>R.movie_id</a:t>
+            </a:r>
+            <a:endParaRPr lang="en-US" dirty="0"/>
           </a:p>
           <a:p>
             <a:pPr lvl="1"/>
             <a:endParaRPr lang="en-US" dirty="0"/>
           </a:p>
           <a:p>
-            <a:pPr marL="285750" indent="-285750">
-              <a:buFont typeface="Arial" panose="020B0604020202020204" pitchFamily="34" charset="0"/>
-              <a:buChar char="•"/>
-            </a:pPr>
-            <a:r>
-              <a:rPr lang="en-US" dirty="0"/>
-              <a:t>Use a WHERE…IN subquery to find the favorite bands for students who like Radiohead?</a:t>
-            </a:r>
-          </a:p>
-          <a:p>
-            <a:pPr marL="742950" lvl="1" indent="-285750">
-              <a:buFont typeface="Arial" panose="020B0604020202020204" pitchFamily="34" charset="0"/>
-              <a:buChar char="•"/>
-            </a:pPr>
-            <a:r>
-              <a:rPr lang="en-US" dirty="0"/>
-              <a:t>Your subquery should return the IDs of students that like Radiohead</a:t>
-            </a:r>
-          </a:p>
-          <a:p>
-            <a:pPr marL="285750" indent="-285750">
-              <a:buFont typeface="Arial" panose="020B0604020202020204" pitchFamily="34" charset="0"/>
-              <a:buChar char="•"/>
-            </a:pPr>
+            <a:r>
+              <a:rPr lang="en-US" dirty="0"/>
+              <a:t>Then we can write</a:t>
+            </a:r>
+          </a:p>
+          <a:p>
+            <a:pPr lvl="1"/>
             <a:endParaRPr lang="en-US" dirty="0"/>
+          </a:p>
+          <a:p>
+            <a:r>
+              <a:rPr lang="en-US" b="1" dirty="0"/>
+              <a:t>SELECT</a:t>
+            </a:r>
+            <a:r>
+              <a:rPr lang="en-US" dirty="0"/>
+              <a:t> * </a:t>
+            </a:r>
+            <a:br>
+              <a:rPr lang="en-US" dirty="0"/>
+            </a:br>
+            <a:r>
+              <a:rPr lang="en-US" b="1" dirty="0"/>
+              <a:t>FROM</a:t>
+            </a:r>
+            <a:r>
+              <a:rPr lang="en-US" dirty="0"/>
+              <a:t> </a:t>
+            </a:r>
+            <a:r>
+              <a:rPr lang="en-US" dirty="0" err="1"/>
+              <a:t>movies_all</a:t>
+            </a:r>
+            <a:br>
+              <a:rPr lang="en-US" dirty="0"/>
+            </a:br>
+            <a:br>
+              <a:rPr lang="en-US" dirty="0"/>
+            </a:br>
+            <a:r>
+              <a:rPr lang="en-US" dirty="0"/>
+              <a:t>to access the results of the query	</a:t>
+            </a:r>
           </a:p>
         </p:txBody>
       </p:sp>
     </p:spTree>
     <p:extLst>
       <p:ext uri="{BB962C8B-B14F-4D97-AF65-F5344CB8AC3E}">
-        <p14:creationId xmlns:p14="http://schemas.microsoft.com/office/powerpoint/2010/main" val="2399789476"/>
+        <p14:creationId xmlns:p14="http://schemas.microsoft.com/office/powerpoint/2010/main" val="186090299"/>
       </p:ext>
     </p:extLst>
   </p:cSld>
@@ -4133,6 +4402,975 @@
       </p:grpSpPr>
       <p:sp>
         <p:nvSpPr>
+          <p:cNvPr id="2" name="Rectangle 1">
+            <a:extLst>
+              <a:ext uri="{FF2B5EF4-FFF2-40B4-BE49-F238E27FC236}">
+                <a16:creationId xmlns:a16="http://schemas.microsoft.com/office/drawing/2014/main" id="{43F8E41D-CF41-4BBE-BF30-2C6EBA824B8E}"/>
+              </a:ext>
+            </a:extLst>
+          </p:cNvPr>
+          <p:cNvSpPr/>
+          <p:nvPr/>
+        </p:nvSpPr>
+        <p:spPr>
+          <a:xfrm>
+            <a:off x="1298863" y="1870362"/>
+            <a:ext cx="7424304" cy="2862322"/>
+          </a:xfrm>
+          <a:prstGeom prst="rect">
+            <a:avLst/>
+          </a:prstGeom>
+        </p:spPr>
+        <p:txBody>
+          <a:bodyPr wrap="square">
+            <a:spAutoFit/>
+          </a:bodyPr>
+          <a:lstStyle/>
+          <a:p>
+            <a:r>
+              <a:rPr lang="en-US" b="1" dirty="0"/>
+              <a:t>CREATE TEMPORARY TABLE </a:t>
+            </a:r>
+            <a:r>
+              <a:rPr lang="en-US" dirty="0" err="1"/>
+              <a:t>actor_stats</a:t>
+            </a:r>
+            <a:r>
+              <a:rPr lang="en-US" dirty="0"/>
+              <a:t> AS	</a:t>
+            </a:r>
+          </a:p>
+          <a:p>
+            <a:r>
+              <a:rPr lang="en-US" dirty="0"/>
+              <a:t>	</a:t>
+            </a:r>
+            <a:r>
+              <a:rPr lang="en-US" b="1" dirty="0"/>
+              <a:t>SELECT</a:t>
+            </a:r>
+            <a:r>
+              <a:rPr lang="en-US" dirty="0"/>
+              <a:t> 	</a:t>
+            </a:r>
+            <a:r>
+              <a:rPr lang="en-US" dirty="0" err="1"/>
+              <a:t>actor_id</a:t>
+            </a:r>
+            <a:r>
+              <a:rPr lang="en-US" dirty="0"/>
+              <a:t>, </a:t>
+            </a:r>
+          </a:p>
+          <a:p>
+            <a:r>
+              <a:rPr lang="en-US" dirty="0"/>
+              <a:t>		ROUND(AVG(rating),2) AS rating, </a:t>
+            </a:r>
+          </a:p>
+          <a:p>
+            <a:r>
+              <a:rPr lang="en-US" dirty="0"/>
+              <a:t>		COUNT(*) AS </a:t>
+            </a:r>
+            <a:r>
+              <a:rPr lang="en-US" dirty="0" err="1"/>
+              <a:t>num_movies</a:t>
+            </a:r>
+            <a:r>
+              <a:rPr lang="en-US" dirty="0"/>
+              <a:t>, </a:t>
+            </a:r>
+          </a:p>
+          <a:p>
+            <a:r>
+              <a:rPr lang="en-US" dirty="0"/>
+              <a:t>		COUNT(rating) AS </a:t>
+            </a:r>
+            <a:r>
+              <a:rPr lang="en-US" dirty="0" err="1"/>
+              <a:t>rated_movies</a:t>
+            </a:r>
+            <a:r>
+              <a:rPr lang="en-US" dirty="0"/>
+              <a:t>	</a:t>
+            </a:r>
+          </a:p>
+          <a:p>
+            <a:r>
+              <a:rPr lang="en-US" dirty="0"/>
+              <a:t>	</a:t>
+            </a:r>
+            <a:r>
+              <a:rPr lang="en-US" b="1" dirty="0"/>
+              <a:t>FROM</a:t>
+            </a:r>
+            <a:r>
+              <a:rPr lang="en-US" dirty="0"/>
+              <a:t> 	</a:t>
+            </a:r>
+            <a:r>
+              <a:rPr lang="en-US" dirty="0" err="1"/>
+              <a:t>movies_all</a:t>
+            </a:r>
+            <a:r>
+              <a:rPr lang="en-US" dirty="0"/>
+              <a:t>	</a:t>
+            </a:r>
+          </a:p>
+          <a:p>
+            <a:r>
+              <a:rPr lang="en-US" dirty="0"/>
+              <a:t>	</a:t>
+            </a:r>
+            <a:r>
+              <a:rPr lang="en-US" b="1" dirty="0"/>
+              <a:t>GROUP BY </a:t>
+            </a:r>
+            <a:r>
+              <a:rPr lang="en-US" dirty="0" err="1"/>
+              <a:t>actor_id</a:t>
+            </a:r>
+            <a:endParaRPr lang="en-US" dirty="0"/>
+          </a:p>
+          <a:p>
+            <a:endParaRPr lang="en-US" dirty="0"/>
+          </a:p>
+          <a:p>
+            <a:r>
+              <a:rPr lang="en-US" b="1" dirty="0"/>
+              <a:t>Practice</a:t>
+            </a:r>
+            <a:r>
+              <a:rPr lang="en-US" dirty="0"/>
+              <a:t>: Using the table above, find “great actors”. A “great actor” has a an average rating of 6.5 and above, and starred in at least 40 rated movies.</a:t>
+            </a:r>
+          </a:p>
+        </p:txBody>
+      </p:sp>
+      <p:sp>
+        <p:nvSpPr>
+          <p:cNvPr id="3" name="Shape 78">
+            <a:extLst>
+              <a:ext uri="{FF2B5EF4-FFF2-40B4-BE49-F238E27FC236}">
+                <a16:creationId xmlns:a16="http://schemas.microsoft.com/office/drawing/2014/main" id="{005BE6A0-62B3-4E90-85CF-0ECEBC21EBC6}"/>
+              </a:ext>
+            </a:extLst>
+          </p:cNvPr>
+          <p:cNvSpPr/>
+          <p:nvPr/>
+        </p:nvSpPr>
+        <p:spPr>
+          <a:xfrm>
+            <a:off x="386308" y="147496"/>
+            <a:ext cx="7757379" cy="553998"/>
+          </a:xfrm>
+          <a:prstGeom prst="rect">
+            <a:avLst/>
+          </a:prstGeom>
+          <a:ln w="12700">
+            <a:miter lim="400000"/>
+          </a:ln>
+          <a:extLst>
+            <a:ext uri="{C572A759-6A51-4108-AA02-DFA0A04FC94B}">
+              <ma14:wrappingTextBoxFlag xmlns="" xmlns:ma14="http://schemas.microsoft.com/office/mac/drawingml/2011/main" val="1"/>
+            </a:ext>
+          </a:extLst>
+        </p:spPr>
+        <p:txBody>
+          <a:bodyPr lIns="45719" rIns="45719">
+            <a:spAutoFit/>
+          </a:bodyPr>
+          <a:lstStyle>
+            <a:lvl1pPr>
+              <a:defRPr sz="3000" b="1">
+                <a:uFill>
+                  <a:solidFill>
+                    <a:srgbClr val="FFFFFF"/>
+                  </a:solidFill>
+                </a:uFill>
+              </a:defRPr>
+            </a:lvl1pPr>
+          </a:lstStyle>
+          <a:p>
+            <a:pPr lvl="0">
+              <a:defRPr sz="1800" b="0">
+                <a:solidFill>
+                  <a:srgbClr val="000000"/>
+                </a:solidFill>
+                <a:uFillTx/>
+              </a:defRPr>
+            </a:pPr>
+            <a:r>
+              <a:rPr lang="en-US" sz="3000" b="1" dirty="0">
+                <a:uFill>
+                  <a:solidFill>
+                    <a:srgbClr val="FFFFFF"/>
+                  </a:solidFill>
+                </a:uFill>
+                <a:latin typeface="Arial Unicode MS" panose="020B0604020202020204" pitchFamily="34" charset="-128"/>
+              </a:rPr>
+              <a:t>Building on top of “saved” queries</a:t>
+            </a:r>
+            <a:endParaRPr sz="3000" b="1" dirty="0">
+              <a:uFill>
+                <a:solidFill>
+                  <a:srgbClr val="FFFFFF"/>
+                </a:solidFill>
+              </a:uFill>
+              <a:latin typeface="Arial Unicode MS" panose="020B0604020202020204" pitchFamily="34" charset="-128"/>
+            </a:endParaRPr>
+          </a:p>
+        </p:txBody>
+      </p:sp>
+    </p:spTree>
+    <p:extLst>
+      <p:ext uri="{BB962C8B-B14F-4D97-AF65-F5344CB8AC3E}">
+        <p14:creationId xmlns:p14="http://schemas.microsoft.com/office/powerpoint/2010/main" val="2089849744"/>
+      </p:ext>
+    </p:extLst>
+  </p:cSld>
+  <p:clrMapOvr>
+    <a:masterClrMapping/>
+  </p:clrMapOvr>
+  <p:transition spd="med"/>
+</p:sld>
+</file>
+
+<file path=ppt/slides/slide12.xml><?xml version="1.0" encoding="utf-8"?>
+<p:sld xmlns:a="http://schemas.openxmlformats.org/drawingml/2006/main" xmlns:r="http://schemas.openxmlformats.org/officeDocument/2006/relationships" xmlns:p="http://schemas.openxmlformats.org/presentationml/2006/main">
+  <p:cSld>
+    <p:spTree>
+      <p:nvGrpSpPr>
+        <p:cNvPr id="1" name=""/>
+        <p:cNvGrpSpPr/>
+        <p:nvPr/>
+      </p:nvGrpSpPr>
+      <p:grpSpPr>
+        <a:xfrm>
+          <a:off x="0" y="0"/>
+          <a:ext cx="0" cy="0"/>
+          <a:chOff x="0" y="0"/>
+          <a:chExt cx="0" cy="0"/>
+        </a:xfrm>
+      </p:grpSpPr>
+      <p:sp>
+        <p:nvSpPr>
+          <p:cNvPr id="189" name="Shape 189"/>
+          <p:cNvSpPr/>
+          <p:nvPr/>
+        </p:nvSpPr>
+        <p:spPr>
+          <a:xfrm>
+            <a:off x="386308" y="147496"/>
+            <a:ext cx="7757379" cy="553998"/>
+          </a:xfrm>
+          <a:prstGeom prst="rect">
+            <a:avLst/>
+          </a:prstGeom>
+          <a:ln w="12700">
+            <a:miter lim="400000"/>
+          </a:ln>
+          <a:extLst>
+            <a:ext uri="{C572A759-6A51-4108-AA02-DFA0A04FC94B}">
+              <ma14:wrappingTextBoxFlag xmlns="" xmlns:ma14="http://schemas.microsoft.com/office/mac/drawingml/2011/main" val="1"/>
+            </a:ext>
+          </a:extLst>
+        </p:spPr>
+        <p:txBody>
+          <a:bodyPr lIns="45719" rIns="45719">
+            <a:spAutoFit/>
+          </a:bodyPr>
+          <a:lstStyle>
+            <a:lvl1pPr>
+              <a:defRPr sz="3000" b="1">
+                <a:uFill>
+                  <a:solidFill>
+                    <a:srgbClr val="FFFFFF"/>
+                  </a:solidFill>
+                </a:uFill>
+              </a:defRPr>
+            </a:lvl1pPr>
+          </a:lstStyle>
+          <a:p>
+            <a:pPr lvl="0">
+              <a:defRPr sz="1800" b="0">
+                <a:solidFill>
+                  <a:srgbClr val="000000"/>
+                </a:solidFill>
+                <a:uFillTx/>
+              </a:defRPr>
+            </a:pPr>
+            <a:r>
+              <a:rPr lang="en-US" sz="3000" b="1" dirty="0">
+                <a:uFill>
+                  <a:solidFill>
+                    <a:srgbClr val="FFFFFF"/>
+                  </a:solidFill>
+                </a:uFill>
+                <a:latin typeface="Arial Unicode MS" panose="020B0604020202020204" pitchFamily="34" charset="-128"/>
+              </a:rPr>
+              <a:t>Further Practice</a:t>
+            </a:r>
+            <a:endParaRPr sz="3000" b="1" dirty="0">
+              <a:uFill>
+                <a:solidFill>
+                  <a:srgbClr val="FFFFFF"/>
+                </a:solidFill>
+              </a:uFill>
+              <a:latin typeface="Arial Unicode MS" panose="020B0604020202020204" pitchFamily="34" charset="-128"/>
+            </a:endParaRPr>
+          </a:p>
+        </p:txBody>
+      </p:sp>
+      <p:sp>
+        <p:nvSpPr>
+          <p:cNvPr id="190" name="Shape 190"/>
+          <p:cNvSpPr/>
+          <p:nvPr/>
+        </p:nvSpPr>
+        <p:spPr>
+          <a:xfrm>
+            <a:off x="469900" y="1324179"/>
+            <a:ext cx="8204200" cy="307777"/>
+          </a:xfrm>
+          <a:prstGeom prst="rect">
+            <a:avLst/>
+          </a:prstGeom>
+          <a:ln w="12700">
+            <a:miter lim="400000"/>
+          </a:ln>
+          <a:extLst>
+            <a:ext uri="{C572A759-6A51-4108-AA02-DFA0A04FC94B}">
+              <ma14:wrappingTextBoxFlag xmlns="" xmlns:ma14="http://schemas.microsoft.com/office/mac/drawingml/2011/main" val="1"/>
+            </a:ext>
+          </a:extLst>
+        </p:spPr>
+        <p:txBody>
+          <a:bodyPr lIns="0" tIns="0" rIns="0" bIns="0">
+            <a:spAutoFit/>
+          </a:bodyPr>
+          <a:lstStyle/>
+          <a:p>
+            <a:pPr lvl="0">
+              <a:spcBef>
+                <a:spcPts val="700"/>
+              </a:spcBef>
+              <a:buSzPct val="100000"/>
+              <a:defRPr sz="1800">
+                <a:solidFill>
+                  <a:srgbClr val="000000"/>
+                </a:solidFill>
+                <a:uFillTx/>
+              </a:defRPr>
+            </a:pPr>
+            <a:endParaRPr sz="2000" dirty="0">
+              <a:uFill>
+                <a:solidFill/>
+              </a:uFill>
+              <a:latin typeface="Arial Unicode MS" panose="020B0604020202020204" pitchFamily="34" charset="-128"/>
+              <a:ea typeface="Arial Unicode MS" panose="020B0604020202020204" pitchFamily="34" charset="-128"/>
+              <a:cs typeface="Arial Unicode MS" panose="020B0604020202020204" pitchFamily="34" charset="-128"/>
+              <a:sym typeface="Iowan Old Style Roman"/>
+            </a:endParaRPr>
+          </a:p>
+        </p:txBody>
+      </p:sp>
+      <p:sp>
+        <p:nvSpPr>
+          <p:cNvPr id="2" name="TextBox 1"/>
+          <p:cNvSpPr txBox="1"/>
+          <p:nvPr/>
+        </p:nvSpPr>
+        <p:spPr>
+          <a:xfrm>
+            <a:off x="110532" y="1478067"/>
+            <a:ext cx="8912888" cy="3416320"/>
+          </a:xfrm>
+          <a:prstGeom prst="rect">
+            <a:avLst/>
+          </a:prstGeom>
+          <a:noFill/>
+        </p:spPr>
+        <p:txBody>
+          <a:bodyPr wrap="square" rtlCol="0">
+            <a:spAutoFit/>
+          </a:bodyPr>
+          <a:lstStyle/>
+          <a:p>
+            <a:r>
+              <a:rPr lang="en-US" dirty="0"/>
+              <a:t>Longer example:</a:t>
+            </a:r>
+          </a:p>
+          <a:p>
+            <a:pPr marL="285750" indent="-285750">
+              <a:buFont typeface="Arial" panose="020B0604020202020204" pitchFamily="34" charset="0"/>
+              <a:buChar char="•"/>
+            </a:pPr>
+            <a:r>
+              <a:rPr lang="en-US" b="1" dirty="0"/>
+              <a:t>Find the movies with at least 5 “great actors”. </a:t>
+            </a:r>
+          </a:p>
+          <a:p>
+            <a:pPr marL="742950" lvl="1" indent="-285750">
+              <a:buFont typeface="Arial" panose="020B0604020202020204" pitchFamily="34" charset="0"/>
+              <a:buChar char="•"/>
+            </a:pPr>
+            <a:r>
+              <a:rPr lang="en-US" dirty="0"/>
+              <a:t>A “great actor” has an average rating of 6.5 and above and starred in at least 40 rated movies.</a:t>
+            </a:r>
+          </a:p>
+          <a:p>
+            <a:pPr marL="742950" lvl="1" indent="-285750">
+              <a:buFont typeface="Arial" panose="020B0604020202020204" pitchFamily="34" charset="0"/>
+              <a:buChar char="•"/>
+            </a:pPr>
+            <a:r>
+              <a:rPr lang="en-US" i="1" dirty="0"/>
+              <a:t>Hints: </a:t>
+            </a:r>
+          </a:p>
+          <a:p>
+            <a:pPr marL="1200150" lvl="2" indent="-285750">
+              <a:buFont typeface="Arial" panose="020B0604020202020204" pitchFamily="34" charset="0"/>
+              <a:buChar char="•"/>
+            </a:pPr>
+            <a:r>
+              <a:rPr lang="en-US" i="1" dirty="0"/>
+              <a:t>Write a query that retrieves the “great actors” (there are 221 of them) and return their actor ids.</a:t>
+            </a:r>
+          </a:p>
+          <a:p>
+            <a:pPr marL="1200150" lvl="2" indent="-285750">
+              <a:buFont typeface="Arial" panose="020B0604020202020204" pitchFamily="34" charset="0"/>
+              <a:buChar char="•"/>
+            </a:pPr>
+            <a:r>
+              <a:rPr lang="en-US" i="1" dirty="0"/>
+              <a:t>Then write a query on roles, limiting your query to only include actors with ids in the list of “great actors” ids.</a:t>
+            </a:r>
+          </a:p>
+          <a:p>
+            <a:pPr marL="1200150" lvl="2" indent="-285750">
+              <a:buFont typeface="Arial" panose="020B0604020202020204" pitchFamily="34" charset="0"/>
+              <a:buChar char="•"/>
+            </a:pPr>
+            <a:r>
+              <a:rPr lang="en-US" i="1" dirty="0"/>
+              <a:t>Use GROUP BY to count the number of “great actors” for each movie and use HAVING to limit the results</a:t>
+            </a:r>
+          </a:p>
+          <a:p>
+            <a:pPr marL="285750" indent="-285750">
+              <a:buFont typeface="Arial" panose="020B0604020202020204" pitchFamily="34" charset="0"/>
+              <a:buChar char="•"/>
+            </a:pPr>
+            <a:endParaRPr lang="en-US" dirty="0"/>
+          </a:p>
+        </p:txBody>
+      </p:sp>
+    </p:spTree>
+    <p:extLst>
+      <p:ext uri="{BB962C8B-B14F-4D97-AF65-F5344CB8AC3E}">
+        <p14:creationId xmlns:p14="http://schemas.microsoft.com/office/powerpoint/2010/main" val="3465495791"/>
+      </p:ext>
+    </p:extLst>
+  </p:cSld>
+  <p:clrMapOvr>
+    <a:masterClrMapping/>
+  </p:clrMapOvr>
+  <p:transition spd="med"/>
+</p:sld>
+</file>
+
+<file path=ppt/slides/slide13.xml><?xml version="1.0" encoding="utf-8"?>
+<p:sld xmlns:a="http://schemas.openxmlformats.org/drawingml/2006/main" xmlns:r="http://schemas.openxmlformats.org/officeDocument/2006/relationships" xmlns:p="http://schemas.openxmlformats.org/presentationml/2006/main">
+  <p:cSld>
+    <p:spTree>
+      <p:nvGrpSpPr>
+        <p:cNvPr id="1" name=""/>
+        <p:cNvGrpSpPr/>
+        <p:nvPr/>
+      </p:nvGrpSpPr>
+      <p:grpSpPr>
+        <a:xfrm>
+          <a:off x="0" y="0"/>
+          <a:ext cx="0" cy="0"/>
+          <a:chOff x="0" y="0"/>
+          <a:chExt cx="0" cy="0"/>
+        </a:xfrm>
+      </p:grpSpPr>
+      <p:sp>
+        <p:nvSpPr>
+          <p:cNvPr id="78" name="Shape 78"/>
+          <p:cNvSpPr/>
+          <p:nvPr/>
+        </p:nvSpPr>
+        <p:spPr>
+          <a:xfrm>
+            <a:off x="386308" y="147496"/>
+            <a:ext cx="7757379" cy="1015663"/>
+          </a:xfrm>
+          <a:prstGeom prst="rect">
+            <a:avLst/>
+          </a:prstGeom>
+          <a:ln w="12700">
+            <a:miter lim="400000"/>
+          </a:ln>
+          <a:extLst>
+            <a:ext uri="{C572A759-6A51-4108-AA02-DFA0A04FC94B}">
+              <ma14:wrappingTextBoxFlag xmlns="" xmlns:ma14="http://schemas.microsoft.com/office/mac/drawingml/2011/main" val="1"/>
+            </a:ext>
+          </a:extLst>
+        </p:spPr>
+        <p:txBody>
+          <a:bodyPr lIns="45719" rIns="45719">
+            <a:spAutoFit/>
+          </a:bodyPr>
+          <a:lstStyle>
+            <a:lvl1pPr>
+              <a:defRPr sz="3000" b="1">
+                <a:uFill>
+                  <a:solidFill>
+                    <a:srgbClr val="FFFFFF"/>
+                  </a:solidFill>
+                </a:uFill>
+              </a:defRPr>
+            </a:lvl1pPr>
+          </a:lstStyle>
+          <a:p>
+            <a:pPr lvl="0">
+              <a:defRPr sz="1800" b="0">
+                <a:solidFill>
+                  <a:srgbClr val="000000"/>
+                </a:solidFill>
+                <a:uFillTx/>
+              </a:defRPr>
+            </a:pPr>
+            <a:r>
+              <a:rPr sz="3000" b="1" dirty="0">
+                <a:uFill>
+                  <a:solidFill>
+                    <a:srgbClr val="FFFFFF"/>
+                  </a:solidFill>
+                </a:uFill>
+                <a:latin typeface="Arial Unicode MS" panose="020B0604020202020204" pitchFamily="34" charset="-128"/>
+              </a:rPr>
+              <a:t>Subqueries</a:t>
+            </a:r>
+            <a:r>
+              <a:rPr lang="en-US" sz="3000" b="1" dirty="0">
+                <a:uFill>
+                  <a:solidFill>
+                    <a:srgbClr val="FFFFFF"/>
+                  </a:solidFill>
+                </a:uFill>
+                <a:latin typeface="Arial Unicode MS" panose="020B0604020202020204" pitchFamily="34" charset="-128"/>
+              </a:rPr>
+              <a:t> Pr</a:t>
+            </a:r>
+            <a:r>
+              <a:rPr sz="3000" b="1" dirty="0">
+                <a:uFill>
+                  <a:solidFill>
+                    <a:srgbClr val="FFFFFF"/>
+                  </a:solidFill>
+                </a:uFill>
+                <a:latin typeface="Arial Unicode MS" panose="020B0604020202020204" pitchFamily="34" charset="-128"/>
+              </a:rPr>
+              <a:t>actice </a:t>
+            </a:r>
+            <a:r>
+              <a:rPr lang="en-US" sz="3000" b="1" dirty="0">
+                <a:uFill>
+                  <a:solidFill>
+                    <a:srgbClr val="FFFFFF"/>
+                  </a:solidFill>
+                </a:uFill>
+                <a:latin typeface="Arial Unicode MS" panose="020B0604020202020204" pitchFamily="34" charset="-128"/>
+              </a:rPr>
+              <a:t>Query: </a:t>
+            </a:r>
+            <a:br>
+              <a:rPr lang="en-US" sz="3000" b="1" dirty="0">
+                <a:uFill>
+                  <a:solidFill>
+                    <a:srgbClr val="FFFFFF"/>
+                  </a:solidFill>
+                </a:uFill>
+                <a:latin typeface="Arial Unicode MS" panose="020B0604020202020204" pitchFamily="34" charset="-128"/>
+              </a:rPr>
+            </a:br>
+            <a:r>
+              <a:rPr lang="en-US" sz="3000" b="1" dirty="0">
+                <a:uFill>
+                  <a:solidFill>
+                    <a:srgbClr val="FFFFFF"/>
+                  </a:solidFill>
+                </a:uFill>
+                <a:latin typeface="Arial Unicode MS" panose="020B0604020202020204" pitchFamily="34" charset="-128"/>
+              </a:rPr>
+              <a:t>Books and Political Views</a:t>
+            </a:r>
+            <a:endParaRPr sz="3000" b="1" dirty="0">
+              <a:uFill>
+                <a:solidFill>
+                  <a:srgbClr val="FFFFFF"/>
+                </a:solidFill>
+              </a:uFill>
+              <a:latin typeface="Arial Unicode MS" panose="020B0604020202020204" pitchFamily="34" charset="-128"/>
+            </a:endParaRPr>
+          </a:p>
+        </p:txBody>
+      </p:sp>
+      <p:sp>
+        <p:nvSpPr>
+          <p:cNvPr id="79" name="Shape 79"/>
+          <p:cNvSpPr/>
+          <p:nvPr/>
+        </p:nvSpPr>
+        <p:spPr>
+          <a:xfrm>
+            <a:off x="469900" y="1282700"/>
+            <a:ext cx="8204200" cy="307777"/>
+          </a:xfrm>
+          <a:prstGeom prst="rect">
+            <a:avLst/>
+          </a:prstGeom>
+          <a:ln w="12700">
+            <a:miter lim="400000"/>
+          </a:ln>
+          <a:extLst>
+            <a:ext uri="{C572A759-6A51-4108-AA02-DFA0A04FC94B}">
+              <ma14:wrappingTextBoxFlag xmlns="" xmlns:ma14="http://schemas.microsoft.com/office/mac/drawingml/2011/main" val="1"/>
+            </a:ext>
+          </a:extLst>
+        </p:spPr>
+        <p:txBody>
+          <a:bodyPr lIns="0" tIns="0" rIns="0" bIns="0">
+            <a:spAutoFit/>
+          </a:bodyPr>
+          <a:lstStyle/>
+          <a:p>
+            <a:pPr lvl="0">
+              <a:spcBef>
+                <a:spcPts val="700"/>
+              </a:spcBef>
+              <a:buSzPct val="100000"/>
+              <a:defRPr sz="1800">
+                <a:solidFill>
+                  <a:srgbClr val="000000"/>
+                </a:solidFill>
+                <a:uFillTx/>
+              </a:defRPr>
+            </a:pPr>
+            <a:endParaRPr sz="2000" dirty="0">
+              <a:uFill>
+                <a:solidFill/>
+              </a:uFill>
+              <a:latin typeface="Arial Unicode MS" panose="020B0604020202020204" pitchFamily="34" charset="-128"/>
+              <a:ea typeface="Arial Unicode MS" panose="020B0604020202020204" pitchFamily="34" charset="-128"/>
+              <a:cs typeface="Arial Unicode MS" panose="020B0604020202020204" pitchFamily="34" charset="-128"/>
+              <a:sym typeface="Iowan Old Style Roman"/>
+            </a:endParaRPr>
+          </a:p>
+        </p:txBody>
+      </p:sp>
+      <p:sp>
+        <p:nvSpPr>
+          <p:cNvPr id="4" name="TextBox 3"/>
+          <p:cNvSpPr txBox="1"/>
+          <p:nvPr/>
+        </p:nvSpPr>
+        <p:spPr>
+          <a:xfrm>
+            <a:off x="529119" y="1376737"/>
+            <a:ext cx="8211227" cy="6463308"/>
+          </a:xfrm>
+          <a:prstGeom prst="rect">
+            <a:avLst/>
+          </a:prstGeom>
+          <a:noFill/>
+        </p:spPr>
+        <p:txBody>
+          <a:bodyPr wrap="square" rtlCol="0">
+            <a:spAutoFit/>
+          </a:bodyPr>
+          <a:lstStyle/>
+          <a:p>
+            <a:pPr marL="285750" indent="-285750">
+              <a:buFont typeface="Arial" panose="020B0604020202020204" pitchFamily="34" charset="0"/>
+              <a:buChar char="•"/>
+            </a:pPr>
+            <a:endParaRPr lang="en-US" dirty="0"/>
+          </a:p>
+          <a:p>
+            <a:pPr marL="285750" indent="-285750">
+              <a:buFont typeface="Arial" panose="020B0604020202020204" pitchFamily="34" charset="0"/>
+              <a:buChar char="•"/>
+            </a:pPr>
+            <a:r>
+              <a:rPr lang="en-US" dirty="0"/>
+              <a:t>Compare the favorite books of liberal and conservative students</a:t>
+            </a:r>
+          </a:p>
+          <a:p>
+            <a:pPr marL="742950" lvl="1" indent="-285750">
+              <a:buFont typeface="Arial" panose="020B0604020202020204" pitchFamily="34" charset="0"/>
+              <a:buChar char="•"/>
+            </a:pPr>
+            <a:r>
+              <a:rPr lang="en-US" dirty="0" err="1"/>
+              <a:t>Subquery</a:t>
+            </a:r>
+            <a:r>
+              <a:rPr lang="en-US" dirty="0"/>
+              <a:t> 1: Get the list of books (with counts) of all liberal students</a:t>
+            </a:r>
+          </a:p>
+          <a:p>
+            <a:pPr marL="742950" lvl="1" indent="-285750">
+              <a:buFont typeface="Arial" panose="020B0604020202020204" pitchFamily="34" charset="0"/>
+              <a:buChar char="•"/>
+            </a:pPr>
+            <a:r>
+              <a:rPr lang="en-US" dirty="0" err="1"/>
+              <a:t>Subquery</a:t>
+            </a:r>
+            <a:r>
+              <a:rPr lang="en-US" dirty="0"/>
+              <a:t> 2: Get the list of books (with counts) of all conservative students</a:t>
+            </a:r>
+          </a:p>
+          <a:p>
+            <a:pPr marL="742950" lvl="1" indent="-285750">
+              <a:buFont typeface="Arial" panose="020B0604020202020204" pitchFamily="34" charset="0"/>
+              <a:buChar char="•"/>
+            </a:pPr>
+            <a:r>
+              <a:rPr lang="en-US" dirty="0"/>
+              <a:t>Join the two on book name and compare counts</a:t>
+            </a:r>
+          </a:p>
+          <a:p>
+            <a:pPr marL="285750" indent="-285750">
+              <a:buFont typeface="Arial" panose="020B0604020202020204" pitchFamily="34" charset="0"/>
+              <a:buChar char="•"/>
+            </a:pPr>
+            <a:endParaRPr lang="en-US" dirty="0"/>
+          </a:p>
+          <a:p>
+            <a:pPr marL="285750" indent="-285750">
+              <a:buFont typeface="Arial" panose="020B0604020202020204" pitchFamily="34" charset="0"/>
+              <a:buChar char="•"/>
+            </a:pPr>
+            <a:r>
+              <a:rPr lang="en-US" dirty="0"/>
+              <a:t>Analytics Concepts: </a:t>
+            </a:r>
+            <a:r>
+              <a:rPr lang="en-US" b="1" dirty="0">
+                <a:solidFill>
+                  <a:srgbClr val="C00000"/>
+                </a:solidFill>
+              </a:rPr>
+              <a:t>Lift</a:t>
+            </a:r>
+            <a:r>
+              <a:rPr lang="en-US" dirty="0"/>
+              <a:t> and </a:t>
+            </a:r>
+            <a:r>
+              <a:rPr lang="en-US" b="1" dirty="0">
+                <a:solidFill>
+                  <a:srgbClr val="C00000"/>
+                </a:solidFill>
+              </a:rPr>
+              <a:t>Log-odds</a:t>
+            </a:r>
+          </a:p>
+          <a:p>
+            <a:pPr marL="742950" lvl="1" indent="-285750">
+              <a:buFont typeface="Arial" panose="020B0604020202020204" pitchFamily="34" charset="0"/>
+              <a:buChar char="•"/>
+            </a:pPr>
+            <a:r>
+              <a:rPr lang="en-US" dirty="0"/>
+              <a:t>Normalize the raw counts by the size of the liberal / conservative population and compute the </a:t>
+            </a:r>
+            <a:r>
+              <a:rPr lang="en-US" b="1" dirty="0"/>
+              <a:t>percentage</a:t>
+            </a:r>
+            <a:r>
+              <a:rPr lang="en-US" dirty="0"/>
+              <a:t> of liberals / conservatives that like a book</a:t>
+            </a:r>
+          </a:p>
+          <a:p>
+            <a:pPr marL="742950" lvl="1" indent="-285750">
+              <a:buFont typeface="Arial" panose="020B0604020202020204" pitchFamily="34" charset="0"/>
+              <a:buChar char="•"/>
+            </a:pPr>
+            <a:r>
+              <a:rPr lang="en-US" dirty="0"/>
+              <a:t>Compute the </a:t>
+            </a:r>
+            <a:r>
+              <a:rPr lang="en-US" b="1" dirty="0"/>
+              <a:t>ratio </a:t>
+            </a:r>
+            <a:r>
+              <a:rPr lang="en-US" dirty="0"/>
+              <a:t>of the percentages for each book. The </a:t>
+            </a:r>
+            <a:r>
+              <a:rPr lang="en-US" b="1" dirty="0"/>
+              <a:t>ratio of percentages</a:t>
+            </a:r>
+            <a:r>
+              <a:rPr lang="en-US" dirty="0"/>
+              <a:t> between two populations is commonly called </a:t>
+            </a:r>
+            <a:r>
+              <a:rPr lang="en-US" b="1" dirty="0"/>
+              <a:t>lift</a:t>
+            </a:r>
+          </a:p>
+          <a:p>
+            <a:pPr marL="742950" lvl="1" indent="-285750">
+              <a:buFont typeface="Arial" panose="020B0604020202020204" pitchFamily="34" charset="0"/>
+              <a:buChar char="•"/>
+            </a:pPr>
+            <a:r>
+              <a:rPr lang="en-US" dirty="0"/>
+              <a:t>We often take the </a:t>
+            </a:r>
+            <a:r>
+              <a:rPr lang="en-US" b="1" u="sng" dirty="0"/>
+              <a:t>log</a:t>
+            </a:r>
+            <a:r>
+              <a:rPr lang="en-US" b="1" dirty="0"/>
+              <a:t> of ratios </a:t>
+            </a:r>
+            <a:r>
+              <a:rPr lang="en-US" dirty="0"/>
+              <a:t>(aka log-odds). </a:t>
+            </a:r>
+          </a:p>
+          <a:p>
+            <a:pPr marL="1200150" lvl="2" indent="-285750">
+              <a:buFont typeface="Arial" panose="020B0604020202020204" pitchFamily="34" charset="0"/>
+              <a:buChar char="•"/>
+            </a:pPr>
+            <a:r>
+              <a:rPr lang="en-US" dirty="0"/>
+              <a:t>Log-odds are symmetric around 0, and they are additive </a:t>
+            </a:r>
+          </a:p>
+          <a:p>
+            <a:pPr marL="1200150" lvl="2" indent="-285750">
+              <a:buFont typeface="Arial" panose="020B0604020202020204" pitchFamily="34" charset="0"/>
+              <a:buChar char="•"/>
+            </a:pPr>
+            <a:r>
+              <a:rPr lang="en-US" dirty="0"/>
+              <a:t>As opposed to lift numbers that are multiplicative</a:t>
+            </a:r>
+          </a:p>
+          <a:p>
+            <a:pPr marL="742950" lvl="1" indent="-285750">
+              <a:buFont typeface="Arial" panose="020B0604020202020204" pitchFamily="34" charset="0"/>
+              <a:buChar char="•"/>
+            </a:pPr>
+            <a:endParaRPr lang="en-US" dirty="0"/>
+          </a:p>
+          <a:p>
+            <a:pPr marL="285750" indent="-285750">
+              <a:buFont typeface="Arial" panose="020B0604020202020204" pitchFamily="34" charset="0"/>
+              <a:buChar char="•"/>
+            </a:pPr>
+            <a:r>
+              <a:rPr lang="en-US" dirty="0"/>
+              <a:t>Consider only books that have at least 5 likes, to avoid noise</a:t>
+            </a:r>
+          </a:p>
+          <a:p>
+            <a:pPr marL="742950" lvl="1" indent="-285750">
+              <a:buFont typeface="Arial" panose="020B0604020202020204" pitchFamily="34" charset="0"/>
+              <a:buChar char="•"/>
+            </a:pPr>
+            <a:r>
+              <a:rPr lang="en-US" dirty="0"/>
+              <a:t>What would be the purpose of OUTER joins in this case?</a:t>
+            </a:r>
+            <a:br>
+              <a:rPr lang="en-US" dirty="0"/>
+            </a:br>
+            <a:br>
+              <a:rPr lang="en-US" dirty="0"/>
+            </a:br>
+            <a:br>
+              <a:rPr lang="en-US" dirty="0"/>
+            </a:br>
+            <a:endParaRPr lang="en-US" dirty="0"/>
+          </a:p>
+          <a:p>
+            <a:pPr marL="285750" indent="-285750">
+              <a:buFont typeface="Arial" panose="020B0604020202020204" pitchFamily="34" charset="0"/>
+              <a:buChar char="•"/>
+            </a:pPr>
+            <a:endParaRPr lang="en-US" dirty="0"/>
+          </a:p>
+          <a:p>
+            <a:pPr marL="742950" lvl="1" indent="-285750">
+              <a:buFont typeface="Arial" panose="020B0604020202020204" pitchFamily="34" charset="0"/>
+              <a:buChar char="•"/>
+            </a:pPr>
+            <a:endParaRPr lang="en-US" dirty="0"/>
+          </a:p>
+          <a:p>
+            <a:endParaRPr lang="en-US" dirty="0"/>
+          </a:p>
+        </p:txBody>
+      </p:sp>
+    </p:spTree>
+    <p:extLst>
+      <p:ext uri="{BB962C8B-B14F-4D97-AF65-F5344CB8AC3E}">
+        <p14:creationId xmlns:p14="http://schemas.microsoft.com/office/powerpoint/2010/main" val="4076285652"/>
+      </p:ext>
+    </p:extLst>
+  </p:cSld>
+  <p:clrMapOvr>
+    <a:masterClrMapping/>
+  </p:clrMapOvr>
+  <p:transition spd="med"/>
+</p:sld>
+</file>
+
+<file path=ppt/slides/slide14.xml><?xml version="1.0" encoding="utf-8"?>
+<p:sld xmlns:a="http://schemas.openxmlformats.org/drawingml/2006/main" xmlns:r="http://schemas.openxmlformats.org/officeDocument/2006/relationships" xmlns:p="http://schemas.openxmlformats.org/presentationml/2006/main">
+  <p:cSld>
+    <p:spTree>
+      <p:nvGrpSpPr>
+        <p:cNvPr id="1" name=""/>
+        <p:cNvGrpSpPr/>
+        <p:nvPr/>
+      </p:nvGrpSpPr>
+      <p:grpSpPr>
+        <a:xfrm>
+          <a:off x="0" y="0"/>
+          <a:ext cx="0" cy="0"/>
+          <a:chOff x="0" y="0"/>
+          <a:chExt cx="0" cy="0"/>
+        </a:xfrm>
+      </p:grpSpPr>
+      <p:sp>
+        <p:nvSpPr>
           <p:cNvPr id="51" name="Shape 51"/>
           <p:cNvSpPr/>
           <p:nvPr/>
@@ -4150,7 +5388,7 @@
           </a:ln>
           <a:extLst>
             <a:ext uri="{C572A759-6A51-4108-AA02-DFA0A04FC94B}">
-              <ma14:wrappingTextBoxFlag xmlns:ma14="http://schemas.microsoft.com/office/mac/drawingml/2011/main" xmlns="" val="1"/>
+              <ma14:wrappingTextBoxFlag xmlns="" xmlns:ma14="http://schemas.microsoft.com/office/mac/drawingml/2011/main" val="1"/>
             </a:ext>
           </a:extLst>
         </p:spPr>
@@ -4198,6 +5436,2384 @@
                 </a:uFill>
                 <a:latin typeface="Arial Unicode MS" panose="020B0604020202020204" pitchFamily="34" charset="-128"/>
               </a:rPr>
+              <a:t> / WHERE</a:t>
+            </a:r>
+            <a:endParaRPr sz="3000" b="1" dirty="0">
+              <a:uFill>
+                <a:solidFill>
+                  <a:srgbClr val="FFFFFF"/>
+                </a:solidFill>
+              </a:uFill>
+              <a:latin typeface="Arial Unicode MS" panose="020B0604020202020204" pitchFamily="34" charset="-128"/>
+            </a:endParaRPr>
+          </a:p>
+        </p:txBody>
+      </p:sp>
+      <p:sp>
+        <p:nvSpPr>
+          <p:cNvPr id="52" name="Shape 52"/>
+          <p:cNvSpPr/>
+          <p:nvPr/>
+        </p:nvSpPr>
+        <p:spPr>
+          <a:xfrm>
+            <a:off x="1759204" y="2586989"/>
+            <a:ext cx="7025200" cy="1426031"/>
+          </a:xfrm>
+          <a:prstGeom prst="rect">
+            <a:avLst/>
+          </a:prstGeom>
+          <a:ln w="12700">
+            <a:miter lim="400000"/>
+          </a:ln>
+          <a:extLst>
+            <a:ext uri="{C572A759-6A51-4108-AA02-DFA0A04FC94B}">
+              <ma14:wrappingTextBoxFlag xmlns="" xmlns:ma14="http://schemas.microsoft.com/office/mac/drawingml/2011/main" val="1"/>
+            </a:ext>
+          </a:extLst>
+        </p:spPr>
+        <p:txBody>
+          <a:bodyPr wrap="square" lIns="0" tIns="0" rIns="0" bIns="0">
+            <a:spAutoFit/>
+          </a:bodyPr>
+          <a:lstStyle/>
+          <a:p>
+            <a:pPr lvl="0">
+              <a:spcBef>
+                <a:spcPts val="700"/>
+              </a:spcBef>
+              <a:defRPr sz="1800">
+                <a:solidFill>
+                  <a:srgbClr val="000000"/>
+                </a:solidFill>
+                <a:uFillTx/>
+              </a:defRPr>
+            </a:pPr>
+            <a:r>
+              <a:rPr sz="2600" dirty="0">
+                <a:uFill>
+                  <a:solidFill/>
+                </a:uFill>
+                <a:latin typeface="Arial Unicode MS" panose="020B0604020202020204" pitchFamily="34" charset="-128"/>
+                <a:ea typeface="Arial Unicode MS" panose="020B0604020202020204" pitchFamily="34" charset="-128"/>
+                <a:cs typeface="Arial Unicode MS" panose="020B0604020202020204" pitchFamily="34" charset="-128"/>
+                <a:sym typeface="Iowan Old Style Roman"/>
+              </a:rPr>
+              <a:t>SELECT 	A</a:t>
+            </a:r>
+            <a:r>
+              <a:rPr sz="2600" baseline="-5999" dirty="0">
+                <a:uFill>
+                  <a:solidFill/>
+                </a:uFill>
+                <a:latin typeface="Arial Unicode MS" panose="020B0604020202020204" pitchFamily="34" charset="-128"/>
+                <a:ea typeface="Arial Unicode MS" panose="020B0604020202020204" pitchFamily="34" charset="-128"/>
+                <a:cs typeface="Arial Unicode MS" panose="020B0604020202020204" pitchFamily="34" charset="-128"/>
+                <a:sym typeface="Iowan Old Style Roman"/>
+              </a:rPr>
+              <a:t>1, </a:t>
+            </a:r>
+            <a:r>
+              <a:rPr sz="2600" dirty="0">
+                <a:uFill>
+                  <a:solidFill/>
+                </a:uFill>
+                <a:latin typeface="Arial Unicode MS" panose="020B0604020202020204" pitchFamily="34" charset="-128"/>
+                <a:ea typeface="Arial Unicode MS" panose="020B0604020202020204" pitchFamily="34" charset="-128"/>
+                <a:cs typeface="Arial Unicode MS" panose="020B0604020202020204" pitchFamily="34" charset="-128"/>
+                <a:sym typeface="Iowan Old Style Roman"/>
+              </a:rPr>
+              <a:t>A</a:t>
+            </a:r>
+            <a:r>
+              <a:rPr sz="2600" baseline="-5999" dirty="0">
+                <a:uFill>
+                  <a:solidFill/>
+                </a:uFill>
+                <a:latin typeface="Arial Unicode MS" panose="020B0604020202020204" pitchFamily="34" charset="-128"/>
+                <a:ea typeface="Arial Unicode MS" panose="020B0604020202020204" pitchFamily="34" charset="-128"/>
+                <a:cs typeface="Arial Unicode MS" panose="020B0604020202020204" pitchFamily="34" charset="-128"/>
+                <a:sym typeface="Iowan Old Style Roman"/>
+              </a:rPr>
+              <a:t>2, </a:t>
+            </a:r>
+            <a:r>
+              <a:rPr sz="2600" dirty="0">
+                <a:uFill>
+                  <a:solidFill/>
+                </a:uFill>
+                <a:latin typeface="Arial Unicode MS" panose="020B0604020202020204" pitchFamily="34" charset="-128"/>
+                <a:ea typeface="Arial Unicode MS" panose="020B0604020202020204" pitchFamily="34" charset="-128"/>
+                <a:cs typeface="Arial Unicode MS" panose="020B0604020202020204" pitchFamily="34" charset="-128"/>
+                <a:sym typeface="Iowan Old Style Roman"/>
+              </a:rPr>
+              <a:t>A</a:t>
+            </a:r>
+            <a:r>
+              <a:rPr sz="2600" baseline="-5999" dirty="0">
+                <a:uFill>
+                  <a:solidFill/>
+                </a:uFill>
+                <a:latin typeface="Arial Unicode MS" panose="020B0604020202020204" pitchFamily="34" charset="-128"/>
+                <a:ea typeface="Arial Unicode MS" panose="020B0604020202020204" pitchFamily="34" charset="-128"/>
+                <a:cs typeface="Arial Unicode MS" panose="020B0604020202020204" pitchFamily="34" charset="-128"/>
+                <a:sym typeface="Iowan Old Style Roman"/>
+              </a:rPr>
+              <a:t>3, …, </a:t>
+            </a:r>
+            <a:r>
+              <a:rPr sz="2600" dirty="0">
+                <a:uFill>
+                  <a:solidFill/>
+                </a:uFill>
+                <a:latin typeface="Arial Unicode MS" panose="020B0604020202020204" pitchFamily="34" charset="-128"/>
+                <a:ea typeface="Arial Unicode MS" panose="020B0604020202020204" pitchFamily="34" charset="-128"/>
+                <a:cs typeface="Arial Unicode MS" panose="020B0604020202020204" pitchFamily="34" charset="-128"/>
+                <a:sym typeface="Iowan Old Style Roman"/>
+              </a:rPr>
+              <a:t>A</a:t>
+            </a:r>
+            <a:r>
+              <a:rPr sz="2600" baseline="-5999" dirty="0">
+                <a:uFill>
+                  <a:solidFill/>
+                </a:uFill>
+                <a:latin typeface="Arial Unicode MS" panose="020B0604020202020204" pitchFamily="34" charset="-128"/>
+                <a:ea typeface="Arial Unicode MS" panose="020B0604020202020204" pitchFamily="34" charset="-128"/>
+                <a:cs typeface="Arial Unicode MS" panose="020B0604020202020204" pitchFamily="34" charset="-128"/>
+                <a:sym typeface="Iowan Old Style Roman"/>
+              </a:rPr>
+              <a:t>n</a:t>
+            </a:r>
+            <a:r>
+              <a:rPr sz="2700" baseline="-5999" dirty="0">
+                <a:uFill>
+                  <a:solidFill/>
+                </a:uFill>
+                <a:latin typeface="Arial Unicode MS" panose="020B0604020202020204" pitchFamily="34" charset="-128"/>
+                <a:ea typeface="Arial Unicode MS" panose="020B0604020202020204" pitchFamily="34" charset="-128"/>
+                <a:cs typeface="Arial Unicode MS" panose="020B0604020202020204" pitchFamily="34" charset="-128"/>
+                <a:sym typeface="Iowan Old Style Roman"/>
+              </a:rPr>
+              <a:t> </a:t>
+            </a:r>
+          </a:p>
+          <a:p>
+            <a:pPr lvl="0">
+              <a:spcBef>
+                <a:spcPts val="700"/>
+              </a:spcBef>
+              <a:defRPr sz="1800">
+                <a:solidFill>
+                  <a:srgbClr val="000000"/>
+                </a:solidFill>
+                <a:uFillTx/>
+              </a:defRPr>
+            </a:pPr>
+            <a:r>
+              <a:rPr sz="2700" dirty="0">
+                <a:uFill>
+                  <a:solidFill/>
+                </a:uFill>
+                <a:latin typeface="Arial Unicode MS" panose="020B0604020202020204" pitchFamily="34" charset="-128"/>
+                <a:ea typeface="Arial Unicode MS" panose="020B0604020202020204" pitchFamily="34" charset="-128"/>
+                <a:cs typeface="Arial Unicode MS" panose="020B0604020202020204" pitchFamily="34" charset="-128"/>
+                <a:sym typeface="Iowan Old Style Roman"/>
+              </a:rPr>
+              <a:t>FROM 	T</a:t>
+            </a:r>
+            <a:r>
+              <a:rPr sz="2600" baseline="-5999" dirty="0">
+                <a:uFill>
+                  <a:solidFill/>
+                </a:uFill>
+                <a:latin typeface="Arial Unicode MS" panose="020B0604020202020204" pitchFamily="34" charset="-128"/>
+                <a:ea typeface="Arial Unicode MS" panose="020B0604020202020204" pitchFamily="34" charset="-128"/>
+                <a:cs typeface="Arial Unicode MS" panose="020B0604020202020204" pitchFamily="34" charset="-128"/>
+                <a:sym typeface="Iowan Old Style Roman"/>
+              </a:rPr>
+              <a:t>1</a:t>
+            </a:r>
+            <a:r>
+              <a:rPr sz="2700" dirty="0">
+                <a:uFill>
+                  <a:solidFill/>
+                </a:uFill>
+                <a:latin typeface="Arial Unicode MS" panose="020B0604020202020204" pitchFamily="34" charset="-128"/>
+                <a:ea typeface="Arial Unicode MS" panose="020B0604020202020204" pitchFamily="34" charset="-128"/>
+                <a:cs typeface="Arial Unicode MS" panose="020B0604020202020204" pitchFamily="34" charset="-128"/>
+                <a:sym typeface="Iowan Old Style Roman"/>
+              </a:rPr>
+              <a:t>, T</a:t>
+            </a:r>
+            <a:r>
+              <a:rPr sz="2700" baseline="-5999" dirty="0">
+                <a:uFill>
+                  <a:solidFill/>
+                </a:uFill>
+                <a:latin typeface="Arial Unicode MS" panose="020B0604020202020204" pitchFamily="34" charset="-128"/>
+                <a:ea typeface="Arial Unicode MS" panose="020B0604020202020204" pitchFamily="34" charset="-128"/>
+                <a:cs typeface="Arial Unicode MS" panose="020B0604020202020204" pitchFamily="34" charset="-128"/>
+                <a:sym typeface="Iowan Old Style Roman"/>
+              </a:rPr>
+              <a:t>2</a:t>
+            </a:r>
+            <a:r>
+              <a:rPr sz="2700" dirty="0">
+                <a:uFill>
+                  <a:solidFill/>
+                </a:uFill>
+                <a:latin typeface="Arial Unicode MS" panose="020B0604020202020204" pitchFamily="34" charset="-128"/>
+                <a:ea typeface="Arial Unicode MS" panose="020B0604020202020204" pitchFamily="34" charset="-128"/>
+                <a:cs typeface="Arial Unicode MS" panose="020B0604020202020204" pitchFamily="34" charset="-128"/>
+                <a:sym typeface="Iowan Old Style Roman"/>
+              </a:rPr>
+              <a:t>, … T</a:t>
+            </a:r>
+            <a:r>
+              <a:rPr sz="2700" baseline="-5999" dirty="0">
+                <a:uFill>
+                  <a:solidFill/>
+                </a:uFill>
+                <a:latin typeface="Arial Unicode MS" panose="020B0604020202020204" pitchFamily="34" charset="-128"/>
+                <a:ea typeface="Arial Unicode MS" panose="020B0604020202020204" pitchFamily="34" charset="-128"/>
+                <a:cs typeface="Arial Unicode MS" panose="020B0604020202020204" pitchFamily="34" charset="-128"/>
+                <a:sym typeface="Iowan Old Style Roman"/>
+              </a:rPr>
+              <a:t>m</a:t>
+            </a:r>
+            <a:endParaRPr sz="2700" dirty="0">
+              <a:uFill>
+                <a:solidFill/>
+              </a:uFill>
+              <a:latin typeface="Arial Unicode MS" panose="020B0604020202020204" pitchFamily="34" charset="-128"/>
+              <a:ea typeface="Arial Unicode MS" panose="020B0604020202020204" pitchFamily="34" charset="-128"/>
+              <a:cs typeface="Arial Unicode MS" panose="020B0604020202020204" pitchFamily="34" charset="-128"/>
+              <a:sym typeface="Iowan Old Style Roman"/>
+            </a:endParaRPr>
+          </a:p>
+          <a:p>
+            <a:pPr lvl="0">
+              <a:spcBef>
+                <a:spcPts val="700"/>
+              </a:spcBef>
+              <a:defRPr sz="1800">
+                <a:solidFill>
+                  <a:srgbClr val="000000"/>
+                </a:solidFill>
+                <a:uFillTx/>
+              </a:defRPr>
+            </a:pPr>
+            <a:r>
+              <a:rPr sz="2700" dirty="0">
+                <a:uFill>
+                  <a:solidFill/>
+                </a:uFill>
+                <a:latin typeface="Arial Unicode MS" panose="020B0604020202020204" pitchFamily="34" charset="-128"/>
+                <a:ea typeface="Arial Unicode MS" panose="020B0604020202020204" pitchFamily="34" charset="-128"/>
+                <a:cs typeface="Arial Unicode MS" panose="020B0604020202020204" pitchFamily="34" charset="-128"/>
+                <a:sym typeface="Iowan Old Style Roman"/>
+              </a:rPr>
+              <a:t>WHERE 	</a:t>
+            </a:r>
+            <a:r>
+              <a:rPr lang="en-US" sz="2800" dirty="0">
+                <a:uFill>
+                  <a:solidFill/>
+                </a:uFill>
+                <a:latin typeface="Arial Unicode MS" panose="020B0604020202020204" pitchFamily="34" charset="-128"/>
+                <a:ea typeface="Arial Unicode MS" panose="020B0604020202020204" pitchFamily="34" charset="-128"/>
+                <a:cs typeface="Arial Unicode MS" panose="020B0604020202020204" pitchFamily="34" charset="-128"/>
+                <a:sym typeface="Iowan Old Style Roman"/>
+              </a:rPr>
+              <a:t> </a:t>
+            </a:r>
+            <a:r>
+              <a:rPr lang="en-US" sz="2800" dirty="0" err="1">
+                <a:uFill>
+                  <a:solidFill/>
+                </a:uFill>
+                <a:latin typeface="Arial Unicode MS" panose="020B0604020202020204" pitchFamily="34" charset="-128"/>
+                <a:ea typeface="Arial Unicode MS" panose="020B0604020202020204" pitchFamily="34" charset="-128"/>
+                <a:cs typeface="Arial Unicode MS" panose="020B0604020202020204" pitchFamily="34" charset="-128"/>
+                <a:sym typeface="Iowan Old Style Roman"/>
+              </a:rPr>
+              <a:t>A</a:t>
+            </a:r>
+            <a:r>
+              <a:rPr lang="en-US" sz="2800" baseline="-5999" dirty="0" err="1">
+                <a:uFill>
+                  <a:solidFill/>
+                </a:uFill>
+                <a:latin typeface="Arial Unicode MS" panose="020B0604020202020204" pitchFamily="34" charset="-128"/>
+                <a:ea typeface="Arial Unicode MS" panose="020B0604020202020204" pitchFamily="34" charset="-128"/>
+                <a:cs typeface="Arial Unicode MS" panose="020B0604020202020204" pitchFamily="34" charset="-128"/>
+                <a:sym typeface="Iowan Old Style Roman"/>
+              </a:rPr>
+              <a:t>j</a:t>
+            </a:r>
+            <a:r>
+              <a:rPr lang="en-US" sz="2800" baseline="-5999" dirty="0">
+                <a:uFill>
+                  <a:solidFill/>
+                </a:uFill>
+                <a:latin typeface="Arial Unicode MS" panose="020B0604020202020204" pitchFamily="34" charset="-128"/>
+                <a:ea typeface="Arial Unicode MS" panose="020B0604020202020204" pitchFamily="34" charset="-128"/>
+                <a:cs typeface="Arial Unicode MS" panose="020B0604020202020204" pitchFamily="34" charset="-128"/>
+                <a:sym typeface="Iowan Old Style Roman"/>
+              </a:rPr>
+              <a:t> </a:t>
+            </a:r>
+            <a:r>
+              <a:rPr lang="en-US" sz="2700" dirty="0">
+                <a:uFill>
+                  <a:solidFill/>
+                </a:uFill>
+                <a:latin typeface="Arial Unicode MS" panose="020B0604020202020204" pitchFamily="34" charset="-128"/>
+                <a:ea typeface="Arial Unicode MS" panose="020B0604020202020204" pitchFamily="34" charset="-128"/>
+                <a:cs typeface="Arial Unicode MS" panose="020B0604020202020204" pitchFamily="34" charset="-128"/>
+                <a:sym typeface="Iowan Old Style Roman"/>
+              </a:rPr>
+              <a:t>attribute IN </a:t>
+            </a:r>
+            <a:r>
+              <a:rPr lang="en-US" sz="2000" dirty="0">
+                <a:uFill>
+                  <a:solidFill/>
+                </a:uFill>
+                <a:latin typeface="Arial Unicode MS" panose="020B0604020202020204" pitchFamily="34" charset="-128"/>
+                <a:ea typeface="Arial Unicode MS" panose="020B0604020202020204" pitchFamily="34" charset="-128"/>
+                <a:cs typeface="Arial Unicode MS" panose="020B0604020202020204" pitchFamily="34" charset="-128"/>
+                <a:sym typeface="Iowan Old Style Roman"/>
+              </a:rPr>
+              <a:t>(SELECT </a:t>
+            </a:r>
+            <a:r>
+              <a:rPr lang="en-US" sz="2000" dirty="0" err="1">
+                <a:uFill>
+                  <a:solidFill/>
+                </a:uFill>
+                <a:latin typeface="Arial Unicode MS" panose="020B0604020202020204" pitchFamily="34" charset="-128"/>
+                <a:ea typeface="Arial Unicode MS" panose="020B0604020202020204" pitchFamily="34" charset="-128"/>
+                <a:cs typeface="Arial Unicode MS" panose="020B0604020202020204" pitchFamily="34" charset="-128"/>
+                <a:sym typeface="Iowan Old Style Roman"/>
+              </a:rPr>
+              <a:t>attr</a:t>
+            </a:r>
+            <a:r>
+              <a:rPr lang="en-US" sz="2000" dirty="0">
+                <a:uFill>
+                  <a:solidFill/>
+                </a:uFill>
+                <a:latin typeface="Arial Unicode MS" panose="020B0604020202020204" pitchFamily="34" charset="-128"/>
+                <a:ea typeface="Arial Unicode MS" panose="020B0604020202020204" pitchFamily="34" charset="-128"/>
+                <a:cs typeface="Arial Unicode MS" panose="020B0604020202020204" pitchFamily="34" charset="-128"/>
+                <a:sym typeface="Iowan Old Style Roman"/>
+              </a:rPr>
+              <a:t> FROM ….)</a:t>
+            </a:r>
+            <a:endParaRPr sz="2700" dirty="0">
+              <a:uFill>
+                <a:solidFill/>
+              </a:uFill>
+              <a:latin typeface="Arial Unicode MS" panose="020B0604020202020204" pitchFamily="34" charset="-128"/>
+              <a:ea typeface="Arial Unicode MS" panose="020B0604020202020204" pitchFamily="34" charset="-128"/>
+              <a:cs typeface="Arial Unicode MS" panose="020B0604020202020204" pitchFamily="34" charset="-128"/>
+              <a:sym typeface="Iowan Old Style Roman"/>
+            </a:endParaRPr>
+          </a:p>
+        </p:txBody>
+      </p:sp>
+      <p:sp>
+        <p:nvSpPr>
+          <p:cNvPr id="53" name="Shape 53"/>
+          <p:cNvSpPr/>
+          <p:nvPr/>
+        </p:nvSpPr>
+        <p:spPr>
+          <a:xfrm>
+            <a:off x="3552444" y="3119564"/>
+            <a:ext cx="2108200" cy="378898"/>
+          </a:xfrm>
+          <a:prstGeom prst="rect">
+            <a:avLst/>
+          </a:prstGeom>
+          <a:ln w="25400">
+            <a:solidFill>
+              <a:srgbClr val="011993"/>
+            </a:solidFill>
+            <a:round/>
+          </a:ln>
+        </p:spPr>
+        <p:txBody>
+          <a:bodyPr lIns="0" tIns="0" rIns="0" bIns="0"/>
+          <a:lstStyle/>
+          <a:p>
+            <a:pPr lvl="0">
+              <a:defRPr sz="1800">
+                <a:solidFill>
+                  <a:srgbClr val="000000"/>
+                </a:solidFill>
+                <a:latin typeface="+mn-lt"/>
+                <a:ea typeface="+mn-ea"/>
+                <a:cs typeface="+mn-cs"/>
+                <a:sym typeface="Arial"/>
+              </a:defRPr>
+            </a:pPr>
+            <a:endParaRPr dirty="0">
+              <a:latin typeface="Arial Unicode MS" panose="020B0604020202020204" pitchFamily="34" charset="-128"/>
+            </a:endParaRPr>
+          </a:p>
+        </p:txBody>
+      </p:sp>
+      <p:sp>
+        <p:nvSpPr>
+          <p:cNvPr id="56" name="Shape 56"/>
+          <p:cNvSpPr/>
+          <p:nvPr/>
+        </p:nvSpPr>
+        <p:spPr>
+          <a:xfrm>
+            <a:off x="3552444" y="3540332"/>
+            <a:ext cx="5190864" cy="499170"/>
+          </a:xfrm>
+          <a:prstGeom prst="rect">
+            <a:avLst/>
+          </a:prstGeom>
+          <a:ln w="25400">
+            <a:solidFill>
+              <a:srgbClr val="011993"/>
+            </a:solidFill>
+            <a:round/>
+          </a:ln>
+        </p:spPr>
+        <p:txBody>
+          <a:bodyPr lIns="0" tIns="0" rIns="0" bIns="0"/>
+          <a:lstStyle/>
+          <a:p>
+            <a:pPr lvl="0">
+              <a:defRPr sz="1800">
+                <a:solidFill>
+                  <a:srgbClr val="000000"/>
+                </a:solidFill>
+                <a:latin typeface="+mn-lt"/>
+                <a:ea typeface="+mn-ea"/>
+                <a:cs typeface="+mn-cs"/>
+                <a:sym typeface="Arial"/>
+              </a:defRPr>
+            </a:pPr>
+            <a:endParaRPr dirty="0">
+              <a:latin typeface="Arial Unicode MS" panose="020B0604020202020204" pitchFamily="34" charset="-128"/>
+            </a:endParaRPr>
+          </a:p>
+        </p:txBody>
+      </p:sp>
+      <p:sp>
+        <p:nvSpPr>
+          <p:cNvPr id="59" name="Shape 59"/>
+          <p:cNvSpPr/>
+          <p:nvPr/>
+        </p:nvSpPr>
+        <p:spPr>
+          <a:xfrm>
+            <a:off x="3552444" y="2603055"/>
+            <a:ext cx="2326692" cy="497841"/>
+          </a:xfrm>
+          <a:prstGeom prst="rect">
+            <a:avLst/>
+          </a:prstGeom>
+          <a:ln w="25400">
+            <a:solidFill>
+              <a:srgbClr val="011993"/>
+            </a:solidFill>
+            <a:round/>
+          </a:ln>
+        </p:spPr>
+        <p:txBody>
+          <a:bodyPr lIns="0" tIns="0" rIns="0" bIns="0"/>
+          <a:lstStyle/>
+          <a:p>
+            <a:pPr lvl="0">
+              <a:defRPr sz="1800">
+                <a:solidFill>
+                  <a:srgbClr val="000000"/>
+                </a:solidFill>
+                <a:latin typeface="+mn-lt"/>
+                <a:ea typeface="+mn-ea"/>
+                <a:cs typeface="+mn-cs"/>
+                <a:sym typeface="Arial"/>
+              </a:defRPr>
+            </a:pPr>
+            <a:endParaRPr dirty="0">
+              <a:latin typeface="Arial Unicode MS" panose="020B0604020202020204" pitchFamily="34" charset="-128"/>
+            </a:endParaRPr>
+          </a:p>
+        </p:txBody>
+      </p:sp>
+      <p:sp>
+        <p:nvSpPr>
+          <p:cNvPr id="13" name="TextBox 12"/>
+          <p:cNvSpPr txBox="1"/>
+          <p:nvPr/>
+        </p:nvSpPr>
+        <p:spPr>
+          <a:xfrm>
+            <a:off x="657546" y="1281380"/>
+            <a:ext cx="7717309" cy="646331"/>
+          </a:xfrm>
+          <a:prstGeom prst="rect">
+            <a:avLst/>
+          </a:prstGeom>
+          <a:noFill/>
+        </p:spPr>
+        <p:txBody>
+          <a:bodyPr wrap="square" rtlCol="0">
+            <a:spAutoFit/>
+          </a:bodyPr>
+          <a:lstStyle/>
+          <a:p>
+            <a:r>
+              <a:rPr lang="en-US" dirty="0"/>
+              <a:t>The “IN” clause allows us to check if an attribute appears within a list returned by another SQL query</a:t>
+            </a:r>
+          </a:p>
+        </p:txBody>
+      </p:sp>
+    </p:spTree>
+    <p:extLst>
+      <p:ext uri="{BB962C8B-B14F-4D97-AF65-F5344CB8AC3E}">
+        <p14:creationId xmlns:p14="http://schemas.microsoft.com/office/powerpoint/2010/main" val="2325747618"/>
+      </p:ext>
+    </p:extLst>
+  </p:cSld>
+  <p:clrMapOvr>
+    <a:masterClrMapping/>
+  </p:clrMapOvr>
+  <p:transition spd="med"/>
+  <p:timing>
+    <p:tnLst>
+      <p:par>
+        <p:cTn id="1" dur="indefinite" restart="never" fill="hold" nodeType="tmRoot">
+          <p:childTnLst>
+            <p:seq concurrent="1" prevAc="none" nextAc="seek">
+              <p:cTn id="2" dur="indefinite" fill="hold" nodeType="mainSeq">
+                <p:childTnLst>
+                  <p:par>
+                    <p:cTn id="3" fill="hold">
+                      <p:stCondLst>
+                        <p:cond delay="indefinite"/>
+                      </p:stCondLst>
+                      <p:childTnLst>
+                        <p:par>
+                          <p:cTn id="4" fill="hold">
+                            <p:stCondLst>
+                              <p:cond delay="0"/>
+                            </p:stCondLst>
+                            <p:childTnLst>
+                              <p:par>
+                                <p:cTn id="5" presetID="9" presetClass="entr" presetSubtype="16" fill="hold" grpId="0" nodeType="clickEffect">
+                                  <p:stCondLst>
+                                    <p:cond delay="0"/>
+                                  </p:stCondLst>
+                                  <p:iterate>
+                                    <p:tmAbs val="0"/>
+                                  </p:iterate>
+                                  <p:childTnLst>
+                                    <p:set>
+                                      <p:cBhvr>
+                                        <p:cTn id="6" fill="hold"/>
+                                        <p:tgtEl>
+                                          <p:spTgt spid="53"/>
+                                        </p:tgtEl>
+                                        <p:attrNameLst>
+                                          <p:attrName>style.visibility</p:attrName>
+                                        </p:attrNameLst>
+                                      </p:cBhvr>
+                                      <p:to>
+                                        <p:strVal val="visible"/>
+                                      </p:to>
+                                    </p:set>
+                                    <p:animEffect transition="in" filter="dissolve(in)">
+                                      <p:cBhvr>
+                                        <p:cTn id="7" dur="750"/>
+                                        <p:tgtEl>
+                                          <p:spTgt spid="53"/>
+                                        </p:tgtEl>
+                                      </p:cBhvr>
+                                    </p:animEffect>
+                                  </p:childTnLst>
+                                </p:cTn>
+                              </p:par>
+                            </p:childTnLst>
+                          </p:cTn>
+                        </p:par>
+                      </p:childTnLst>
+                    </p:cTn>
+                  </p:par>
+                  <p:par>
+                    <p:cTn id="8" fill="hold">
+                      <p:stCondLst>
+                        <p:cond delay="indefinite"/>
+                      </p:stCondLst>
+                      <p:childTnLst>
+                        <p:par>
+                          <p:cTn id="9" fill="hold">
+                            <p:stCondLst>
+                              <p:cond delay="0"/>
+                            </p:stCondLst>
+                            <p:childTnLst>
+                              <p:par>
+                                <p:cTn id="10" presetID="9" presetClass="entr" presetSubtype="16" fill="hold" grpId="0" nodeType="clickEffect">
+                                  <p:stCondLst>
+                                    <p:cond delay="0"/>
+                                  </p:stCondLst>
+                                  <p:iterate>
+                                    <p:tmAbs val="0"/>
+                                  </p:iterate>
+                                  <p:childTnLst>
+                                    <p:set>
+                                      <p:cBhvr>
+                                        <p:cTn id="11" fill="hold"/>
+                                        <p:tgtEl>
+                                          <p:spTgt spid="56"/>
+                                        </p:tgtEl>
+                                        <p:attrNameLst>
+                                          <p:attrName>style.visibility</p:attrName>
+                                        </p:attrNameLst>
+                                      </p:cBhvr>
+                                      <p:to>
+                                        <p:strVal val="visible"/>
+                                      </p:to>
+                                    </p:set>
+                                    <p:animEffect transition="in" filter="dissolve(in)">
+                                      <p:cBhvr>
+                                        <p:cTn id="12" dur="750"/>
+                                        <p:tgtEl>
+                                          <p:spTgt spid="56"/>
+                                        </p:tgtEl>
+                                      </p:cBhvr>
+                                    </p:animEffect>
+                                  </p:childTnLst>
+                                </p:cTn>
+                              </p:par>
+                            </p:childTnLst>
+                          </p:cTn>
+                        </p:par>
+                      </p:childTnLst>
+                    </p:cTn>
+                  </p:par>
+                  <p:par>
+                    <p:cTn id="13" fill="hold">
+                      <p:stCondLst>
+                        <p:cond delay="indefinite"/>
+                      </p:stCondLst>
+                      <p:childTnLst>
+                        <p:par>
+                          <p:cTn id="14" fill="hold">
+                            <p:stCondLst>
+                              <p:cond delay="0"/>
+                            </p:stCondLst>
+                            <p:childTnLst>
+                              <p:par>
+                                <p:cTn id="15" presetID="9" presetClass="entr" presetSubtype="16" fill="hold" grpId="0" nodeType="clickEffect">
+                                  <p:stCondLst>
+                                    <p:cond delay="0"/>
+                                  </p:stCondLst>
+                                  <p:iterate>
+                                    <p:tmAbs val="0"/>
+                                  </p:iterate>
+                                  <p:childTnLst>
+                                    <p:set>
+                                      <p:cBhvr>
+                                        <p:cTn id="16" fill="hold"/>
+                                        <p:tgtEl>
+                                          <p:spTgt spid="59"/>
+                                        </p:tgtEl>
+                                        <p:attrNameLst>
+                                          <p:attrName>style.visibility</p:attrName>
+                                        </p:attrNameLst>
+                                      </p:cBhvr>
+                                      <p:to>
+                                        <p:strVal val="visible"/>
+                                      </p:to>
+                                    </p:set>
+                                    <p:animEffect transition="in" filter="dissolve(in)">
+                                      <p:cBhvr>
+                                        <p:cTn id="17" dur="750"/>
+                                        <p:tgtEl>
+                                          <p:spTgt spid="59"/>
+                                        </p:tgtEl>
+                                      </p:cBhvr>
+                                    </p:animEffect>
+                                  </p:childTnLst>
+                                </p:cTn>
+                              </p:par>
+                            </p:childTnLst>
+                          </p:cTn>
+                        </p:par>
+                      </p:childTnLst>
+                    </p:cTn>
+                  </p:par>
+                </p:childTnLst>
+              </p:cTn>
+              <p:prevCondLst>
+                <p:cond evt="onPrev" delay="0">
+                  <p:tgtEl>
+                    <p:sldTgt/>
+                  </p:tgtEl>
+                </p:cond>
+              </p:prevCondLst>
+              <p:nextCondLst>
+                <p:cond evt="onNext" delay="0">
+                  <p:tgtEl>
+                    <p:sldTgt/>
+                  </p:tgtEl>
+                </p:cond>
+              </p:nextCondLst>
+            </p:seq>
+          </p:childTnLst>
+        </p:cTn>
+      </p:par>
+    </p:tnLst>
+    <p:bldLst>
+      <p:bldP spid="53" grpId="0" animBg="1" advAuto="0"/>
+      <p:bldP spid="56" grpId="0" animBg="1" advAuto="0"/>
+      <p:bldP spid="59" grpId="0" animBg="1" advAuto="0"/>
+    </p:bldLst>
+  </p:timing>
+</p:sld>
+</file>
+
+<file path=ppt/slides/slide15.xml><?xml version="1.0" encoding="utf-8"?>
+<p:sld xmlns:a="http://schemas.openxmlformats.org/drawingml/2006/main" xmlns:r="http://schemas.openxmlformats.org/officeDocument/2006/relationships" xmlns:p="http://schemas.openxmlformats.org/presentationml/2006/main">
+  <p:cSld>
+    <p:spTree>
+      <p:nvGrpSpPr>
+        <p:cNvPr id="1" name=""/>
+        <p:cNvGrpSpPr/>
+        <p:nvPr/>
+      </p:nvGrpSpPr>
+      <p:grpSpPr>
+        <a:xfrm>
+          <a:off x="0" y="0"/>
+          <a:ext cx="0" cy="0"/>
+          <a:chOff x="0" y="0"/>
+          <a:chExt cx="0" cy="0"/>
+        </a:xfrm>
+      </p:grpSpPr>
+      <p:sp>
+        <p:nvSpPr>
+          <p:cNvPr id="189" name="Shape 189"/>
+          <p:cNvSpPr/>
+          <p:nvPr/>
+        </p:nvSpPr>
+        <p:spPr>
+          <a:xfrm>
+            <a:off x="386308" y="147496"/>
+            <a:ext cx="7757379" cy="553998"/>
+          </a:xfrm>
+          <a:prstGeom prst="rect">
+            <a:avLst/>
+          </a:prstGeom>
+          <a:ln w="12700">
+            <a:miter lim="400000"/>
+          </a:ln>
+          <a:extLst>
+            <a:ext uri="{C572A759-6A51-4108-AA02-DFA0A04FC94B}">
+              <ma14:wrappingTextBoxFlag xmlns="" xmlns:ma14="http://schemas.microsoft.com/office/mac/drawingml/2011/main" val="1"/>
+            </a:ext>
+          </a:extLst>
+        </p:spPr>
+        <p:txBody>
+          <a:bodyPr lIns="45719" rIns="45719">
+            <a:spAutoFit/>
+          </a:bodyPr>
+          <a:lstStyle>
+            <a:lvl1pPr>
+              <a:defRPr sz="3000" b="1">
+                <a:uFill>
+                  <a:solidFill>
+                    <a:srgbClr val="FFFFFF"/>
+                  </a:solidFill>
+                </a:uFill>
+              </a:defRPr>
+            </a:lvl1pPr>
+          </a:lstStyle>
+          <a:p>
+            <a:pPr lvl="0">
+              <a:defRPr sz="1800" b="0">
+                <a:solidFill>
+                  <a:srgbClr val="000000"/>
+                </a:solidFill>
+                <a:uFillTx/>
+              </a:defRPr>
+            </a:pPr>
+            <a:r>
+              <a:rPr lang="en-US" sz="3000" b="1" dirty="0">
+                <a:uFill>
+                  <a:solidFill>
+                    <a:srgbClr val="FFFFFF"/>
+                  </a:solidFill>
+                </a:uFill>
+                <a:latin typeface="Arial Unicode MS" panose="020B0604020202020204" pitchFamily="34" charset="-128"/>
+              </a:rPr>
+              <a:t>WHERE …. IN …. practice</a:t>
+            </a:r>
+            <a:endParaRPr sz="3000" b="1" dirty="0">
+              <a:uFill>
+                <a:solidFill>
+                  <a:srgbClr val="FFFFFF"/>
+                </a:solidFill>
+              </a:uFill>
+              <a:latin typeface="Arial Unicode MS" panose="020B0604020202020204" pitchFamily="34" charset="-128"/>
+            </a:endParaRPr>
+          </a:p>
+        </p:txBody>
+      </p:sp>
+      <p:sp>
+        <p:nvSpPr>
+          <p:cNvPr id="190" name="Shape 190"/>
+          <p:cNvSpPr/>
+          <p:nvPr/>
+        </p:nvSpPr>
+        <p:spPr>
+          <a:xfrm>
+            <a:off x="469900" y="1324179"/>
+            <a:ext cx="8204200" cy="307777"/>
+          </a:xfrm>
+          <a:prstGeom prst="rect">
+            <a:avLst/>
+          </a:prstGeom>
+          <a:ln w="12700">
+            <a:miter lim="400000"/>
+          </a:ln>
+          <a:extLst>
+            <a:ext uri="{C572A759-6A51-4108-AA02-DFA0A04FC94B}">
+              <ma14:wrappingTextBoxFlag xmlns="" xmlns:ma14="http://schemas.microsoft.com/office/mac/drawingml/2011/main" val="1"/>
+            </a:ext>
+          </a:extLst>
+        </p:spPr>
+        <p:txBody>
+          <a:bodyPr lIns="0" tIns="0" rIns="0" bIns="0">
+            <a:spAutoFit/>
+          </a:bodyPr>
+          <a:lstStyle/>
+          <a:p>
+            <a:pPr lvl="0">
+              <a:spcBef>
+                <a:spcPts val="700"/>
+              </a:spcBef>
+              <a:buSzPct val="100000"/>
+              <a:defRPr sz="1800">
+                <a:solidFill>
+                  <a:srgbClr val="000000"/>
+                </a:solidFill>
+                <a:uFillTx/>
+              </a:defRPr>
+            </a:pPr>
+            <a:endParaRPr sz="2000" dirty="0">
+              <a:uFill>
+                <a:solidFill/>
+              </a:uFill>
+              <a:latin typeface="Arial Unicode MS" panose="020B0604020202020204" pitchFamily="34" charset="-128"/>
+              <a:ea typeface="Arial Unicode MS" panose="020B0604020202020204" pitchFamily="34" charset="-128"/>
+              <a:cs typeface="Arial Unicode MS" panose="020B0604020202020204" pitchFamily="34" charset="-128"/>
+              <a:sym typeface="Iowan Old Style Roman"/>
+            </a:endParaRPr>
+          </a:p>
+        </p:txBody>
+      </p:sp>
+      <p:sp>
+        <p:nvSpPr>
+          <p:cNvPr id="2" name="TextBox 1"/>
+          <p:cNvSpPr txBox="1"/>
+          <p:nvPr/>
+        </p:nvSpPr>
+        <p:spPr>
+          <a:xfrm>
+            <a:off x="110532" y="1478067"/>
+            <a:ext cx="8912888" cy="5355312"/>
+          </a:xfrm>
+          <a:prstGeom prst="rect">
+            <a:avLst/>
+          </a:prstGeom>
+          <a:noFill/>
+        </p:spPr>
+        <p:txBody>
+          <a:bodyPr wrap="square" rtlCol="0">
+            <a:spAutoFit/>
+          </a:bodyPr>
+          <a:lstStyle/>
+          <a:p>
+            <a:pPr marL="285750" indent="-285750">
+              <a:buFont typeface="Arial" panose="020B0604020202020204" pitchFamily="34" charset="0"/>
+              <a:buChar char="•"/>
+            </a:pPr>
+            <a:r>
+              <a:rPr lang="en-US" dirty="0"/>
+              <a:t>Using a WHERE…IN subquery, find the Drama movies.</a:t>
+            </a:r>
+          </a:p>
+          <a:p>
+            <a:pPr marL="742950" lvl="1" indent="-285750">
+              <a:buFont typeface="Arial" panose="020B0604020202020204" pitchFamily="34" charset="0"/>
+              <a:buChar char="•"/>
+            </a:pPr>
+            <a:r>
+              <a:rPr lang="en-US" dirty="0"/>
+              <a:t>Your subquery should return the IDs of Drama movies</a:t>
+            </a:r>
+          </a:p>
+          <a:p>
+            <a:pPr marL="742950" lvl="1" indent="-285750">
+              <a:buFont typeface="Arial" panose="020B0604020202020204" pitchFamily="34" charset="0"/>
+              <a:buChar char="•"/>
+            </a:pPr>
+            <a:r>
+              <a:rPr lang="en-US" dirty="0"/>
+              <a:t>Try also the same query with a JOIN</a:t>
+            </a:r>
+          </a:p>
+          <a:p>
+            <a:pPr marL="742950" lvl="1" indent="-285750">
+              <a:buFont typeface="Arial" panose="020B0604020202020204" pitchFamily="34" charset="0"/>
+              <a:buChar char="•"/>
+            </a:pPr>
+            <a:endParaRPr lang="en-US" dirty="0"/>
+          </a:p>
+          <a:p>
+            <a:pPr marL="285750" indent="-285750">
+              <a:buFont typeface="Arial" panose="020B0604020202020204" pitchFamily="34" charset="0"/>
+              <a:buChar char="•"/>
+            </a:pPr>
+            <a:r>
+              <a:rPr lang="en-US" dirty="0"/>
+              <a:t>Using a WHERE…IN subquery, </a:t>
+            </a:r>
+            <a:r>
+              <a:rPr lang="en-US" b="1" dirty="0"/>
+              <a:t>remove</a:t>
+            </a:r>
+            <a:r>
+              <a:rPr lang="en-US" dirty="0"/>
+              <a:t> the Drama movies.</a:t>
+            </a:r>
+          </a:p>
+          <a:p>
+            <a:pPr marL="742950" lvl="1" indent="-285750">
+              <a:buFont typeface="Arial" panose="020B0604020202020204" pitchFamily="34" charset="0"/>
+              <a:buChar char="•"/>
+            </a:pPr>
+            <a:r>
+              <a:rPr lang="en-US" dirty="0"/>
+              <a:t>Use the NOT IN construct now</a:t>
+            </a:r>
+          </a:p>
+          <a:p>
+            <a:pPr marL="742950" lvl="1" indent="-285750">
+              <a:buFont typeface="Arial" panose="020B0604020202020204" pitchFamily="34" charset="0"/>
+              <a:buChar char="•"/>
+            </a:pPr>
+            <a:r>
+              <a:rPr lang="en-US" i="1" dirty="0"/>
+              <a:t>Notice that the JOIN query does not work for movies that have “Drama” and other genres associated with them</a:t>
+            </a:r>
+          </a:p>
+          <a:p>
+            <a:endParaRPr lang="en-US" dirty="0"/>
+          </a:p>
+          <a:p>
+            <a:pPr marL="285750" indent="-285750">
+              <a:buFont typeface="Arial" panose="020B0604020202020204" pitchFamily="34" charset="0"/>
+              <a:buChar char="•"/>
+            </a:pPr>
+            <a:r>
+              <a:rPr lang="en-US" dirty="0"/>
+              <a:t>Find the movies where Brad Pitt and George Clooney played.</a:t>
+            </a:r>
+          </a:p>
+          <a:p>
+            <a:pPr marL="742950" lvl="1" indent="-285750">
+              <a:buFont typeface="Arial" panose="020B0604020202020204" pitchFamily="34" charset="0"/>
+              <a:buChar char="•"/>
+            </a:pPr>
+            <a:r>
+              <a:rPr lang="en-US" dirty="0"/>
+              <a:t>Use the </a:t>
+            </a:r>
+            <a:r>
+              <a:rPr lang="en-US" dirty="0" err="1"/>
+              <a:t>movies_all</a:t>
+            </a:r>
+            <a:r>
+              <a:rPr lang="en-US" dirty="0"/>
+              <a:t> temporary table that we defined before to find movie ids for Brad Pitt and George Clooney</a:t>
+            </a:r>
+          </a:p>
+          <a:p>
+            <a:pPr marL="742950" lvl="1" indent="-285750">
+              <a:buFont typeface="Arial" panose="020B0604020202020204" pitchFamily="34" charset="0"/>
+              <a:buChar char="•"/>
+            </a:pPr>
+            <a:r>
+              <a:rPr lang="en-US" dirty="0"/>
+              <a:t>Use the SELECT * FROM movies WHERE id IN (…) AND id IN (…) construct</a:t>
+            </a:r>
+          </a:p>
+          <a:p>
+            <a:pPr marL="742950" lvl="1" indent="-285750">
+              <a:buFont typeface="Arial" panose="020B0604020202020204" pitchFamily="34" charset="0"/>
+              <a:buChar char="•"/>
+            </a:pPr>
+            <a:r>
+              <a:rPr lang="en-US" dirty="0"/>
+              <a:t>Use the movie ids for Brad Pitt as a subquery, and the movie ids by George Clooney as another subquery</a:t>
+            </a:r>
+          </a:p>
+          <a:p>
+            <a:pPr lvl="1"/>
+            <a:endParaRPr lang="en-US" dirty="0"/>
+          </a:p>
+          <a:p>
+            <a:pPr marL="285750" indent="-285750">
+              <a:buFont typeface="Arial" panose="020B0604020202020204" pitchFamily="34" charset="0"/>
+              <a:buChar char="•"/>
+            </a:pPr>
+            <a:r>
+              <a:rPr lang="en-US" dirty="0"/>
+              <a:t>Use a WHERE…IN subquery to find the favorite bands for students who like Radiohead?</a:t>
+            </a:r>
+          </a:p>
+          <a:p>
+            <a:pPr marL="742950" lvl="1" indent="-285750">
+              <a:buFont typeface="Arial" panose="020B0604020202020204" pitchFamily="34" charset="0"/>
+              <a:buChar char="•"/>
+            </a:pPr>
+            <a:r>
+              <a:rPr lang="en-US" dirty="0"/>
+              <a:t>Your subquery should return the IDs of students that like Radiohead</a:t>
+            </a:r>
+          </a:p>
+          <a:p>
+            <a:pPr marL="285750" indent="-285750">
+              <a:buFont typeface="Arial" panose="020B0604020202020204" pitchFamily="34" charset="0"/>
+              <a:buChar char="•"/>
+            </a:pPr>
+            <a:endParaRPr lang="en-US" dirty="0"/>
+          </a:p>
+        </p:txBody>
+      </p:sp>
+    </p:spTree>
+    <p:extLst>
+      <p:ext uri="{BB962C8B-B14F-4D97-AF65-F5344CB8AC3E}">
+        <p14:creationId xmlns:p14="http://schemas.microsoft.com/office/powerpoint/2010/main" val="2399789476"/>
+      </p:ext>
+    </p:extLst>
+  </p:cSld>
+  <p:clrMapOvr>
+    <a:masterClrMapping/>
+  </p:clrMapOvr>
+  <p:transition spd="med"/>
+</p:sld>
+</file>
+
+<file path=ppt/slides/slide16.xml><?xml version="1.0" encoding="utf-8"?>
+<p:sld xmlns:a="http://schemas.openxmlformats.org/drawingml/2006/main" xmlns:r="http://schemas.openxmlformats.org/officeDocument/2006/relationships" xmlns:p="http://schemas.openxmlformats.org/presentationml/2006/main">
+  <p:cSld>
+    <p:spTree>
+      <p:nvGrpSpPr>
+        <p:cNvPr id="1" name=""/>
+        <p:cNvGrpSpPr/>
+        <p:nvPr/>
+      </p:nvGrpSpPr>
+      <p:grpSpPr>
+        <a:xfrm>
+          <a:off x="0" y="0"/>
+          <a:ext cx="0" cy="0"/>
+          <a:chOff x="0" y="0"/>
+          <a:chExt cx="0" cy="0"/>
+        </a:xfrm>
+      </p:grpSpPr>
+      <p:sp>
+        <p:nvSpPr>
+          <p:cNvPr id="2" name="Rectangle 1">
+            <a:extLst>
+              <a:ext uri="{FF2B5EF4-FFF2-40B4-BE49-F238E27FC236}">
+                <a16:creationId xmlns:a16="http://schemas.microsoft.com/office/drawing/2014/main" id="{9444A84E-AC59-49B7-B272-64B65711749B}"/>
+              </a:ext>
+            </a:extLst>
+          </p:cNvPr>
+          <p:cNvSpPr/>
+          <p:nvPr/>
+        </p:nvSpPr>
+        <p:spPr>
+          <a:xfrm>
+            <a:off x="3353269" y="2721114"/>
+            <a:ext cx="2437462" cy="707886"/>
+          </a:xfrm>
+          <a:prstGeom prst="rect">
+            <a:avLst/>
+          </a:prstGeom>
+        </p:spPr>
+        <p:txBody>
+          <a:bodyPr wrap="none">
+            <a:spAutoFit/>
+          </a:bodyPr>
+          <a:lstStyle/>
+          <a:p>
+            <a:pPr lvl="0">
+              <a:defRPr sz="1800" b="0">
+                <a:solidFill>
+                  <a:srgbClr val="000000"/>
+                </a:solidFill>
+                <a:uFillTx/>
+              </a:defRPr>
+            </a:pPr>
+            <a:r>
+              <a:rPr lang="en-US" sz="4000" b="1" dirty="0">
+                <a:uFill>
+                  <a:solidFill>
+                    <a:srgbClr val="FFFFFF"/>
+                  </a:solidFill>
+                </a:uFill>
+                <a:latin typeface="Arial Unicode MS" panose="020B0604020202020204" pitchFamily="34" charset="-128"/>
+              </a:rPr>
+              <a:t>Variables</a:t>
+            </a:r>
+          </a:p>
+        </p:txBody>
+      </p:sp>
+    </p:spTree>
+    <p:extLst>
+      <p:ext uri="{BB962C8B-B14F-4D97-AF65-F5344CB8AC3E}">
+        <p14:creationId xmlns:p14="http://schemas.microsoft.com/office/powerpoint/2010/main" val="597939986"/>
+      </p:ext>
+    </p:extLst>
+  </p:cSld>
+  <p:clrMapOvr>
+    <a:masterClrMapping/>
+  </p:clrMapOvr>
+  <p:transition spd="med"/>
+</p:sld>
+</file>
+
+<file path=ppt/slides/slide17.xml><?xml version="1.0" encoding="utf-8"?>
+<p:sld xmlns:a="http://schemas.openxmlformats.org/drawingml/2006/main" xmlns:r="http://schemas.openxmlformats.org/officeDocument/2006/relationships" xmlns:p="http://schemas.openxmlformats.org/presentationml/2006/main">
+  <p:cSld>
+    <p:spTree>
+      <p:nvGrpSpPr>
+        <p:cNvPr id="1" name=""/>
+        <p:cNvGrpSpPr/>
+        <p:nvPr/>
+      </p:nvGrpSpPr>
+      <p:grpSpPr>
+        <a:xfrm>
+          <a:off x="0" y="0"/>
+          <a:ext cx="0" cy="0"/>
+          <a:chOff x="0" y="0"/>
+          <a:chExt cx="0" cy="0"/>
+        </a:xfrm>
+      </p:grpSpPr>
+      <p:sp>
+        <p:nvSpPr>
+          <p:cNvPr id="78" name="Shape 78"/>
+          <p:cNvSpPr/>
+          <p:nvPr/>
+        </p:nvSpPr>
+        <p:spPr>
+          <a:xfrm>
+            <a:off x="386308" y="147496"/>
+            <a:ext cx="7757379" cy="553998"/>
+          </a:xfrm>
+          <a:prstGeom prst="rect">
+            <a:avLst/>
+          </a:prstGeom>
+          <a:ln w="12700">
+            <a:miter lim="400000"/>
+          </a:ln>
+          <a:extLst>
+            <a:ext uri="{C572A759-6A51-4108-AA02-DFA0A04FC94B}">
+              <ma14:wrappingTextBoxFlag xmlns="" xmlns:ma14="http://schemas.microsoft.com/office/mac/drawingml/2011/main" val="1"/>
+            </a:ext>
+          </a:extLst>
+        </p:spPr>
+        <p:txBody>
+          <a:bodyPr lIns="45719" rIns="45719">
+            <a:spAutoFit/>
+          </a:bodyPr>
+          <a:lstStyle>
+            <a:lvl1pPr>
+              <a:defRPr sz="3000" b="1">
+                <a:uFill>
+                  <a:solidFill>
+                    <a:srgbClr val="FFFFFF"/>
+                  </a:solidFill>
+                </a:uFill>
+              </a:defRPr>
+            </a:lvl1pPr>
+          </a:lstStyle>
+          <a:p>
+            <a:pPr lvl="0">
+              <a:defRPr sz="1800" b="0">
+                <a:solidFill>
+                  <a:srgbClr val="000000"/>
+                </a:solidFill>
+                <a:uFillTx/>
+              </a:defRPr>
+            </a:pPr>
+            <a:r>
+              <a:rPr lang="en-US" sz="3000" b="1" dirty="0">
+                <a:uFill>
+                  <a:solidFill>
+                    <a:srgbClr val="FFFFFF"/>
+                  </a:solidFill>
+                </a:uFill>
+                <a:latin typeface="Arial Unicode MS" panose="020B0604020202020204" pitchFamily="34" charset="-128"/>
+              </a:rPr>
+              <a:t>Variables</a:t>
+            </a:r>
+            <a:endParaRPr sz="3000" b="1" dirty="0">
+              <a:uFill>
+                <a:solidFill>
+                  <a:srgbClr val="FFFFFF"/>
+                </a:solidFill>
+              </a:uFill>
+              <a:latin typeface="Arial Unicode MS" panose="020B0604020202020204" pitchFamily="34" charset="-128"/>
+            </a:endParaRPr>
+          </a:p>
+        </p:txBody>
+      </p:sp>
+      <p:sp>
+        <p:nvSpPr>
+          <p:cNvPr id="79" name="Shape 79"/>
+          <p:cNvSpPr/>
+          <p:nvPr/>
+        </p:nvSpPr>
+        <p:spPr>
+          <a:xfrm>
+            <a:off x="469900" y="1282700"/>
+            <a:ext cx="8204200" cy="307777"/>
+          </a:xfrm>
+          <a:prstGeom prst="rect">
+            <a:avLst/>
+          </a:prstGeom>
+          <a:ln w="12700">
+            <a:miter lim="400000"/>
+          </a:ln>
+          <a:extLst>
+            <a:ext uri="{C572A759-6A51-4108-AA02-DFA0A04FC94B}">
+              <ma14:wrappingTextBoxFlag xmlns="" xmlns:ma14="http://schemas.microsoft.com/office/mac/drawingml/2011/main" val="1"/>
+            </a:ext>
+          </a:extLst>
+        </p:spPr>
+        <p:txBody>
+          <a:bodyPr lIns="0" tIns="0" rIns="0" bIns="0">
+            <a:spAutoFit/>
+          </a:bodyPr>
+          <a:lstStyle/>
+          <a:p>
+            <a:pPr lvl="0">
+              <a:spcBef>
+                <a:spcPts val="700"/>
+              </a:spcBef>
+              <a:buSzPct val="100000"/>
+              <a:defRPr sz="1800">
+                <a:solidFill>
+                  <a:srgbClr val="000000"/>
+                </a:solidFill>
+                <a:uFillTx/>
+              </a:defRPr>
+            </a:pPr>
+            <a:endParaRPr sz="2000" dirty="0">
+              <a:uFill>
+                <a:solidFill/>
+              </a:uFill>
+              <a:latin typeface="Arial Unicode MS" panose="020B0604020202020204" pitchFamily="34" charset="-128"/>
+              <a:ea typeface="Arial Unicode MS" panose="020B0604020202020204" pitchFamily="34" charset="-128"/>
+              <a:cs typeface="Arial Unicode MS" panose="020B0604020202020204" pitchFamily="34" charset="-128"/>
+              <a:sym typeface="Iowan Old Style Roman"/>
+            </a:endParaRPr>
+          </a:p>
+        </p:txBody>
+      </p:sp>
+      <p:sp>
+        <p:nvSpPr>
+          <p:cNvPr id="4" name="TextBox 3"/>
+          <p:cNvSpPr txBox="1"/>
+          <p:nvPr/>
+        </p:nvSpPr>
+        <p:spPr>
+          <a:xfrm>
+            <a:off x="211619" y="1378168"/>
+            <a:ext cx="8658061" cy="3970318"/>
+          </a:xfrm>
+          <a:prstGeom prst="rect">
+            <a:avLst/>
+          </a:prstGeom>
+          <a:noFill/>
+        </p:spPr>
+        <p:txBody>
+          <a:bodyPr wrap="square" rtlCol="0">
+            <a:spAutoFit/>
+          </a:bodyPr>
+          <a:lstStyle/>
+          <a:p>
+            <a:pPr marL="285750" indent="-285750">
+              <a:buFont typeface="Arial" panose="020B0604020202020204" pitchFamily="34" charset="0"/>
+              <a:buChar char="•"/>
+            </a:pPr>
+            <a:r>
+              <a:rPr lang="en-US" dirty="0"/>
+              <a:t>Variables in SQL allow us to store values in generic names and reuse the generic names instead of the literal values</a:t>
+            </a:r>
+          </a:p>
+          <a:p>
+            <a:pPr marL="285750" indent="-285750">
+              <a:buFont typeface="Arial" panose="020B0604020202020204" pitchFamily="34" charset="0"/>
+              <a:buChar char="•"/>
+            </a:pPr>
+            <a:endParaRPr lang="en-US" dirty="0"/>
+          </a:p>
+          <a:p>
+            <a:pPr marL="285750" indent="-285750">
+              <a:buFont typeface="Arial" panose="020B0604020202020204" pitchFamily="34" charset="0"/>
+              <a:buChar char="•"/>
+            </a:pPr>
+            <a:r>
+              <a:rPr lang="en-US" dirty="0"/>
+              <a:t>Sometimes we want to make our queries generic, and have placeholders</a:t>
+            </a:r>
+          </a:p>
+          <a:p>
+            <a:pPr marL="742950" lvl="1" indent="-285750">
+              <a:buFont typeface="Arial" panose="020B0604020202020204" pitchFamily="34" charset="0"/>
+              <a:buChar char="•"/>
+            </a:pPr>
+            <a:r>
+              <a:rPr lang="en-US" b="1" dirty="0"/>
+              <a:t>SET @band = ‘Radiohead’</a:t>
+            </a:r>
+          </a:p>
+          <a:p>
+            <a:pPr marL="285750" indent="-285750">
+              <a:buFont typeface="Arial" panose="020B0604020202020204" pitchFamily="34" charset="0"/>
+              <a:buChar char="•"/>
+            </a:pPr>
+            <a:endParaRPr lang="en-US" dirty="0"/>
+          </a:p>
+          <a:p>
+            <a:pPr marL="285750" indent="-285750">
+              <a:buFont typeface="Arial" panose="020B0604020202020204" pitchFamily="34" charset="0"/>
+              <a:buChar char="•"/>
+            </a:pPr>
+            <a:r>
+              <a:rPr lang="en-US" dirty="0"/>
+              <a:t>Other times we want to store the (single value) result of a query in a variable to use later.</a:t>
+            </a:r>
+          </a:p>
+          <a:p>
+            <a:pPr marL="742950" lvl="1" indent="-285750">
+              <a:buFont typeface="Arial" panose="020B0604020202020204" pitchFamily="34" charset="0"/>
+              <a:buChar char="•"/>
+            </a:pPr>
+            <a:r>
+              <a:rPr lang="en-US" dirty="0"/>
+              <a:t>Number of liberal students</a:t>
+            </a:r>
+          </a:p>
+          <a:p>
+            <a:pPr marL="742950" lvl="1" indent="-285750">
+              <a:buFont typeface="Arial" panose="020B0604020202020204" pitchFamily="34" charset="0"/>
+              <a:buChar char="•"/>
+            </a:pPr>
+            <a:r>
+              <a:rPr lang="en-US" b="1" dirty="0"/>
+              <a:t>SET @liberal = (SELECT COUNT(*) FROM Profiles WHERE </a:t>
+            </a:r>
+            <a:r>
+              <a:rPr lang="en-US" b="1" dirty="0" err="1"/>
+              <a:t>PoliticalViews</a:t>
+            </a:r>
+            <a:r>
+              <a:rPr lang="en-US" b="1" dirty="0"/>
+              <a:t>=‘Liberal’)</a:t>
+            </a:r>
+          </a:p>
+          <a:p>
+            <a:pPr marL="285750" indent="-285750">
+              <a:buFont typeface="Arial" panose="020B0604020202020204" pitchFamily="34" charset="0"/>
+              <a:buChar char="•"/>
+            </a:pPr>
+            <a:endParaRPr lang="en-US" dirty="0"/>
+          </a:p>
+          <a:p>
+            <a:pPr marL="285750" indent="-285750">
+              <a:buFont typeface="Arial" panose="020B0604020202020204" pitchFamily="34" charset="0"/>
+              <a:buChar char="•"/>
+            </a:pPr>
+            <a:r>
+              <a:rPr lang="en-US" dirty="0"/>
+              <a:t>Variables are especially useful when we execute a sequence of SQL statements and we want to reuse results from previous queries.</a:t>
+            </a:r>
+          </a:p>
+          <a:p>
+            <a:pPr marL="742950" lvl="1" indent="-285750">
+              <a:buFont typeface="Arial" panose="020B0604020202020204" pitchFamily="34" charset="0"/>
+              <a:buChar char="•"/>
+            </a:pPr>
+            <a:endParaRPr lang="en-US" dirty="0"/>
+          </a:p>
+        </p:txBody>
+      </p:sp>
+    </p:spTree>
+    <p:extLst>
+      <p:ext uri="{BB962C8B-B14F-4D97-AF65-F5344CB8AC3E}">
+        <p14:creationId xmlns:p14="http://schemas.microsoft.com/office/powerpoint/2010/main" val="3213413416"/>
+      </p:ext>
+    </p:extLst>
+  </p:cSld>
+  <p:clrMapOvr>
+    <a:masterClrMapping/>
+  </p:clrMapOvr>
+  <p:transition spd="med"/>
+</p:sld>
+</file>
+
+<file path=ppt/slides/slide18.xml><?xml version="1.0" encoding="utf-8"?>
+<p:sld xmlns:a="http://schemas.openxmlformats.org/drawingml/2006/main" xmlns:r="http://schemas.openxmlformats.org/officeDocument/2006/relationships" xmlns:p="http://schemas.openxmlformats.org/presentationml/2006/main">
+  <p:cSld>
+    <p:spTree>
+      <p:nvGrpSpPr>
+        <p:cNvPr id="1" name=""/>
+        <p:cNvGrpSpPr/>
+        <p:nvPr/>
+      </p:nvGrpSpPr>
+      <p:grpSpPr>
+        <a:xfrm>
+          <a:off x="0" y="0"/>
+          <a:ext cx="0" cy="0"/>
+          <a:chOff x="0" y="0"/>
+          <a:chExt cx="0" cy="0"/>
+        </a:xfrm>
+      </p:grpSpPr>
+      <p:sp>
+        <p:nvSpPr>
+          <p:cNvPr id="78" name="Shape 78"/>
+          <p:cNvSpPr/>
+          <p:nvPr/>
+        </p:nvSpPr>
+        <p:spPr>
+          <a:xfrm>
+            <a:off x="386308" y="147496"/>
+            <a:ext cx="7757379" cy="553998"/>
+          </a:xfrm>
+          <a:prstGeom prst="rect">
+            <a:avLst/>
+          </a:prstGeom>
+          <a:ln w="12700">
+            <a:miter lim="400000"/>
+          </a:ln>
+          <a:extLst>
+            <a:ext uri="{C572A759-6A51-4108-AA02-DFA0A04FC94B}">
+              <ma14:wrappingTextBoxFlag xmlns="" xmlns:ma14="http://schemas.microsoft.com/office/mac/drawingml/2011/main" val="1"/>
+            </a:ext>
+          </a:extLst>
+        </p:spPr>
+        <p:txBody>
+          <a:bodyPr lIns="45719" rIns="45719">
+            <a:spAutoFit/>
+          </a:bodyPr>
+          <a:lstStyle>
+            <a:lvl1pPr>
+              <a:defRPr sz="3000" b="1">
+                <a:uFill>
+                  <a:solidFill>
+                    <a:srgbClr val="FFFFFF"/>
+                  </a:solidFill>
+                </a:uFill>
+              </a:defRPr>
+            </a:lvl1pPr>
+          </a:lstStyle>
+          <a:p>
+            <a:pPr lvl="0">
+              <a:defRPr sz="1800" b="0">
+                <a:solidFill>
+                  <a:srgbClr val="000000"/>
+                </a:solidFill>
+                <a:uFillTx/>
+              </a:defRPr>
+            </a:pPr>
+            <a:r>
+              <a:rPr sz="3000" b="1" dirty="0">
+                <a:uFill>
+                  <a:solidFill>
+                    <a:srgbClr val="FFFFFF"/>
+                  </a:solidFill>
+                </a:uFill>
+                <a:latin typeface="Arial Unicode MS" panose="020B0604020202020204" pitchFamily="34" charset="-128"/>
+              </a:rPr>
+              <a:t>Subquerie</a:t>
+            </a:r>
+            <a:r>
+              <a:rPr lang="en-US" sz="3000" b="1" dirty="0">
+                <a:uFill>
+                  <a:solidFill>
+                    <a:srgbClr val="FFFFFF"/>
+                  </a:solidFill>
+                </a:uFill>
+                <a:latin typeface="Arial Unicode MS" panose="020B0604020202020204" pitchFamily="34" charset="-128"/>
+              </a:rPr>
+              <a:t>s, Variables, and so on</a:t>
+            </a:r>
+            <a:endParaRPr sz="3000" b="1" dirty="0">
+              <a:uFill>
+                <a:solidFill>
+                  <a:srgbClr val="FFFFFF"/>
+                </a:solidFill>
+              </a:uFill>
+              <a:latin typeface="Arial Unicode MS" panose="020B0604020202020204" pitchFamily="34" charset="-128"/>
+            </a:endParaRPr>
+          </a:p>
+        </p:txBody>
+      </p:sp>
+      <p:sp>
+        <p:nvSpPr>
+          <p:cNvPr id="79" name="Shape 79"/>
+          <p:cNvSpPr/>
+          <p:nvPr/>
+        </p:nvSpPr>
+        <p:spPr>
+          <a:xfrm>
+            <a:off x="469900" y="1282700"/>
+            <a:ext cx="8204200" cy="307777"/>
+          </a:xfrm>
+          <a:prstGeom prst="rect">
+            <a:avLst/>
+          </a:prstGeom>
+          <a:ln w="12700">
+            <a:miter lim="400000"/>
+          </a:ln>
+          <a:extLst>
+            <a:ext uri="{C572A759-6A51-4108-AA02-DFA0A04FC94B}">
+              <ma14:wrappingTextBoxFlag xmlns="" xmlns:ma14="http://schemas.microsoft.com/office/mac/drawingml/2011/main" val="1"/>
+            </a:ext>
+          </a:extLst>
+        </p:spPr>
+        <p:txBody>
+          <a:bodyPr lIns="0" tIns="0" rIns="0" bIns="0">
+            <a:spAutoFit/>
+          </a:bodyPr>
+          <a:lstStyle/>
+          <a:p>
+            <a:pPr lvl="0">
+              <a:spcBef>
+                <a:spcPts val="700"/>
+              </a:spcBef>
+              <a:buSzPct val="100000"/>
+              <a:defRPr sz="1800">
+                <a:solidFill>
+                  <a:srgbClr val="000000"/>
+                </a:solidFill>
+                <a:uFillTx/>
+              </a:defRPr>
+            </a:pPr>
+            <a:endParaRPr sz="2000" dirty="0">
+              <a:uFill>
+                <a:solidFill/>
+              </a:uFill>
+              <a:latin typeface="Arial Unicode MS" panose="020B0604020202020204" pitchFamily="34" charset="-128"/>
+              <a:ea typeface="Arial Unicode MS" panose="020B0604020202020204" pitchFamily="34" charset="-128"/>
+              <a:cs typeface="Arial Unicode MS" panose="020B0604020202020204" pitchFamily="34" charset="-128"/>
+              <a:sym typeface="Iowan Old Style Roman"/>
+            </a:endParaRPr>
+          </a:p>
+        </p:txBody>
+      </p:sp>
+      <p:sp>
+        <p:nvSpPr>
+          <p:cNvPr id="4" name="TextBox 3"/>
+          <p:cNvSpPr txBox="1"/>
+          <p:nvPr/>
+        </p:nvSpPr>
+        <p:spPr>
+          <a:xfrm>
+            <a:off x="529119" y="1376737"/>
+            <a:ext cx="8211227" cy="3139321"/>
+          </a:xfrm>
+          <a:prstGeom prst="rect">
+            <a:avLst/>
+          </a:prstGeom>
+          <a:noFill/>
+        </p:spPr>
+        <p:txBody>
+          <a:bodyPr wrap="square" rtlCol="0">
+            <a:spAutoFit/>
+          </a:bodyPr>
+          <a:lstStyle/>
+          <a:p>
+            <a:pPr marL="285750" indent="-285750">
+              <a:buFont typeface="Arial" panose="020B0604020202020204" pitchFamily="34" charset="0"/>
+              <a:buChar char="•"/>
+            </a:pPr>
+            <a:endParaRPr lang="en-US" dirty="0"/>
+          </a:p>
+          <a:p>
+            <a:pPr marL="285750" indent="-285750">
+              <a:buFont typeface="Arial" panose="020B0604020202020204" pitchFamily="34" charset="0"/>
+              <a:buChar char="•"/>
+            </a:pPr>
+            <a:r>
+              <a:rPr lang="en-US" dirty="0"/>
+              <a:t>Find the Music that people that like Radiohead tend to like.</a:t>
+            </a:r>
+          </a:p>
+          <a:p>
+            <a:pPr marL="285750" indent="-285750">
+              <a:buFont typeface="Arial" panose="020B0604020202020204" pitchFamily="34" charset="0"/>
+              <a:buChar char="•"/>
+            </a:pPr>
+            <a:r>
+              <a:rPr lang="en-US" dirty="0"/>
+              <a:t>Repeat the query above for Jay Z</a:t>
+            </a:r>
+          </a:p>
+          <a:p>
+            <a:pPr marL="285750" indent="-285750">
+              <a:buFont typeface="Arial" panose="020B0604020202020204" pitchFamily="34" charset="0"/>
+              <a:buChar char="•"/>
+            </a:pPr>
+            <a:endParaRPr lang="en-US" dirty="0"/>
+          </a:p>
+          <a:p>
+            <a:pPr marL="285750" indent="-285750">
+              <a:buFont typeface="Arial" panose="020B0604020202020204" pitchFamily="34" charset="0"/>
+              <a:buChar char="•"/>
+            </a:pPr>
+            <a:endParaRPr lang="en-US" dirty="0"/>
+          </a:p>
+          <a:p>
+            <a:pPr marL="285750" indent="-285750">
+              <a:buFont typeface="Arial" panose="020B0604020202020204" pitchFamily="34" charset="0"/>
+              <a:buChar char="•"/>
+            </a:pPr>
+            <a:r>
+              <a:rPr lang="en-US" dirty="0"/>
+              <a:t>Make your query generic, by using a @band variable and then set it appropriately:</a:t>
+            </a:r>
+          </a:p>
+          <a:p>
+            <a:endParaRPr lang="en-US" dirty="0"/>
+          </a:p>
+          <a:p>
+            <a:pPr lvl="2"/>
+            <a:r>
+              <a:rPr lang="en-US" dirty="0"/>
+              <a:t>SET @band = ‘Radiohead’ </a:t>
+            </a:r>
+          </a:p>
+          <a:p>
+            <a:pPr lvl="2"/>
+            <a:r>
+              <a:rPr lang="en-US" dirty="0"/>
+              <a:t>	vs</a:t>
+            </a:r>
+          </a:p>
+          <a:p>
+            <a:pPr lvl="2"/>
+            <a:r>
+              <a:rPr lang="en-US" dirty="0"/>
+              <a:t>SET @band = ‘Jay Z’ </a:t>
+            </a:r>
+          </a:p>
+          <a:p>
+            <a:endParaRPr lang="en-US" dirty="0"/>
+          </a:p>
+        </p:txBody>
+      </p:sp>
+    </p:spTree>
+    <p:extLst>
+      <p:ext uri="{BB962C8B-B14F-4D97-AF65-F5344CB8AC3E}">
+        <p14:creationId xmlns:p14="http://schemas.microsoft.com/office/powerpoint/2010/main" val="4205112615"/>
+      </p:ext>
+    </p:extLst>
+  </p:cSld>
+  <p:clrMapOvr>
+    <a:masterClrMapping/>
+  </p:clrMapOvr>
+  <p:transition spd="med"/>
+</p:sld>
+</file>
+
+<file path=ppt/slides/slide19.xml><?xml version="1.0" encoding="utf-8"?>
+<p:sld xmlns:a="http://schemas.openxmlformats.org/drawingml/2006/main" xmlns:r="http://schemas.openxmlformats.org/officeDocument/2006/relationships" xmlns:p="http://schemas.openxmlformats.org/presentationml/2006/main">
+  <p:cSld>
+    <p:spTree>
+      <p:nvGrpSpPr>
+        <p:cNvPr id="1" name=""/>
+        <p:cNvGrpSpPr/>
+        <p:nvPr/>
+      </p:nvGrpSpPr>
+      <p:grpSpPr>
+        <a:xfrm>
+          <a:off x="0" y="0"/>
+          <a:ext cx="0" cy="0"/>
+          <a:chOff x="0" y="0"/>
+          <a:chExt cx="0" cy="0"/>
+        </a:xfrm>
+      </p:grpSpPr>
+      <p:sp>
+        <p:nvSpPr>
+          <p:cNvPr id="78" name="Shape 78"/>
+          <p:cNvSpPr/>
+          <p:nvPr/>
+        </p:nvSpPr>
+        <p:spPr>
+          <a:xfrm>
+            <a:off x="386308" y="147496"/>
+            <a:ext cx="7757379" cy="553998"/>
+          </a:xfrm>
+          <a:prstGeom prst="rect">
+            <a:avLst/>
+          </a:prstGeom>
+          <a:ln w="12700">
+            <a:miter lim="400000"/>
+          </a:ln>
+          <a:extLst>
+            <a:ext uri="{C572A759-6A51-4108-AA02-DFA0A04FC94B}">
+              <ma14:wrappingTextBoxFlag xmlns="" xmlns:ma14="http://schemas.microsoft.com/office/mac/drawingml/2011/main" val="1"/>
+            </a:ext>
+          </a:extLst>
+        </p:spPr>
+        <p:txBody>
+          <a:bodyPr lIns="45719" rIns="45719">
+            <a:spAutoFit/>
+          </a:bodyPr>
+          <a:lstStyle>
+            <a:lvl1pPr>
+              <a:defRPr sz="3000" b="1">
+                <a:uFill>
+                  <a:solidFill>
+                    <a:srgbClr val="FFFFFF"/>
+                  </a:solidFill>
+                </a:uFill>
+              </a:defRPr>
+            </a:lvl1pPr>
+          </a:lstStyle>
+          <a:p>
+            <a:pPr lvl="0">
+              <a:defRPr sz="1800" b="0">
+                <a:solidFill>
+                  <a:srgbClr val="000000"/>
+                </a:solidFill>
+                <a:uFillTx/>
+              </a:defRPr>
+            </a:pPr>
+            <a:r>
+              <a:rPr lang="en-US" sz="3000" b="1" dirty="0">
+                <a:uFill>
+                  <a:solidFill>
+                    <a:srgbClr val="FFFFFF"/>
+                  </a:solidFill>
+                </a:uFill>
+                <a:latin typeface="Arial Unicode MS" panose="020B0604020202020204" pitchFamily="34" charset="-128"/>
+              </a:rPr>
+              <a:t>Music Recommendations</a:t>
+            </a:r>
+            <a:endParaRPr sz="3000" b="1" dirty="0">
+              <a:uFill>
+                <a:solidFill>
+                  <a:srgbClr val="FFFFFF"/>
+                </a:solidFill>
+              </a:uFill>
+              <a:latin typeface="Arial Unicode MS" panose="020B0604020202020204" pitchFamily="34" charset="-128"/>
+            </a:endParaRPr>
+          </a:p>
+        </p:txBody>
+      </p:sp>
+      <p:sp>
+        <p:nvSpPr>
+          <p:cNvPr id="79" name="Shape 79"/>
+          <p:cNvSpPr/>
+          <p:nvPr/>
+        </p:nvSpPr>
+        <p:spPr>
+          <a:xfrm>
+            <a:off x="469900" y="1282700"/>
+            <a:ext cx="8204200" cy="307777"/>
+          </a:xfrm>
+          <a:prstGeom prst="rect">
+            <a:avLst/>
+          </a:prstGeom>
+          <a:ln w="12700">
+            <a:miter lim="400000"/>
+          </a:ln>
+          <a:extLst>
+            <a:ext uri="{C572A759-6A51-4108-AA02-DFA0A04FC94B}">
+              <ma14:wrappingTextBoxFlag xmlns="" xmlns:ma14="http://schemas.microsoft.com/office/mac/drawingml/2011/main" val="1"/>
+            </a:ext>
+          </a:extLst>
+        </p:spPr>
+        <p:txBody>
+          <a:bodyPr lIns="0" tIns="0" rIns="0" bIns="0">
+            <a:spAutoFit/>
+          </a:bodyPr>
+          <a:lstStyle/>
+          <a:p>
+            <a:pPr lvl="0">
+              <a:spcBef>
+                <a:spcPts val="700"/>
+              </a:spcBef>
+              <a:buSzPct val="100000"/>
+              <a:defRPr sz="1800">
+                <a:solidFill>
+                  <a:srgbClr val="000000"/>
+                </a:solidFill>
+                <a:uFillTx/>
+              </a:defRPr>
+            </a:pPr>
+            <a:endParaRPr sz="2000" dirty="0">
+              <a:uFill>
+                <a:solidFill/>
+              </a:uFill>
+              <a:latin typeface="Arial Unicode MS" panose="020B0604020202020204" pitchFamily="34" charset="-128"/>
+              <a:ea typeface="Arial Unicode MS" panose="020B0604020202020204" pitchFamily="34" charset="-128"/>
+              <a:cs typeface="Arial Unicode MS" panose="020B0604020202020204" pitchFamily="34" charset="-128"/>
+              <a:sym typeface="Iowan Old Style Roman"/>
+            </a:endParaRPr>
+          </a:p>
+        </p:txBody>
+      </p:sp>
+      <p:sp>
+        <p:nvSpPr>
+          <p:cNvPr id="4" name="TextBox 3"/>
+          <p:cNvSpPr txBox="1"/>
+          <p:nvPr/>
+        </p:nvSpPr>
+        <p:spPr>
+          <a:xfrm>
+            <a:off x="529119" y="1376737"/>
+            <a:ext cx="8211227" cy="3785652"/>
+          </a:xfrm>
+          <a:prstGeom prst="rect">
+            <a:avLst/>
+          </a:prstGeom>
+          <a:noFill/>
+        </p:spPr>
+        <p:txBody>
+          <a:bodyPr wrap="square" rtlCol="0">
+            <a:spAutoFit/>
+          </a:bodyPr>
+          <a:lstStyle/>
+          <a:p>
+            <a:pPr marL="285750" indent="-285750">
+              <a:buFont typeface="Arial" panose="020B0604020202020204" pitchFamily="34" charset="0"/>
+              <a:buChar char="•"/>
+            </a:pPr>
+            <a:endParaRPr lang="en-US" sz="2000" dirty="0"/>
+          </a:p>
+          <a:p>
+            <a:pPr marL="285750" indent="-285750">
+              <a:buFont typeface="Arial" panose="020B0604020202020204" pitchFamily="34" charset="0"/>
+              <a:buChar char="•"/>
+            </a:pPr>
+            <a:r>
+              <a:rPr lang="en-US" sz="2000" dirty="0"/>
+              <a:t>Create a query that shows the percentage of people that like a music group</a:t>
+            </a:r>
+          </a:p>
+          <a:p>
+            <a:pPr marL="742950" lvl="1" indent="-285750">
+              <a:buFont typeface="Arial" panose="020B0604020202020204" pitchFamily="34" charset="0"/>
+              <a:buChar char="•"/>
+            </a:pPr>
+            <a:r>
+              <a:rPr lang="en-US" sz="2000" dirty="0"/>
+              <a:t>Use a variable for doing the normalization from counts to percentages</a:t>
+            </a:r>
+          </a:p>
+          <a:p>
+            <a:pPr marL="285750" indent="-285750">
+              <a:buFont typeface="Arial" panose="020B0604020202020204" pitchFamily="34" charset="0"/>
+              <a:buChar char="•"/>
+            </a:pPr>
+            <a:r>
+              <a:rPr lang="en-US" sz="2000" dirty="0"/>
+              <a:t>Create a query that shows the percentage of people that like a </a:t>
+            </a:r>
+            <a:r>
+              <a:rPr lang="en-US" sz="2000" b="1" dirty="0"/>
+              <a:t>music group AND the focus band</a:t>
+            </a:r>
+          </a:p>
+          <a:p>
+            <a:pPr marL="742950" lvl="1" indent="-285750">
+              <a:buFont typeface="Arial" panose="020B0604020202020204" pitchFamily="34" charset="0"/>
+              <a:buChar char="•"/>
+            </a:pPr>
+            <a:r>
+              <a:rPr lang="en-US" sz="2000" dirty="0"/>
+              <a:t>Again, use a variable for doing the normalization from counts to percentages</a:t>
+            </a:r>
+          </a:p>
+          <a:p>
+            <a:pPr marL="285750" indent="-285750">
+              <a:buFont typeface="Arial" panose="020B0604020202020204" pitchFamily="34" charset="0"/>
+              <a:buChar char="•"/>
+            </a:pPr>
+            <a:r>
+              <a:rPr lang="en-US" sz="2000" dirty="0"/>
+              <a:t>Perform an outer join and compare the percentage of the focus band fans that like a music vs the percentage of the fans overall</a:t>
+            </a:r>
+          </a:p>
+          <a:p>
+            <a:pPr marL="285750" indent="-285750">
+              <a:buFont typeface="Arial" panose="020B0604020202020204" pitchFamily="34" charset="0"/>
+              <a:buChar char="•"/>
+            </a:pPr>
+            <a:endParaRPr lang="en-US" sz="2000" dirty="0"/>
+          </a:p>
+          <a:p>
+            <a:endParaRPr lang="en-US" sz="2000" dirty="0"/>
+          </a:p>
+        </p:txBody>
+      </p:sp>
+    </p:spTree>
+    <p:extLst>
+      <p:ext uri="{BB962C8B-B14F-4D97-AF65-F5344CB8AC3E}">
+        <p14:creationId xmlns:p14="http://schemas.microsoft.com/office/powerpoint/2010/main" val="2023261221"/>
+      </p:ext>
+    </p:extLst>
+  </p:cSld>
+  <p:clrMapOvr>
+    <a:masterClrMapping/>
+  </p:clrMapOvr>
+  <p:transition spd="med"/>
+</p:sld>
+</file>
+
+<file path=ppt/slides/slide2.xml><?xml version="1.0" encoding="utf-8"?>
+<p:sld xmlns:a="http://schemas.openxmlformats.org/drawingml/2006/main" xmlns:r="http://schemas.openxmlformats.org/officeDocument/2006/relationships" xmlns:p="http://schemas.openxmlformats.org/presentationml/2006/main">
+  <p:cSld>
+    <p:spTree>
+      <p:nvGrpSpPr>
+        <p:cNvPr id="1" name=""/>
+        <p:cNvGrpSpPr/>
+        <p:nvPr/>
+      </p:nvGrpSpPr>
+      <p:grpSpPr>
+        <a:xfrm>
+          <a:off x="0" y="0"/>
+          <a:ext cx="0" cy="0"/>
+          <a:chOff x="0" y="0"/>
+          <a:chExt cx="0" cy="0"/>
+        </a:xfrm>
+      </p:grpSpPr>
+      <p:sp>
+        <p:nvSpPr>
+          <p:cNvPr id="47" name="Shape 47"/>
+          <p:cNvSpPr/>
+          <p:nvPr/>
+        </p:nvSpPr>
+        <p:spPr>
+          <a:xfrm>
+            <a:off x="269666" y="1435100"/>
+            <a:ext cx="8604668" cy="646331"/>
+          </a:xfrm>
+          <a:prstGeom prst="rect">
+            <a:avLst/>
+          </a:prstGeom>
+          <a:ln w="12700">
+            <a:miter lim="400000"/>
+          </a:ln>
+          <a:extLst>
+            <a:ext uri="{C572A759-6A51-4108-AA02-DFA0A04FC94B}">
+              <ma14:wrappingTextBoxFlag xmlns="" xmlns:ma14="http://schemas.microsoft.com/office/mac/drawingml/2011/main" val="1"/>
+            </a:ext>
+          </a:extLst>
+        </p:spPr>
+        <p:txBody>
+          <a:bodyPr lIns="45719" rIns="45719">
+            <a:spAutoFit/>
+          </a:bodyPr>
+          <a:lstStyle>
+            <a:lvl1pPr algn="r">
+              <a:defRPr sz="3600">
+                <a:solidFill>
+                  <a:srgbClr val="011070"/>
+                </a:solidFill>
+              </a:defRPr>
+            </a:lvl1pPr>
+          </a:lstStyle>
+          <a:p>
+            <a:pPr lvl="0">
+              <a:defRPr sz="1800">
+                <a:solidFill>
+                  <a:srgbClr val="000000"/>
+                </a:solidFill>
+                <a:uFillTx/>
+              </a:defRPr>
+            </a:pPr>
+            <a:r>
+              <a:rPr sz="3600" dirty="0" err="1">
+                <a:solidFill>
+                  <a:schemeClr val="tx1"/>
+                </a:solidFill>
+                <a:uFill>
+                  <a:solidFill/>
+                </a:uFill>
+                <a:latin typeface="Arial Unicode MS" panose="020B0604020202020204" pitchFamily="34" charset="-128"/>
+              </a:rPr>
+              <a:t>Subqueries</a:t>
+            </a:r>
+            <a:endParaRPr sz="3600" dirty="0">
+              <a:solidFill>
+                <a:schemeClr val="tx1"/>
+              </a:solidFill>
+              <a:uFill>
+                <a:solidFill/>
+              </a:uFill>
+              <a:latin typeface="Arial Unicode MS" panose="020B0604020202020204" pitchFamily="34" charset="-128"/>
+            </a:endParaRPr>
+          </a:p>
+        </p:txBody>
+      </p:sp>
+    </p:spTree>
+    <p:extLst>
+      <p:ext uri="{BB962C8B-B14F-4D97-AF65-F5344CB8AC3E}">
+        <p14:creationId xmlns:p14="http://schemas.microsoft.com/office/powerpoint/2010/main" val="3579448196"/>
+      </p:ext>
+    </p:extLst>
+  </p:cSld>
+  <p:clrMapOvr>
+    <a:masterClrMapping/>
+  </p:clrMapOvr>
+  <p:transition spd="med"/>
+</p:sld>
+</file>
+
+<file path=ppt/slides/slide20.xml><?xml version="1.0" encoding="utf-8"?>
+<p:sld xmlns:a="http://schemas.openxmlformats.org/drawingml/2006/main" xmlns:r="http://schemas.openxmlformats.org/officeDocument/2006/relationships" xmlns:p="http://schemas.openxmlformats.org/presentationml/2006/main">
+  <p:cSld>
+    <p:spTree>
+      <p:nvGrpSpPr>
+        <p:cNvPr id="1" name=""/>
+        <p:cNvGrpSpPr/>
+        <p:nvPr/>
+      </p:nvGrpSpPr>
+      <p:grpSpPr>
+        <a:xfrm>
+          <a:off x="0" y="0"/>
+          <a:ext cx="0" cy="0"/>
+          <a:chOff x="0" y="0"/>
+          <a:chExt cx="0" cy="0"/>
+        </a:xfrm>
+      </p:grpSpPr>
+      <p:sp>
+        <p:nvSpPr>
+          <p:cNvPr id="78" name="Shape 78"/>
+          <p:cNvSpPr/>
+          <p:nvPr/>
+        </p:nvSpPr>
+        <p:spPr>
+          <a:xfrm>
+            <a:off x="386308" y="147496"/>
+            <a:ext cx="7757379" cy="553998"/>
+          </a:xfrm>
+          <a:prstGeom prst="rect">
+            <a:avLst/>
+          </a:prstGeom>
+          <a:ln w="12700">
+            <a:miter lim="400000"/>
+          </a:ln>
+          <a:extLst>
+            <a:ext uri="{C572A759-6A51-4108-AA02-DFA0A04FC94B}">
+              <ma14:wrappingTextBoxFlag xmlns="" xmlns:ma14="http://schemas.microsoft.com/office/mac/drawingml/2011/main" val="1"/>
+            </a:ext>
+          </a:extLst>
+        </p:spPr>
+        <p:txBody>
+          <a:bodyPr lIns="45719" rIns="45719">
+            <a:spAutoFit/>
+          </a:bodyPr>
+          <a:lstStyle>
+            <a:lvl1pPr>
+              <a:defRPr sz="3000" b="1">
+                <a:uFill>
+                  <a:solidFill>
+                    <a:srgbClr val="FFFFFF"/>
+                  </a:solidFill>
+                </a:uFill>
+              </a:defRPr>
+            </a:lvl1pPr>
+          </a:lstStyle>
+          <a:p>
+            <a:pPr lvl="0">
+              <a:defRPr sz="1800" b="0">
+                <a:solidFill>
+                  <a:srgbClr val="000000"/>
+                </a:solidFill>
+                <a:uFillTx/>
+              </a:defRPr>
+            </a:pPr>
+            <a:r>
+              <a:rPr lang="en-US" sz="3000" b="1" dirty="0">
+                <a:uFill>
+                  <a:solidFill>
+                    <a:srgbClr val="FFFFFF"/>
+                  </a:solidFill>
+                </a:uFill>
+                <a:latin typeface="Arial Unicode MS" panose="020B0604020202020204" pitchFamily="34" charset="-128"/>
+              </a:rPr>
+              <a:t>Practice</a:t>
+            </a:r>
+            <a:endParaRPr sz="3000" b="1" dirty="0">
+              <a:uFill>
+                <a:solidFill>
+                  <a:srgbClr val="FFFFFF"/>
+                </a:solidFill>
+              </a:uFill>
+              <a:latin typeface="Arial Unicode MS" panose="020B0604020202020204" pitchFamily="34" charset="-128"/>
+            </a:endParaRPr>
+          </a:p>
+        </p:txBody>
+      </p:sp>
+      <p:sp>
+        <p:nvSpPr>
+          <p:cNvPr id="79" name="Shape 79"/>
+          <p:cNvSpPr/>
+          <p:nvPr/>
+        </p:nvSpPr>
+        <p:spPr>
+          <a:xfrm>
+            <a:off x="469900" y="1282700"/>
+            <a:ext cx="8204200" cy="307777"/>
+          </a:xfrm>
+          <a:prstGeom prst="rect">
+            <a:avLst/>
+          </a:prstGeom>
+          <a:ln w="12700">
+            <a:miter lim="400000"/>
+          </a:ln>
+          <a:extLst>
+            <a:ext uri="{C572A759-6A51-4108-AA02-DFA0A04FC94B}">
+              <ma14:wrappingTextBoxFlag xmlns="" xmlns:ma14="http://schemas.microsoft.com/office/mac/drawingml/2011/main" val="1"/>
+            </a:ext>
+          </a:extLst>
+        </p:spPr>
+        <p:txBody>
+          <a:bodyPr lIns="0" tIns="0" rIns="0" bIns="0">
+            <a:spAutoFit/>
+          </a:bodyPr>
+          <a:lstStyle/>
+          <a:p>
+            <a:pPr lvl="0">
+              <a:spcBef>
+                <a:spcPts val="700"/>
+              </a:spcBef>
+              <a:buSzPct val="100000"/>
+              <a:defRPr sz="1800">
+                <a:solidFill>
+                  <a:srgbClr val="000000"/>
+                </a:solidFill>
+                <a:uFillTx/>
+              </a:defRPr>
+            </a:pPr>
+            <a:endParaRPr sz="2000" dirty="0">
+              <a:uFill>
+                <a:solidFill/>
+              </a:uFill>
+              <a:latin typeface="Arial Unicode MS" panose="020B0604020202020204" pitchFamily="34" charset="-128"/>
+              <a:ea typeface="Arial Unicode MS" panose="020B0604020202020204" pitchFamily="34" charset="-128"/>
+              <a:cs typeface="Arial Unicode MS" panose="020B0604020202020204" pitchFamily="34" charset="-128"/>
+              <a:sym typeface="Iowan Old Style Roman"/>
+            </a:endParaRPr>
+          </a:p>
+        </p:txBody>
+      </p:sp>
+      <p:sp>
+        <p:nvSpPr>
+          <p:cNvPr id="4" name="TextBox 3"/>
+          <p:cNvSpPr txBox="1"/>
+          <p:nvPr/>
+        </p:nvSpPr>
+        <p:spPr>
+          <a:xfrm>
+            <a:off x="529119" y="1376737"/>
+            <a:ext cx="8211227" cy="1631216"/>
+          </a:xfrm>
+          <a:prstGeom prst="rect">
+            <a:avLst/>
+          </a:prstGeom>
+          <a:noFill/>
+        </p:spPr>
+        <p:txBody>
+          <a:bodyPr wrap="square" rtlCol="0">
+            <a:spAutoFit/>
+          </a:bodyPr>
+          <a:lstStyle/>
+          <a:p>
+            <a:pPr marL="285750" indent="-285750">
+              <a:buFont typeface="Arial" panose="020B0604020202020204" pitchFamily="34" charset="0"/>
+              <a:buChar char="•"/>
+            </a:pPr>
+            <a:endParaRPr lang="en-US" sz="2000" dirty="0"/>
+          </a:p>
+          <a:p>
+            <a:pPr marL="285750" indent="-285750">
+              <a:buFont typeface="Arial" panose="020B0604020202020204" pitchFamily="34" charset="0"/>
+              <a:buChar char="•"/>
+            </a:pPr>
+            <a:r>
+              <a:rPr lang="en-US" sz="2000" dirty="0"/>
+              <a:t>Analyze Book preferences by gender. What are the books that men like and what are the books that women like? Show </a:t>
+            </a:r>
+            <a:r>
+              <a:rPr lang="en-US" sz="2000"/>
+              <a:t>the lifts and log-odds.</a:t>
+            </a:r>
+            <a:endParaRPr lang="en-US" sz="2000" dirty="0"/>
+          </a:p>
+          <a:p>
+            <a:pPr marL="285750" indent="-285750">
+              <a:buFont typeface="Arial" panose="020B0604020202020204" pitchFamily="34" charset="0"/>
+              <a:buChar char="•"/>
+            </a:pPr>
+            <a:endParaRPr lang="en-US" sz="2000" dirty="0"/>
+          </a:p>
+          <a:p>
+            <a:endParaRPr lang="en-US" sz="2000" dirty="0"/>
+          </a:p>
+        </p:txBody>
+      </p:sp>
+    </p:spTree>
+    <p:extLst>
+      <p:ext uri="{BB962C8B-B14F-4D97-AF65-F5344CB8AC3E}">
+        <p14:creationId xmlns:p14="http://schemas.microsoft.com/office/powerpoint/2010/main" val="3563954244"/>
+      </p:ext>
+    </p:extLst>
+  </p:cSld>
+  <p:clrMapOvr>
+    <a:masterClrMapping/>
+  </p:clrMapOvr>
+  <p:transition spd="med"/>
+</p:sld>
+</file>
+
+<file path=ppt/slides/slide21.xml><?xml version="1.0" encoding="utf-8"?>
+<p:sld xmlns:a="http://schemas.openxmlformats.org/drawingml/2006/main" xmlns:r="http://schemas.openxmlformats.org/officeDocument/2006/relationships" xmlns:p="http://schemas.openxmlformats.org/presentationml/2006/main">
+  <p:cSld>
+    <p:spTree>
+      <p:nvGrpSpPr>
+        <p:cNvPr id="1" name=""/>
+        <p:cNvGrpSpPr/>
+        <p:nvPr/>
+      </p:nvGrpSpPr>
+      <p:grpSpPr>
+        <a:xfrm>
+          <a:off x="0" y="0"/>
+          <a:ext cx="0" cy="0"/>
+          <a:chOff x="0" y="0"/>
+          <a:chExt cx="0" cy="0"/>
+        </a:xfrm>
+      </p:grpSpPr>
+    </p:spTree>
+    <p:extLst>
+      <p:ext uri="{BB962C8B-B14F-4D97-AF65-F5344CB8AC3E}">
+        <p14:creationId xmlns:p14="http://schemas.microsoft.com/office/powerpoint/2010/main" val="2263485703"/>
+      </p:ext>
+    </p:extLst>
+  </p:cSld>
+  <p:clrMapOvr>
+    <a:masterClrMapping/>
+  </p:clrMapOvr>
+  <p:transition spd="med"/>
+</p:sld>
+</file>
+
+<file path=ppt/slides/slide3.xml><?xml version="1.0" encoding="utf-8"?>
+<p:sld xmlns:a="http://schemas.openxmlformats.org/drawingml/2006/main" xmlns:r="http://schemas.openxmlformats.org/officeDocument/2006/relationships" xmlns:p="http://schemas.openxmlformats.org/presentationml/2006/main">
+  <p:cSld>
+    <p:spTree>
+      <p:nvGrpSpPr>
+        <p:cNvPr id="1" name=""/>
+        <p:cNvGrpSpPr/>
+        <p:nvPr/>
+      </p:nvGrpSpPr>
+      <p:grpSpPr>
+        <a:xfrm>
+          <a:off x="0" y="0"/>
+          <a:ext cx="0" cy="0"/>
+          <a:chOff x="0" y="0"/>
+          <a:chExt cx="0" cy="0"/>
+        </a:xfrm>
+      </p:grpSpPr>
+      <p:sp>
+        <p:nvSpPr>
+          <p:cNvPr id="51" name="Shape 51"/>
+          <p:cNvSpPr/>
+          <p:nvPr/>
+        </p:nvSpPr>
+        <p:spPr>
+          <a:xfrm>
+            <a:off x="386308" y="147496"/>
+            <a:ext cx="7757379" cy="461665"/>
+          </a:xfrm>
+          <a:prstGeom prst="rect">
+            <a:avLst/>
+          </a:prstGeom>
+          <a:ln w="12700">
+            <a:miter lim="400000"/>
+          </a:ln>
+          <a:extLst>
+            <a:ext uri="{C572A759-6A51-4108-AA02-DFA0A04FC94B}">
+              <ma14:wrappingTextBoxFlag xmlns="" xmlns:ma14="http://schemas.microsoft.com/office/mac/drawingml/2011/main" val="1"/>
+            </a:ext>
+          </a:extLst>
+        </p:spPr>
+        <p:txBody>
+          <a:bodyPr lIns="0" tIns="0" rIns="0" bIns="0">
+            <a:spAutoFit/>
+          </a:bodyPr>
+          <a:lstStyle>
+            <a:lvl1pPr>
+              <a:defRPr sz="3000" b="1">
+                <a:uFill>
+                  <a:solidFill>
+                    <a:srgbClr val="FFFFFF"/>
+                  </a:solidFill>
+                </a:uFill>
+              </a:defRPr>
+            </a:lvl1pPr>
+          </a:lstStyle>
+          <a:p>
+            <a:pPr lvl="0">
+              <a:defRPr sz="1800" b="0">
+                <a:solidFill>
+                  <a:srgbClr val="000000"/>
+                </a:solidFill>
+                <a:uFillTx/>
+              </a:defRPr>
+            </a:pPr>
+            <a:r>
+              <a:rPr lang="en-US" sz="3000" b="1" dirty="0" err="1">
+                <a:uFill>
+                  <a:solidFill>
+                    <a:srgbClr val="FFFFFF"/>
+                  </a:solidFill>
+                </a:uFill>
+                <a:latin typeface="Arial Unicode MS" panose="020B0604020202020204" pitchFamily="34" charset="-128"/>
+              </a:rPr>
+              <a:t>Subqueries</a:t>
+            </a:r>
+            <a:r>
+              <a:rPr lang="en-US" sz="3000" b="1" dirty="0">
+                <a:uFill>
+                  <a:solidFill>
+                    <a:srgbClr val="FFFFFF"/>
+                  </a:solidFill>
+                </a:uFill>
+                <a:latin typeface="Arial Unicode MS" panose="020B0604020202020204" pitchFamily="34" charset="-128"/>
+              </a:rPr>
               <a:t> / FROM</a:t>
             </a:r>
             <a:endParaRPr sz="3000" b="1" dirty="0">
@@ -4230,7 +7846,7 @@
           </a:ln>
           <a:extLst>
             <a:ext uri="{C572A759-6A51-4108-AA02-DFA0A04FC94B}">
-              <ma14:wrappingTextBoxFlag xmlns:ma14="http://schemas.microsoft.com/office/mac/drawingml/2011/main" xmlns="" val="1"/>
+              <ma14:wrappingTextBoxFlag xmlns="" xmlns:ma14="http://schemas.microsoft.com/office/mac/drawingml/2011/main" val="1"/>
             </a:ext>
           </a:extLst>
         </p:spPr>
@@ -4542,7 +8158,7 @@
           </a:ln>
           <a:extLst>
             <a:ext uri="{C572A759-6A51-4108-AA02-DFA0A04FC94B}">
-              <ma14:wrappingTextBoxFlag xmlns:ma14="http://schemas.microsoft.com/office/mac/drawingml/2011/main" xmlns="" val="1"/>
+              <ma14:wrappingTextBoxFlag xmlns="" xmlns:ma14="http://schemas.microsoft.com/office/mac/drawingml/2011/main" val="1"/>
             </a:ext>
           </a:extLst>
         </p:spPr>
@@ -4716,7 +8332,7 @@
           </a:ln>
           <a:extLst>
             <a:ext uri="{C572A759-6A51-4108-AA02-DFA0A04FC94B}">
-              <ma14:wrappingTextBoxFlag xmlns:ma14="http://schemas.microsoft.com/office/mac/drawingml/2011/main" xmlns="" val="1"/>
+              <ma14:wrappingTextBoxFlag xmlns="" xmlns:ma14="http://schemas.microsoft.com/office/mac/drawingml/2011/main" val="1"/>
             </a:ext>
           </a:extLst>
         </p:spPr>
@@ -4869,7 +8485,7 @@
           </a:ln>
           <a:extLst>
             <a:ext uri="{C572A759-6A51-4108-AA02-DFA0A04FC94B}">
-              <ma14:wrappingTextBoxFlag xmlns:ma14="http://schemas.microsoft.com/office/mac/drawingml/2011/main" xmlns="" val="1"/>
+              <ma14:wrappingTextBoxFlag xmlns="" xmlns:ma14="http://schemas.microsoft.com/office/mac/drawingml/2011/main" val="1"/>
             </a:ext>
           </a:extLst>
         </p:spPr>
@@ -5009,7 +8625,7 @@
           </a:ln>
           <a:extLst>
             <a:ext uri="{C572A759-6A51-4108-AA02-DFA0A04FC94B}">
-              <ma14:wrappingTextBoxFlag xmlns:ma14="http://schemas.microsoft.com/office/mac/drawingml/2011/main" xmlns="" val="1"/>
+              <ma14:wrappingTextBoxFlag xmlns="" xmlns:ma14="http://schemas.microsoft.com/office/mac/drawingml/2011/main" val="1"/>
             </a:ext>
           </a:extLst>
         </p:spPr>
@@ -5323,7 +8939,7 @@
           </a:ln>
           <a:extLst>
             <a:ext uri="{C572A759-6A51-4108-AA02-DFA0A04FC94B}">
-              <ma14:wrappingTextBoxFlag xmlns:ma14="http://schemas.microsoft.com/office/mac/drawingml/2011/main" xmlns="" val="1"/>
+              <ma14:wrappingTextBoxFlag xmlns="" xmlns:ma14="http://schemas.microsoft.com/office/mac/drawingml/2011/main" val="1"/>
             </a:ext>
           </a:extLst>
         </p:spPr>
@@ -5497,7 +9113,7 @@
           </a:ln>
           <a:extLst>
             <a:ext uri="{C572A759-6A51-4108-AA02-DFA0A04FC94B}">
-              <ma14:wrappingTextBoxFlag xmlns:ma14="http://schemas.microsoft.com/office/mac/drawingml/2011/main" xmlns="" val="1"/>
+              <ma14:wrappingTextBoxFlag xmlns="" xmlns:ma14="http://schemas.microsoft.com/office/mac/drawingml/2011/main" val="1"/>
             </a:ext>
           </a:extLst>
         </p:spPr>
@@ -5650,7 +9266,7 @@
           </a:ln>
           <a:extLst>
             <a:ext uri="{C572A759-6A51-4108-AA02-DFA0A04FC94B}">
-              <ma14:wrappingTextBoxFlag xmlns:ma14="http://schemas.microsoft.com/office/mac/drawingml/2011/main" xmlns="" val="1"/>
+              <ma14:wrappingTextBoxFlag xmlns="" xmlns:ma14="http://schemas.microsoft.com/office/mac/drawingml/2011/main" val="1"/>
             </a:ext>
           </a:extLst>
         </p:spPr>
@@ -6742,7 +10358,7 @@
 </p:sld>
 </file>
 
-<file path=ppt/slides/slide12.xml><?xml version="1.0" encoding="utf-8"?>
+<file path=ppt/slides/slide4.xml><?xml version="1.0" encoding="utf-8"?>
 <p:sld xmlns:a="http://schemas.openxmlformats.org/drawingml/2006/main" xmlns:r="http://schemas.openxmlformats.org/officeDocument/2006/relationships" xmlns:p="http://schemas.openxmlformats.org/presentationml/2006/main">
   <p:cSld>
     <p:spTree>
@@ -6761,745 +10377,7 @@
       </p:grpSpPr>
       <p:sp>
         <p:nvSpPr>
-          <p:cNvPr id="2" name="Rectangle 1">
-            <a:extLst>
-              <a:ext uri="{FF2B5EF4-FFF2-40B4-BE49-F238E27FC236}">
-                <a16:creationId xmlns:a16="http://schemas.microsoft.com/office/drawing/2014/main" id="{9444A84E-AC59-49B7-B272-64B65711749B}"/>
-              </a:ext>
-            </a:extLst>
-          </p:cNvPr>
-          <p:cNvSpPr/>
-          <p:nvPr/>
-        </p:nvSpPr>
-        <p:spPr>
-          <a:xfrm>
-            <a:off x="3353269" y="2721114"/>
-            <a:ext cx="2437462" cy="707886"/>
-          </a:xfrm>
-          <a:prstGeom prst="rect">
-            <a:avLst/>
-          </a:prstGeom>
-        </p:spPr>
-        <p:txBody>
-          <a:bodyPr wrap="none">
-            <a:spAutoFit/>
-          </a:bodyPr>
-          <a:lstStyle/>
-          <a:p>
-            <a:pPr lvl="0">
-              <a:defRPr sz="1800" b="0">
-                <a:solidFill>
-                  <a:srgbClr val="000000"/>
-                </a:solidFill>
-                <a:uFillTx/>
-              </a:defRPr>
-            </a:pPr>
-            <a:r>
-              <a:rPr lang="en-US" sz="4000" b="1" dirty="0">
-                <a:uFill>
-                  <a:solidFill>
-                    <a:srgbClr val="FFFFFF"/>
-                  </a:solidFill>
-                </a:uFill>
-                <a:latin typeface="Arial Unicode MS" panose="020B0604020202020204" pitchFamily="34" charset="-128"/>
-              </a:rPr>
-              <a:t>Variables</a:t>
-            </a:r>
-          </a:p>
-        </p:txBody>
-      </p:sp>
-    </p:spTree>
-    <p:extLst>
-      <p:ext uri="{BB962C8B-B14F-4D97-AF65-F5344CB8AC3E}">
-        <p14:creationId xmlns:p14="http://schemas.microsoft.com/office/powerpoint/2010/main" val="597939986"/>
-      </p:ext>
-    </p:extLst>
-  </p:cSld>
-  <p:clrMapOvr>
-    <a:masterClrMapping/>
-  </p:clrMapOvr>
-  <p:transition spd="med"/>
-</p:sld>
-</file>
-
-<file path=ppt/slides/slide13.xml><?xml version="1.0" encoding="utf-8"?>
-<p:sld xmlns:a="http://schemas.openxmlformats.org/drawingml/2006/main" xmlns:r="http://schemas.openxmlformats.org/officeDocument/2006/relationships" xmlns:p="http://schemas.openxmlformats.org/presentationml/2006/main">
-  <p:cSld>
-    <p:spTree>
-      <p:nvGrpSpPr>
-        <p:cNvPr id="1" name=""/>
-        <p:cNvGrpSpPr/>
-        <p:nvPr/>
-      </p:nvGrpSpPr>
-      <p:grpSpPr>
-        <a:xfrm>
-          <a:off x="0" y="0"/>
-          <a:ext cx="0" cy="0"/>
-          <a:chOff x="0" y="0"/>
-          <a:chExt cx="0" cy="0"/>
-        </a:xfrm>
-      </p:grpSpPr>
-      <p:sp>
-        <p:nvSpPr>
           <p:cNvPr id="78" name="Shape 78"/>
-          <p:cNvSpPr/>
-          <p:nvPr/>
-        </p:nvSpPr>
-        <p:spPr>
-          <a:xfrm>
-            <a:off x="386308" y="147496"/>
-            <a:ext cx="7757379" cy="553998"/>
-          </a:xfrm>
-          <a:prstGeom prst="rect">
-            <a:avLst/>
-          </a:prstGeom>
-          <a:ln w="12700">
-            <a:miter lim="400000"/>
-          </a:ln>
-          <a:extLst>
-            <a:ext uri="{C572A759-6A51-4108-AA02-DFA0A04FC94B}">
-              <ma14:wrappingTextBoxFlag xmlns:ma14="http://schemas.microsoft.com/office/mac/drawingml/2011/main" xmlns="" val="1"/>
-            </a:ext>
-          </a:extLst>
-        </p:spPr>
-        <p:txBody>
-          <a:bodyPr lIns="45719" rIns="45719">
-            <a:spAutoFit/>
-          </a:bodyPr>
-          <a:lstStyle>
-            <a:lvl1pPr>
-              <a:defRPr sz="3000" b="1">
-                <a:uFill>
-                  <a:solidFill>
-                    <a:srgbClr val="FFFFFF"/>
-                  </a:solidFill>
-                </a:uFill>
-              </a:defRPr>
-            </a:lvl1pPr>
-          </a:lstStyle>
-          <a:p>
-            <a:pPr lvl="0">
-              <a:defRPr sz="1800" b="0">
-                <a:solidFill>
-                  <a:srgbClr val="000000"/>
-                </a:solidFill>
-                <a:uFillTx/>
-              </a:defRPr>
-            </a:pPr>
-            <a:r>
-              <a:rPr lang="en-US" sz="3000" b="1" dirty="0">
-                <a:uFill>
-                  <a:solidFill>
-                    <a:srgbClr val="FFFFFF"/>
-                  </a:solidFill>
-                </a:uFill>
-                <a:latin typeface="Arial Unicode MS" panose="020B0604020202020204" pitchFamily="34" charset="-128"/>
-              </a:rPr>
-              <a:t>Variables</a:t>
-            </a:r>
-            <a:endParaRPr sz="3000" b="1" dirty="0">
-              <a:uFill>
-                <a:solidFill>
-                  <a:srgbClr val="FFFFFF"/>
-                </a:solidFill>
-              </a:uFill>
-              <a:latin typeface="Arial Unicode MS" panose="020B0604020202020204" pitchFamily="34" charset="-128"/>
-            </a:endParaRPr>
-          </a:p>
-        </p:txBody>
-      </p:sp>
-      <p:sp>
-        <p:nvSpPr>
-          <p:cNvPr id="79" name="Shape 79"/>
-          <p:cNvSpPr/>
-          <p:nvPr/>
-        </p:nvSpPr>
-        <p:spPr>
-          <a:xfrm>
-            <a:off x="469900" y="1282700"/>
-            <a:ext cx="8204200" cy="307777"/>
-          </a:xfrm>
-          <a:prstGeom prst="rect">
-            <a:avLst/>
-          </a:prstGeom>
-          <a:ln w="12700">
-            <a:miter lim="400000"/>
-          </a:ln>
-          <a:extLst>
-            <a:ext uri="{C572A759-6A51-4108-AA02-DFA0A04FC94B}">
-              <ma14:wrappingTextBoxFlag xmlns:ma14="http://schemas.microsoft.com/office/mac/drawingml/2011/main" xmlns="" val="1"/>
-            </a:ext>
-          </a:extLst>
-        </p:spPr>
-        <p:txBody>
-          <a:bodyPr lIns="0" tIns="0" rIns="0" bIns="0">
-            <a:spAutoFit/>
-          </a:bodyPr>
-          <a:lstStyle/>
-          <a:p>
-            <a:pPr lvl="0">
-              <a:spcBef>
-                <a:spcPts val="700"/>
-              </a:spcBef>
-              <a:buSzPct val="100000"/>
-              <a:defRPr sz="1800">
-                <a:solidFill>
-                  <a:srgbClr val="000000"/>
-                </a:solidFill>
-                <a:uFillTx/>
-              </a:defRPr>
-            </a:pPr>
-            <a:endParaRPr sz="2000" dirty="0">
-              <a:uFill>
-                <a:solidFill/>
-              </a:uFill>
-              <a:latin typeface="Arial Unicode MS" panose="020B0604020202020204" pitchFamily="34" charset="-128"/>
-              <a:ea typeface="Arial Unicode MS" panose="020B0604020202020204" pitchFamily="34" charset="-128"/>
-              <a:cs typeface="Arial Unicode MS" panose="020B0604020202020204" pitchFamily="34" charset="-128"/>
-              <a:sym typeface="Iowan Old Style Roman"/>
-            </a:endParaRPr>
-          </a:p>
-        </p:txBody>
-      </p:sp>
-      <p:sp>
-        <p:nvSpPr>
-          <p:cNvPr id="4" name="TextBox 3"/>
-          <p:cNvSpPr txBox="1"/>
-          <p:nvPr/>
-        </p:nvSpPr>
-        <p:spPr>
-          <a:xfrm>
-            <a:off x="211619" y="1378168"/>
-            <a:ext cx="8658061" cy="3970318"/>
-          </a:xfrm>
-          <a:prstGeom prst="rect">
-            <a:avLst/>
-          </a:prstGeom>
-          <a:noFill/>
-        </p:spPr>
-        <p:txBody>
-          <a:bodyPr wrap="square" rtlCol="0">
-            <a:spAutoFit/>
-          </a:bodyPr>
-          <a:lstStyle/>
-          <a:p>
-            <a:pPr marL="285750" indent="-285750">
-              <a:buFont typeface="Arial" panose="020B0604020202020204" pitchFamily="34" charset="0"/>
-              <a:buChar char="•"/>
-            </a:pPr>
-            <a:r>
-              <a:rPr lang="en-US" dirty="0"/>
-              <a:t>Variables in SQL allow us to store values in generic names and reuse the generic names instead of the literal values</a:t>
-            </a:r>
-          </a:p>
-          <a:p>
-            <a:pPr marL="285750" indent="-285750">
-              <a:buFont typeface="Arial" panose="020B0604020202020204" pitchFamily="34" charset="0"/>
-              <a:buChar char="•"/>
-            </a:pPr>
-            <a:endParaRPr lang="en-US" dirty="0"/>
-          </a:p>
-          <a:p>
-            <a:pPr marL="285750" indent="-285750">
-              <a:buFont typeface="Arial" panose="020B0604020202020204" pitchFamily="34" charset="0"/>
-              <a:buChar char="•"/>
-            </a:pPr>
-            <a:r>
-              <a:rPr lang="en-US" dirty="0"/>
-              <a:t>Sometimes we want to make our queries generic, and have placeholders</a:t>
-            </a:r>
-          </a:p>
-          <a:p>
-            <a:pPr marL="742950" lvl="1" indent="-285750">
-              <a:buFont typeface="Arial" panose="020B0604020202020204" pitchFamily="34" charset="0"/>
-              <a:buChar char="•"/>
-            </a:pPr>
-            <a:r>
-              <a:rPr lang="en-US" b="1" dirty="0"/>
-              <a:t>SET @band = ‘Radiohead’</a:t>
-            </a:r>
-          </a:p>
-          <a:p>
-            <a:pPr marL="285750" indent="-285750">
-              <a:buFont typeface="Arial" panose="020B0604020202020204" pitchFamily="34" charset="0"/>
-              <a:buChar char="•"/>
-            </a:pPr>
-            <a:endParaRPr lang="en-US" dirty="0"/>
-          </a:p>
-          <a:p>
-            <a:pPr marL="285750" indent="-285750">
-              <a:buFont typeface="Arial" panose="020B0604020202020204" pitchFamily="34" charset="0"/>
-              <a:buChar char="•"/>
-            </a:pPr>
-            <a:r>
-              <a:rPr lang="en-US" dirty="0"/>
-              <a:t>Other times we want to store the (single value) result of a query in a variable to use later.</a:t>
-            </a:r>
-          </a:p>
-          <a:p>
-            <a:pPr marL="742950" lvl="1" indent="-285750">
-              <a:buFont typeface="Arial" panose="020B0604020202020204" pitchFamily="34" charset="0"/>
-              <a:buChar char="•"/>
-            </a:pPr>
-            <a:r>
-              <a:rPr lang="en-US" dirty="0"/>
-              <a:t>Number of liberal students</a:t>
-            </a:r>
-          </a:p>
-          <a:p>
-            <a:pPr marL="742950" lvl="1" indent="-285750">
-              <a:buFont typeface="Arial" panose="020B0604020202020204" pitchFamily="34" charset="0"/>
-              <a:buChar char="•"/>
-            </a:pPr>
-            <a:r>
-              <a:rPr lang="en-US" b="1" dirty="0"/>
-              <a:t>SET @liberal = (SELECT COUNT(*) FROM Profiles WHERE </a:t>
-            </a:r>
-            <a:r>
-              <a:rPr lang="en-US" b="1" dirty="0" err="1"/>
-              <a:t>PoliticalViews</a:t>
-            </a:r>
-            <a:r>
-              <a:rPr lang="en-US" b="1" dirty="0"/>
-              <a:t>=‘Liberal’)</a:t>
-            </a:r>
-          </a:p>
-          <a:p>
-            <a:pPr marL="285750" indent="-285750">
-              <a:buFont typeface="Arial" panose="020B0604020202020204" pitchFamily="34" charset="0"/>
-              <a:buChar char="•"/>
-            </a:pPr>
-            <a:endParaRPr lang="en-US" dirty="0"/>
-          </a:p>
-          <a:p>
-            <a:pPr marL="285750" indent="-285750">
-              <a:buFont typeface="Arial" panose="020B0604020202020204" pitchFamily="34" charset="0"/>
-              <a:buChar char="•"/>
-            </a:pPr>
-            <a:r>
-              <a:rPr lang="en-US" dirty="0"/>
-              <a:t>Variables are especially useful when we execute a sequence of SQL statements and we want to reuse results from previous queries.</a:t>
-            </a:r>
-          </a:p>
-          <a:p>
-            <a:pPr marL="742950" lvl="1" indent="-285750">
-              <a:buFont typeface="Arial" panose="020B0604020202020204" pitchFamily="34" charset="0"/>
-              <a:buChar char="•"/>
-            </a:pPr>
-            <a:endParaRPr lang="en-US" dirty="0"/>
-          </a:p>
-        </p:txBody>
-      </p:sp>
-    </p:spTree>
-    <p:extLst>
-      <p:ext uri="{BB962C8B-B14F-4D97-AF65-F5344CB8AC3E}">
-        <p14:creationId xmlns:p14="http://schemas.microsoft.com/office/powerpoint/2010/main" val="3213413416"/>
-      </p:ext>
-    </p:extLst>
-  </p:cSld>
-  <p:clrMapOvr>
-    <a:masterClrMapping/>
-  </p:clrMapOvr>
-  <p:transition spd="med"/>
-</p:sld>
-</file>
-
-<file path=ppt/slides/slide14.xml><?xml version="1.0" encoding="utf-8"?>
-<p:sld xmlns:a="http://schemas.openxmlformats.org/drawingml/2006/main" xmlns:r="http://schemas.openxmlformats.org/officeDocument/2006/relationships" xmlns:p="http://schemas.openxmlformats.org/presentationml/2006/main">
-  <p:cSld>
-    <p:spTree>
-      <p:nvGrpSpPr>
-        <p:cNvPr id="1" name=""/>
-        <p:cNvGrpSpPr/>
-        <p:nvPr/>
-      </p:nvGrpSpPr>
-      <p:grpSpPr>
-        <a:xfrm>
-          <a:off x="0" y="0"/>
-          <a:ext cx="0" cy="0"/>
-          <a:chOff x="0" y="0"/>
-          <a:chExt cx="0" cy="0"/>
-        </a:xfrm>
-      </p:grpSpPr>
-      <p:sp>
-        <p:nvSpPr>
-          <p:cNvPr id="78" name="Shape 78"/>
-          <p:cNvSpPr/>
-          <p:nvPr/>
-        </p:nvSpPr>
-        <p:spPr>
-          <a:xfrm>
-            <a:off x="386308" y="147496"/>
-            <a:ext cx="7757379" cy="553998"/>
-          </a:xfrm>
-          <a:prstGeom prst="rect">
-            <a:avLst/>
-          </a:prstGeom>
-          <a:ln w="12700">
-            <a:miter lim="400000"/>
-          </a:ln>
-          <a:extLst>
-            <a:ext uri="{C572A759-6A51-4108-AA02-DFA0A04FC94B}">
-              <ma14:wrappingTextBoxFlag xmlns:ma14="http://schemas.microsoft.com/office/mac/drawingml/2011/main" xmlns="" val="1"/>
-            </a:ext>
-          </a:extLst>
-        </p:spPr>
-        <p:txBody>
-          <a:bodyPr lIns="45719" rIns="45719">
-            <a:spAutoFit/>
-          </a:bodyPr>
-          <a:lstStyle>
-            <a:lvl1pPr>
-              <a:defRPr sz="3000" b="1">
-                <a:uFill>
-                  <a:solidFill>
-                    <a:srgbClr val="FFFFFF"/>
-                  </a:solidFill>
-                </a:uFill>
-              </a:defRPr>
-            </a:lvl1pPr>
-          </a:lstStyle>
-          <a:p>
-            <a:pPr lvl="0">
-              <a:defRPr sz="1800" b="0">
-                <a:solidFill>
-                  <a:srgbClr val="000000"/>
-                </a:solidFill>
-                <a:uFillTx/>
-              </a:defRPr>
-            </a:pPr>
-            <a:r>
-              <a:rPr sz="3000" b="1" dirty="0">
-                <a:uFill>
-                  <a:solidFill>
-                    <a:srgbClr val="FFFFFF"/>
-                  </a:solidFill>
-                </a:uFill>
-                <a:latin typeface="Arial Unicode MS" panose="020B0604020202020204" pitchFamily="34" charset="-128"/>
-              </a:rPr>
-              <a:t>Subquerie</a:t>
-            </a:r>
-            <a:r>
-              <a:rPr lang="en-US" sz="3000" b="1" dirty="0">
-                <a:uFill>
-                  <a:solidFill>
-                    <a:srgbClr val="FFFFFF"/>
-                  </a:solidFill>
-                </a:uFill>
-                <a:latin typeface="Arial Unicode MS" panose="020B0604020202020204" pitchFamily="34" charset="-128"/>
-              </a:rPr>
-              <a:t>s, Variables, and so on</a:t>
-            </a:r>
-            <a:endParaRPr sz="3000" b="1" dirty="0">
-              <a:uFill>
-                <a:solidFill>
-                  <a:srgbClr val="FFFFFF"/>
-                </a:solidFill>
-              </a:uFill>
-              <a:latin typeface="Arial Unicode MS" panose="020B0604020202020204" pitchFamily="34" charset="-128"/>
-            </a:endParaRPr>
-          </a:p>
-        </p:txBody>
-      </p:sp>
-      <p:sp>
-        <p:nvSpPr>
-          <p:cNvPr id="79" name="Shape 79"/>
-          <p:cNvSpPr/>
-          <p:nvPr/>
-        </p:nvSpPr>
-        <p:spPr>
-          <a:xfrm>
-            <a:off x="469900" y="1282700"/>
-            <a:ext cx="8204200" cy="307777"/>
-          </a:xfrm>
-          <a:prstGeom prst="rect">
-            <a:avLst/>
-          </a:prstGeom>
-          <a:ln w="12700">
-            <a:miter lim="400000"/>
-          </a:ln>
-          <a:extLst>
-            <a:ext uri="{C572A759-6A51-4108-AA02-DFA0A04FC94B}">
-              <ma14:wrappingTextBoxFlag xmlns:ma14="http://schemas.microsoft.com/office/mac/drawingml/2011/main" xmlns="" val="1"/>
-            </a:ext>
-          </a:extLst>
-        </p:spPr>
-        <p:txBody>
-          <a:bodyPr lIns="0" tIns="0" rIns="0" bIns="0">
-            <a:spAutoFit/>
-          </a:bodyPr>
-          <a:lstStyle/>
-          <a:p>
-            <a:pPr lvl="0">
-              <a:spcBef>
-                <a:spcPts val="700"/>
-              </a:spcBef>
-              <a:buSzPct val="100000"/>
-              <a:defRPr sz="1800">
-                <a:solidFill>
-                  <a:srgbClr val="000000"/>
-                </a:solidFill>
-                <a:uFillTx/>
-              </a:defRPr>
-            </a:pPr>
-            <a:endParaRPr sz="2000" dirty="0">
-              <a:uFill>
-                <a:solidFill/>
-              </a:uFill>
-              <a:latin typeface="Arial Unicode MS" panose="020B0604020202020204" pitchFamily="34" charset="-128"/>
-              <a:ea typeface="Arial Unicode MS" panose="020B0604020202020204" pitchFamily="34" charset="-128"/>
-              <a:cs typeface="Arial Unicode MS" panose="020B0604020202020204" pitchFamily="34" charset="-128"/>
-              <a:sym typeface="Iowan Old Style Roman"/>
-            </a:endParaRPr>
-          </a:p>
-        </p:txBody>
-      </p:sp>
-      <p:sp>
-        <p:nvSpPr>
-          <p:cNvPr id="4" name="TextBox 3"/>
-          <p:cNvSpPr txBox="1"/>
-          <p:nvPr/>
-        </p:nvSpPr>
-        <p:spPr>
-          <a:xfrm>
-            <a:off x="529119" y="1376737"/>
-            <a:ext cx="8211227" cy="3139321"/>
-          </a:xfrm>
-          <a:prstGeom prst="rect">
-            <a:avLst/>
-          </a:prstGeom>
-          <a:noFill/>
-        </p:spPr>
-        <p:txBody>
-          <a:bodyPr wrap="square" rtlCol="0">
-            <a:spAutoFit/>
-          </a:bodyPr>
-          <a:lstStyle/>
-          <a:p>
-            <a:pPr marL="285750" indent="-285750">
-              <a:buFont typeface="Arial" panose="020B0604020202020204" pitchFamily="34" charset="0"/>
-              <a:buChar char="•"/>
-            </a:pPr>
-            <a:endParaRPr lang="en-US" dirty="0"/>
-          </a:p>
-          <a:p>
-            <a:pPr marL="285750" indent="-285750">
-              <a:buFont typeface="Arial" panose="020B0604020202020204" pitchFamily="34" charset="0"/>
-              <a:buChar char="•"/>
-            </a:pPr>
-            <a:r>
-              <a:rPr lang="en-US" dirty="0"/>
-              <a:t>Find the Music that people that like Radiohead tend to like.</a:t>
-            </a:r>
-          </a:p>
-          <a:p>
-            <a:pPr marL="285750" indent="-285750">
-              <a:buFont typeface="Arial" panose="020B0604020202020204" pitchFamily="34" charset="0"/>
-              <a:buChar char="•"/>
-            </a:pPr>
-            <a:r>
-              <a:rPr lang="en-US" dirty="0"/>
-              <a:t>Repeat the query above for Jay Z</a:t>
-            </a:r>
-          </a:p>
-          <a:p>
-            <a:pPr marL="285750" indent="-285750">
-              <a:buFont typeface="Arial" panose="020B0604020202020204" pitchFamily="34" charset="0"/>
-              <a:buChar char="•"/>
-            </a:pPr>
-            <a:endParaRPr lang="en-US" dirty="0"/>
-          </a:p>
-          <a:p>
-            <a:pPr marL="285750" indent="-285750">
-              <a:buFont typeface="Arial" panose="020B0604020202020204" pitchFamily="34" charset="0"/>
-              <a:buChar char="•"/>
-            </a:pPr>
-            <a:endParaRPr lang="en-US" dirty="0"/>
-          </a:p>
-          <a:p>
-            <a:pPr marL="285750" indent="-285750">
-              <a:buFont typeface="Arial" panose="020B0604020202020204" pitchFamily="34" charset="0"/>
-              <a:buChar char="•"/>
-            </a:pPr>
-            <a:r>
-              <a:rPr lang="en-US" dirty="0"/>
-              <a:t>Make your query generic, by using a @band variable and then set it appropriately:</a:t>
-            </a:r>
-          </a:p>
-          <a:p>
-            <a:endParaRPr lang="en-US" dirty="0"/>
-          </a:p>
-          <a:p>
-            <a:pPr lvl="2"/>
-            <a:r>
-              <a:rPr lang="en-US" dirty="0"/>
-              <a:t>SET @band = ‘Radiohead’ </a:t>
-            </a:r>
-          </a:p>
-          <a:p>
-            <a:pPr lvl="2"/>
-            <a:r>
-              <a:rPr lang="en-US" dirty="0"/>
-              <a:t>	vs</a:t>
-            </a:r>
-          </a:p>
-          <a:p>
-            <a:pPr lvl="2"/>
-            <a:r>
-              <a:rPr lang="en-US" dirty="0"/>
-              <a:t>SET @band = ‘Jay Z’ </a:t>
-            </a:r>
-          </a:p>
-          <a:p>
-            <a:endParaRPr lang="en-US" dirty="0"/>
-          </a:p>
-        </p:txBody>
-      </p:sp>
-    </p:spTree>
-    <p:extLst>
-      <p:ext uri="{BB962C8B-B14F-4D97-AF65-F5344CB8AC3E}">
-        <p14:creationId xmlns:p14="http://schemas.microsoft.com/office/powerpoint/2010/main" val="4205112615"/>
-      </p:ext>
-    </p:extLst>
-  </p:cSld>
-  <p:clrMapOvr>
-    <a:masterClrMapping/>
-  </p:clrMapOvr>
-  <p:transition spd="med"/>
-</p:sld>
-</file>
-
-<file path=ppt/slides/slide15.xml><?xml version="1.0" encoding="utf-8"?>
-<p:sld xmlns:a="http://schemas.openxmlformats.org/drawingml/2006/main" xmlns:r="http://schemas.openxmlformats.org/officeDocument/2006/relationships" xmlns:p="http://schemas.openxmlformats.org/presentationml/2006/main">
-  <p:cSld>
-    <p:spTree>
-      <p:nvGrpSpPr>
-        <p:cNvPr id="1" name=""/>
-        <p:cNvGrpSpPr/>
-        <p:nvPr/>
-      </p:nvGrpSpPr>
-      <p:grpSpPr>
-        <a:xfrm>
-          <a:off x="0" y="0"/>
-          <a:ext cx="0" cy="0"/>
-          <a:chOff x="0" y="0"/>
-          <a:chExt cx="0" cy="0"/>
-        </a:xfrm>
-      </p:grpSpPr>
-      <p:sp>
-        <p:nvSpPr>
-          <p:cNvPr id="47" name="Shape 47"/>
-          <p:cNvSpPr/>
-          <p:nvPr/>
-        </p:nvSpPr>
-        <p:spPr>
-          <a:xfrm>
-            <a:off x="269666" y="1435100"/>
-            <a:ext cx="8604668" cy="1200329"/>
-          </a:xfrm>
-          <a:prstGeom prst="rect">
-            <a:avLst/>
-          </a:prstGeom>
-          <a:ln w="12700">
-            <a:miter lim="400000"/>
-          </a:ln>
-          <a:extLst>
-            <a:ext uri="{C572A759-6A51-4108-AA02-DFA0A04FC94B}">
-              <ma14:wrappingTextBoxFlag xmlns="" xmlns:ma14="http://schemas.microsoft.com/office/mac/drawingml/2011/main" val="1"/>
-            </a:ext>
-          </a:extLst>
-        </p:spPr>
-        <p:txBody>
-          <a:bodyPr lIns="45719" rIns="45719">
-            <a:spAutoFit/>
-          </a:bodyPr>
-          <a:lstStyle>
-            <a:lvl1pPr algn="r">
-              <a:defRPr sz="3600">
-                <a:solidFill>
-                  <a:srgbClr val="011070"/>
-                </a:solidFill>
-              </a:defRPr>
-            </a:lvl1pPr>
-          </a:lstStyle>
-          <a:p>
-            <a:pPr lvl="0">
-              <a:defRPr sz="1800">
-                <a:solidFill>
-                  <a:srgbClr val="000000"/>
-                </a:solidFill>
-                <a:uFillTx/>
-              </a:defRPr>
-            </a:pPr>
-            <a:br>
-              <a:rPr lang="en-US" sz="3600" dirty="0">
-                <a:solidFill>
-                  <a:schemeClr val="tx1"/>
-                </a:solidFill>
-                <a:uFill>
-                  <a:solidFill/>
-                </a:uFill>
-                <a:latin typeface="Arial Unicode MS" panose="020B0604020202020204" pitchFamily="34" charset="-128"/>
-              </a:rPr>
-            </a:br>
-            <a:r>
-              <a:rPr lang="en-US" sz="3600" dirty="0">
-                <a:solidFill>
-                  <a:schemeClr val="tx1"/>
-                </a:solidFill>
-                <a:uFill>
-                  <a:solidFill/>
-                </a:uFill>
-                <a:latin typeface="Arial Unicode MS" panose="020B0604020202020204" pitchFamily="34" charset="-128"/>
-              </a:rPr>
-              <a:t>UNION</a:t>
-            </a:r>
-            <a:endParaRPr sz="3600" dirty="0">
-              <a:solidFill>
-                <a:schemeClr val="tx1"/>
-              </a:solidFill>
-              <a:uFill>
-                <a:solidFill/>
-              </a:uFill>
-              <a:latin typeface="Arial Unicode MS" panose="020B0604020202020204" pitchFamily="34" charset="-128"/>
-            </a:endParaRPr>
-          </a:p>
-        </p:txBody>
-      </p:sp>
-    </p:spTree>
-    <p:extLst>
-      <p:ext uri="{BB962C8B-B14F-4D97-AF65-F5344CB8AC3E}">
-        <p14:creationId xmlns:p14="http://schemas.microsoft.com/office/powerpoint/2010/main" val="487351407"/>
-      </p:ext>
-    </p:extLst>
-  </p:cSld>
-  <p:clrMapOvr>
-    <a:masterClrMapping/>
-  </p:clrMapOvr>
-  <p:transition spd="med"/>
-</p:sld>
-</file>
-
-<file path=ppt/slides/slide16.xml><?xml version="1.0" encoding="utf-8"?>
-<p:sld xmlns:a="http://schemas.openxmlformats.org/drawingml/2006/main" xmlns:r="http://schemas.openxmlformats.org/officeDocument/2006/relationships" xmlns:p="http://schemas.openxmlformats.org/presentationml/2006/main">
-  <p:cSld>
-    <p:spTree>
-      <p:nvGrpSpPr>
-        <p:cNvPr id="1" name=""/>
-        <p:cNvGrpSpPr/>
-        <p:nvPr/>
-      </p:nvGrpSpPr>
-      <p:grpSpPr>
-        <a:xfrm>
-          <a:off x="0" y="0"/>
-          <a:ext cx="0" cy="0"/>
-          <a:chOff x="0" y="0"/>
-          <a:chExt cx="0" cy="0"/>
-        </a:xfrm>
-      </p:grpSpPr>
-      <p:sp>
-        <p:nvSpPr>
-          <p:cNvPr id="189" name="Shape 189"/>
           <p:cNvSpPr/>
           <p:nvPr/>
         </p:nvSpPr>
@@ -7553,28 +10431,31 @@
                 </a:uFill>
                 <a:latin typeface="Arial Unicode MS" panose="020B0604020202020204" pitchFamily="34" charset="-128"/>
               </a:rPr>
-              <a:t>UNION / UNION ALL</a:t>
-            </a:r>
-            <a:endParaRPr sz="3000" b="1" dirty="0">
-              <a:uFill>
-                <a:solidFill>
-                  <a:srgbClr val="FFFFFF"/>
-                </a:solidFill>
-              </a:uFill>
-              <a:latin typeface="Arial Unicode MS" panose="020B0604020202020204" pitchFamily="34" charset="-128"/>
-            </a:endParaRPr>
-          </a:p>
-        </p:txBody>
-      </p:sp>
-      <p:sp>
-        <p:nvSpPr>
-          <p:cNvPr id="190" name="Shape 190"/>
+              <a:t>Need for </a:t>
+            </a:r>
+            <a:r>
+              <a:rPr sz="3000" b="1" dirty="0">
+                <a:uFill>
+                  <a:solidFill>
+                    <a:srgbClr val="FFFFFF"/>
+                  </a:solidFill>
+                </a:uFill>
+                <a:latin typeface="Arial Unicode MS" panose="020B0604020202020204" pitchFamily="34" charset="-128"/>
+              </a:rPr>
+              <a:t>Subqueries</a:t>
+            </a:r>
+          </a:p>
+        </p:txBody>
+      </p:sp>
+      <p:sp>
+        <p:nvSpPr>
+          <p:cNvPr id="79" name="Shape 79"/>
           <p:cNvSpPr/>
           <p:nvPr/>
         </p:nvSpPr>
         <p:spPr>
           <a:xfrm>
-            <a:off x="469900" y="1324179"/>
+            <a:off x="469900" y="1282700"/>
             <a:ext cx="8204200" cy="307777"/>
           </a:xfrm>
           <a:prstGeom prst="rect">
@@ -7621,14 +10502,14 @@
       </p:sp>
       <p:sp>
         <p:nvSpPr>
-          <p:cNvPr id="2" name="TextBox 1"/>
+          <p:cNvPr id="4" name="TextBox 3"/>
           <p:cNvSpPr txBox="1"/>
           <p:nvPr/>
         </p:nvSpPr>
         <p:spPr>
           <a:xfrm>
-            <a:off x="194925" y="1376737"/>
-            <a:ext cx="8204199" cy="1477328"/>
+            <a:off x="529119" y="1376737"/>
+            <a:ext cx="8211227" cy="4801314"/>
           </a:xfrm>
           <a:prstGeom prst="rect">
             <a:avLst/>
@@ -7647,1544 +10528,210 @@
             </a:pPr>
             <a:r>
               <a:rPr lang="en-US" dirty="0"/>
-              <a:t>The UNION operator is used to combine the result-set of two or more SELECT statements.</a:t>
-            </a:r>
-          </a:p>
-          <a:p>
-            <a:pPr marL="742950" lvl="1" indent="-285750">
-              <a:buFont typeface="Arial" panose="020B0604020202020204" pitchFamily="34" charset="0"/>
-              <a:buChar char="•"/>
-            </a:pPr>
-            <a:r>
-              <a:rPr lang="en-US" dirty="0"/>
-              <a:t>Each SELECT statement within UNION must have the same number of columns</a:t>
-            </a:r>
-          </a:p>
-          <a:p>
-            <a:pPr marL="742950" lvl="1" indent="-285750">
-              <a:buFont typeface="Arial" panose="020B0604020202020204" pitchFamily="34" charset="0"/>
-              <a:buChar char="•"/>
-            </a:pPr>
-            <a:r>
-              <a:rPr lang="en-US" dirty="0"/>
-              <a:t>The columns must also have similar data types</a:t>
-            </a:r>
-          </a:p>
-          <a:p>
-            <a:pPr marL="742950" lvl="1" indent="-285750">
-              <a:buFont typeface="Arial" panose="020B0604020202020204" pitchFamily="34" charset="0"/>
-              <a:buChar char="•"/>
-            </a:pPr>
-            <a:r>
-              <a:rPr lang="en-US" dirty="0"/>
-              <a:t>The columns in each SELECT statement must also be in the same order</a:t>
-            </a:r>
-            <a:endParaRPr lang="en-US" b="1" dirty="0"/>
-          </a:p>
-        </p:txBody>
-      </p:sp>
-      <p:sp>
-        <p:nvSpPr>
-          <p:cNvPr id="5" name="TextBox 4">
-            <a:extLst>
-              <a:ext uri="{FF2B5EF4-FFF2-40B4-BE49-F238E27FC236}">
-                <a16:creationId xmlns:a16="http://schemas.microsoft.com/office/drawing/2014/main" id="{4D386248-2CE1-40E5-A7F3-AB625F7D29C7}"/>
-              </a:ext>
-            </a:extLst>
-          </p:cNvPr>
-          <p:cNvSpPr txBox="1"/>
-          <p:nvPr/>
-        </p:nvSpPr>
-        <p:spPr>
-          <a:xfrm>
-            <a:off x="194925" y="2890346"/>
-            <a:ext cx="8241963" cy="1477328"/>
-          </a:xfrm>
-          <a:prstGeom prst="rect">
-            <a:avLst/>
-          </a:prstGeom>
-          <a:noFill/>
-        </p:spPr>
-        <p:txBody>
-          <a:bodyPr wrap="square" rtlCol="0">
-            <a:spAutoFit/>
-          </a:bodyPr>
-          <a:lstStyle/>
-          <a:p>
-            <a:r>
-              <a:rPr lang="en-US" dirty="0"/>
-              <a:t>List the first names and last names of actors and directors</a:t>
-            </a:r>
-          </a:p>
-          <a:p>
-            <a:pPr marL="285750" indent="-285750">
-              <a:buFont typeface="Arial" panose="020B0604020202020204" pitchFamily="34" charset="0"/>
-              <a:buChar char="•"/>
-            </a:pPr>
-            <a:r>
-              <a:rPr lang="en-US" dirty="0"/>
-              <a:t>Append ‘A’ in front of the actor id and ‘D’ in front of a director ID</a:t>
-            </a:r>
-          </a:p>
-          <a:p>
-            <a:pPr marL="285750" indent="-285750">
-              <a:buFont typeface="Arial" panose="020B0604020202020204" pitchFamily="34" charset="0"/>
-              <a:buChar char="•"/>
-            </a:pPr>
-            <a:r>
-              <a:rPr lang="en-US" dirty="0"/>
-              <a:t>Since directors do not have gender listed, put NULL as the value for that column</a:t>
-            </a:r>
-          </a:p>
-          <a:p>
-            <a:pPr marL="285750" indent="-285750">
-              <a:buFont typeface="Arial" panose="020B0604020202020204" pitchFamily="34" charset="0"/>
-              <a:buChar char="•"/>
-            </a:pPr>
+              <a:t>Write a query that returns how many actors played in just one movie, how many actors played in just two movies, and so on</a:t>
+            </a:r>
+            <a:br>
+              <a:rPr lang="en-US" dirty="0"/>
+            </a:br>
+            <a:br>
+              <a:rPr lang="en-US" dirty="0"/>
+            </a:br>
+            <a:r>
+              <a:rPr lang="en-US" dirty="0">
+                <a:solidFill>
+                  <a:schemeClr val="bg1">
+                    <a:lumMod val="85000"/>
+                  </a:schemeClr>
+                </a:solidFill>
+              </a:rPr>
+              <a:t>SELECT </a:t>
+            </a:r>
+            <a:r>
+              <a:rPr lang="en-US" dirty="0" err="1">
+                <a:solidFill>
+                  <a:schemeClr val="bg1">
+                    <a:lumMod val="85000"/>
+                  </a:schemeClr>
+                </a:solidFill>
+              </a:rPr>
+              <a:t>num_movies</a:t>
+            </a:r>
+            <a:r>
+              <a:rPr lang="en-US" dirty="0">
+                <a:solidFill>
+                  <a:schemeClr val="bg1">
+                    <a:lumMod val="85000"/>
+                  </a:schemeClr>
+                </a:solidFill>
+              </a:rPr>
+              <a:t>, COUNT(</a:t>
+            </a:r>
+            <a:r>
+              <a:rPr lang="en-US" dirty="0" err="1">
+                <a:solidFill>
+                  <a:schemeClr val="bg1">
+                    <a:lumMod val="85000"/>
+                  </a:schemeClr>
+                </a:solidFill>
+              </a:rPr>
+              <a:t>actor_id</a:t>
+            </a:r>
+            <a:r>
+              <a:rPr lang="en-US" dirty="0">
+                <a:solidFill>
+                  <a:schemeClr val="bg1">
+                    <a:lumMod val="85000"/>
+                  </a:schemeClr>
+                </a:solidFill>
+              </a:rPr>
+              <a:t>) AS </a:t>
+            </a:r>
+            <a:r>
+              <a:rPr lang="en-US" dirty="0" err="1">
+                <a:solidFill>
+                  <a:schemeClr val="bg1">
+                    <a:lumMod val="85000"/>
+                  </a:schemeClr>
+                </a:solidFill>
+              </a:rPr>
+              <a:t>num_actors</a:t>
+            </a:r>
+            <a:br>
+              <a:rPr lang="en-US" dirty="0">
+                <a:solidFill>
+                  <a:schemeClr val="bg1">
+                    <a:lumMod val="85000"/>
+                  </a:schemeClr>
+                </a:solidFill>
+              </a:rPr>
+            </a:br>
+            <a:r>
+              <a:rPr lang="en-US" dirty="0">
+                <a:solidFill>
+                  <a:schemeClr val="bg1">
+                    <a:lumMod val="85000"/>
+                  </a:schemeClr>
+                </a:solidFill>
+              </a:rPr>
+              <a:t>FROM (</a:t>
+            </a:r>
+            <a:br>
+              <a:rPr lang="en-US" dirty="0"/>
+            </a:br>
+            <a:r>
+              <a:rPr lang="en-US" dirty="0"/>
+              <a:t>	SELECT </a:t>
+            </a:r>
+            <a:r>
+              <a:rPr lang="en-US" dirty="0" err="1"/>
+              <a:t>actor_id</a:t>
+            </a:r>
+            <a:r>
+              <a:rPr lang="en-US" dirty="0"/>
+              <a:t>, COUNT(</a:t>
+            </a:r>
+            <a:r>
+              <a:rPr lang="en-US" dirty="0" err="1"/>
+              <a:t>movie_id</a:t>
+            </a:r>
+            <a:r>
+              <a:rPr lang="en-US" dirty="0"/>
+              <a:t>) AS </a:t>
+            </a:r>
+            <a:r>
+              <a:rPr lang="en-US" dirty="0" err="1"/>
+              <a:t>num_movies</a:t>
+            </a:r>
+            <a:br>
+              <a:rPr lang="en-US" dirty="0"/>
+            </a:br>
+            <a:r>
+              <a:rPr lang="en-US" dirty="0"/>
+              <a:t>	FROM roles</a:t>
+            </a:r>
+            <a:br>
+              <a:rPr lang="en-US" dirty="0"/>
+            </a:br>
+            <a:r>
+              <a:rPr lang="en-US" dirty="0"/>
+              <a:t>	GROUP BY </a:t>
+            </a:r>
+            <a:r>
+              <a:rPr lang="en-US" dirty="0" err="1"/>
+              <a:t>actor_id</a:t>
+            </a:r>
+            <a:br>
+              <a:rPr lang="en-US" dirty="0"/>
+            </a:br>
+            <a:r>
+              <a:rPr lang="en-US" dirty="0">
+                <a:solidFill>
+                  <a:schemeClr val="bg1">
+                    <a:lumMod val="85000"/>
+                  </a:schemeClr>
+                </a:solidFill>
+              </a:rPr>
+              <a:t>) A</a:t>
+            </a:r>
+            <a:br>
+              <a:rPr lang="en-US" dirty="0">
+                <a:solidFill>
+                  <a:schemeClr val="bg1">
+                    <a:lumMod val="85000"/>
+                  </a:schemeClr>
+                </a:solidFill>
+              </a:rPr>
+            </a:br>
+            <a:r>
+              <a:rPr lang="en-US" dirty="0">
+                <a:solidFill>
+                  <a:schemeClr val="bg1">
+                    <a:lumMod val="85000"/>
+                  </a:schemeClr>
+                </a:solidFill>
+              </a:rPr>
+              <a:t>GROUP BY </a:t>
+            </a:r>
+            <a:r>
+              <a:rPr lang="en-US" dirty="0" err="1">
+                <a:solidFill>
+                  <a:schemeClr val="bg1">
+                    <a:lumMod val="85000"/>
+                  </a:schemeClr>
+                </a:solidFill>
+              </a:rPr>
+              <a:t>num_movies</a:t>
+            </a:r>
+            <a:br>
+              <a:rPr lang="en-US" dirty="0"/>
+            </a:br>
+            <a:br>
+              <a:rPr lang="en-US" dirty="0"/>
+            </a:br>
             <a:endParaRPr lang="en-US" dirty="0"/>
           </a:p>
           <a:p>
             <a:endParaRPr lang="en-US" dirty="0"/>
           </a:p>
-        </p:txBody>
-      </p:sp>
-      <p:sp>
-        <p:nvSpPr>
-          <p:cNvPr id="3" name="Rectangle 2">
-            <a:extLst>
-              <a:ext uri="{FF2B5EF4-FFF2-40B4-BE49-F238E27FC236}">
-                <a16:creationId xmlns:a16="http://schemas.microsoft.com/office/drawing/2014/main" id="{2978BAE2-869E-4631-B65B-A827FD1C4CF7}"/>
-              </a:ext>
-            </a:extLst>
-          </p:cNvPr>
-          <p:cNvSpPr/>
-          <p:nvPr/>
-        </p:nvSpPr>
-        <p:spPr>
-          <a:xfrm>
-            <a:off x="194925" y="4604100"/>
-            <a:ext cx="8881534" cy="1477328"/>
-          </a:xfrm>
-          <a:prstGeom prst="rect">
-            <a:avLst/>
-          </a:prstGeom>
-        </p:spPr>
-        <p:txBody>
-          <a:bodyPr wrap="square">
-            <a:spAutoFit/>
-          </a:bodyPr>
-          <a:lstStyle/>
-          <a:p>
-            <a:r>
-              <a:rPr lang="en-US" dirty="0"/>
-              <a:t>SELECT CONCAT('</a:t>
-            </a:r>
-            <a:r>
-              <a:rPr lang="en-US" dirty="0" err="1"/>
-              <a:t>A',id</a:t>
-            </a:r>
-            <a:r>
-              <a:rPr lang="en-US" dirty="0"/>
-              <a:t>) AS id, </a:t>
-            </a:r>
-            <a:r>
-              <a:rPr lang="en-US" dirty="0" err="1"/>
-              <a:t>first_name</a:t>
-            </a:r>
-            <a:r>
-              <a:rPr lang="en-US" dirty="0"/>
-              <a:t>, </a:t>
-            </a:r>
-            <a:r>
-              <a:rPr lang="en-US" dirty="0" err="1"/>
-              <a:t>last_name</a:t>
-            </a:r>
-            <a:r>
-              <a:rPr lang="en-US" dirty="0"/>
-              <a:t>, gender</a:t>
-            </a:r>
-          </a:p>
-          <a:p>
-            <a:r>
-              <a:rPr lang="en-US" dirty="0"/>
-              <a:t>FROM actors</a:t>
-            </a:r>
-          </a:p>
-          <a:p>
-            <a:r>
-              <a:rPr lang="en-US" dirty="0"/>
-              <a:t>UNION ALL</a:t>
-            </a:r>
-          </a:p>
-          <a:p>
-            <a:r>
-              <a:rPr lang="en-US" dirty="0"/>
-              <a:t>SELECT CONCAT('D', id) AS id, </a:t>
-            </a:r>
-            <a:r>
-              <a:rPr lang="en-US" dirty="0" err="1"/>
-              <a:t>first_name</a:t>
-            </a:r>
-            <a:r>
-              <a:rPr lang="en-US" dirty="0"/>
-              <a:t>, </a:t>
-            </a:r>
-            <a:r>
-              <a:rPr lang="en-US" dirty="0" err="1"/>
-              <a:t>last_name</a:t>
-            </a:r>
-            <a:r>
-              <a:rPr lang="en-US" dirty="0"/>
-              <a:t>, NULL AS gender</a:t>
-            </a:r>
-          </a:p>
-          <a:p>
-            <a:r>
-              <a:rPr lang="en-US" dirty="0"/>
-              <a:t>FROM directors</a:t>
-            </a:r>
+          <a:p>
+            <a:endParaRPr lang="en-US" dirty="0"/>
+          </a:p>
+          <a:p>
+            <a:endParaRPr lang="en-US" dirty="0"/>
+          </a:p>
+          <a:p>
+            <a:pPr lvl="1"/>
+            <a:endParaRPr lang="en-US" dirty="0"/>
+          </a:p>
+          <a:p>
+            <a:endParaRPr lang="en-US" dirty="0"/>
           </a:p>
         </p:txBody>
       </p:sp>
     </p:spTree>
     <p:extLst>
       <p:ext uri="{BB962C8B-B14F-4D97-AF65-F5344CB8AC3E}">
-        <p14:creationId xmlns:p14="http://schemas.microsoft.com/office/powerpoint/2010/main" val="286468938"/>
-      </p:ext>
-    </p:extLst>
-  </p:cSld>
-  <p:clrMapOvr>
-    <a:masterClrMapping/>
-  </p:clrMapOvr>
-  <p:transition spd="med"/>
-</p:sld>
-</file>
-
-<file path=ppt/slides/slide17.xml><?xml version="1.0" encoding="utf-8"?>
-<p:sld xmlns:a="http://schemas.openxmlformats.org/drawingml/2006/main" xmlns:r="http://schemas.openxmlformats.org/officeDocument/2006/relationships" xmlns:p="http://schemas.openxmlformats.org/presentationml/2006/main">
-  <p:cSld>
-    <p:spTree>
-      <p:nvGrpSpPr>
-        <p:cNvPr id="1" name=""/>
-        <p:cNvGrpSpPr/>
-        <p:nvPr/>
-      </p:nvGrpSpPr>
-      <p:grpSpPr>
-        <a:xfrm>
-          <a:off x="0" y="0"/>
-          <a:ext cx="0" cy="0"/>
-          <a:chOff x="0" y="0"/>
-          <a:chExt cx="0" cy="0"/>
-        </a:xfrm>
-      </p:grpSpPr>
-      <p:sp>
-        <p:nvSpPr>
-          <p:cNvPr id="47" name="Shape 47"/>
-          <p:cNvSpPr/>
-          <p:nvPr/>
-        </p:nvSpPr>
-        <p:spPr>
-          <a:xfrm>
-            <a:off x="269666" y="1435100"/>
-            <a:ext cx="8604668" cy="1200329"/>
-          </a:xfrm>
-          <a:prstGeom prst="rect">
-            <a:avLst/>
-          </a:prstGeom>
-          <a:ln w="12700">
-            <a:miter lim="400000"/>
-          </a:ln>
-          <a:extLst>
-            <a:ext uri="{C572A759-6A51-4108-AA02-DFA0A04FC94B}">
-              <ma14:wrappingTextBoxFlag xmlns:ma14="http://schemas.microsoft.com/office/mac/drawingml/2011/main" xmlns="" val="1"/>
-            </a:ext>
-          </a:extLst>
-        </p:spPr>
-        <p:txBody>
-          <a:bodyPr lIns="45719" rIns="45719">
-            <a:spAutoFit/>
-          </a:bodyPr>
-          <a:lstStyle>
-            <a:lvl1pPr algn="r">
-              <a:defRPr sz="3600">
-                <a:solidFill>
-                  <a:srgbClr val="011070"/>
-                </a:solidFill>
-              </a:defRPr>
-            </a:lvl1pPr>
-          </a:lstStyle>
-          <a:p>
-            <a:pPr lvl="0">
-              <a:defRPr sz="1800">
-                <a:solidFill>
-                  <a:srgbClr val="000000"/>
-                </a:solidFill>
-                <a:uFillTx/>
-              </a:defRPr>
-            </a:pPr>
-            <a:r>
-              <a:rPr sz="3600" dirty="0">
-                <a:solidFill>
-                  <a:schemeClr val="tx1"/>
-                </a:solidFill>
-                <a:uFill>
-                  <a:solidFill/>
-                </a:uFill>
-                <a:latin typeface="Arial Unicode MS" panose="020B0604020202020204" pitchFamily="34" charset="-128"/>
-              </a:rPr>
-              <a:t>Subqueries</a:t>
-            </a:r>
-            <a:r>
-              <a:rPr lang="en-US" sz="3600" dirty="0">
-                <a:solidFill>
-                  <a:schemeClr val="tx1"/>
-                </a:solidFill>
-                <a:uFill>
-                  <a:solidFill/>
-                </a:uFill>
-                <a:latin typeface="Arial Unicode MS" panose="020B0604020202020204" pitchFamily="34" charset="-128"/>
-              </a:rPr>
-              <a:t>: </a:t>
-            </a:r>
-            <a:br>
-              <a:rPr lang="en-US" sz="3600" dirty="0">
-                <a:solidFill>
-                  <a:schemeClr val="tx1"/>
-                </a:solidFill>
-                <a:uFill>
-                  <a:solidFill/>
-                </a:uFill>
-                <a:latin typeface="Arial Unicode MS" panose="020B0604020202020204" pitchFamily="34" charset="-128"/>
-              </a:rPr>
-            </a:br>
-            <a:r>
-              <a:rPr lang="en-US" sz="3600" dirty="0">
-                <a:solidFill>
-                  <a:schemeClr val="tx1"/>
-                </a:solidFill>
-                <a:uFill>
-                  <a:solidFill/>
-                </a:uFill>
-                <a:latin typeface="Arial Unicode MS" panose="020B0604020202020204" pitchFamily="34" charset="-128"/>
-              </a:rPr>
-              <a:t>ANY, ALL</a:t>
-            </a:r>
-            <a:endParaRPr sz="3600" dirty="0">
-              <a:solidFill>
-                <a:schemeClr val="tx1"/>
-              </a:solidFill>
-              <a:uFill>
-                <a:solidFill/>
-              </a:uFill>
-              <a:latin typeface="Arial Unicode MS" panose="020B0604020202020204" pitchFamily="34" charset="-128"/>
-            </a:endParaRPr>
-          </a:p>
-        </p:txBody>
-      </p:sp>
-    </p:spTree>
-    <p:extLst>
-      <p:ext uri="{BB962C8B-B14F-4D97-AF65-F5344CB8AC3E}">
-        <p14:creationId xmlns:p14="http://schemas.microsoft.com/office/powerpoint/2010/main" val="953908122"/>
-      </p:ext>
-    </p:extLst>
-  </p:cSld>
-  <p:clrMapOvr>
-    <a:masterClrMapping/>
-  </p:clrMapOvr>
-  <p:transition spd="med"/>
-</p:sld>
-</file>
-
-<file path=ppt/slides/slide18.xml><?xml version="1.0" encoding="utf-8"?>
-<p:sld xmlns:a="http://schemas.openxmlformats.org/drawingml/2006/main" xmlns:r="http://schemas.openxmlformats.org/officeDocument/2006/relationships" xmlns:p="http://schemas.openxmlformats.org/presentationml/2006/main">
-  <p:cSld>
-    <p:spTree>
-      <p:nvGrpSpPr>
-        <p:cNvPr id="1" name=""/>
-        <p:cNvGrpSpPr/>
-        <p:nvPr/>
-      </p:nvGrpSpPr>
-      <p:grpSpPr>
-        <a:xfrm>
-          <a:off x="0" y="0"/>
-          <a:ext cx="0" cy="0"/>
-          <a:chOff x="0" y="0"/>
-          <a:chExt cx="0" cy="0"/>
-        </a:xfrm>
-      </p:grpSpPr>
-      <p:sp>
-        <p:nvSpPr>
-          <p:cNvPr id="189" name="Shape 189"/>
-          <p:cNvSpPr/>
-          <p:nvPr/>
-        </p:nvSpPr>
-        <p:spPr>
-          <a:xfrm>
-            <a:off x="386308" y="147496"/>
-            <a:ext cx="7757379" cy="553998"/>
-          </a:xfrm>
-          <a:prstGeom prst="rect">
-            <a:avLst/>
-          </a:prstGeom>
-          <a:ln w="12700">
-            <a:miter lim="400000"/>
-          </a:ln>
-          <a:extLst>
-            <a:ext uri="{C572A759-6A51-4108-AA02-DFA0A04FC94B}">
-              <ma14:wrappingTextBoxFlag xmlns:ma14="http://schemas.microsoft.com/office/mac/drawingml/2011/main" xmlns="" val="1"/>
-            </a:ext>
-          </a:extLst>
-        </p:spPr>
-        <p:txBody>
-          <a:bodyPr lIns="45719" rIns="45719">
-            <a:spAutoFit/>
-          </a:bodyPr>
-          <a:lstStyle>
-            <a:lvl1pPr>
-              <a:defRPr sz="3000" b="1">
-                <a:uFill>
-                  <a:solidFill>
-                    <a:srgbClr val="FFFFFF"/>
-                  </a:solidFill>
-                </a:uFill>
-              </a:defRPr>
-            </a:lvl1pPr>
-          </a:lstStyle>
-          <a:p>
-            <a:pPr lvl="0">
-              <a:defRPr sz="1800" b="0">
-                <a:solidFill>
-                  <a:srgbClr val="000000"/>
-                </a:solidFill>
-                <a:uFillTx/>
-              </a:defRPr>
-            </a:pPr>
-            <a:r>
-              <a:rPr lang="en-US" sz="3000" b="1" dirty="0">
-                <a:uFill>
-                  <a:solidFill>
-                    <a:srgbClr val="FFFFFF"/>
-                  </a:solidFill>
-                </a:uFill>
-                <a:latin typeface="Arial Unicode MS" panose="020B0604020202020204" pitchFamily="34" charset="-128"/>
-              </a:rPr>
-              <a:t>ANY / ALL</a:t>
-            </a:r>
-            <a:endParaRPr sz="3000" b="1" dirty="0">
-              <a:uFill>
-                <a:solidFill>
-                  <a:srgbClr val="FFFFFF"/>
-                </a:solidFill>
-              </a:uFill>
-              <a:latin typeface="Arial Unicode MS" panose="020B0604020202020204" pitchFamily="34" charset="-128"/>
-            </a:endParaRPr>
-          </a:p>
-        </p:txBody>
-      </p:sp>
-      <p:sp>
-        <p:nvSpPr>
-          <p:cNvPr id="190" name="Shape 190"/>
-          <p:cNvSpPr/>
-          <p:nvPr/>
-        </p:nvSpPr>
-        <p:spPr>
-          <a:xfrm>
-            <a:off x="469900" y="1324179"/>
-            <a:ext cx="8204200" cy="307777"/>
-          </a:xfrm>
-          <a:prstGeom prst="rect">
-            <a:avLst/>
-          </a:prstGeom>
-          <a:ln w="12700">
-            <a:miter lim="400000"/>
-          </a:ln>
-          <a:extLst>
-            <a:ext uri="{C572A759-6A51-4108-AA02-DFA0A04FC94B}">
-              <ma14:wrappingTextBoxFlag xmlns:ma14="http://schemas.microsoft.com/office/mac/drawingml/2011/main" xmlns="" val="1"/>
-            </a:ext>
-          </a:extLst>
-        </p:spPr>
-        <p:txBody>
-          <a:bodyPr lIns="0" tIns="0" rIns="0" bIns="0">
-            <a:spAutoFit/>
-          </a:bodyPr>
-          <a:lstStyle/>
-          <a:p>
-            <a:pPr lvl="0">
-              <a:spcBef>
-                <a:spcPts val="700"/>
-              </a:spcBef>
-              <a:buSzPct val="100000"/>
-              <a:defRPr sz="1800">
-                <a:solidFill>
-                  <a:srgbClr val="000000"/>
-                </a:solidFill>
-                <a:uFillTx/>
-              </a:defRPr>
-            </a:pPr>
-            <a:endParaRPr sz="2000" dirty="0">
-              <a:uFill>
-                <a:solidFill/>
-              </a:uFill>
-              <a:latin typeface="Arial Unicode MS" panose="020B0604020202020204" pitchFamily="34" charset="-128"/>
-              <a:ea typeface="Arial Unicode MS" panose="020B0604020202020204" pitchFamily="34" charset="-128"/>
-              <a:cs typeface="Arial Unicode MS" panose="020B0604020202020204" pitchFamily="34" charset="-128"/>
-              <a:sym typeface="Iowan Old Style Roman"/>
-            </a:endParaRPr>
-          </a:p>
-        </p:txBody>
-      </p:sp>
-      <p:sp>
-        <p:nvSpPr>
-          <p:cNvPr id="2" name="TextBox 1"/>
-          <p:cNvSpPr txBox="1"/>
-          <p:nvPr/>
-        </p:nvSpPr>
-        <p:spPr>
-          <a:xfrm>
-            <a:off x="194925" y="1376737"/>
-            <a:ext cx="8204199" cy="1200329"/>
-          </a:xfrm>
-          <a:prstGeom prst="rect">
-            <a:avLst/>
-          </a:prstGeom>
-          <a:noFill/>
-        </p:spPr>
-        <p:txBody>
-          <a:bodyPr wrap="square" rtlCol="0">
-            <a:spAutoFit/>
-          </a:bodyPr>
-          <a:lstStyle/>
-          <a:p>
-            <a:pPr marL="285750" indent="-285750">
-              <a:buFont typeface="Arial" panose="020B0604020202020204" pitchFamily="34" charset="0"/>
-              <a:buChar char="•"/>
-            </a:pPr>
-            <a:r>
-              <a:rPr lang="en-US" dirty="0"/>
-              <a:t>The ANY and ALL operators are used with a WHERE or HAVING clause.</a:t>
-            </a:r>
-          </a:p>
-          <a:p>
-            <a:pPr marL="285750" indent="-285750">
-              <a:buFont typeface="Arial" panose="020B0604020202020204" pitchFamily="34" charset="0"/>
-              <a:buChar char="•"/>
-            </a:pPr>
-            <a:r>
-              <a:rPr lang="en-US" dirty="0"/>
-              <a:t>The ANY operator returns true if any of the subquery values meet the condition.</a:t>
-            </a:r>
-          </a:p>
-          <a:p>
-            <a:pPr marL="285750" indent="-285750">
-              <a:buFont typeface="Arial" panose="020B0604020202020204" pitchFamily="34" charset="0"/>
-              <a:buChar char="•"/>
-            </a:pPr>
-            <a:r>
-              <a:rPr lang="en-US" dirty="0"/>
-              <a:t>The ALL operator returns true if all of the subquery values meet the condition</a:t>
-            </a:r>
-          </a:p>
-          <a:p>
-            <a:endParaRPr lang="en-US" b="1" dirty="0"/>
-          </a:p>
-        </p:txBody>
-      </p:sp>
-      <p:sp>
-        <p:nvSpPr>
-          <p:cNvPr id="5" name="TextBox 4">
-            <a:extLst>
-              <a:ext uri="{FF2B5EF4-FFF2-40B4-BE49-F238E27FC236}">
-                <a16:creationId xmlns:a16="http://schemas.microsoft.com/office/drawing/2014/main" id="{4D386248-2CE1-40E5-A7F3-AB625F7D29C7}"/>
-              </a:ext>
-            </a:extLst>
-          </p:cNvPr>
-          <p:cNvSpPr txBox="1"/>
-          <p:nvPr/>
-        </p:nvSpPr>
-        <p:spPr>
-          <a:xfrm>
-            <a:off x="194925" y="2890346"/>
-            <a:ext cx="8241963" cy="1200329"/>
-          </a:xfrm>
-          <a:prstGeom prst="rect">
-            <a:avLst/>
-          </a:prstGeom>
-          <a:noFill/>
-        </p:spPr>
-        <p:txBody>
-          <a:bodyPr wrap="square" rtlCol="0">
-            <a:spAutoFit/>
-          </a:bodyPr>
-          <a:lstStyle/>
-          <a:p>
-            <a:r>
-              <a:rPr lang="en-US" dirty="0"/>
-              <a:t>Find </a:t>
-            </a:r>
-            <a:r>
-              <a:rPr lang="en-US" b="1" dirty="0">
-                <a:solidFill>
-                  <a:schemeClr val="accent1"/>
-                </a:solidFill>
-              </a:rPr>
-              <a:t>movies that have rating higher </a:t>
-            </a:r>
-            <a:r>
-              <a:rPr lang="en-US" dirty="0"/>
-              <a:t>than </a:t>
-            </a:r>
-            <a:r>
-              <a:rPr lang="en-US" b="1" dirty="0">
-                <a:solidFill>
-                  <a:srgbClr val="C00000"/>
-                </a:solidFill>
-              </a:rPr>
-              <a:t>the average rating of ALL the actors that play in that movie</a:t>
-            </a:r>
-          </a:p>
-          <a:p>
-            <a:endParaRPr lang="en-US" dirty="0"/>
-          </a:p>
-          <a:p>
-            <a:endParaRPr lang="en-US" dirty="0"/>
-          </a:p>
-        </p:txBody>
-      </p:sp>
-      <p:sp>
-        <p:nvSpPr>
-          <p:cNvPr id="3" name="Rectangle 2">
-            <a:extLst>
-              <a:ext uri="{FF2B5EF4-FFF2-40B4-BE49-F238E27FC236}">
-                <a16:creationId xmlns:a16="http://schemas.microsoft.com/office/drawing/2014/main" id="{2978BAE2-869E-4631-B65B-A827FD1C4CF7}"/>
-              </a:ext>
-            </a:extLst>
-          </p:cNvPr>
-          <p:cNvSpPr/>
-          <p:nvPr/>
-        </p:nvSpPr>
-        <p:spPr>
-          <a:xfrm>
-            <a:off x="194925" y="3786574"/>
-            <a:ext cx="8881534" cy="2585323"/>
-          </a:xfrm>
-          <a:prstGeom prst="rect">
-            <a:avLst/>
-          </a:prstGeom>
-        </p:spPr>
-        <p:txBody>
-          <a:bodyPr wrap="square">
-            <a:spAutoFit/>
-          </a:bodyPr>
-          <a:lstStyle/>
-          <a:p>
-            <a:r>
-              <a:rPr lang="en-US" dirty="0"/>
-              <a:t>SELECT * </a:t>
-            </a:r>
-          </a:p>
-          <a:p>
-            <a:r>
-              <a:rPr lang="en-US" dirty="0"/>
-              <a:t>FROM 	roles R JOIN movies M ON </a:t>
-            </a:r>
-            <a:r>
-              <a:rPr lang="en-US" dirty="0" err="1"/>
-              <a:t>R.movie_id</a:t>
-            </a:r>
-            <a:r>
-              <a:rPr lang="en-US" dirty="0"/>
-              <a:t>  = M.id</a:t>
-            </a:r>
-          </a:p>
-          <a:p>
-            <a:r>
-              <a:rPr lang="en-US" dirty="0"/>
-              <a:t>WHERE 	M.id &lt; 1000 AND </a:t>
-            </a:r>
-            <a:r>
-              <a:rPr lang="en-US" dirty="0" err="1"/>
-              <a:t>M.rank</a:t>
-            </a:r>
-            <a:r>
-              <a:rPr lang="en-US" dirty="0"/>
-              <a:t> IS NOT NULL 	</a:t>
-            </a:r>
-          </a:p>
-          <a:p>
-            <a:r>
-              <a:rPr lang="en-US" dirty="0"/>
-              <a:t>	</a:t>
-            </a:r>
-            <a:r>
-              <a:rPr lang="en-US" b="1" dirty="0">
-                <a:solidFill>
-                  <a:schemeClr val="accent1"/>
-                </a:solidFill>
-              </a:rPr>
-              <a:t>AND </a:t>
-            </a:r>
-            <a:r>
-              <a:rPr lang="en-US" b="1" dirty="0" err="1">
-                <a:solidFill>
-                  <a:schemeClr val="accent1"/>
-                </a:solidFill>
-              </a:rPr>
-              <a:t>M.rank</a:t>
-            </a:r>
-            <a:r>
-              <a:rPr lang="en-US" b="1" dirty="0">
-                <a:solidFill>
-                  <a:schemeClr val="accent1"/>
-                </a:solidFill>
-              </a:rPr>
-              <a:t> &gt;= ALL </a:t>
-            </a:r>
-            <a:r>
-              <a:rPr lang="en-US" dirty="0"/>
-              <a:t>(</a:t>
-            </a:r>
-          </a:p>
-          <a:p>
-            <a:r>
-              <a:rPr lang="en-US" b="1" dirty="0">
-                <a:solidFill>
-                  <a:srgbClr val="C00000"/>
-                </a:solidFill>
-              </a:rPr>
-              <a:t>		SELECT rating FROM </a:t>
-            </a:r>
-            <a:r>
-              <a:rPr lang="en-US" b="1" dirty="0" err="1">
-                <a:solidFill>
-                  <a:srgbClr val="C00000"/>
-                </a:solidFill>
-              </a:rPr>
-              <a:t>actor_stats</a:t>
-            </a:r>
-            <a:r>
-              <a:rPr lang="en-US" b="1" dirty="0">
-                <a:solidFill>
-                  <a:srgbClr val="C00000"/>
-                </a:solidFill>
-              </a:rPr>
-              <a:t> A WHERE </a:t>
-            </a:r>
-            <a:r>
-              <a:rPr lang="en-US" b="1" dirty="0" err="1">
-                <a:solidFill>
-                  <a:srgbClr val="C00000"/>
-                </a:solidFill>
-              </a:rPr>
-              <a:t>A.actor_id</a:t>
-            </a:r>
-            <a:r>
-              <a:rPr lang="en-US" b="1" dirty="0">
-                <a:solidFill>
-                  <a:srgbClr val="C00000"/>
-                </a:solidFill>
-              </a:rPr>
-              <a:t> = </a:t>
-            </a:r>
-            <a:r>
-              <a:rPr lang="en-US" b="1" dirty="0" err="1">
-                <a:solidFill>
-                  <a:srgbClr val="C00000"/>
-                </a:solidFill>
-              </a:rPr>
-              <a:t>R.actor_id</a:t>
-            </a:r>
-            <a:endParaRPr lang="en-US" b="1" dirty="0">
-              <a:solidFill>
-                <a:srgbClr val="C00000"/>
-              </a:solidFill>
-            </a:endParaRPr>
-          </a:p>
-          <a:p>
-            <a:r>
-              <a:rPr lang="en-US" b="1" dirty="0">
-                <a:solidFill>
-                  <a:srgbClr val="C00000"/>
-                </a:solidFill>
-              </a:rPr>
-              <a:t>	</a:t>
-            </a:r>
-            <a:r>
-              <a:rPr lang="en-US" dirty="0"/>
-              <a:t>)</a:t>
-            </a:r>
-          </a:p>
-          <a:p>
-            <a:endParaRPr lang="en-US" dirty="0"/>
-          </a:p>
-          <a:p>
-            <a:endParaRPr lang="en-US" dirty="0"/>
-          </a:p>
-          <a:p>
-            <a:r>
-              <a:rPr lang="en-US" dirty="0"/>
-              <a:t>Similarly for ANY (find movies with rating higher than the average rating of ANY of the actors)</a:t>
-            </a:r>
-          </a:p>
-        </p:txBody>
-      </p:sp>
-    </p:spTree>
-    <p:extLst>
-      <p:ext uri="{BB962C8B-B14F-4D97-AF65-F5344CB8AC3E}">
-        <p14:creationId xmlns:p14="http://schemas.microsoft.com/office/powerpoint/2010/main" val="1377094206"/>
-      </p:ext>
-    </p:extLst>
-  </p:cSld>
-  <p:clrMapOvr>
-    <a:masterClrMapping/>
-  </p:clrMapOvr>
-  <p:transition spd="med"/>
-</p:sld>
-</file>
-
-<file path=ppt/slides/slide2.xml><?xml version="1.0" encoding="utf-8"?>
-<p:sld xmlns:a="http://schemas.openxmlformats.org/drawingml/2006/main" xmlns:r="http://schemas.openxmlformats.org/officeDocument/2006/relationships" xmlns:p="http://schemas.openxmlformats.org/presentationml/2006/main">
-  <p:cSld>
-    <p:spTree>
-      <p:nvGrpSpPr>
-        <p:cNvPr id="1" name=""/>
-        <p:cNvGrpSpPr/>
-        <p:nvPr/>
-      </p:nvGrpSpPr>
-      <p:grpSpPr>
-        <a:xfrm>
-          <a:off x="0" y="0"/>
-          <a:ext cx="0" cy="0"/>
-          <a:chOff x="0" y="0"/>
-          <a:chExt cx="0" cy="0"/>
-        </a:xfrm>
-      </p:grpSpPr>
-      <p:sp>
-        <p:nvSpPr>
-          <p:cNvPr id="47" name="Shape 47"/>
-          <p:cNvSpPr/>
-          <p:nvPr/>
-        </p:nvSpPr>
-        <p:spPr>
-          <a:xfrm>
-            <a:off x="269666" y="1435100"/>
-            <a:ext cx="8604668" cy="646331"/>
-          </a:xfrm>
-          <a:prstGeom prst="rect">
-            <a:avLst/>
-          </a:prstGeom>
-          <a:ln w="12700">
-            <a:miter lim="400000"/>
-          </a:ln>
-          <a:extLst>
-            <a:ext uri="{C572A759-6A51-4108-AA02-DFA0A04FC94B}">
-              <ma14:wrappingTextBoxFlag xmlns:ma14="http://schemas.microsoft.com/office/mac/drawingml/2011/main" xmlns="" val="1"/>
-            </a:ext>
-          </a:extLst>
-        </p:spPr>
-        <p:txBody>
-          <a:bodyPr lIns="45719" rIns="45719">
-            <a:spAutoFit/>
-          </a:bodyPr>
-          <a:lstStyle>
-            <a:lvl1pPr algn="r">
-              <a:defRPr sz="3600">
-                <a:solidFill>
-                  <a:srgbClr val="011070"/>
-                </a:solidFill>
-              </a:defRPr>
-            </a:lvl1pPr>
-          </a:lstStyle>
-          <a:p>
-            <a:pPr lvl="0">
-              <a:defRPr sz="1800">
-                <a:solidFill>
-                  <a:srgbClr val="000000"/>
-                </a:solidFill>
-                <a:uFillTx/>
-              </a:defRPr>
-            </a:pPr>
-            <a:r>
-              <a:rPr sz="3600" dirty="0" err="1">
-                <a:solidFill>
-                  <a:schemeClr val="tx1"/>
-                </a:solidFill>
-                <a:uFill>
-                  <a:solidFill/>
-                </a:uFill>
-                <a:latin typeface="Arial Unicode MS" panose="020B0604020202020204" pitchFamily="34" charset="-128"/>
-              </a:rPr>
-              <a:t>Subqueries</a:t>
-            </a:r>
-            <a:endParaRPr sz="3600" dirty="0">
-              <a:solidFill>
-                <a:schemeClr val="tx1"/>
-              </a:solidFill>
-              <a:uFill>
-                <a:solidFill/>
-              </a:uFill>
-              <a:latin typeface="Arial Unicode MS" panose="020B0604020202020204" pitchFamily="34" charset="-128"/>
-            </a:endParaRPr>
-          </a:p>
-        </p:txBody>
-      </p:sp>
-    </p:spTree>
-    <p:extLst>
-      <p:ext uri="{BB962C8B-B14F-4D97-AF65-F5344CB8AC3E}">
-        <p14:creationId xmlns:p14="http://schemas.microsoft.com/office/powerpoint/2010/main" val="3579448196"/>
-      </p:ext>
-    </p:extLst>
-  </p:cSld>
-  <p:clrMapOvr>
-    <a:masterClrMapping/>
-  </p:clrMapOvr>
-  <p:transition spd="med"/>
-</p:sld>
-</file>
-
-<file path=ppt/slides/slide3.xml><?xml version="1.0" encoding="utf-8"?>
-<p:sld xmlns:a="http://schemas.openxmlformats.org/drawingml/2006/main" xmlns:r="http://schemas.openxmlformats.org/officeDocument/2006/relationships" xmlns:p="http://schemas.openxmlformats.org/presentationml/2006/main">
-  <p:cSld>
-    <p:spTree>
-      <p:nvGrpSpPr>
-        <p:cNvPr id="1" name=""/>
-        <p:cNvGrpSpPr/>
-        <p:nvPr/>
-      </p:nvGrpSpPr>
-      <p:grpSpPr>
-        <a:xfrm>
-          <a:off x="0" y="0"/>
-          <a:ext cx="0" cy="0"/>
-          <a:chOff x="0" y="0"/>
-          <a:chExt cx="0" cy="0"/>
-        </a:xfrm>
-      </p:grpSpPr>
-      <p:sp>
-        <p:nvSpPr>
-          <p:cNvPr id="78" name="Shape 78"/>
-          <p:cNvSpPr/>
-          <p:nvPr/>
-        </p:nvSpPr>
-        <p:spPr>
-          <a:xfrm>
-            <a:off x="386308" y="147496"/>
-            <a:ext cx="8508310" cy="553998"/>
-          </a:xfrm>
-          <a:prstGeom prst="rect">
-            <a:avLst/>
-          </a:prstGeom>
-          <a:ln w="12700">
-            <a:miter lim="400000"/>
-          </a:ln>
-          <a:extLst>
-            <a:ext uri="{C572A759-6A51-4108-AA02-DFA0A04FC94B}">
-              <ma14:wrappingTextBoxFlag xmlns:ma14="http://schemas.microsoft.com/office/mac/drawingml/2011/main" xmlns="" val="1"/>
-            </a:ext>
-          </a:extLst>
-        </p:spPr>
-        <p:txBody>
-          <a:bodyPr wrap="square" lIns="45719" rIns="45719">
-            <a:spAutoFit/>
-          </a:bodyPr>
-          <a:lstStyle>
-            <a:lvl1pPr>
-              <a:defRPr sz="3000" b="1">
-                <a:uFill>
-                  <a:solidFill>
-                    <a:srgbClr val="FFFFFF"/>
-                  </a:solidFill>
-                </a:uFill>
-              </a:defRPr>
-            </a:lvl1pPr>
-          </a:lstStyle>
-          <a:p>
-            <a:pPr lvl="0">
-              <a:defRPr sz="1800" b="0">
-                <a:solidFill>
-                  <a:srgbClr val="000000"/>
-                </a:solidFill>
-                <a:uFillTx/>
-              </a:defRPr>
-            </a:pPr>
-            <a:r>
-              <a:rPr lang="en-US" sz="3000" b="1" dirty="0">
-                <a:uFill>
-                  <a:solidFill>
-                    <a:srgbClr val="FFFFFF"/>
-                  </a:solidFill>
-                </a:uFill>
-                <a:latin typeface="Arial Unicode MS" panose="020B0604020202020204" pitchFamily="34" charset="-128"/>
-              </a:rPr>
-              <a:t>Saving Queries: CREATE TEMPORARY TABLE</a:t>
-            </a:r>
-            <a:endParaRPr sz="3000" b="1" dirty="0">
-              <a:uFill>
-                <a:solidFill>
-                  <a:srgbClr val="FFFFFF"/>
-                </a:solidFill>
-              </a:uFill>
-              <a:latin typeface="Arial Unicode MS" panose="020B0604020202020204" pitchFamily="34" charset="-128"/>
-            </a:endParaRPr>
-          </a:p>
-        </p:txBody>
-      </p:sp>
-      <p:sp>
-        <p:nvSpPr>
-          <p:cNvPr id="79" name="Shape 79"/>
-          <p:cNvSpPr/>
-          <p:nvPr/>
-        </p:nvSpPr>
-        <p:spPr>
-          <a:xfrm>
-            <a:off x="469900" y="1282700"/>
-            <a:ext cx="8204200" cy="307777"/>
-          </a:xfrm>
-          <a:prstGeom prst="rect">
-            <a:avLst/>
-          </a:prstGeom>
-          <a:ln w="12700">
-            <a:miter lim="400000"/>
-          </a:ln>
-          <a:extLst>
-            <a:ext uri="{C572A759-6A51-4108-AA02-DFA0A04FC94B}">
-              <ma14:wrappingTextBoxFlag xmlns:ma14="http://schemas.microsoft.com/office/mac/drawingml/2011/main" xmlns="" val="1"/>
-            </a:ext>
-          </a:extLst>
-        </p:spPr>
-        <p:txBody>
-          <a:bodyPr lIns="0" tIns="0" rIns="0" bIns="0">
-            <a:spAutoFit/>
-          </a:bodyPr>
-          <a:lstStyle/>
-          <a:p>
-            <a:pPr lvl="0">
-              <a:spcBef>
-                <a:spcPts val="700"/>
-              </a:spcBef>
-              <a:buSzPct val="100000"/>
-              <a:defRPr sz="1800">
-                <a:solidFill>
-                  <a:srgbClr val="000000"/>
-                </a:solidFill>
-                <a:uFillTx/>
-              </a:defRPr>
-            </a:pPr>
-            <a:endParaRPr sz="2000" dirty="0">
-              <a:uFill>
-                <a:solidFill/>
-              </a:uFill>
-              <a:latin typeface="Arial Unicode MS" panose="020B0604020202020204" pitchFamily="34" charset="-128"/>
-              <a:ea typeface="Arial Unicode MS" panose="020B0604020202020204" pitchFamily="34" charset="-128"/>
-              <a:cs typeface="Arial Unicode MS" panose="020B0604020202020204" pitchFamily="34" charset="-128"/>
-              <a:sym typeface="Iowan Old Style Roman"/>
-            </a:endParaRPr>
-          </a:p>
-        </p:txBody>
-      </p:sp>
-      <p:sp>
-        <p:nvSpPr>
-          <p:cNvPr id="3" name="Rectangle 2"/>
-          <p:cNvSpPr/>
-          <p:nvPr/>
-        </p:nvSpPr>
-        <p:spPr>
-          <a:xfrm>
-            <a:off x="469900" y="1346968"/>
-            <a:ext cx="8044665" cy="3970318"/>
-          </a:xfrm>
-          <a:prstGeom prst="rect">
-            <a:avLst/>
-          </a:prstGeom>
-        </p:spPr>
-        <p:txBody>
-          <a:bodyPr wrap="square">
-            <a:spAutoFit/>
-          </a:bodyPr>
-          <a:lstStyle/>
-          <a:p>
-            <a:r>
-              <a:rPr lang="en-US" dirty="0"/>
-              <a:t>We can save the results of a query in order to reuse the results easier, using the “CREATE TEMPORARY TABLE” command.</a:t>
-            </a:r>
-          </a:p>
-          <a:p>
-            <a:endParaRPr lang="en-US" dirty="0"/>
-          </a:p>
-          <a:p>
-            <a:endParaRPr lang="en-US" b="1" dirty="0"/>
-          </a:p>
-          <a:p>
-            <a:r>
-              <a:rPr lang="en-US" b="1" dirty="0"/>
-              <a:t>Example: </a:t>
-            </a:r>
-          </a:p>
-          <a:p>
-            <a:endParaRPr lang="en-US" dirty="0"/>
-          </a:p>
-          <a:p>
-            <a:r>
-              <a:rPr lang="en-US" b="1" dirty="0"/>
-              <a:t>CREATE TEMPORARY TABLE </a:t>
-            </a:r>
-            <a:r>
-              <a:rPr lang="en-US" dirty="0" err="1"/>
-              <a:t>movies_all</a:t>
-            </a:r>
-            <a:r>
-              <a:rPr lang="en-US" dirty="0"/>
-              <a:t> </a:t>
-            </a:r>
-            <a:r>
-              <a:rPr lang="en-US" b="1" dirty="0"/>
-              <a:t>AS</a:t>
-            </a:r>
-          </a:p>
-          <a:p>
-            <a:pPr lvl="1"/>
-            <a:r>
-              <a:rPr lang="en-US" b="1" dirty="0"/>
-              <a:t>SELECT</a:t>
-            </a:r>
-            <a:r>
-              <a:rPr lang="en-US" dirty="0"/>
-              <a:t> 	R.*, </a:t>
-            </a:r>
-          </a:p>
-          <a:p>
-            <a:pPr lvl="1"/>
-            <a:r>
-              <a:rPr lang="en-US" dirty="0"/>
-              <a:t>		M.name AS title, </a:t>
-            </a:r>
-            <a:r>
-              <a:rPr lang="en-US" dirty="0" err="1"/>
-              <a:t>M.year</a:t>
-            </a:r>
-            <a:r>
-              <a:rPr lang="en-US" dirty="0"/>
-              <a:t>, </a:t>
-            </a:r>
-            <a:r>
-              <a:rPr lang="en-US" dirty="0" err="1"/>
-              <a:t>M.rank</a:t>
-            </a:r>
-            <a:r>
-              <a:rPr lang="en-US" dirty="0"/>
-              <a:t> AS rating, </a:t>
-            </a:r>
-          </a:p>
-          <a:p>
-            <a:pPr lvl="1"/>
-            <a:r>
-              <a:rPr lang="en-US" dirty="0"/>
-              <a:t>		</a:t>
-            </a:r>
-            <a:r>
-              <a:rPr lang="en-US" dirty="0" err="1"/>
-              <a:t>A.first_name</a:t>
-            </a:r>
-            <a:r>
-              <a:rPr lang="en-US" dirty="0"/>
-              <a:t>, </a:t>
-            </a:r>
-            <a:r>
-              <a:rPr lang="en-US" dirty="0" err="1"/>
-              <a:t>A.last_name</a:t>
-            </a:r>
-            <a:r>
-              <a:rPr lang="en-US" dirty="0"/>
-              <a:t>, </a:t>
-            </a:r>
-            <a:r>
-              <a:rPr lang="en-US" dirty="0" err="1"/>
-              <a:t>A.gender</a:t>
-            </a:r>
-            <a:endParaRPr lang="en-US" dirty="0"/>
-          </a:p>
-          <a:p>
-            <a:pPr lvl="1"/>
-            <a:r>
-              <a:rPr lang="en-US" b="1" dirty="0"/>
-              <a:t>FROM</a:t>
-            </a:r>
-            <a:r>
-              <a:rPr lang="en-US" dirty="0"/>
-              <a:t> 	roles R </a:t>
-            </a:r>
-          </a:p>
-          <a:p>
-            <a:pPr lvl="1"/>
-            <a:r>
-              <a:rPr lang="en-US" dirty="0"/>
-              <a:t>		JOIN actors A ON A.id = </a:t>
-            </a:r>
-            <a:r>
-              <a:rPr lang="en-US" dirty="0" err="1"/>
-              <a:t>R.actor_id</a:t>
-            </a:r>
-            <a:r>
-              <a:rPr lang="en-US" dirty="0"/>
-              <a:t>    </a:t>
-            </a:r>
-          </a:p>
-          <a:p>
-            <a:pPr lvl="1"/>
-            <a:r>
-              <a:rPr lang="en-US" dirty="0"/>
-              <a:t>		JOIN movies M ON M.id = </a:t>
-            </a:r>
-            <a:r>
-              <a:rPr lang="en-US" dirty="0" err="1"/>
-              <a:t>R.movie_id</a:t>
-            </a:r>
-            <a:endParaRPr lang="en-US" dirty="0"/>
-          </a:p>
-          <a:p>
-            <a:pPr lvl="1"/>
-            <a:r>
-              <a:rPr lang="en-US" dirty="0"/>
-              <a:t>	</a:t>
-            </a:r>
-          </a:p>
-        </p:txBody>
-      </p:sp>
-    </p:spTree>
-    <p:extLst>
-      <p:ext uri="{BB962C8B-B14F-4D97-AF65-F5344CB8AC3E}">
-        <p14:creationId xmlns:p14="http://schemas.microsoft.com/office/powerpoint/2010/main" val="186090299"/>
-      </p:ext>
-    </p:extLst>
-  </p:cSld>
-  <p:clrMapOvr>
-    <a:masterClrMapping/>
-  </p:clrMapOvr>
-  <p:transition spd="med"/>
-</p:sld>
-</file>
-
-<file path=ppt/slides/slide4.xml><?xml version="1.0" encoding="utf-8"?>
-<p:sld xmlns:a="http://schemas.openxmlformats.org/drawingml/2006/main" xmlns:r="http://schemas.openxmlformats.org/officeDocument/2006/relationships" xmlns:p="http://schemas.openxmlformats.org/presentationml/2006/main">
-  <p:cSld>
-    <p:spTree>
-      <p:nvGrpSpPr>
-        <p:cNvPr id="1" name=""/>
-        <p:cNvGrpSpPr/>
-        <p:nvPr/>
-      </p:nvGrpSpPr>
-      <p:grpSpPr>
-        <a:xfrm>
-          <a:off x="0" y="0"/>
-          <a:ext cx="0" cy="0"/>
-          <a:chOff x="0" y="0"/>
-          <a:chExt cx="0" cy="0"/>
-        </a:xfrm>
-      </p:grpSpPr>
-      <p:sp>
-        <p:nvSpPr>
-          <p:cNvPr id="78" name="Shape 78"/>
-          <p:cNvSpPr/>
-          <p:nvPr/>
-        </p:nvSpPr>
-        <p:spPr>
-          <a:xfrm>
-            <a:off x="386308" y="147496"/>
-            <a:ext cx="8508310" cy="1477328"/>
-          </a:xfrm>
-          <a:prstGeom prst="rect">
-            <a:avLst/>
-          </a:prstGeom>
-          <a:ln w="12700">
-            <a:miter lim="400000"/>
-          </a:ln>
-          <a:extLst>
-            <a:ext uri="{C572A759-6A51-4108-AA02-DFA0A04FC94B}">
-              <ma14:wrappingTextBoxFlag xmlns:ma14="http://schemas.microsoft.com/office/mac/drawingml/2011/main" xmlns="" val="1"/>
-            </a:ext>
-          </a:extLst>
-        </p:spPr>
-        <p:txBody>
-          <a:bodyPr wrap="square" lIns="45719" rIns="45719">
-            <a:spAutoFit/>
-          </a:bodyPr>
-          <a:lstStyle>
-            <a:lvl1pPr>
-              <a:defRPr sz="3000" b="1">
-                <a:uFill>
-                  <a:solidFill>
-                    <a:srgbClr val="FFFFFF"/>
-                  </a:solidFill>
-                </a:uFill>
-              </a:defRPr>
-            </a:lvl1pPr>
-          </a:lstStyle>
-          <a:p>
-            <a:pPr lvl="0">
-              <a:defRPr sz="1800" b="0">
-                <a:solidFill>
-                  <a:srgbClr val="000000"/>
-                </a:solidFill>
-                <a:uFillTx/>
-              </a:defRPr>
-            </a:pPr>
-            <a:r>
-              <a:rPr lang="en-US" sz="3000" b="1" dirty="0">
-                <a:uFill>
-                  <a:solidFill>
-                    <a:srgbClr val="FFFFFF"/>
-                  </a:solidFill>
-                </a:uFill>
-                <a:latin typeface="Arial Unicode MS" panose="020B0604020202020204" pitchFamily="34" charset="-128"/>
-              </a:rPr>
-              <a:t>CREATE TEMPORARY TABLE </a:t>
-            </a:r>
-          </a:p>
-          <a:p>
-            <a:pPr lvl="0">
-              <a:defRPr sz="1800" b="0">
-                <a:solidFill>
-                  <a:srgbClr val="000000"/>
-                </a:solidFill>
-                <a:uFillTx/>
-              </a:defRPr>
-            </a:pPr>
-            <a:r>
-              <a:rPr lang="en-US" sz="3000" b="1" dirty="0">
-                <a:uFill>
-                  <a:solidFill>
-                    <a:srgbClr val="FFFFFF"/>
-                  </a:solidFill>
-                </a:uFill>
-                <a:latin typeface="Arial Unicode MS" panose="020B0604020202020204" pitchFamily="34" charset="-128"/>
-              </a:rPr>
-              <a:t>CREATE VIEW</a:t>
-            </a:r>
-          </a:p>
-          <a:p>
-            <a:pPr lvl="0">
-              <a:defRPr sz="1800" b="0">
-                <a:solidFill>
-                  <a:srgbClr val="000000"/>
-                </a:solidFill>
-                <a:uFillTx/>
-              </a:defRPr>
-            </a:pPr>
-            <a:r>
-              <a:rPr lang="en-US" sz="3000" b="1" dirty="0">
-                <a:uFill>
-                  <a:solidFill>
-                    <a:srgbClr val="FFFFFF"/>
-                  </a:solidFill>
-                </a:uFill>
-                <a:latin typeface="Arial Unicode MS" panose="020B0604020202020204" pitchFamily="34" charset="-128"/>
-              </a:rPr>
-              <a:t>CREATE TABLE</a:t>
-            </a:r>
-            <a:endParaRPr sz="3000" b="1" dirty="0">
-              <a:uFill>
-                <a:solidFill>
-                  <a:srgbClr val="FFFFFF"/>
-                </a:solidFill>
-              </a:uFill>
-              <a:latin typeface="Arial Unicode MS" panose="020B0604020202020204" pitchFamily="34" charset="-128"/>
-            </a:endParaRPr>
-          </a:p>
-        </p:txBody>
-      </p:sp>
-      <p:sp>
-        <p:nvSpPr>
-          <p:cNvPr id="79" name="Shape 79"/>
-          <p:cNvSpPr/>
-          <p:nvPr/>
-        </p:nvSpPr>
-        <p:spPr>
-          <a:xfrm>
-            <a:off x="469900" y="1282700"/>
-            <a:ext cx="8204200" cy="307777"/>
-          </a:xfrm>
-          <a:prstGeom prst="rect">
-            <a:avLst/>
-          </a:prstGeom>
-          <a:ln w="12700">
-            <a:miter lim="400000"/>
-          </a:ln>
-          <a:extLst>
-            <a:ext uri="{C572A759-6A51-4108-AA02-DFA0A04FC94B}">
-              <ma14:wrappingTextBoxFlag xmlns:ma14="http://schemas.microsoft.com/office/mac/drawingml/2011/main" xmlns="" val="1"/>
-            </a:ext>
-          </a:extLst>
-        </p:spPr>
-        <p:txBody>
-          <a:bodyPr lIns="0" tIns="0" rIns="0" bIns="0">
-            <a:spAutoFit/>
-          </a:bodyPr>
-          <a:lstStyle/>
-          <a:p>
-            <a:pPr lvl="0">
-              <a:spcBef>
-                <a:spcPts val="700"/>
-              </a:spcBef>
-              <a:buSzPct val="100000"/>
-              <a:defRPr sz="1800">
-                <a:solidFill>
-                  <a:srgbClr val="000000"/>
-                </a:solidFill>
-                <a:uFillTx/>
-              </a:defRPr>
-            </a:pPr>
-            <a:endParaRPr sz="2000" dirty="0">
-              <a:uFill>
-                <a:solidFill/>
-              </a:uFill>
-              <a:latin typeface="Arial Unicode MS" panose="020B0604020202020204" pitchFamily="34" charset="-128"/>
-              <a:ea typeface="Arial Unicode MS" panose="020B0604020202020204" pitchFamily="34" charset="-128"/>
-              <a:cs typeface="Arial Unicode MS" panose="020B0604020202020204" pitchFamily="34" charset="-128"/>
-              <a:sym typeface="Iowan Old Style Roman"/>
-            </a:endParaRPr>
-          </a:p>
-        </p:txBody>
-      </p:sp>
-      <p:sp>
-        <p:nvSpPr>
-          <p:cNvPr id="3" name="Rectangle 2"/>
-          <p:cNvSpPr/>
-          <p:nvPr/>
-        </p:nvSpPr>
-        <p:spPr>
-          <a:xfrm>
-            <a:off x="386308" y="2493016"/>
-            <a:ext cx="8044665" cy="3970318"/>
-          </a:xfrm>
-          <a:prstGeom prst="rect">
-            <a:avLst/>
-          </a:prstGeom>
-        </p:spPr>
-        <p:txBody>
-          <a:bodyPr wrap="square">
-            <a:spAutoFit/>
-          </a:bodyPr>
-          <a:lstStyle/>
-          <a:p>
-            <a:r>
-              <a:rPr lang="en-US" b="1" dirty="0"/>
-              <a:t>CREATE TEMPORARY TABLE </a:t>
-            </a:r>
-            <a:r>
-              <a:rPr lang="en-US" b="1" dirty="0" err="1"/>
-              <a:t>movies_all</a:t>
-            </a:r>
-            <a:r>
-              <a:rPr lang="en-US" b="1" dirty="0"/>
-              <a:t> AS…</a:t>
-            </a:r>
-          </a:p>
-          <a:p>
-            <a:r>
-              <a:rPr lang="en-US" dirty="0"/>
-              <a:t>Creates a temporary table with the results of the query. Table is only visible within the session (until the user disconnects). </a:t>
-            </a:r>
-            <a:r>
-              <a:rPr lang="en-US" i="1" dirty="0"/>
-              <a:t>Contents do </a:t>
-            </a:r>
-            <a:r>
-              <a:rPr lang="en-US" b="1" i="1" dirty="0"/>
-              <a:t>not</a:t>
-            </a:r>
-            <a:r>
-              <a:rPr lang="en-US" i="1" dirty="0"/>
-              <a:t> update if the underlying tables change.</a:t>
-            </a:r>
-            <a:endParaRPr lang="en-US" b="1" i="1" dirty="0"/>
-          </a:p>
-          <a:p>
-            <a:endParaRPr lang="en-US" b="1" dirty="0"/>
-          </a:p>
-          <a:p>
-            <a:r>
-              <a:rPr lang="en-US" b="1" dirty="0"/>
-              <a:t>CREATE TABLE </a:t>
-            </a:r>
-            <a:r>
-              <a:rPr lang="en-US" b="1" dirty="0" err="1"/>
-              <a:t>movies_all</a:t>
-            </a:r>
-            <a:r>
-              <a:rPr lang="en-US" b="1" dirty="0"/>
-              <a:t> AS…</a:t>
-            </a:r>
-          </a:p>
-          <a:p>
-            <a:r>
-              <a:rPr lang="en-US" dirty="0"/>
-              <a:t>This command creates a permanent table with the results of the query. It is visible to all users. </a:t>
-            </a:r>
-            <a:r>
-              <a:rPr lang="en-US" i="1" dirty="0"/>
-              <a:t>Contents do </a:t>
-            </a:r>
-            <a:r>
-              <a:rPr lang="en-US" b="1" i="1" dirty="0"/>
-              <a:t>not</a:t>
-            </a:r>
-            <a:r>
-              <a:rPr lang="en-US" i="1" dirty="0"/>
-              <a:t> update if the underlying tables change.</a:t>
-            </a:r>
-          </a:p>
-          <a:p>
-            <a:endParaRPr lang="en-US" dirty="0"/>
-          </a:p>
-          <a:p>
-            <a:r>
-              <a:rPr lang="en-US" b="1" dirty="0"/>
-              <a:t>CREATE VIEW </a:t>
-            </a:r>
-            <a:r>
-              <a:rPr lang="en-US" b="1" dirty="0" err="1"/>
-              <a:t>movies_all</a:t>
-            </a:r>
-            <a:r>
-              <a:rPr lang="en-US" b="1" dirty="0"/>
-              <a:t> AS…</a:t>
-            </a:r>
-          </a:p>
-          <a:p>
-            <a:r>
-              <a:rPr lang="en-US" dirty="0"/>
-              <a:t>A </a:t>
-            </a:r>
-            <a:r>
-              <a:rPr lang="en-US" b="1" dirty="0"/>
-              <a:t>VIEW</a:t>
-            </a:r>
-            <a:r>
-              <a:rPr lang="en-US" dirty="0"/>
-              <a:t> is similar to a </a:t>
-            </a:r>
-            <a:r>
-              <a:rPr lang="en-US" b="1" dirty="0"/>
-              <a:t>TEMPORARY TABLE</a:t>
-            </a:r>
-            <a:r>
-              <a:rPr lang="en-US" dirty="0"/>
-              <a:t>, but it is visible to everyone, it does not disappear. A view does not actually store the results, and the results are updated when the underlying table change. (There the concept of “</a:t>
-            </a:r>
-            <a:r>
-              <a:rPr lang="en-US" b="1" dirty="0"/>
-              <a:t>materialized view</a:t>
-            </a:r>
-            <a:r>
-              <a:rPr lang="en-US" dirty="0"/>
-              <a:t>” which stores the results and updates automatically, but not supported by MySQL.)</a:t>
-            </a:r>
-          </a:p>
-        </p:txBody>
-      </p:sp>
-    </p:spTree>
-    <p:extLst>
-      <p:ext uri="{BB962C8B-B14F-4D97-AF65-F5344CB8AC3E}">
-        <p14:creationId xmlns:p14="http://schemas.microsoft.com/office/powerpoint/2010/main" val="1135906853"/>
+        <p14:creationId xmlns:p14="http://schemas.microsoft.com/office/powerpoint/2010/main" val="1050904611"/>
       </p:ext>
     </p:extLst>
   </p:cSld>
@@ -9214,161 +10761,7 @@
       </p:grpSpPr>
       <p:sp>
         <p:nvSpPr>
-          <p:cNvPr id="2" name="Rectangle 1">
-            <a:extLst>
-              <a:ext uri="{FF2B5EF4-FFF2-40B4-BE49-F238E27FC236}">
-                <a16:creationId xmlns:a16="http://schemas.microsoft.com/office/drawing/2014/main" id="{43F8E41D-CF41-4BBE-BF30-2C6EBA824B8E}"/>
-              </a:ext>
-            </a:extLst>
-          </p:cNvPr>
-          <p:cNvSpPr/>
-          <p:nvPr/>
-        </p:nvSpPr>
-        <p:spPr>
-          <a:xfrm>
-            <a:off x="1298863" y="1870362"/>
-            <a:ext cx="7424304" cy="2862322"/>
-          </a:xfrm>
-          <a:prstGeom prst="rect">
-            <a:avLst/>
-          </a:prstGeom>
-        </p:spPr>
-        <p:txBody>
-          <a:bodyPr wrap="square">
-            <a:spAutoFit/>
-          </a:bodyPr>
-          <a:lstStyle/>
-          <a:p>
-            <a:r>
-              <a:rPr lang="en-US" b="1" dirty="0"/>
-              <a:t>CREATE TEMPORARY TABLE </a:t>
-            </a:r>
-            <a:r>
-              <a:rPr lang="en-US" dirty="0" err="1"/>
-              <a:t>actor_stats</a:t>
-            </a:r>
-            <a:r>
-              <a:rPr lang="en-US" dirty="0"/>
-              <a:t> AS	</a:t>
-            </a:r>
-          </a:p>
-          <a:p>
-            <a:r>
-              <a:rPr lang="en-US" dirty="0"/>
-              <a:t>	</a:t>
-            </a:r>
-            <a:r>
-              <a:rPr lang="en-US" b="1" dirty="0"/>
-              <a:t>SELECT</a:t>
-            </a:r>
-            <a:r>
-              <a:rPr lang="en-US" dirty="0"/>
-              <a:t> 	</a:t>
-            </a:r>
-            <a:r>
-              <a:rPr lang="en-US" dirty="0" err="1"/>
-              <a:t>actor_id</a:t>
-            </a:r>
-            <a:r>
-              <a:rPr lang="en-US" dirty="0"/>
-              <a:t>, </a:t>
-            </a:r>
-          </a:p>
-          <a:p>
-            <a:r>
-              <a:rPr lang="en-US" dirty="0"/>
-              <a:t>		ROUND(AVG(rating),2) AS rating, </a:t>
-            </a:r>
-          </a:p>
-          <a:p>
-            <a:r>
-              <a:rPr lang="en-US" dirty="0"/>
-              <a:t>		COUNT(*) AS </a:t>
-            </a:r>
-            <a:r>
-              <a:rPr lang="en-US" dirty="0" err="1"/>
-              <a:t>num_movies</a:t>
-            </a:r>
-            <a:r>
-              <a:rPr lang="en-US" dirty="0"/>
-              <a:t>, </a:t>
-            </a:r>
-          </a:p>
-          <a:p>
-            <a:r>
-              <a:rPr lang="en-US" dirty="0"/>
-              <a:t>		COUNT(rating) AS </a:t>
-            </a:r>
-            <a:r>
-              <a:rPr lang="en-US" dirty="0" err="1"/>
-              <a:t>rated_movies</a:t>
-            </a:r>
-            <a:r>
-              <a:rPr lang="en-US" dirty="0"/>
-              <a:t>	</a:t>
-            </a:r>
-          </a:p>
-          <a:p>
-            <a:r>
-              <a:rPr lang="en-US" dirty="0"/>
-              <a:t>	</a:t>
-            </a:r>
-            <a:r>
-              <a:rPr lang="en-US" b="1" dirty="0"/>
-              <a:t>FROM</a:t>
-            </a:r>
-            <a:r>
-              <a:rPr lang="en-US" dirty="0"/>
-              <a:t> 	</a:t>
-            </a:r>
-            <a:r>
-              <a:rPr lang="en-US" dirty="0" err="1"/>
-              <a:t>movies_all</a:t>
-            </a:r>
-            <a:r>
-              <a:rPr lang="en-US" dirty="0"/>
-              <a:t>	</a:t>
-            </a:r>
-          </a:p>
-          <a:p>
-            <a:r>
-              <a:rPr lang="en-US" dirty="0"/>
-              <a:t>	</a:t>
-            </a:r>
-            <a:r>
-              <a:rPr lang="en-US" b="1" dirty="0"/>
-              <a:t>GROUP BY </a:t>
-            </a:r>
-            <a:r>
-              <a:rPr lang="en-US" dirty="0" err="1"/>
-              <a:t>actor_id</a:t>
-            </a:r>
-            <a:endParaRPr lang="en-US" dirty="0"/>
-          </a:p>
-          <a:p>
-            <a:endParaRPr lang="en-US" dirty="0"/>
-          </a:p>
-          <a:p>
-            <a:r>
-              <a:rPr lang="en-US" b="1" dirty="0"/>
-              <a:t>Practice</a:t>
-            </a:r>
-            <a:r>
-              <a:rPr lang="en-US" dirty="0"/>
-              <a:t>: Using the table above, find “great actors”. A “great actor” has a an average rating of 6.5 and above, and starred in at least 40 rated movies.</a:t>
-            </a:r>
-          </a:p>
-        </p:txBody>
-      </p:sp>
-      <p:sp>
-        <p:nvSpPr>
-          <p:cNvPr id="3" name="Shape 78">
-            <a:extLst>
-              <a:ext uri="{FF2B5EF4-FFF2-40B4-BE49-F238E27FC236}">
-                <a16:creationId xmlns:a16="http://schemas.microsoft.com/office/drawing/2014/main" id="{005BE6A0-62B3-4E90-85CF-0ECEBC21EBC6}"/>
-              </a:ext>
-            </a:extLst>
-          </p:cNvPr>
+          <p:cNvPr id="78" name="Shape 78"/>
           <p:cNvSpPr/>
           <p:nvPr/>
         </p:nvSpPr>
@@ -9385,7 +10778,7 @@
           </a:ln>
           <a:extLst>
             <a:ext uri="{C572A759-6A51-4108-AA02-DFA0A04FC94B}">
-              <ma14:wrappingTextBoxFlag xmlns:ma14="http://schemas.microsoft.com/office/mac/drawingml/2011/main" xmlns="" val="1"/>
+              <ma14:wrappingTextBoxFlag xmlns="" xmlns:ma14="http://schemas.microsoft.com/office/mac/drawingml/2011/main" val="1"/>
             </a:ext>
           </a:extLst>
         </p:spPr>
@@ -9422,23 +10815,235 @@
                 </a:uFill>
                 <a:latin typeface="Arial Unicode MS" panose="020B0604020202020204" pitchFamily="34" charset="-128"/>
               </a:rPr>
-              <a:t>Building on top of “saved” queries</a:t>
-            </a:r>
-            <a:endParaRPr sz="3000" b="1" dirty="0">
+              <a:t>Need for </a:t>
+            </a:r>
+            <a:r>
+              <a:rPr sz="3000" b="1" dirty="0">
+                <a:uFill>
+                  <a:solidFill>
+                    <a:srgbClr val="FFFFFF"/>
+                  </a:solidFill>
+                </a:uFill>
+                <a:latin typeface="Arial Unicode MS" panose="020B0604020202020204" pitchFamily="34" charset="-128"/>
+              </a:rPr>
+              <a:t>Subqueries</a:t>
+            </a:r>
+          </a:p>
+        </p:txBody>
+      </p:sp>
+      <p:sp>
+        <p:nvSpPr>
+          <p:cNvPr id="79" name="Shape 79"/>
+          <p:cNvSpPr/>
+          <p:nvPr/>
+        </p:nvSpPr>
+        <p:spPr>
+          <a:xfrm>
+            <a:off x="469900" y="1282700"/>
+            <a:ext cx="8204200" cy="307777"/>
+          </a:xfrm>
+          <a:prstGeom prst="rect">
+            <a:avLst/>
+          </a:prstGeom>
+          <a:ln w="12700">
+            <a:miter lim="400000"/>
+          </a:ln>
+          <a:extLst>
+            <a:ext uri="{C572A759-6A51-4108-AA02-DFA0A04FC94B}">
+              <ma14:wrappingTextBoxFlag xmlns="" xmlns:ma14="http://schemas.microsoft.com/office/mac/drawingml/2011/main" val="1"/>
+            </a:ext>
+          </a:extLst>
+        </p:spPr>
+        <p:txBody>
+          <a:bodyPr lIns="0" tIns="0" rIns="0" bIns="0">
+            <a:spAutoFit/>
+          </a:bodyPr>
+          <a:lstStyle/>
+          <a:p>
+            <a:pPr lvl="0">
+              <a:spcBef>
+                <a:spcPts val="700"/>
+              </a:spcBef>
+              <a:buSzPct val="100000"/>
+              <a:defRPr sz="1800">
+                <a:solidFill>
+                  <a:srgbClr val="000000"/>
+                </a:solidFill>
+                <a:uFillTx/>
+              </a:defRPr>
+            </a:pPr>
+            <a:endParaRPr sz="2000" dirty="0">
               <a:uFill>
-                <a:solidFill>
-                  <a:srgbClr val="FFFFFF"/>
-                </a:solidFill>
+                <a:solidFill/>
               </a:uFill>
               <a:latin typeface="Arial Unicode MS" panose="020B0604020202020204" pitchFamily="34" charset="-128"/>
+              <a:ea typeface="Arial Unicode MS" panose="020B0604020202020204" pitchFamily="34" charset="-128"/>
+              <a:cs typeface="Arial Unicode MS" panose="020B0604020202020204" pitchFamily="34" charset="-128"/>
+              <a:sym typeface="Iowan Old Style Roman"/>
             </a:endParaRPr>
+          </a:p>
+        </p:txBody>
+      </p:sp>
+      <p:sp>
+        <p:nvSpPr>
+          <p:cNvPr id="4" name="TextBox 3"/>
+          <p:cNvSpPr txBox="1"/>
+          <p:nvPr/>
+        </p:nvSpPr>
+        <p:spPr>
+          <a:xfrm>
+            <a:off x="529119" y="1376737"/>
+            <a:ext cx="8211227" cy="4801314"/>
+          </a:xfrm>
+          <a:prstGeom prst="rect">
+            <a:avLst/>
+          </a:prstGeom>
+          <a:noFill/>
+        </p:spPr>
+        <p:txBody>
+          <a:bodyPr wrap="square" rtlCol="0">
+            <a:spAutoFit/>
+          </a:bodyPr>
+          <a:lstStyle/>
+          <a:p>
+            <a:pPr marL="285750" indent="-285750">
+              <a:buFont typeface="Arial" panose="020B0604020202020204" pitchFamily="34" charset="0"/>
+              <a:buChar char="•"/>
+            </a:pPr>
+            <a:r>
+              <a:rPr lang="en-US" dirty="0"/>
+              <a:t>Write a query that returns how many actors played in just one movie, how many actors played in just two movies, and so on</a:t>
+            </a:r>
+            <a:br>
+              <a:rPr lang="en-US" dirty="0"/>
+            </a:br>
+            <a:br>
+              <a:rPr lang="en-US" dirty="0"/>
+            </a:br>
+            <a:r>
+              <a:rPr lang="en-US" b="1" dirty="0"/>
+              <a:t>SELECT </a:t>
+            </a:r>
+            <a:r>
+              <a:rPr lang="en-US" b="1" dirty="0" err="1"/>
+              <a:t>num_movies</a:t>
+            </a:r>
+            <a:r>
+              <a:rPr lang="en-US" b="1" dirty="0"/>
+              <a:t>, COUNT(</a:t>
+            </a:r>
+            <a:r>
+              <a:rPr lang="en-US" b="1" dirty="0" err="1"/>
+              <a:t>actor_id</a:t>
+            </a:r>
+            <a:r>
+              <a:rPr lang="en-US" b="1" dirty="0"/>
+              <a:t>) AS </a:t>
+            </a:r>
+            <a:r>
+              <a:rPr lang="en-US" b="1" dirty="0" err="1"/>
+              <a:t>num_actors</a:t>
+            </a:r>
+            <a:br>
+              <a:rPr lang="en-US" b="1" dirty="0"/>
+            </a:br>
+            <a:r>
+              <a:rPr lang="en-US" b="1" dirty="0"/>
+              <a:t>FROM (</a:t>
+            </a:r>
+            <a:br>
+              <a:rPr lang="en-US" dirty="0"/>
+            </a:br>
+            <a:r>
+              <a:rPr lang="en-US" i="1" dirty="0"/>
+              <a:t>	SELECT </a:t>
+            </a:r>
+            <a:r>
+              <a:rPr lang="en-US" i="1" dirty="0" err="1"/>
+              <a:t>actor_id</a:t>
+            </a:r>
+            <a:r>
+              <a:rPr lang="en-US" i="1" dirty="0"/>
+              <a:t>, COUNT(</a:t>
+            </a:r>
+            <a:r>
+              <a:rPr lang="en-US" i="1" dirty="0" err="1"/>
+              <a:t>movie_id</a:t>
+            </a:r>
+            <a:r>
+              <a:rPr lang="en-US" i="1" dirty="0"/>
+              <a:t>) AS </a:t>
+            </a:r>
+            <a:r>
+              <a:rPr lang="en-US" i="1" dirty="0" err="1"/>
+              <a:t>num_movies</a:t>
+            </a:r>
+            <a:br>
+              <a:rPr lang="en-US" i="1" dirty="0"/>
+            </a:br>
+            <a:r>
+              <a:rPr lang="en-US" i="1" dirty="0"/>
+              <a:t>	FROM roles</a:t>
+            </a:r>
+            <a:br>
+              <a:rPr lang="en-US" i="1" dirty="0"/>
+            </a:br>
+            <a:r>
+              <a:rPr lang="en-US" i="1" dirty="0"/>
+              <a:t>	GROUP BY </a:t>
+            </a:r>
+            <a:r>
+              <a:rPr lang="en-US" i="1" dirty="0" err="1"/>
+              <a:t>actor_id</a:t>
+            </a:r>
+            <a:br>
+              <a:rPr lang="en-US" dirty="0"/>
+            </a:br>
+            <a:r>
+              <a:rPr lang="en-US" b="1" dirty="0"/>
+              <a:t>) A</a:t>
+            </a:r>
+            <a:br>
+              <a:rPr lang="en-US" b="1" dirty="0"/>
+            </a:br>
+            <a:r>
+              <a:rPr lang="en-US" b="1" dirty="0"/>
+              <a:t>GROUP BY </a:t>
+            </a:r>
+            <a:r>
+              <a:rPr lang="en-US" b="1" dirty="0" err="1"/>
+              <a:t>num_movies</a:t>
+            </a:r>
+            <a:br>
+              <a:rPr lang="en-US" dirty="0"/>
+            </a:br>
+            <a:br>
+              <a:rPr lang="en-US" dirty="0"/>
+            </a:br>
+            <a:endParaRPr lang="en-US" dirty="0"/>
+          </a:p>
+          <a:p>
+            <a:endParaRPr lang="en-US" dirty="0"/>
+          </a:p>
+          <a:p>
+            <a:endParaRPr lang="en-US" dirty="0"/>
+          </a:p>
+          <a:p>
+            <a:endParaRPr lang="en-US" dirty="0"/>
+          </a:p>
+          <a:p>
+            <a:pPr lvl="1"/>
+            <a:endParaRPr lang="en-US" dirty="0"/>
+          </a:p>
+          <a:p>
+            <a:endParaRPr lang="en-US" dirty="0"/>
           </a:p>
         </p:txBody>
       </p:sp>
     </p:spTree>
     <p:extLst>
       <p:ext uri="{BB962C8B-B14F-4D97-AF65-F5344CB8AC3E}">
-        <p14:creationId xmlns:p14="http://schemas.microsoft.com/office/powerpoint/2010/main" val="2089849744"/>
+        <p14:creationId xmlns:p14="http://schemas.microsoft.com/office/powerpoint/2010/main" val="2255365978"/>
       </p:ext>
     </p:extLst>
   </p:cSld>
@@ -9468,7 +11073,7 @@
       </p:grpSpPr>
       <p:sp>
         <p:nvSpPr>
-          <p:cNvPr id="189" name="Shape 189"/>
+          <p:cNvPr id="78" name="Shape 78"/>
           <p:cNvSpPr/>
           <p:nvPr/>
         </p:nvSpPr>
@@ -9485,7 +11090,7 @@
           </a:ln>
           <a:extLst>
             <a:ext uri="{C572A759-6A51-4108-AA02-DFA0A04FC94B}">
-              <ma14:wrappingTextBoxFlag xmlns:ma14="http://schemas.microsoft.com/office/mac/drawingml/2011/main" xmlns="" val="1"/>
+              <ma14:wrappingTextBoxFlag xmlns="" xmlns:ma14="http://schemas.microsoft.com/office/mac/drawingml/2011/main" val="1"/>
             </a:ext>
           </a:extLst>
         </p:spPr>
@@ -9522,28 +11127,31 @@
                 </a:uFill>
                 <a:latin typeface="Arial Unicode MS" panose="020B0604020202020204" pitchFamily="34" charset="-128"/>
               </a:rPr>
-              <a:t>Further Practice</a:t>
-            </a:r>
-            <a:endParaRPr sz="3000" b="1" dirty="0">
-              <a:uFill>
-                <a:solidFill>
-                  <a:srgbClr val="FFFFFF"/>
-                </a:solidFill>
-              </a:uFill>
-              <a:latin typeface="Arial Unicode MS" panose="020B0604020202020204" pitchFamily="34" charset="-128"/>
-            </a:endParaRPr>
-          </a:p>
-        </p:txBody>
-      </p:sp>
-      <p:sp>
-        <p:nvSpPr>
-          <p:cNvPr id="190" name="Shape 190"/>
+              <a:t>Need for </a:t>
+            </a:r>
+            <a:r>
+              <a:rPr sz="3000" b="1" dirty="0">
+                <a:uFill>
+                  <a:solidFill>
+                    <a:srgbClr val="FFFFFF"/>
+                  </a:solidFill>
+                </a:uFill>
+                <a:latin typeface="Arial Unicode MS" panose="020B0604020202020204" pitchFamily="34" charset="-128"/>
+              </a:rPr>
+              <a:t>Subqueries</a:t>
+            </a:r>
+          </a:p>
+        </p:txBody>
+      </p:sp>
+      <p:sp>
+        <p:nvSpPr>
+          <p:cNvPr id="79" name="Shape 79"/>
           <p:cNvSpPr/>
           <p:nvPr/>
         </p:nvSpPr>
         <p:spPr>
           <a:xfrm>
-            <a:off x="469900" y="1324179"/>
+            <a:off x="469900" y="1282700"/>
             <a:ext cx="8204200" cy="307777"/>
           </a:xfrm>
           <a:prstGeom prst="rect">
@@ -9554,7 +11162,7 @@
           </a:ln>
           <a:extLst>
             <a:ext uri="{C572A759-6A51-4108-AA02-DFA0A04FC94B}">
-              <ma14:wrappingTextBoxFlag xmlns:ma14="http://schemas.microsoft.com/office/mac/drawingml/2011/main" xmlns="" val="1"/>
+              <ma14:wrappingTextBoxFlag xmlns="" xmlns:ma14="http://schemas.microsoft.com/office/mac/drawingml/2011/main" val="1"/>
             </a:ext>
           </a:extLst>
         </p:spPr>
@@ -9590,14 +11198,14 @@
       </p:sp>
       <p:sp>
         <p:nvSpPr>
-          <p:cNvPr id="2" name="TextBox 1"/>
+          <p:cNvPr id="4" name="TextBox 3"/>
           <p:cNvSpPr txBox="1"/>
           <p:nvPr/>
         </p:nvSpPr>
         <p:spPr>
           <a:xfrm>
-            <a:off x="110532" y="1478067"/>
-            <a:ext cx="8912888" cy="3416320"/>
+            <a:off x="529119" y="1376737"/>
+            <a:ext cx="8211227" cy="5355312"/>
           </a:xfrm>
           <a:prstGeom prst="rect">
             <a:avLst/>
@@ -9610,76 +11218,150 @@
           </a:bodyPr>
           <a:lstStyle/>
           <a:p>
-            <a:r>
-              <a:rPr lang="en-US" dirty="0"/>
-              <a:t>Longer example:</a:t>
-            </a:r>
-          </a:p>
-          <a:p>
             <a:pPr marL="285750" indent="-285750">
               <a:buFont typeface="Arial" panose="020B0604020202020204" pitchFamily="34" charset="0"/>
               <a:buChar char="•"/>
             </a:pPr>
             <a:r>
-              <a:rPr lang="en-US" b="1" dirty="0"/>
-              <a:t>Find the movies with at least 5 “great actors”. </a:t>
-            </a:r>
-          </a:p>
-          <a:p>
-            <a:pPr marL="742950" lvl="1" indent="-285750">
-              <a:buFont typeface="Arial" panose="020B0604020202020204" pitchFamily="34" charset="0"/>
-              <a:buChar char="•"/>
-            </a:pPr>
-            <a:r>
-              <a:rPr lang="en-US" dirty="0"/>
-              <a:t>A “great actor” has a an average rating of 6.5 and above, and starred in at least 40 rated movies.</a:t>
-            </a:r>
-          </a:p>
-          <a:p>
-            <a:pPr marL="742950" lvl="1" indent="-285750">
-              <a:buFont typeface="Arial" panose="020B0604020202020204" pitchFamily="34" charset="0"/>
-              <a:buChar char="•"/>
-            </a:pPr>
-            <a:r>
-              <a:rPr lang="en-US" i="1" dirty="0"/>
-              <a:t>Hints: </a:t>
-            </a:r>
-          </a:p>
-          <a:p>
-            <a:pPr marL="1200150" lvl="2" indent="-285750">
-              <a:buFont typeface="Arial" panose="020B0604020202020204" pitchFamily="34" charset="0"/>
-              <a:buChar char="•"/>
-            </a:pPr>
-            <a:r>
-              <a:rPr lang="en-US" i="1" dirty="0"/>
-              <a:t>Write a query that retrieves the “great actors” (there are 221 of them), and return their actor ids.</a:t>
-            </a:r>
-          </a:p>
-          <a:p>
-            <a:pPr marL="1200150" lvl="2" indent="-285750">
-              <a:buFont typeface="Arial" panose="020B0604020202020204" pitchFamily="34" charset="0"/>
-              <a:buChar char="•"/>
-            </a:pPr>
-            <a:r>
-              <a:rPr lang="en-US" i="1" dirty="0"/>
-              <a:t>Then write a query on roles, limiting your query to only include actors with ids in the list of “great actors” ids.</a:t>
-            </a:r>
-          </a:p>
-          <a:p>
-            <a:pPr marL="1200150" lvl="2" indent="-285750">
-              <a:buFont typeface="Arial" panose="020B0604020202020204" pitchFamily="34" charset="0"/>
-              <a:buChar char="•"/>
-            </a:pPr>
-            <a:r>
-              <a:rPr lang="en-US" i="1" dirty="0"/>
-              <a:t>Use GROUP BY to count the number of “great actors” for each movie and use HAVING to limit the results</a:t>
-            </a:r>
+              <a:rPr lang="en-US" dirty="0"/>
+              <a:t>Write a query that returns how many actors played in just one movie, how many actors played in just two movies, and so on</a:t>
+            </a:r>
+            <a:br>
+              <a:rPr lang="en-US" dirty="0"/>
+            </a:br>
+            <a:br>
+              <a:rPr lang="en-US" dirty="0"/>
+            </a:br>
+            <a:r>
+              <a:rPr lang="en-US" dirty="0"/>
+              <a:t>SELECT </a:t>
+            </a:r>
+            <a:r>
+              <a:rPr lang="en-US" dirty="0" err="1"/>
+              <a:t>num_movies</a:t>
+            </a:r>
+            <a:r>
+              <a:rPr lang="en-US" dirty="0"/>
+              <a:t>, COUNT(</a:t>
+            </a:r>
+            <a:r>
+              <a:rPr lang="en-US" dirty="0" err="1"/>
+              <a:t>actor_id</a:t>
+            </a:r>
+            <a:r>
+              <a:rPr lang="en-US" dirty="0"/>
+              <a:t>) AS </a:t>
+            </a:r>
+            <a:r>
+              <a:rPr lang="en-US" dirty="0" err="1"/>
+              <a:t>num_actors</a:t>
+            </a:r>
+            <a:br>
+              <a:rPr lang="en-US" dirty="0"/>
+            </a:br>
+            <a:r>
+              <a:rPr lang="en-US" dirty="0"/>
+              <a:t>FROM (</a:t>
+            </a:r>
+            <a:br>
+              <a:rPr lang="en-US" dirty="0"/>
+            </a:br>
+            <a:r>
+              <a:rPr lang="en-US" dirty="0"/>
+              <a:t>	SELECT </a:t>
+            </a:r>
+            <a:r>
+              <a:rPr lang="en-US" dirty="0" err="1"/>
+              <a:t>actor_id</a:t>
+            </a:r>
+            <a:r>
+              <a:rPr lang="en-US" dirty="0"/>
+              <a:t>, COUNT(</a:t>
+            </a:r>
+            <a:r>
+              <a:rPr lang="en-US" dirty="0" err="1"/>
+              <a:t>movie_id</a:t>
+            </a:r>
+            <a:r>
+              <a:rPr lang="en-US" dirty="0"/>
+              <a:t>) AS </a:t>
+            </a:r>
+            <a:r>
+              <a:rPr lang="en-US" dirty="0" err="1"/>
+              <a:t>num_movies</a:t>
+            </a:r>
+            <a:br>
+              <a:rPr lang="en-US" dirty="0"/>
+            </a:br>
+            <a:r>
+              <a:rPr lang="en-US" dirty="0"/>
+              <a:t>	FROM roles</a:t>
+            </a:r>
+            <a:br>
+              <a:rPr lang="en-US" dirty="0"/>
+            </a:br>
+            <a:r>
+              <a:rPr lang="en-US" dirty="0"/>
+              <a:t>	GROUP BY </a:t>
+            </a:r>
+            <a:r>
+              <a:rPr lang="en-US" dirty="0" err="1"/>
+              <a:t>actor_id</a:t>
+            </a:r>
+            <a:br>
+              <a:rPr lang="en-US" dirty="0"/>
+            </a:br>
+            <a:r>
+              <a:rPr lang="en-US" dirty="0"/>
+              <a:t>) A</a:t>
+            </a:r>
+            <a:br>
+              <a:rPr lang="en-US" dirty="0"/>
+            </a:br>
+            <a:r>
+              <a:rPr lang="en-US" dirty="0"/>
+              <a:t>GROUP BY </a:t>
+            </a:r>
+            <a:r>
+              <a:rPr lang="en-US" dirty="0" err="1"/>
+              <a:t>num_movies</a:t>
+            </a:r>
+            <a:br>
+              <a:rPr lang="en-US" dirty="0"/>
+            </a:br>
+            <a:br>
+              <a:rPr lang="en-US" dirty="0"/>
+            </a:br>
+            <a:endParaRPr lang="en-US" dirty="0"/>
           </a:p>
           <a:p>
             <a:pPr marL="285750" indent="-285750">
               <a:buFont typeface="Arial" panose="020B0604020202020204" pitchFamily="34" charset="0"/>
               <a:buChar char="•"/>
             </a:pPr>
+            <a:r>
+              <a:rPr lang="en-US" dirty="0"/>
+              <a:t>Write a query that shows how many movies had 0 actors, how many movies had one actor, how many movies had two actors, and so on</a:t>
+            </a:r>
+          </a:p>
+          <a:p>
+            <a:pPr marL="285750" indent="-285750">
+              <a:buFont typeface="Arial" panose="020B0604020202020204" pitchFamily="34" charset="0"/>
+              <a:buChar char="•"/>
+            </a:pPr>
+            <a:endParaRPr lang="en-US" dirty="0"/>
+          </a:p>
+          <a:p>
+            <a:endParaRPr lang="en-US" dirty="0"/>
+          </a:p>
+          <a:p>
+            <a:endParaRPr lang="en-US" dirty="0"/>
+          </a:p>
+          <a:p>
+            <a:pPr lvl="1"/>
+            <a:endParaRPr lang="en-US" dirty="0"/>
+          </a:p>
+          <a:p>
             <a:endParaRPr lang="en-US" dirty="0"/>
           </a:p>
         </p:txBody>
@@ -9687,7 +11369,7 @@
     </p:spTree>
     <p:extLst>
       <p:ext uri="{BB962C8B-B14F-4D97-AF65-F5344CB8AC3E}">
-        <p14:creationId xmlns:p14="http://schemas.microsoft.com/office/powerpoint/2010/main" val="3465495791"/>
+        <p14:creationId xmlns:p14="http://schemas.microsoft.com/office/powerpoint/2010/main" val="24699360"/>
       </p:ext>
     </p:extLst>
   </p:cSld>
@@ -9724,7 +11406,7 @@
         <p:spPr>
           <a:xfrm>
             <a:off x="386308" y="147496"/>
-            <a:ext cx="7757379" cy="553998"/>
+            <a:ext cx="8508310" cy="553998"/>
           </a:xfrm>
           <a:prstGeom prst="rect">
             <a:avLst/>
@@ -9734,12 +11416,12 @@
           </a:ln>
           <a:extLst>
             <a:ext uri="{C572A759-6A51-4108-AA02-DFA0A04FC94B}">
-              <ma14:wrappingTextBoxFlag xmlns:ma14="http://schemas.microsoft.com/office/mac/drawingml/2011/main" xmlns="" val="1"/>
+              <ma14:wrappingTextBoxFlag xmlns="" xmlns:ma14="http://schemas.microsoft.com/office/mac/drawingml/2011/main" val="1"/>
             </a:ext>
           </a:extLst>
         </p:spPr>
         <p:txBody>
-          <a:bodyPr lIns="45719" rIns="45719">
+          <a:bodyPr wrap="square" lIns="45719" rIns="45719">
             <a:spAutoFit/>
           </a:bodyPr>
           <a:lstStyle>
@@ -9763,17 +11445,6 @@
               </a:defRPr>
             </a:pPr>
             <a:r>
-              <a:rPr sz="3000" b="1" dirty="0">
-                <a:uFill>
-                  <a:solidFill>
-                    <a:srgbClr val="FFFFFF"/>
-                  </a:solidFill>
-                </a:uFill>
-                <a:latin typeface="Arial Unicode MS" panose="020B0604020202020204" pitchFamily="34" charset="-128"/>
-              </a:rPr>
-              <a:t>Subqueries  Practice </a:t>
-            </a:r>
-            <a:r>
               <a:rPr lang="en-US" sz="3000" b="1" dirty="0">
                 <a:uFill>
                   <a:solidFill>
@@ -9782,7 +11453,7 @@
                 </a:uFill>
                 <a:latin typeface="Arial Unicode MS" panose="020B0604020202020204" pitchFamily="34" charset="-128"/>
               </a:rPr>
-              <a:t>Query</a:t>
+              <a:t>Saving Queries: CREATE TEMPORARY TABLE</a:t>
             </a:r>
             <a:endParaRPr sz="3000" b="1" dirty="0">
               <a:uFill>
@@ -9814,7 +11485,7 @@
           </a:ln>
           <a:extLst>
             <a:ext uri="{C572A759-6A51-4108-AA02-DFA0A04FC94B}">
-              <ma14:wrappingTextBoxFlag xmlns:ma14="http://schemas.microsoft.com/office/mac/drawingml/2011/main" xmlns="" val="1"/>
+              <ma14:wrappingTextBoxFlag xmlns="" xmlns:ma14="http://schemas.microsoft.com/office/mac/drawingml/2011/main" val="1"/>
             </a:ext>
           </a:extLst>
         </p:spPr>
@@ -9850,53 +11521,221 @@
       </p:sp>
       <p:sp>
         <p:nvSpPr>
-          <p:cNvPr id="4" name="TextBox 3"/>
-          <p:cNvSpPr txBox="1"/>
+          <p:cNvPr id="3" name="Rectangle 2"/>
+          <p:cNvSpPr/>
           <p:nvPr/>
         </p:nvSpPr>
         <p:spPr>
           <a:xfrm>
-            <a:off x="529119" y="1376737"/>
-            <a:ext cx="8211227" cy="2031325"/>
+            <a:off x="469900" y="948690"/>
+            <a:ext cx="8044665" cy="5632311"/>
           </a:xfrm>
           <a:prstGeom prst="rect">
             <a:avLst/>
           </a:prstGeom>
-          <a:noFill/>
         </p:spPr>
         <p:txBody>
-          <a:bodyPr wrap="square" rtlCol="0">
+          <a:bodyPr wrap="square">
             <a:spAutoFit/>
           </a:bodyPr>
           <a:lstStyle/>
           <a:p>
-            <a:pPr marL="285750" indent="-285750">
-              <a:buFont typeface="Arial" panose="020B0604020202020204" pitchFamily="34" charset="0"/>
-              <a:buChar char="•"/>
-            </a:pPr>
-            <a:r>
-              <a:rPr lang="en-US" dirty="0"/>
-              <a:t>Write a query that returns how many actors played in just one movie, how many actors played in just two movies, and so on</a:t>
-            </a:r>
-          </a:p>
-          <a:p>
-            <a:pPr marL="285750" indent="-285750">
-              <a:buFont typeface="Arial" panose="020B0604020202020204" pitchFamily="34" charset="0"/>
-              <a:buChar char="•"/>
-            </a:pPr>
+            <a:r>
+              <a:rPr lang="en-US" dirty="0"/>
+              <a:t>We can save the results of a query in order to reuse the results easier, using the “CREATE TEMPORARY TABLE” command.</a:t>
+            </a:r>
+          </a:p>
+          <a:p>
+            <a:endParaRPr lang="en-US" b="1" dirty="0"/>
+          </a:p>
+          <a:p>
+            <a:r>
+              <a:rPr lang="en-US" b="1" dirty="0"/>
+              <a:t>Example: </a:t>
+            </a:r>
+          </a:p>
+          <a:p>
             <a:endParaRPr lang="en-US" dirty="0"/>
           </a:p>
           <a:p>
+            <a:r>
+              <a:rPr lang="en-US" b="1" dirty="0"/>
+              <a:t>CREATE TEMPORARY TABLE </a:t>
+            </a:r>
+            <a:r>
+              <a:rPr lang="en-US" dirty="0" err="1"/>
+              <a:t>num_movies_per_actor</a:t>
+            </a:r>
+            <a:r>
+              <a:rPr lang="en-US" dirty="0"/>
+              <a:t> </a:t>
+            </a:r>
+            <a:r>
+              <a:rPr lang="en-US" b="1" dirty="0"/>
+              <a:t>AS</a:t>
+            </a:r>
+          </a:p>
+          <a:p>
+            <a:pPr lvl="1"/>
+            <a:r>
+              <a:rPr lang="en-US" dirty="0"/>
+              <a:t>	SELECT </a:t>
+            </a:r>
+            <a:r>
+              <a:rPr lang="en-US" dirty="0" err="1"/>
+              <a:t>actor_id</a:t>
+            </a:r>
+            <a:r>
+              <a:rPr lang="en-US" dirty="0"/>
+              <a:t>, COUNT(</a:t>
+            </a:r>
+            <a:r>
+              <a:rPr lang="en-US" dirty="0" err="1"/>
+              <a:t>movie_id</a:t>
+            </a:r>
+            <a:r>
+              <a:rPr lang="en-US" dirty="0"/>
+              <a:t>) AS </a:t>
+            </a:r>
+            <a:r>
+              <a:rPr lang="en-US" dirty="0" err="1"/>
+              <a:t>num_movies</a:t>
+            </a:r>
+            <a:br>
+              <a:rPr lang="en-US" dirty="0"/>
+            </a:br>
+            <a:r>
+              <a:rPr lang="en-US" dirty="0"/>
+              <a:t>	FROM roles</a:t>
+            </a:r>
+            <a:br>
+              <a:rPr lang="en-US" dirty="0"/>
+            </a:br>
+            <a:r>
+              <a:rPr lang="en-US" dirty="0"/>
+              <a:t>	GROUP BY </a:t>
+            </a:r>
+            <a:r>
+              <a:rPr lang="en-US" dirty="0" err="1"/>
+              <a:t>actor_id</a:t>
+            </a:r>
+            <a:br>
+              <a:rPr lang="en-US" dirty="0"/>
+            </a:br>
             <a:endParaRPr lang="en-US" dirty="0"/>
           </a:p>
           <a:p>
-            <a:endParaRPr lang="en-US" dirty="0"/>
+            <a:r>
+              <a:rPr lang="en-US" dirty="0"/>
+              <a:t>Then we can write</a:t>
+            </a:r>
           </a:p>
           <a:p>
             <a:pPr lvl="1"/>
             <a:endParaRPr lang="en-US" dirty="0"/>
           </a:p>
           <a:p>
+            <a:r>
+              <a:rPr lang="en-US" b="1" dirty="0"/>
+              <a:t>SELECT</a:t>
+            </a:r>
+            <a:r>
+              <a:rPr lang="en-US" dirty="0"/>
+              <a:t> * </a:t>
+            </a:r>
+            <a:br>
+              <a:rPr lang="en-US" dirty="0"/>
+            </a:br>
+            <a:r>
+              <a:rPr lang="en-US" b="1" dirty="0"/>
+              <a:t>FROM</a:t>
+            </a:r>
+            <a:r>
+              <a:rPr lang="en-US" dirty="0"/>
+              <a:t> </a:t>
+            </a:r>
+            <a:r>
+              <a:rPr lang="en-US" dirty="0" err="1"/>
+              <a:t>num_movies_per_actor</a:t>
+            </a:r>
+            <a:r>
+              <a:rPr lang="en-US" dirty="0"/>
+              <a:t> </a:t>
+            </a:r>
+            <a:br>
+              <a:rPr lang="en-US" dirty="0"/>
+            </a:br>
+            <a:br>
+              <a:rPr lang="en-US" dirty="0"/>
+            </a:br>
+            <a:r>
+              <a:rPr lang="en-US" dirty="0"/>
+              <a:t>to access the results of the query. And then we can write our aggregate:</a:t>
+            </a:r>
+            <a:br>
+              <a:rPr lang="en-US" dirty="0"/>
+            </a:br>
+            <a:br>
+              <a:rPr lang="en-US" dirty="0"/>
+            </a:br>
+            <a:r>
+              <a:rPr lang="en-US" b="1" dirty="0"/>
+              <a:t>SELECT</a:t>
+            </a:r>
+            <a:r>
+              <a:rPr lang="en-US" dirty="0"/>
+              <a:t> </a:t>
+            </a:r>
+            <a:r>
+              <a:rPr lang="en-US" dirty="0" err="1"/>
+              <a:t>num_movies</a:t>
+            </a:r>
+            <a:r>
+              <a:rPr lang="en-US" dirty="0"/>
+              <a:t>, COUNT(</a:t>
+            </a:r>
+            <a:r>
+              <a:rPr lang="en-US" dirty="0" err="1"/>
+              <a:t>actor_id</a:t>
+            </a:r>
+            <a:r>
+              <a:rPr lang="en-US" dirty="0"/>
+              <a:t>) AS </a:t>
+            </a:r>
+            <a:r>
+              <a:rPr lang="en-US" dirty="0" err="1"/>
+              <a:t>num_actors</a:t>
+            </a:r>
+            <a:r>
+              <a:rPr lang="en-US" dirty="0"/>
+              <a:t> </a:t>
+            </a:r>
+            <a:br>
+              <a:rPr lang="en-US" dirty="0"/>
+            </a:br>
+            <a:r>
+              <a:rPr lang="en-US" b="1" dirty="0"/>
+              <a:t>FROM</a:t>
+            </a:r>
+            <a:r>
+              <a:rPr lang="en-US" dirty="0"/>
+              <a:t> </a:t>
+            </a:r>
+            <a:r>
+              <a:rPr lang="en-US" dirty="0" err="1"/>
+              <a:t>num_movies_per_actor</a:t>
+            </a:r>
+            <a:br>
+              <a:rPr lang="en-US" dirty="0"/>
+            </a:br>
+            <a:r>
+              <a:rPr lang="en-US" b="1" dirty="0"/>
+              <a:t>GROUP BY </a:t>
+            </a:r>
+            <a:r>
+              <a:rPr lang="en-US" dirty="0" err="1"/>
+              <a:t>num_movies</a:t>
+            </a:r>
             <a:endParaRPr lang="en-US" dirty="0"/>
           </a:p>
         </p:txBody>
@@ -9904,7 +11743,7 @@
     </p:spTree>
     <p:extLst>
       <p:ext uri="{BB962C8B-B14F-4D97-AF65-F5344CB8AC3E}">
-        <p14:creationId xmlns:p14="http://schemas.microsoft.com/office/powerpoint/2010/main" val="1050904611"/>
+        <p14:creationId xmlns:p14="http://schemas.microsoft.com/office/powerpoint/2010/main" val="94782433"/>
       </p:ext>
     </p:extLst>
   </p:cSld>
@@ -9941,7 +11780,7 @@
         <p:spPr>
           <a:xfrm>
             <a:off x="386308" y="147496"/>
-            <a:ext cx="7757379" cy="553998"/>
+            <a:ext cx="8508310" cy="553998"/>
           </a:xfrm>
           <a:prstGeom prst="rect">
             <a:avLst/>
@@ -9951,12 +11790,12 @@
           </a:ln>
           <a:extLst>
             <a:ext uri="{C572A759-6A51-4108-AA02-DFA0A04FC94B}">
-              <ma14:wrappingTextBoxFlag xmlns:ma14="http://schemas.microsoft.com/office/mac/drawingml/2011/main" xmlns="" val="1"/>
+              <ma14:wrappingTextBoxFlag xmlns="" xmlns:ma14="http://schemas.microsoft.com/office/mac/drawingml/2011/main" val="1"/>
             </a:ext>
           </a:extLst>
         </p:spPr>
         <p:txBody>
-          <a:bodyPr lIns="45719" rIns="45719">
+          <a:bodyPr wrap="square" lIns="45719" rIns="45719">
             <a:spAutoFit/>
           </a:bodyPr>
           <a:lstStyle>
@@ -9980,17 +11819,6 @@
               </a:defRPr>
             </a:pPr>
             <a:r>
-              <a:rPr sz="3000" b="1" dirty="0">
-                <a:uFill>
-                  <a:solidFill>
-                    <a:srgbClr val="FFFFFF"/>
-                  </a:solidFill>
-                </a:uFill>
-                <a:latin typeface="Arial Unicode MS" panose="020B0604020202020204" pitchFamily="34" charset="-128"/>
-              </a:rPr>
-              <a:t>Subqueries</a:t>
-            </a:r>
-            <a:r>
               <a:rPr lang="en-US" sz="3000" b="1" dirty="0">
                 <a:uFill>
                   <a:solidFill>
@@ -9999,29 +11827,7 @@
                 </a:uFill>
                 <a:latin typeface="Arial Unicode MS" panose="020B0604020202020204" pitchFamily="34" charset="-128"/>
               </a:rPr>
-              <a:t> Pr</a:t>
-            </a:r>
-            <a:r>
-              <a:rPr sz="3000" b="1" dirty="0">
-                <a:uFill>
-                  <a:solidFill>
-                    <a:srgbClr val="FFFFFF"/>
-                  </a:solidFill>
-                </a:uFill>
-                <a:latin typeface="Arial Unicode MS" panose="020B0604020202020204" pitchFamily="34" charset="-128"/>
-              </a:rPr>
-              <a:t>actice </a:t>
-            </a:r>
-            <a:r>
-              <a:rPr lang="en-US" sz="3000" b="1" dirty="0">
-                <a:uFill>
-                  <a:solidFill>
-                    <a:srgbClr val="FFFFFF"/>
-                  </a:solidFill>
-                </a:uFill>
-                <a:latin typeface="Arial Unicode MS" panose="020B0604020202020204" pitchFamily="34" charset="-128"/>
-              </a:rPr>
-              <a:t>Query</a:t>
+              <a:t>Reusing Queries: WITH</a:t>
             </a:r>
             <a:endParaRPr sz="3000" b="1" dirty="0">
               <a:uFill>
@@ -10053,7 +11859,7 @@
           </a:ln>
           <a:extLst>
             <a:ext uri="{C572A759-6A51-4108-AA02-DFA0A04FC94B}">
-              <ma14:wrappingTextBoxFlag xmlns:ma14="http://schemas.microsoft.com/office/mac/drawingml/2011/main" xmlns="" val="1"/>
+              <ma14:wrappingTextBoxFlag xmlns="" xmlns:ma14="http://schemas.microsoft.com/office/mac/drawingml/2011/main" val="1"/>
             </a:ext>
           </a:extLst>
         </p:spPr>
@@ -10089,125 +11895,316 @@
       </p:sp>
       <p:sp>
         <p:nvSpPr>
-          <p:cNvPr id="4" name="TextBox 3"/>
-          <p:cNvSpPr txBox="1"/>
+          <p:cNvPr id="3" name="Rectangle 2"/>
+          <p:cNvSpPr/>
           <p:nvPr/>
         </p:nvSpPr>
         <p:spPr>
           <a:xfrm>
-            <a:off x="529119" y="1376737"/>
-            <a:ext cx="8211227" cy="3139321"/>
+            <a:off x="469900" y="948690"/>
+            <a:ext cx="8044665" cy="6463308"/>
           </a:xfrm>
           <a:prstGeom prst="rect">
             <a:avLst/>
           </a:prstGeom>
-          <a:noFill/>
         </p:spPr>
         <p:txBody>
-          <a:bodyPr wrap="square" rtlCol="0">
+          <a:bodyPr wrap="square">
             <a:spAutoFit/>
           </a:bodyPr>
           <a:lstStyle/>
           <a:p>
-            <a:pPr marL="285750" indent="-285750">
-              <a:buFont typeface="Arial" panose="020B0604020202020204" pitchFamily="34" charset="0"/>
-              <a:buChar char="•"/>
-            </a:pPr>
+            <a:r>
+              <a:rPr lang="en-US" dirty="0"/>
+              <a:t>Instead of creating a temporary table, we can also use the “WITH” statement</a:t>
+            </a:r>
+          </a:p>
+          <a:p>
+            <a:endParaRPr lang="en-US" b="1" dirty="0"/>
+          </a:p>
+          <a:p>
+            <a:pPr lvl="1"/>
+            <a:r>
+              <a:rPr lang="en-US" b="1" dirty="0"/>
+              <a:t>WITH </a:t>
+            </a:r>
+            <a:r>
+              <a:rPr lang="en-US" dirty="0" err="1"/>
+              <a:t>num_movies_per_actor</a:t>
+            </a:r>
+            <a:r>
+              <a:rPr lang="en-US" dirty="0"/>
+              <a:t> </a:t>
+            </a:r>
+            <a:r>
+              <a:rPr lang="en-US" b="1" dirty="0"/>
+              <a:t>AS </a:t>
+            </a:r>
+            <a:br>
+              <a:rPr lang="en-US" b="1" dirty="0"/>
+            </a:br>
+            <a:r>
+              <a:rPr lang="en-US" b="1" dirty="0"/>
+              <a:t>	(</a:t>
+            </a:r>
+          </a:p>
+          <a:p>
+            <a:pPr lvl="1"/>
+            <a:r>
+              <a:rPr lang="en-US" dirty="0"/>
+              <a:t>	</a:t>
+            </a:r>
+            <a:r>
+              <a:rPr lang="en-US" b="1" dirty="0"/>
+              <a:t>SELECT</a:t>
+            </a:r>
+            <a:r>
+              <a:rPr lang="en-US" dirty="0"/>
+              <a:t> </a:t>
+            </a:r>
+            <a:r>
+              <a:rPr lang="en-US" dirty="0" err="1"/>
+              <a:t>actor_id</a:t>
+            </a:r>
+            <a:r>
+              <a:rPr lang="en-US" dirty="0"/>
+              <a:t>, COUNT(</a:t>
+            </a:r>
+            <a:r>
+              <a:rPr lang="en-US" dirty="0" err="1"/>
+              <a:t>movie_id</a:t>
+            </a:r>
+            <a:r>
+              <a:rPr lang="en-US" dirty="0"/>
+              <a:t>) AS </a:t>
+            </a:r>
+            <a:r>
+              <a:rPr lang="en-US" dirty="0" err="1"/>
+              <a:t>num_movies</a:t>
+            </a:r>
+            <a:br>
+              <a:rPr lang="en-US" dirty="0"/>
+            </a:br>
+            <a:r>
+              <a:rPr lang="en-US" dirty="0"/>
+              <a:t>	</a:t>
+            </a:r>
+            <a:r>
+              <a:rPr lang="en-US" b="1" dirty="0"/>
+              <a:t>FROM</a:t>
+            </a:r>
+            <a:r>
+              <a:rPr lang="en-US" dirty="0"/>
+              <a:t> roles</a:t>
+            </a:r>
+            <a:br>
+              <a:rPr lang="en-US" dirty="0"/>
+            </a:br>
+            <a:r>
+              <a:rPr lang="en-US" dirty="0"/>
+              <a:t>	</a:t>
+            </a:r>
+            <a:r>
+              <a:rPr lang="en-US" b="1" dirty="0"/>
+              <a:t>GROUP BY </a:t>
+            </a:r>
+            <a:r>
+              <a:rPr lang="en-US" dirty="0" err="1"/>
+              <a:t>actor_id</a:t>
+            </a:r>
             <a:endParaRPr lang="en-US" dirty="0"/>
           </a:p>
           <a:p>
-            <a:pPr marL="285750" indent="-285750">
-              <a:buFont typeface="Arial" panose="020B0604020202020204" pitchFamily="34" charset="0"/>
-              <a:buChar char="•"/>
-            </a:pPr>
-            <a:r>
-              <a:rPr lang="en-US" dirty="0"/>
-              <a:t>Compare the favorite books of liberal and conservative students</a:t>
-            </a:r>
-          </a:p>
-          <a:p>
-            <a:pPr marL="742950" lvl="1" indent="-285750">
-              <a:buFont typeface="Arial" panose="020B0604020202020204" pitchFamily="34" charset="0"/>
-              <a:buChar char="•"/>
-            </a:pPr>
+            <a:pPr lvl="1"/>
+            <a:r>
+              <a:rPr lang="en-US" dirty="0"/>
+              <a:t>	</a:t>
+            </a:r>
+            <a:r>
+              <a:rPr lang="en-US" b="1" dirty="0"/>
+              <a:t>)</a:t>
+            </a:r>
+          </a:p>
+          <a:p>
+            <a:pPr lvl="1"/>
+            <a:r>
+              <a:rPr lang="en-US" b="1" dirty="0"/>
+              <a:t>SELECT </a:t>
+            </a:r>
+            <a:r>
+              <a:rPr lang="en-US" dirty="0"/>
+              <a:t>COUNT(</a:t>
+            </a:r>
             <a:r>
               <a:rPr lang="en-US" dirty="0" err="1"/>
-              <a:t>Subquery</a:t>
-            </a:r>
-            <a:r>
-              <a:rPr lang="en-US" dirty="0"/>
-              <a:t> 1: Get the list of books (with counts) of all liberal students</a:t>
-            </a:r>
-          </a:p>
-          <a:p>
-            <a:pPr marL="742950" lvl="1" indent="-285750">
-              <a:buFont typeface="Arial" panose="020B0604020202020204" pitchFamily="34" charset="0"/>
-              <a:buChar char="•"/>
-            </a:pPr>
+              <a:t>actor_id</a:t>
+            </a:r>
+            <a:r>
+              <a:rPr lang="en-US" dirty="0"/>
+              <a:t>) AS </a:t>
+            </a:r>
             <a:r>
               <a:rPr lang="en-US" dirty="0" err="1"/>
-              <a:t>Subquery</a:t>
-            </a:r>
-            <a:r>
-              <a:rPr lang="en-US" dirty="0"/>
-              <a:t> 2: Get the list of books (with counts) of all conservative students</a:t>
-            </a:r>
-          </a:p>
-          <a:p>
-            <a:pPr marL="742950" lvl="1" indent="-285750">
-              <a:buFont typeface="Arial" panose="020B0604020202020204" pitchFamily="34" charset="0"/>
-              <a:buChar char="•"/>
-            </a:pPr>
-            <a:r>
-              <a:rPr lang="en-US" dirty="0"/>
-              <a:t>Join the two on book name and compare counts</a:t>
-            </a:r>
-          </a:p>
-          <a:p>
-            <a:pPr marL="742950" lvl="1" indent="-285750">
-              <a:buFont typeface="Arial" panose="020B0604020202020204" pitchFamily="34" charset="0"/>
-              <a:buChar char="•"/>
-            </a:pPr>
-            <a:r>
-              <a:rPr lang="en-US" dirty="0"/>
-              <a:t>Normalize the counts by the size of the liberal / conservative population</a:t>
-            </a:r>
-          </a:p>
-          <a:p>
-            <a:pPr marL="742950" lvl="1" indent="-285750">
-              <a:buFont typeface="Arial" panose="020B0604020202020204" pitchFamily="34" charset="0"/>
-              <a:buChar char="•"/>
-            </a:pPr>
-            <a:r>
-              <a:rPr lang="en-US" dirty="0"/>
-              <a:t>Compute the ratio (or log-ratio) of the normalized counts for each book</a:t>
-            </a:r>
-          </a:p>
-          <a:p>
-            <a:pPr marL="742950" lvl="1" indent="-285750">
-              <a:buFont typeface="Arial" panose="020B0604020202020204" pitchFamily="34" charset="0"/>
-              <a:buChar char="•"/>
-            </a:pPr>
+              <a:t>num_actors</a:t>
+            </a:r>
+            <a:r>
+              <a:rPr lang="en-US" dirty="0"/>
+              <a:t>, </a:t>
+            </a:r>
+            <a:r>
+              <a:rPr lang="en-US" dirty="0" err="1"/>
+              <a:t>num_movies</a:t>
+            </a:r>
+            <a:br>
+              <a:rPr lang="en-US" dirty="0"/>
+            </a:br>
+            <a:r>
+              <a:rPr lang="en-US" b="1" dirty="0"/>
+              <a:t>FROM </a:t>
+            </a:r>
+            <a:r>
+              <a:rPr lang="en-US" dirty="0" err="1"/>
+              <a:t>num_movies_per_actor</a:t>
+            </a:r>
+            <a:br>
+              <a:rPr lang="en-US" b="1" dirty="0"/>
+            </a:br>
+            <a:r>
+              <a:rPr lang="en-US" b="1" dirty="0"/>
+              <a:t>GROUP BY </a:t>
+            </a:r>
+            <a:r>
+              <a:rPr lang="en-US" dirty="0" err="1"/>
+              <a:t>num_movies</a:t>
+            </a:r>
+            <a:br>
+              <a:rPr lang="en-US" b="1" dirty="0"/>
+            </a:br>
+            <a:r>
+              <a:rPr lang="en-US" b="1" dirty="0"/>
+              <a:t>ORDER BY </a:t>
+            </a:r>
+            <a:r>
+              <a:rPr lang="en-US" dirty="0" err="1"/>
+              <a:t>num_movies</a:t>
+            </a:r>
+            <a:br>
+              <a:rPr lang="en-US" dirty="0"/>
+            </a:br>
             <a:endParaRPr lang="en-US" dirty="0"/>
           </a:p>
           <a:p>
-            <a:pPr marL="285750" indent="-285750">
-              <a:buFont typeface="Arial" panose="020B0604020202020204" pitchFamily="34" charset="0"/>
-              <a:buChar char="•"/>
-            </a:pPr>
-            <a:r>
-              <a:rPr lang="en-US" dirty="0"/>
-              <a:t>Add-on: Consider only books that have at least 5 likes, to avoid noise</a:t>
-            </a:r>
-          </a:p>
-          <a:p>
-            <a:pPr marL="742950" lvl="1" indent="-285750">
-              <a:buFont typeface="Arial" panose="020B0604020202020204" pitchFamily="34" charset="0"/>
-              <a:buChar char="•"/>
-            </a:pPr>
+            <a:r>
+              <a:rPr lang="en-US" dirty="0"/>
+              <a:t>Then we can write</a:t>
+            </a:r>
+          </a:p>
+          <a:p>
+            <a:pPr lvl="1"/>
             <a:endParaRPr lang="en-US" dirty="0"/>
           </a:p>
           <a:p>
+            <a:r>
+              <a:rPr lang="en-US" b="1" dirty="0"/>
+              <a:t>SELECT</a:t>
+            </a:r>
+            <a:r>
+              <a:rPr lang="en-US" dirty="0"/>
+              <a:t> * </a:t>
+            </a:r>
+            <a:br>
+              <a:rPr lang="en-US" dirty="0"/>
+            </a:br>
+            <a:r>
+              <a:rPr lang="en-US" b="1" dirty="0"/>
+              <a:t>FROM</a:t>
+            </a:r>
+            <a:r>
+              <a:rPr lang="en-US" dirty="0"/>
+              <a:t> </a:t>
+            </a:r>
+            <a:r>
+              <a:rPr lang="en-US" dirty="0" err="1"/>
+              <a:t>num_movies_per_actor</a:t>
+            </a:r>
+            <a:r>
+              <a:rPr lang="en-US" dirty="0"/>
+              <a:t> </a:t>
+            </a:r>
+            <a:br>
+              <a:rPr lang="en-US" dirty="0"/>
+            </a:br>
+            <a:br>
+              <a:rPr lang="en-US" dirty="0"/>
+            </a:br>
+            <a:r>
+              <a:rPr lang="en-US" dirty="0"/>
+              <a:t>to access the results of the query. And then we can write our aggregate:</a:t>
+            </a:r>
+            <a:br>
+              <a:rPr lang="en-US" dirty="0"/>
+            </a:br>
+            <a:br>
+              <a:rPr lang="en-US" dirty="0"/>
+            </a:br>
+            <a:r>
+              <a:rPr lang="en-US" b="1" dirty="0"/>
+              <a:t>SELECT</a:t>
+            </a:r>
+            <a:r>
+              <a:rPr lang="en-US" dirty="0"/>
+              <a:t> </a:t>
+            </a:r>
+            <a:r>
+              <a:rPr lang="en-US" dirty="0" err="1"/>
+              <a:t>num_movies</a:t>
+            </a:r>
+            <a:r>
+              <a:rPr lang="en-US" dirty="0"/>
+              <a:t>, COUNT(</a:t>
+            </a:r>
+            <a:r>
+              <a:rPr lang="en-US" dirty="0" err="1"/>
+              <a:t>actor_id</a:t>
+            </a:r>
+            <a:r>
+              <a:rPr lang="en-US" dirty="0"/>
+              <a:t>) AS </a:t>
+            </a:r>
+            <a:r>
+              <a:rPr lang="en-US" dirty="0" err="1"/>
+              <a:t>num_actors</a:t>
+            </a:r>
+            <a:r>
+              <a:rPr lang="en-US" dirty="0"/>
+              <a:t> </a:t>
+            </a:r>
+            <a:br>
+              <a:rPr lang="en-US" dirty="0"/>
+            </a:br>
+            <a:r>
+              <a:rPr lang="en-US" b="1" dirty="0"/>
+              <a:t>FROM</a:t>
+            </a:r>
+            <a:r>
+              <a:rPr lang="en-US" dirty="0"/>
+              <a:t> </a:t>
+            </a:r>
+            <a:r>
+              <a:rPr lang="en-US" dirty="0" err="1"/>
+              <a:t>num_movies_per_actor</a:t>
+            </a:r>
+            <a:br>
+              <a:rPr lang="en-US" dirty="0"/>
+            </a:br>
+            <a:r>
+              <a:rPr lang="en-US" b="1" dirty="0"/>
+              <a:t>GROUP BY </a:t>
+            </a:r>
+            <a:r>
+              <a:rPr lang="en-US" dirty="0" err="1"/>
+              <a:t>num_movies</a:t>
+            </a:r>
             <a:endParaRPr lang="en-US" dirty="0"/>
           </a:p>
         </p:txBody>
@@ -10215,7 +12212,7 @@
     </p:spTree>
     <p:extLst>
       <p:ext uri="{BB962C8B-B14F-4D97-AF65-F5344CB8AC3E}">
-        <p14:creationId xmlns:p14="http://schemas.microsoft.com/office/powerpoint/2010/main" val="4076285652"/>
+        <p14:creationId xmlns:p14="http://schemas.microsoft.com/office/powerpoint/2010/main" val="3601470452"/>
       </p:ext>
     </p:extLst>
   </p:cSld>
@@ -10245,14 +12242,14 @@
       </p:grpSpPr>
       <p:sp>
         <p:nvSpPr>
-          <p:cNvPr id="51" name="Shape 51"/>
+          <p:cNvPr id="78" name="Shape 78"/>
           <p:cNvSpPr/>
           <p:nvPr/>
         </p:nvSpPr>
         <p:spPr>
           <a:xfrm>
             <a:off x="386308" y="147496"/>
-            <a:ext cx="7757379" cy="461665"/>
+            <a:ext cx="8508310" cy="1569660"/>
           </a:xfrm>
           <a:prstGeom prst="rect">
             <a:avLst/>
@@ -10262,12 +12259,12 @@
           </a:ln>
           <a:extLst>
             <a:ext uri="{C572A759-6A51-4108-AA02-DFA0A04FC94B}">
-              <ma14:wrappingTextBoxFlag xmlns:ma14="http://schemas.microsoft.com/office/mac/drawingml/2011/main" xmlns="" val="1"/>
+              <ma14:wrappingTextBoxFlag xmlns="" xmlns:ma14="http://schemas.microsoft.com/office/mac/drawingml/2011/main" val="1"/>
             </a:ext>
           </a:extLst>
         </p:spPr>
         <p:txBody>
-          <a:bodyPr lIns="0" tIns="0" rIns="0" bIns="0">
+          <a:bodyPr wrap="square" lIns="45719" rIns="45719">
             <a:spAutoFit/>
           </a:bodyPr>
           <a:lstStyle>
@@ -10291,7 +12288,7 @@
               </a:defRPr>
             </a:pPr>
             <a:r>
-              <a:rPr lang="en-US" sz="3000" b="1" dirty="0" err="1">
+              <a:rPr lang="en-US" sz="2400" b="1" dirty="0">
                 <a:uFill>
                   <a:solidFill>
                     <a:srgbClr val="FFFFFF"/>
@@ -10299,10 +12296,20 @@
                 </a:uFill>
                 <a:latin typeface="Arial Unicode MS" panose="020B0604020202020204" pitchFamily="34" charset="-128"/>
               </a:rPr>
-              <a:t>Subqueries</a:t>
-            </a:r>
-            <a:r>
-              <a:rPr lang="en-US" sz="3000" b="1" dirty="0">
+              <a:t>CREATE TEMPORARY TABLE </a:t>
+            </a:r>
+          </a:p>
+          <a:p>
+            <a:pPr lvl="0">
+              <a:defRPr sz="1800" b="0">
+                <a:solidFill>
+                  <a:srgbClr val="000000"/>
+                </a:solidFill>
+                <a:uFillTx/>
+              </a:defRPr>
+            </a:pPr>
+            <a:r>
+              <a:rPr lang="en-US" sz="2400" b="1" dirty="0">
                 <a:uFill>
                   <a:solidFill>
                     <a:srgbClr val="FFFFFF"/>
@@ -10310,29 +12317,63 @@
                 </a:uFill>
                 <a:latin typeface="Arial Unicode MS" panose="020B0604020202020204" pitchFamily="34" charset="-128"/>
               </a:rPr>
-              <a:t> / WHERE</a:t>
-            </a:r>
-            <a:endParaRPr sz="3000" b="1" dirty="0">
-              <a:uFill>
+              <a:t>CREATE VIEW</a:t>
+            </a:r>
+          </a:p>
+          <a:p>
+            <a:pPr lvl="0">
+              <a:defRPr sz="1800" b="0">
                 <a:solidFill>
-                  <a:srgbClr val="FFFFFF"/>
+                  <a:srgbClr val="000000"/>
                 </a:solidFill>
-              </a:uFill>
-              <a:latin typeface="Arial Unicode MS" panose="020B0604020202020204" pitchFamily="34" charset="-128"/>
-            </a:endParaRPr>
-          </a:p>
-        </p:txBody>
-      </p:sp>
-      <p:sp>
-        <p:nvSpPr>
-          <p:cNvPr id="52" name="Shape 52"/>
+                <a:uFillTx/>
+              </a:defRPr>
+            </a:pPr>
+            <a:r>
+              <a:rPr lang="en-US" sz="2400" b="1" dirty="0">
+                <a:uFill>
+                  <a:solidFill>
+                    <a:srgbClr val="FFFFFF"/>
+                  </a:solidFill>
+                </a:uFill>
+                <a:latin typeface="Arial Unicode MS" panose="020B0604020202020204" pitchFamily="34" charset="-128"/>
+              </a:rPr>
+              <a:t>CREATE TABLE </a:t>
+            </a:r>
+            <a:br>
+              <a:rPr lang="en-US" sz="2400" b="1" dirty="0">
+                <a:uFill>
+                  <a:solidFill>
+                    <a:srgbClr val="FFFFFF"/>
+                  </a:solidFill>
+                </a:uFill>
+                <a:latin typeface="Arial Unicode MS" panose="020B0604020202020204" pitchFamily="34" charset="-128"/>
+              </a:rPr>
+            </a:br>
+            <a:r>
+              <a:rPr lang="en-US" sz="2400" b="1" dirty="0">
+                <a:uFill>
+                  <a:solidFill>
+                    <a:srgbClr val="FFFFFF"/>
+                  </a:solidFill>
+                </a:uFill>
+                <a:latin typeface="Arial Unicode MS" panose="020B0604020202020204" pitchFamily="34" charset="-128"/>
+              </a:rPr>
+              <a:t>WITH (aka CTE – Common Table Expressions)</a:t>
+            </a:r>
+          </a:p>
+        </p:txBody>
+      </p:sp>
+      <p:sp>
+        <p:nvSpPr>
+          <p:cNvPr id="79" name="Shape 79"/>
           <p:cNvSpPr/>
           <p:nvPr/>
         </p:nvSpPr>
         <p:spPr>
           <a:xfrm>
-            <a:off x="1759204" y="2586989"/>
-            <a:ext cx="7025200" cy="1426031"/>
+            <a:off x="469900" y="1282700"/>
+            <a:ext cx="8204200" cy="307777"/>
           </a:xfrm>
           <a:prstGeom prst="rect">
             <a:avLst/>
@@ -10342,12 +12383,12 @@
           </a:ln>
           <a:extLst>
             <a:ext uri="{C572A759-6A51-4108-AA02-DFA0A04FC94B}">
-              <ma14:wrappingTextBoxFlag xmlns:ma14="http://schemas.microsoft.com/office/mac/drawingml/2011/main" xmlns="" val="1"/>
+              <ma14:wrappingTextBoxFlag xmlns="" xmlns:ma14="http://schemas.microsoft.com/office/mac/drawingml/2011/main" val="1"/>
             </a:ext>
           </a:extLst>
         </p:spPr>
         <p:txBody>
-          <a:bodyPr wrap="square" lIns="0" tIns="0" rIns="0" bIns="0">
+          <a:bodyPr lIns="0" tIns="0" rIns="0" bIns="0">
             <a:spAutoFit/>
           </a:bodyPr>
           <a:lstStyle/>
@@ -10356,6 +12397,7 @@
               <a:spcBef>
                 <a:spcPts val="700"/>
               </a:spcBef>
+              <a:buSzPct val="100000"/>
               <a:defRPr sz="1800">
                 <a:solidFill>
                   <a:srgbClr val="000000"/>
@@ -10363,200 +12405,7 @@
                 <a:uFillTx/>
               </a:defRPr>
             </a:pPr>
-            <a:r>
-              <a:rPr sz="2600" dirty="0">
-                <a:uFill>
-                  <a:solidFill/>
-                </a:uFill>
-                <a:latin typeface="Arial Unicode MS" panose="020B0604020202020204" pitchFamily="34" charset="-128"/>
-                <a:ea typeface="Arial Unicode MS" panose="020B0604020202020204" pitchFamily="34" charset="-128"/>
-                <a:cs typeface="Arial Unicode MS" panose="020B0604020202020204" pitchFamily="34" charset="-128"/>
-                <a:sym typeface="Iowan Old Style Roman"/>
-              </a:rPr>
-              <a:t>SELECT 	A</a:t>
-            </a:r>
-            <a:r>
-              <a:rPr sz="2600" baseline="-5999" dirty="0">
-                <a:uFill>
-                  <a:solidFill/>
-                </a:uFill>
-                <a:latin typeface="Arial Unicode MS" panose="020B0604020202020204" pitchFamily="34" charset="-128"/>
-                <a:ea typeface="Arial Unicode MS" panose="020B0604020202020204" pitchFamily="34" charset="-128"/>
-                <a:cs typeface="Arial Unicode MS" panose="020B0604020202020204" pitchFamily="34" charset="-128"/>
-                <a:sym typeface="Iowan Old Style Roman"/>
-              </a:rPr>
-              <a:t>1, </a:t>
-            </a:r>
-            <a:r>
-              <a:rPr sz="2600" dirty="0">
-                <a:uFill>
-                  <a:solidFill/>
-                </a:uFill>
-                <a:latin typeface="Arial Unicode MS" panose="020B0604020202020204" pitchFamily="34" charset="-128"/>
-                <a:ea typeface="Arial Unicode MS" panose="020B0604020202020204" pitchFamily="34" charset="-128"/>
-                <a:cs typeface="Arial Unicode MS" panose="020B0604020202020204" pitchFamily="34" charset="-128"/>
-                <a:sym typeface="Iowan Old Style Roman"/>
-              </a:rPr>
-              <a:t>A</a:t>
-            </a:r>
-            <a:r>
-              <a:rPr sz="2600" baseline="-5999" dirty="0">
-                <a:uFill>
-                  <a:solidFill/>
-                </a:uFill>
-                <a:latin typeface="Arial Unicode MS" panose="020B0604020202020204" pitchFamily="34" charset="-128"/>
-                <a:ea typeface="Arial Unicode MS" panose="020B0604020202020204" pitchFamily="34" charset="-128"/>
-                <a:cs typeface="Arial Unicode MS" panose="020B0604020202020204" pitchFamily="34" charset="-128"/>
-                <a:sym typeface="Iowan Old Style Roman"/>
-              </a:rPr>
-              <a:t>2, </a:t>
-            </a:r>
-            <a:r>
-              <a:rPr sz="2600" dirty="0">
-                <a:uFill>
-                  <a:solidFill/>
-                </a:uFill>
-                <a:latin typeface="Arial Unicode MS" panose="020B0604020202020204" pitchFamily="34" charset="-128"/>
-                <a:ea typeface="Arial Unicode MS" panose="020B0604020202020204" pitchFamily="34" charset="-128"/>
-                <a:cs typeface="Arial Unicode MS" panose="020B0604020202020204" pitchFamily="34" charset="-128"/>
-                <a:sym typeface="Iowan Old Style Roman"/>
-              </a:rPr>
-              <a:t>A</a:t>
-            </a:r>
-            <a:r>
-              <a:rPr sz="2600" baseline="-5999" dirty="0">
-                <a:uFill>
-                  <a:solidFill/>
-                </a:uFill>
-                <a:latin typeface="Arial Unicode MS" panose="020B0604020202020204" pitchFamily="34" charset="-128"/>
-                <a:ea typeface="Arial Unicode MS" panose="020B0604020202020204" pitchFamily="34" charset="-128"/>
-                <a:cs typeface="Arial Unicode MS" panose="020B0604020202020204" pitchFamily="34" charset="-128"/>
-                <a:sym typeface="Iowan Old Style Roman"/>
-              </a:rPr>
-              <a:t>3, …, </a:t>
-            </a:r>
-            <a:r>
-              <a:rPr sz="2600" dirty="0">
-                <a:uFill>
-                  <a:solidFill/>
-                </a:uFill>
-                <a:latin typeface="Arial Unicode MS" panose="020B0604020202020204" pitchFamily="34" charset="-128"/>
-                <a:ea typeface="Arial Unicode MS" panose="020B0604020202020204" pitchFamily="34" charset="-128"/>
-                <a:cs typeface="Arial Unicode MS" panose="020B0604020202020204" pitchFamily="34" charset="-128"/>
-                <a:sym typeface="Iowan Old Style Roman"/>
-              </a:rPr>
-              <a:t>A</a:t>
-            </a:r>
-            <a:r>
-              <a:rPr sz="2600" baseline="-5999" dirty="0">
-                <a:uFill>
-                  <a:solidFill/>
-                </a:uFill>
-                <a:latin typeface="Arial Unicode MS" panose="020B0604020202020204" pitchFamily="34" charset="-128"/>
-                <a:ea typeface="Arial Unicode MS" panose="020B0604020202020204" pitchFamily="34" charset="-128"/>
-                <a:cs typeface="Arial Unicode MS" panose="020B0604020202020204" pitchFamily="34" charset="-128"/>
-                <a:sym typeface="Iowan Old Style Roman"/>
-              </a:rPr>
-              <a:t>n</a:t>
-            </a:r>
-            <a:r>
-              <a:rPr sz="2700" baseline="-5999" dirty="0">
-                <a:uFill>
-                  <a:solidFill/>
-                </a:uFill>
-                <a:latin typeface="Arial Unicode MS" panose="020B0604020202020204" pitchFamily="34" charset="-128"/>
-                <a:ea typeface="Arial Unicode MS" panose="020B0604020202020204" pitchFamily="34" charset="-128"/>
-                <a:cs typeface="Arial Unicode MS" panose="020B0604020202020204" pitchFamily="34" charset="-128"/>
-                <a:sym typeface="Iowan Old Style Roman"/>
-              </a:rPr>
-              <a:t> </a:t>
-            </a:r>
-          </a:p>
-          <a:p>
-            <a:pPr lvl="0">
-              <a:spcBef>
-                <a:spcPts val="700"/>
-              </a:spcBef>
-              <a:defRPr sz="1800">
-                <a:solidFill>
-                  <a:srgbClr val="000000"/>
-                </a:solidFill>
-                <a:uFillTx/>
-              </a:defRPr>
-            </a:pPr>
-            <a:r>
-              <a:rPr sz="2700" dirty="0">
-                <a:uFill>
-                  <a:solidFill/>
-                </a:uFill>
-                <a:latin typeface="Arial Unicode MS" panose="020B0604020202020204" pitchFamily="34" charset="-128"/>
-                <a:ea typeface="Arial Unicode MS" panose="020B0604020202020204" pitchFamily="34" charset="-128"/>
-                <a:cs typeface="Arial Unicode MS" panose="020B0604020202020204" pitchFamily="34" charset="-128"/>
-                <a:sym typeface="Iowan Old Style Roman"/>
-              </a:rPr>
-              <a:t>FROM 	T</a:t>
-            </a:r>
-            <a:r>
-              <a:rPr sz="2600" baseline="-5999" dirty="0">
-                <a:uFill>
-                  <a:solidFill/>
-                </a:uFill>
-                <a:latin typeface="Arial Unicode MS" panose="020B0604020202020204" pitchFamily="34" charset="-128"/>
-                <a:ea typeface="Arial Unicode MS" panose="020B0604020202020204" pitchFamily="34" charset="-128"/>
-                <a:cs typeface="Arial Unicode MS" panose="020B0604020202020204" pitchFamily="34" charset="-128"/>
-                <a:sym typeface="Iowan Old Style Roman"/>
-              </a:rPr>
-              <a:t>1</a:t>
-            </a:r>
-            <a:r>
-              <a:rPr sz="2700" dirty="0">
-                <a:uFill>
-                  <a:solidFill/>
-                </a:uFill>
-                <a:latin typeface="Arial Unicode MS" panose="020B0604020202020204" pitchFamily="34" charset="-128"/>
-                <a:ea typeface="Arial Unicode MS" panose="020B0604020202020204" pitchFamily="34" charset="-128"/>
-                <a:cs typeface="Arial Unicode MS" panose="020B0604020202020204" pitchFamily="34" charset="-128"/>
-                <a:sym typeface="Iowan Old Style Roman"/>
-              </a:rPr>
-              <a:t>, T</a:t>
-            </a:r>
-            <a:r>
-              <a:rPr sz="2700" baseline="-5999" dirty="0">
-                <a:uFill>
-                  <a:solidFill/>
-                </a:uFill>
-                <a:latin typeface="Arial Unicode MS" panose="020B0604020202020204" pitchFamily="34" charset="-128"/>
-                <a:ea typeface="Arial Unicode MS" panose="020B0604020202020204" pitchFamily="34" charset="-128"/>
-                <a:cs typeface="Arial Unicode MS" panose="020B0604020202020204" pitchFamily="34" charset="-128"/>
-                <a:sym typeface="Iowan Old Style Roman"/>
-              </a:rPr>
-              <a:t>2</a:t>
-            </a:r>
-            <a:r>
-              <a:rPr sz="2700" dirty="0">
-                <a:uFill>
-                  <a:solidFill/>
-                </a:uFill>
-                <a:latin typeface="Arial Unicode MS" panose="020B0604020202020204" pitchFamily="34" charset="-128"/>
-                <a:ea typeface="Arial Unicode MS" panose="020B0604020202020204" pitchFamily="34" charset="-128"/>
-                <a:cs typeface="Arial Unicode MS" panose="020B0604020202020204" pitchFamily="34" charset="-128"/>
-                <a:sym typeface="Iowan Old Style Roman"/>
-              </a:rPr>
-              <a:t>, … T</a:t>
-            </a:r>
-            <a:r>
-              <a:rPr sz="2700" baseline="-5999" dirty="0">
-                <a:uFill>
-                  <a:solidFill/>
-                </a:uFill>
-                <a:latin typeface="Arial Unicode MS" panose="020B0604020202020204" pitchFamily="34" charset="-128"/>
-                <a:ea typeface="Arial Unicode MS" panose="020B0604020202020204" pitchFamily="34" charset="-128"/>
-                <a:cs typeface="Arial Unicode MS" panose="020B0604020202020204" pitchFamily="34" charset="-128"/>
-                <a:sym typeface="Iowan Old Style Roman"/>
-              </a:rPr>
-              <a:t>m</a:t>
-            </a:r>
-            <a:endParaRPr sz="2700" dirty="0">
+            <a:endParaRPr sz="2000" dirty="0">
               <a:uFill>
                 <a:solidFill/>
               </a:uFill>
@@ -10566,297 +12415,208 @@
               <a:sym typeface="Iowan Old Style Roman"/>
             </a:endParaRPr>
           </a:p>
-          <a:p>
-            <a:pPr lvl="0">
-              <a:spcBef>
-                <a:spcPts val="700"/>
-              </a:spcBef>
-              <a:defRPr sz="1800">
-                <a:solidFill>
-                  <a:srgbClr val="000000"/>
-                </a:solidFill>
-                <a:uFillTx/>
-              </a:defRPr>
-            </a:pPr>
-            <a:r>
-              <a:rPr sz="2700" dirty="0">
-                <a:uFill>
-                  <a:solidFill/>
-                </a:uFill>
-                <a:latin typeface="Arial Unicode MS" panose="020B0604020202020204" pitchFamily="34" charset="-128"/>
-                <a:ea typeface="Arial Unicode MS" panose="020B0604020202020204" pitchFamily="34" charset="-128"/>
-                <a:cs typeface="Arial Unicode MS" panose="020B0604020202020204" pitchFamily="34" charset="-128"/>
-                <a:sym typeface="Iowan Old Style Roman"/>
-              </a:rPr>
-              <a:t>WHERE 	</a:t>
-            </a:r>
-            <a:r>
-              <a:rPr lang="en-US" sz="2800" dirty="0">
-                <a:uFill>
-                  <a:solidFill/>
-                </a:uFill>
-                <a:latin typeface="Arial Unicode MS" panose="020B0604020202020204" pitchFamily="34" charset="-128"/>
-                <a:ea typeface="Arial Unicode MS" panose="020B0604020202020204" pitchFamily="34" charset="-128"/>
-                <a:cs typeface="Arial Unicode MS" panose="020B0604020202020204" pitchFamily="34" charset="-128"/>
-                <a:sym typeface="Iowan Old Style Roman"/>
-              </a:rPr>
-              <a:t> </a:t>
-            </a:r>
-            <a:r>
-              <a:rPr lang="en-US" sz="2800" dirty="0" err="1">
-                <a:uFill>
-                  <a:solidFill/>
-                </a:uFill>
-                <a:latin typeface="Arial Unicode MS" panose="020B0604020202020204" pitchFamily="34" charset="-128"/>
-                <a:ea typeface="Arial Unicode MS" panose="020B0604020202020204" pitchFamily="34" charset="-128"/>
-                <a:cs typeface="Arial Unicode MS" panose="020B0604020202020204" pitchFamily="34" charset="-128"/>
-                <a:sym typeface="Iowan Old Style Roman"/>
-              </a:rPr>
-              <a:t>A</a:t>
-            </a:r>
-            <a:r>
-              <a:rPr lang="en-US" sz="2800" baseline="-5999" dirty="0" err="1">
-                <a:uFill>
-                  <a:solidFill/>
-                </a:uFill>
-                <a:latin typeface="Arial Unicode MS" panose="020B0604020202020204" pitchFamily="34" charset="-128"/>
-                <a:ea typeface="Arial Unicode MS" panose="020B0604020202020204" pitchFamily="34" charset="-128"/>
-                <a:cs typeface="Arial Unicode MS" panose="020B0604020202020204" pitchFamily="34" charset="-128"/>
-                <a:sym typeface="Iowan Old Style Roman"/>
-              </a:rPr>
-              <a:t>j</a:t>
-            </a:r>
-            <a:r>
-              <a:rPr lang="en-US" sz="2800" baseline="-5999" dirty="0">
-                <a:uFill>
-                  <a:solidFill/>
-                </a:uFill>
-                <a:latin typeface="Arial Unicode MS" panose="020B0604020202020204" pitchFamily="34" charset="-128"/>
-                <a:ea typeface="Arial Unicode MS" panose="020B0604020202020204" pitchFamily="34" charset="-128"/>
-                <a:cs typeface="Arial Unicode MS" panose="020B0604020202020204" pitchFamily="34" charset="-128"/>
-                <a:sym typeface="Iowan Old Style Roman"/>
-              </a:rPr>
-              <a:t> </a:t>
-            </a:r>
-            <a:r>
-              <a:rPr lang="en-US" sz="2700" dirty="0">
-                <a:uFill>
-                  <a:solidFill/>
-                </a:uFill>
-                <a:latin typeface="Arial Unicode MS" panose="020B0604020202020204" pitchFamily="34" charset="-128"/>
-                <a:ea typeface="Arial Unicode MS" panose="020B0604020202020204" pitchFamily="34" charset="-128"/>
-                <a:cs typeface="Arial Unicode MS" panose="020B0604020202020204" pitchFamily="34" charset="-128"/>
-                <a:sym typeface="Iowan Old Style Roman"/>
-              </a:rPr>
-              <a:t>attribute IN </a:t>
-            </a:r>
-            <a:r>
-              <a:rPr lang="en-US" sz="2000" dirty="0">
-                <a:uFill>
-                  <a:solidFill/>
-                </a:uFill>
-                <a:latin typeface="Arial Unicode MS" panose="020B0604020202020204" pitchFamily="34" charset="-128"/>
-                <a:ea typeface="Arial Unicode MS" panose="020B0604020202020204" pitchFamily="34" charset="-128"/>
-                <a:cs typeface="Arial Unicode MS" panose="020B0604020202020204" pitchFamily="34" charset="-128"/>
-                <a:sym typeface="Iowan Old Style Roman"/>
-              </a:rPr>
-              <a:t>(SELECT </a:t>
-            </a:r>
-            <a:r>
-              <a:rPr lang="en-US" sz="2000" dirty="0" err="1">
-                <a:uFill>
-                  <a:solidFill/>
-                </a:uFill>
-                <a:latin typeface="Arial Unicode MS" panose="020B0604020202020204" pitchFamily="34" charset="-128"/>
-                <a:ea typeface="Arial Unicode MS" panose="020B0604020202020204" pitchFamily="34" charset="-128"/>
-                <a:cs typeface="Arial Unicode MS" panose="020B0604020202020204" pitchFamily="34" charset="-128"/>
-                <a:sym typeface="Iowan Old Style Roman"/>
-              </a:rPr>
-              <a:t>attr</a:t>
-            </a:r>
-            <a:r>
-              <a:rPr lang="en-US" sz="2000" dirty="0">
-                <a:uFill>
-                  <a:solidFill/>
-                </a:uFill>
-                <a:latin typeface="Arial Unicode MS" panose="020B0604020202020204" pitchFamily="34" charset="-128"/>
-                <a:ea typeface="Arial Unicode MS" panose="020B0604020202020204" pitchFamily="34" charset="-128"/>
-                <a:cs typeface="Arial Unicode MS" panose="020B0604020202020204" pitchFamily="34" charset="-128"/>
-                <a:sym typeface="Iowan Old Style Roman"/>
-              </a:rPr>
-              <a:t> FROM ….)</a:t>
-            </a:r>
-            <a:endParaRPr sz="2700" dirty="0">
-              <a:uFill>
-                <a:solidFill/>
-              </a:uFill>
-              <a:latin typeface="Arial Unicode MS" panose="020B0604020202020204" pitchFamily="34" charset="-128"/>
-              <a:ea typeface="Arial Unicode MS" panose="020B0604020202020204" pitchFamily="34" charset="-128"/>
-              <a:cs typeface="Arial Unicode MS" panose="020B0604020202020204" pitchFamily="34" charset="-128"/>
-              <a:sym typeface="Iowan Old Style Roman"/>
-            </a:endParaRPr>
-          </a:p>
-        </p:txBody>
-      </p:sp>
-      <p:sp>
-        <p:nvSpPr>
-          <p:cNvPr id="53" name="Shape 53"/>
+        </p:txBody>
+      </p:sp>
+      <p:sp>
+        <p:nvSpPr>
+          <p:cNvPr id="3" name="Rectangle 2"/>
           <p:cNvSpPr/>
           <p:nvPr/>
         </p:nvSpPr>
         <p:spPr>
           <a:xfrm>
-            <a:off x="3552444" y="3119564"/>
-            <a:ext cx="2108200" cy="378898"/>
+            <a:off x="386308" y="1939952"/>
+            <a:ext cx="8044665" cy="5016758"/>
           </a:xfrm>
           <a:prstGeom prst="rect">
             <a:avLst/>
           </a:prstGeom>
-          <a:ln w="25400">
-            <a:solidFill>
-              <a:srgbClr val="011993"/>
-            </a:solidFill>
-            <a:round/>
-          </a:ln>
         </p:spPr>
         <p:txBody>
-          <a:bodyPr lIns="0" tIns="0" rIns="0" bIns="0"/>
-          <a:lstStyle/>
-          <a:p>
-            <a:pPr lvl="0">
-              <a:defRPr sz="1800">
-                <a:solidFill>
-                  <a:srgbClr val="000000"/>
-                </a:solidFill>
-                <a:latin typeface="+mn-lt"/>
-                <a:ea typeface="+mn-ea"/>
-                <a:cs typeface="+mn-cs"/>
-                <a:sym typeface="Arial"/>
-              </a:defRPr>
-            </a:pPr>
-            <a:endParaRPr dirty="0">
-              <a:latin typeface="Arial Unicode MS" panose="020B0604020202020204" pitchFamily="34" charset="-128"/>
-            </a:endParaRPr>
-          </a:p>
-        </p:txBody>
-      </p:sp>
-      <p:sp>
-        <p:nvSpPr>
-          <p:cNvPr id="56" name="Shape 56"/>
-          <p:cNvSpPr/>
-          <p:nvPr/>
-        </p:nvSpPr>
-        <p:spPr>
-          <a:xfrm>
-            <a:off x="3552444" y="3540332"/>
-            <a:ext cx="5190864" cy="499170"/>
-          </a:xfrm>
-          <a:prstGeom prst="rect">
-            <a:avLst/>
-          </a:prstGeom>
-          <a:ln w="25400">
-            <a:solidFill>
-              <a:srgbClr val="011993"/>
-            </a:solidFill>
-            <a:round/>
-          </a:ln>
-        </p:spPr>
-        <p:txBody>
-          <a:bodyPr lIns="0" tIns="0" rIns="0" bIns="0"/>
-          <a:lstStyle/>
-          <a:p>
-            <a:pPr lvl="0">
-              <a:defRPr sz="1800">
-                <a:solidFill>
-                  <a:srgbClr val="000000"/>
-                </a:solidFill>
-                <a:latin typeface="+mn-lt"/>
-                <a:ea typeface="+mn-ea"/>
-                <a:cs typeface="+mn-cs"/>
-                <a:sym typeface="Arial"/>
-              </a:defRPr>
-            </a:pPr>
-            <a:endParaRPr dirty="0">
-              <a:latin typeface="Arial Unicode MS" panose="020B0604020202020204" pitchFamily="34" charset="-128"/>
-            </a:endParaRPr>
-          </a:p>
-        </p:txBody>
-      </p:sp>
-      <p:sp>
-        <p:nvSpPr>
-          <p:cNvPr id="59" name="Shape 59"/>
-          <p:cNvSpPr/>
-          <p:nvPr/>
-        </p:nvSpPr>
-        <p:spPr>
-          <a:xfrm>
-            <a:off x="3552444" y="2603055"/>
-            <a:ext cx="2326692" cy="497841"/>
-          </a:xfrm>
-          <a:prstGeom prst="rect">
-            <a:avLst/>
-          </a:prstGeom>
-          <a:ln w="25400">
-            <a:solidFill>
-              <a:srgbClr val="011993"/>
-            </a:solidFill>
-            <a:round/>
-          </a:ln>
-        </p:spPr>
-        <p:txBody>
-          <a:bodyPr lIns="0" tIns="0" rIns="0" bIns="0"/>
-          <a:lstStyle/>
-          <a:p>
-            <a:pPr lvl="0">
-              <a:defRPr sz="1800">
-                <a:solidFill>
-                  <a:srgbClr val="000000"/>
-                </a:solidFill>
-                <a:latin typeface="+mn-lt"/>
-                <a:ea typeface="+mn-ea"/>
-                <a:cs typeface="+mn-cs"/>
-                <a:sym typeface="Arial"/>
-              </a:defRPr>
-            </a:pPr>
-            <a:endParaRPr dirty="0">
-              <a:latin typeface="Arial Unicode MS" panose="020B0604020202020204" pitchFamily="34" charset="-128"/>
-            </a:endParaRPr>
-          </a:p>
-        </p:txBody>
-      </p:sp>
-      <p:sp>
-        <p:nvSpPr>
-          <p:cNvPr id="13" name="TextBox 12"/>
-          <p:cNvSpPr txBox="1"/>
-          <p:nvPr/>
-        </p:nvSpPr>
-        <p:spPr>
-          <a:xfrm>
-            <a:off x="657546" y="1281380"/>
-            <a:ext cx="7717309" cy="646331"/>
-          </a:xfrm>
-          <a:prstGeom prst="rect">
-            <a:avLst/>
-          </a:prstGeom>
-          <a:noFill/>
-        </p:spPr>
-        <p:txBody>
-          <a:bodyPr wrap="square" rtlCol="0">
+          <a:bodyPr wrap="square">
             <a:spAutoFit/>
           </a:bodyPr>
           <a:lstStyle/>
           <a:p>
-            <a:r>
-              <a:rPr lang="en-US" dirty="0"/>
-              <a:t>The “IN” clause allows us to check if an attribute appears within a list returned by another SQL query</a:t>
-            </a:r>
+            <a:pPr marL="285750" indent="-285750">
+              <a:buFont typeface="Arial" panose="020B0604020202020204" pitchFamily="34" charset="0"/>
+              <a:buChar char="•"/>
+            </a:pPr>
+            <a:r>
+              <a:rPr lang="en-US" sz="1600" b="1" dirty="0"/>
+              <a:t>CREATE TEMPORARY TABLE </a:t>
+            </a:r>
+            <a:r>
+              <a:rPr lang="en-US" sz="1600" b="1" dirty="0" err="1"/>
+              <a:t>movies_all</a:t>
+            </a:r>
+            <a:r>
+              <a:rPr lang="en-US" sz="1600" b="1" dirty="0"/>
+              <a:t> AS…</a:t>
+            </a:r>
+            <a:br>
+              <a:rPr lang="en-US" sz="1600" b="1" dirty="0"/>
+            </a:br>
+            <a:r>
+              <a:rPr lang="en-US" sz="1600" dirty="0"/>
+              <a:t>Creates a temporary table with the results of the query. Table is only visible within the session (until the user disconnects). </a:t>
+            </a:r>
+            <a:r>
+              <a:rPr lang="en-US" sz="1600" i="1" dirty="0"/>
+              <a:t>Contents do </a:t>
+            </a:r>
+            <a:r>
+              <a:rPr lang="en-US" sz="1600" b="1" i="1" dirty="0"/>
+              <a:t>not</a:t>
+            </a:r>
+            <a:r>
+              <a:rPr lang="en-US" sz="1600" i="1" dirty="0"/>
+              <a:t> update if the underlying tables change.</a:t>
+            </a:r>
+            <a:endParaRPr lang="en-US" sz="1600" b="1" i="1" dirty="0"/>
+          </a:p>
+          <a:p>
+            <a:pPr marL="285750" indent="-285750">
+              <a:buFont typeface="Arial" panose="020B0604020202020204" pitchFamily="34" charset="0"/>
+              <a:buChar char="•"/>
+            </a:pPr>
+            <a:endParaRPr lang="en-US" sz="1600" b="1" dirty="0"/>
+          </a:p>
+          <a:p>
+            <a:pPr marL="285750" indent="-285750">
+              <a:buFont typeface="Arial" panose="020B0604020202020204" pitchFamily="34" charset="0"/>
+              <a:buChar char="•"/>
+            </a:pPr>
+            <a:r>
+              <a:rPr lang="en-US" sz="1600" b="1" dirty="0"/>
+              <a:t>WITH </a:t>
+            </a:r>
+            <a:r>
+              <a:rPr lang="en-US" sz="1600" b="1" dirty="0" err="1"/>
+              <a:t>movies_all</a:t>
+            </a:r>
+            <a:r>
+              <a:rPr lang="en-US" sz="1600" b="1" dirty="0"/>
+              <a:t> AS…</a:t>
+            </a:r>
+            <a:br>
+              <a:rPr lang="en-US" sz="1600" b="1" dirty="0"/>
+            </a:br>
+            <a:r>
+              <a:rPr lang="en-US" sz="1600" dirty="0"/>
+              <a:t>The WITH keyword allows the definition of a table name for a query, so that it can be reused later in the same SQL statement. Also known as “Common Table Expression”, it a very common way of writing queries with subqueries. Does not store the results of the subquery.</a:t>
+            </a:r>
+          </a:p>
+          <a:p>
+            <a:pPr marL="285750" indent="-285750">
+              <a:buFont typeface="Arial" panose="020B0604020202020204" pitchFamily="34" charset="0"/>
+              <a:buChar char="•"/>
+            </a:pPr>
+            <a:endParaRPr lang="en-US" sz="1600" dirty="0"/>
+          </a:p>
+          <a:p>
+            <a:pPr marL="285750" indent="-285750">
+              <a:buFont typeface="Arial" panose="020B0604020202020204" pitchFamily="34" charset="0"/>
+              <a:buChar char="•"/>
+            </a:pPr>
+            <a:r>
+              <a:rPr lang="en-US" sz="1600" b="1" dirty="0"/>
+              <a:t>CREATE TABLE </a:t>
+            </a:r>
+            <a:r>
+              <a:rPr lang="en-US" sz="1600" b="1" dirty="0" err="1"/>
+              <a:t>movies_all</a:t>
+            </a:r>
+            <a:r>
+              <a:rPr lang="en-US" sz="1600" b="1" dirty="0"/>
+              <a:t> AS…</a:t>
+            </a:r>
+            <a:br>
+              <a:rPr lang="en-US" sz="1600" b="1" dirty="0"/>
+            </a:br>
+            <a:r>
+              <a:rPr lang="en-US" sz="1600" dirty="0"/>
+              <a:t>This command creates a permanent table with the results of the query. It is visible to all users. </a:t>
+            </a:r>
+            <a:r>
+              <a:rPr lang="en-US" sz="1600" i="1" dirty="0"/>
+              <a:t>Contents do </a:t>
+            </a:r>
+            <a:r>
+              <a:rPr lang="en-US" sz="1600" b="1" i="1" dirty="0"/>
+              <a:t>not</a:t>
+            </a:r>
+            <a:r>
+              <a:rPr lang="en-US" sz="1600" i="1" dirty="0"/>
+              <a:t> update if the underlying tables change.</a:t>
+            </a:r>
+          </a:p>
+          <a:p>
+            <a:pPr marL="285750" indent="-285750">
+              <a:buFont typeface="Arial" panose="020B0604020202020204" pitchFamily="34" charset="0"/>
+              <a:buChar char="•"/>
+            </a:pPr>
+            <a:endParaRPr lang="en-US" sz="1600" dirty="0"/>
+          </a:p>
+          <a:p>
+            <a:pPr marL="285750" indent="-285750">
+              <a:buFont typeface="Arial" panose="020B0604020202020204" pitchFamily="34" charset="0"/>
+              <a:buChar char="•"/>
+            </a:pPr>
+            <a:r>
+              <a:rPr lang="en-US" sz="1600" b="1" dirty="0"/>
+              <a:t>CREATE VIEW </a:t>
+            </a:r>
+            <a:r>
+              <a:rPr lang="en-US" sz="1600" b="1" dirty="0" err="1"/>
+              <a:t>movies_all</a:t>
+            </a:r>
+            <a:r>
+              <a:rPr lang="en-US" sz="1600" b="1" dirty="0"/>
+              <a:t> AS…</a:t>
+            </a:r>
+            <a:br>
+              <a:rPr lang="en-US" sz="1600" b="1" dirty="0"/>
+            </a:br>
+            <a:r>
+              <a:rPr lang="en-US" sz="1600" dirty="0"/>
+              <a:t>A </a:t>
+            </a:r>
+            <a:r>
+              <a:rPr lang="en-US" sz="1600" b="1" dirty="0"/>
+              <a:t>VIEW</a:t>
+            </a:r>
+            <a:r>
+              <a:rPr lang="en-US" sz="1600" dirty="0"/>
+              <a:t> is similar to a </a:t>
+            </a:r>
+            <a:r>
+              <a:rPr lang="en-US" sz="1600" b="1" dirty="0"/>
+              <a:t>TEMPORARY TABLE</a:t>
+            </a:r>
+            <a:r>
+              <a:rPr lang="en-US" sz="1600" dirty="0"/>
+              <a:t>, but it is visible to everyone, it does not disappear. A view does not actually store the results, and the results are updated when the underlying table change. (There the concept of “</a:t>
+            </a:r>
+            <a:r>
+              <a:rPr lang="en-US" sz="1600" b="1" dirty="0"/>
+              <a:t>materialized view</a:t>
+            </a:r>
+            <a:r>
+              <a:rPr lang="en-US" sz="1600" dirty="0"/>
+              <a:t>” which stores the results and updates automatically, but not supported by MySQL.)</a:t>
+            </a:r>
+            <a:br>
+              <a:rPr lang="en-US" sz="1600" dirty="0"/>
+            </a:br>
+            <a:endParaRPr lang="en-US" sz="1600" dirty="0"/>
           </a:p>
         </p:txBody>
       </p:sp>
     </p:spTree>
     <p:extLst>
       <p:ext uri="{BB962C8B-B14F-4D97-AF65-F5344CB8AC3E}">
-        <p14:creationId xmlns:p14="http://schemas.microsoft.com/office/powerpoint/2010/main" val="2325747618"/>
+        <p14:creationId xmlns:p14="http://schemas.microsoft.com/office/powerpoint/2010/main" val="1135906853"/>
       </p:ext>
     </p:extLst>
   </p:cSld>
@@ -10864,197 +12624,6 @@
     <a:masterClrMapping/>
   </p:clrMapOvr>
   <p:transition spd="med"/>
-  <p:timing>
-    <p:tnLst>
-      <p:par>
-        <p:cTn id="1" dur="indefinite" restart="never" fill="hold" nodeType="tmRoot">
-          <p:childTnLst>
-            <p:seq concurrent="1" prevAc="none" nextAc="seek">
-              <p:cTn id="2" dur="indefinite" fill="hold" nodeType="mainSeq">
-                <p:childTnLst>
-                  <p:par>
-                    <p:cTn id="3" fill="hold">
-                      <p:stCondLst>
-                        <p:cond delay="indefinite"/>
-                      </p:stCondLst>
-                      <p:childTnLst>
-                        <p:par>
-                          <p:cTn id="4" fill="hold">
-                            <p:stCondLst>
-                              <p:cond delay="0"/>
-                            </p:stCondLst>
-                            <p:childTnLst>
-                              <p:par>
-                                <p:cTn id="5" presetID="9" presetClass="entr" presetSubtype="16" fill="hold" grpId="0" nodeType="clickEffect">
-                                  <p:stCondLst>
-                                    <p:cond delay="0"/>
-                                  </p:stCondLst>
-                                  <p:iterate>
-                                    <p:tmAbs val="0"/>
-                                  </p:iterate>
-                                  <p:childTnLst>
-                                    <p:set>
-                                      <p:cBhvr>
-                                        <p:cTn id="6" fill="hold"/>
-                                        <p:tgtEl>
-                                          <p:spTgt spid="53"/>
-                                        </p:tgtEl>
-                                        <p:attrNameLst>
-                                          <p:attrName>style.visibility</p:attrName>
-                                        </p:attrNameLst>
-                                      </p:cBhvr>
-                                      <p:to>
-                                        <p:strVal val="visible"/>
-                                      </p:to>
-                                    </p:set>
-                                    <p:animEffect transition="in" filter="dissolve(in)">
-                                      <p:cBhvr>
-                                        <p:cTn id="7" dur="750"/>
-                                        <p:tgtEl>
-                                          <p:spTgt spid="53"/>
-                                        </p:tgtEl>
-                                      </p:cBhvr>
-                                    </p:animEffect>
-                                  </p:childTnLst>
-                                </p:cTn>
-                              </p:par>
-                            </p:childTnLst>
-                          </p:cTn>
-                        </p:par>
-                      </p:childTnLst>
-                    </p:cTn>
-                  </p:par>
-                  <p:par>
-                    <p:cTn id="8" fill="hold">
-                      <p:stCondLst>
-                        <p:cond delay="indefinite"/>
-                      </p:stCondLst>
-                      <p:childTnLst>
-                        <p:par>
-                          <p:cTn id="9" fill="hold">
-                            <p:stCondLst>
-                              <p:cond delay="0"/>
-                            </p:stCondLst>
-                            <p:childTnLst>
-                              <p:par>
-                                <p:cTn id="10" presetID="9" presetClass="entr" presetSubtype="16" fill="hold" grpId="0" nodeType="clickEffect">
-                                  <p:stCondLst>
-                                    <p:cond delay="0"/>
-                                  </p:stCondLst>
-                                  <p:iterate>
-                                    <p:tmAbs val="0"/>
-                                  </p:iterate>
-                                  <p:childTnLst>
-                                    <p:set>
-                                      <p:cBhvr>
-                                        <p:cTn id="11" fill="hold"/>
-                                        <p:tgtEl>
-                                          <p:spTgt spid="56"/>
-                                        </p:tgtEl>
-                                        <p:attrNameLst>
-                                          <p:attrName>style.visibility</p:attrName>
-                                        </p:attrNameLst>
-                                      </p:cBhvr>
-                                      <p:to>
-                                        <p:strVal val="visible"/>
-                                      </p:to>
-                                    </p:set>
-                                    <p:animEffect transition="in" filter="dissolve(in)">
-                                      <p:cBhvr>
-                                        <p:cTn id="12" dur="750"/>
-                                        <p:tgtEl>
-                                          <p:spTgt spid="56"/>
-                                        </p:tgtEl>
-                                      </p:cBhvr>
-                                    </p:animEffect>
-                                  </p:childTnLst>
-                                </p:cTn>
-                              </p:par>
-                            </p:childTnLst>
-                          </p:cTn>
-                        </p:par>
-                      </p:childTnLst>
-                    </p:cTn>
-                  </p:par>
-                  <p:par>
-                    <p:cTn id="13" fill="hold">
-                      <p:stCondLst>
-                        <p:cond delay="indefinite"/>
-                      </p:stCondLst>
-                      <p:childTnLst>
-                        <p:par>
-                          <p:cTn id="14" fill="hold">
-                            <p:stCondLst>
-                              <p:cond delay="0"/>
-                            </p:stCondLst>
-                            <p:childTnLst>
-                              <p:par>
-                                <p:cTn id="15" presetID="9" presetClass="entr" presetSubtype="16" fill="hold" grpId="0" nodeType="clickEffect">
-                                  <p:stCondLst>
-                                    <p:cond delay="0"/>
-                                  </p:stCondLst>
-                                  <p:iterate>
-                                    <p:tmAbs val="0"/>
-                                  </p:iterate>
-                                  <p:childTnLst>
-                                    <p:set>
-                                      <p:cBhvr>
-                                        <p:cTn id="16" fill="hold"/>
-                                        <p:tgtEl>
-                                          <p:spTgt spid="59"/>
-                                        </p:tgtEl>
-                                        <p:attrNameLst>
-                                          <p:attrName>style.visibility</p:attrName>
-                                        </p:attrNameLst>
-                                      </p:cBhvr>
-                                      <p:to>
-                                        <p:strVal val="visible"/>
-                                      </p:to>
-                                    </p:set>
-                                    <p:animEffect transition="in" filter="dissolve(in)">
-                                      <p:cBhvr>
-                                        <p:cTn id="17" dur="750"/>
-                                        <p:tgtEl>
-                                          <p:spTgt spid="59"/>
-                                        </p:tgtEl>
-                                      </p:cBhvr>
-                                    </p:animEffect>
-                                  </p:childTnLst>
-                                </p:cTn>
-                              </p:par>
-                            </p:childTnLst>
-                          </p:cTn>
-                        </p:par>
-                      </p:childTnLst>
-                    </p:cTn>
-                  </p:par>
-                </p:childTnLst>
-              </p:cTn>
-              <p:prevCondLst>
-                <p:cond evt="onPrev" delay="0">
-                  <p:tgtEl>
-                    <p:sldTgt/>
-                  </p:tgtEl>
-                </p:cond>
-              </p:prevCondLst>
-              <p:nextCondLst>
-                <p:cond evt="onNext" delay="0">
-                  <p:tgtEl>
-                    <p:sldTgt/>
-                  </p:tgtEl>
-                </p:cond>
-              </p:nextCondLst>
-            </p:seq>
-          </p:childTnLst>
-        </p:cTn>
-      </p:par>
-    </p:tnLst>
-    <p:bldLst>
-      <p:bldP spid="53" grpId="0" animBg="1" advAuto="0"/>
-      <p:bldP spid="56" grpId="0" animBg="1" advAuto="0"/>
-      <p:bldP spid="59" grpId="0" animBg="1" advAuto="0"/>
-    </p:bldLst>
-  </p:timing>
 </p:sld>
 </file>
 

--- a/session6/F-SQL_Subqueries.pptx
+++ b/session6/F-SQL_Subqueries.pptx
@@ -32,23 +32,26 @@
     <p:sldId id="277" r:id="rId26"/>
     <p:sldId id="278" r:id="rId27"/>
     <p:sldId id="279" r:id="rId28"/>
+    <p:sldId id="280" r:id="rId29"/>
+    <p:sldId id="281" r:id="rId30"/>
+    <p:sldId id="282" r:id="rId31"/>
   </p:sldIdLst>
   <p:sldSz cy="6858000" cx="9144000"/>
   <p:notesSz cx="7315200" cy="9601200"/>
   <p:embeddedFontLst>
     <p:embeddedFont>
       <p:font typeface="Arimo"/>
-      <p:regular r:id="rId29"/>
-      <p:bold r:id="rId30"/>
-      <p:italic r:id="rId31"/>
-      <p:boldItalic r:id="rId32"/>
+      <p:regular r:id="rId32"/>
+      <p:bold r:id="rId33"/>
+      <p:italic r:id="rId34"/>
+      <p:boldItalic r:id="rId35"/>
     </p:embeddedFont>
     <p:embeddedFont>
       <p:font typeface="Montserrat"/>
-      <p:regular r:id="rId33"/>
-      <p:bold r:id="rId34"/>
-      <p:italic r:id="rId35"/>
-      <p:boldItalic r:id="rId36"/>
+      <p:regular r:id="rId36"/>
+      <p:bold r:id="rId37"/>
+      <p:italic r:id="rId38"/>
+      <p:boldItalic r:id="rId39"/>
     </p:embeddedFont>
   </p:embeddedFontLst>
   <p:defaultTextStyle>
@@ -282,7 +285,7 @@
   </p:defaultTextStyle>
   <p:extLst>
     <p:ext uri="http://customooxmlschemas.google.com/">
-      <go:slidesCustomData xmlns:go="http://customooxmlschemas.google.com/" r:id="rId37" roundtripDataSignature="AMtx7mg8RcBn23D/4Wir8RRn1ZmE/gTHVw=="/>
+      <go:slidesCustomData xmlns:go="http://customooxmlschemas.google.com/" r:id="rId40" roundtripDataSignature="AMtx7mj3ZLvO33oq78s+YwLT1n/iDoW9fA=="/>
     </p:ext>
   </p:extLst>
 </p:presentation>
@@ -1560,7 +1563,7 @@
   <p:cSld>
     <p:spTree>
       <p:nvGrpSpPr>
-        <p:cNvPr id="147" name="Shape 147"/>
+        <p:cNvPr id="149" name="Shape 149"/>
         <p:cNvGrpSpPr/>
         <p:nvPr/>
       </p:nvGrpSpPr>
@@ -1574,7 +1577,7 @@
       </p:grpSpPr>
       <p:sp>
         <p:nvSpPr>
-          <p:cNvPr id="148" name="Google Shape;148;p7:notes"/>
+          <p:cNvPr id="150" name="Google Shape;150;p7:notes"/>
           <p:cNvSpPr txBox="1"/>
           <p:nvPr>
             <p:ph idx="1" type="body"/>
@@ -1613,7 +1616,7 @@
       </p:sp>
       <p:sp>
         <p:nvSpPr>
-          <p:cNvPr id="149" name="Google Shape;149;p7:notes"/>
+          <p:cNvPr id="151" name="Google Shape;151;p7:notes"/>
           <p:cNvSpPr/>
           <p:nvPr>
             <p:ph idx="2" type="sldImg"/>
@@ -1659,7 +1662,7 @@
   <p:cSld>
     <p:spTree>
       <p:nvGrpSpPr>
-        <p:cNvPr id="154" name="Shape 154"/>
+        <p:cNvPr id="156" name="Shape 156"/>
         <p:cNvGrpSpPr/>
         <p:nvPr/>
       </p:nvGrpSpPr>
@@ -1673,7 +1676,7 @@
       </p:grpSpPr>
       <p:sp>
         <p:nvSpPr>
-          <p:cNvPr id="155" name="Google Shape;155;p8:notes"/>
+          <p:cNvPr id="157" name="Google Shape;157;p8:notes"/>
           <p:cNvSpPr txBox="1"/>
           <p:nvPr>
             <p:ph idx="1" type="body"/>
@@ -1712,7 +1715,7 @@
       </p:sp>
       <p:sp>
         <p:nvSpPr>
-          <p:cNvPr id="156" name="Google Shape;156;p8:notes"/>
+          <p:cNvPr id="158" name="Google Shape;158;p8:notes"/>
           <p:cNvSpPr/>
           <p:nvPr>
             <p:ph idx="2" type="sldImg"/>
@@ -1758,7 +1761,7 @@
   <p:cSld>
     <p:spTree>
       <p:nvGrpSpPr>
-        <p:cNvPr id="161" name="Shape 161"/>
+        <p:cNvPr id="163" name="Shape 163"/>
         <p:cNvGrpSpPr/>
         <p:nvPr/>
       </p:nvGrpSpPr>
@@ -1772,7 +1775,7 @@
       </p:grpSpPr>
       <p:sp>
         <p:nvSpPr>
-          <p:cNvPr id="162" name="Google Shape;162;p9:notes"/>
+          <p:cNvPr id="164" name="Google Shape;164;p9:notes"/>
           <p:cNvSpPr txBox="1"/>
           <p:nvPr>
             <p:ph idx="1" type="body"/>
@@ -1811,7 +1814,7 @@
       </p:sp>
       <p:sp>
         <p:nvSpPr>
-          <p:cNvPr id="163" name="Google Shape;163;p9:notes"/>
+          <p:cNvPr id="165" name="Google Shape;165;p9:notes"/>
           <p:cNvSpPr/>
           <p:nvPr>
             <p:ph idx="2" type="sldImg"/>
@@ -1857,7 +1860,7 @@
   <p:cSld>
     <p:spTree>
       <p:nvGrpSpPr>
-        <p:cNvPr id="168" name="Shape 168"/>
+        <p:cNvPr id="170" name="Shape 170"/>
         <p:cNvGrpSpPr/>
         <p:nvPr/>
       </p:nvGrpSpPr>
@@ -1871,7 +1874,7 @@
       </p:grpSpPr>
       <p:sp>
         <p:nvSpPr>
-          <p:cNvPr id="169" name="Google Shape;169;p10:notes"/>
+          <p:cNvPr id="171" name="Google Shape;171;p10:notes"/>
           <p:cNvSpPr txBox="1"/>
           <p:nvPr>
             <p:ph idx="1" type="body"/>
@@ -1910,7 +1913,7 @@
       </p:sp>
       <p:sp>
         <p:nvSpPr>
-          <p:cNvPr id="170" name="Google Shape;170;p10:notes"/>
+          <p:cNvPr id="172" name="Google Shape;172;p10:notes"/>
           <p:cNvSpPr/>
           <p:nvPr>
             <p:ph idx="2" type="sldImg"/>
@@ -1956,7 +1959,7 @@
   <p:cSld>
     <p:spTree>
       <p:nvGrpSpPr>
-        <p:cNvPr id="175" name="Shape 175"/>
+        <p:cNvPr id="177" name="Shape 177"/>
         <p:cNvGrpSpPr/>
         <p:nvPr/>
       </p:nvGrpSpPr>
@@ -1970,7 +1973,7 @@
       </p:grpSpPr>
       <p:sp>
         <p:nvSpPr>
-          <p:cNvPr id="176" name="Google Shape;176;p14:notes"/>
+          <p:cNvPr id="178" name="Google Shape;178;p14:notes"/>
           <p:cNvSpPr txBox="1"/>
           <p:nvPr>
             <p:ph idx="1" type="body"/>
@@ -2009,7 +2012,7 @@
       </p:sp>
       <p:sp>
         <p:nvSpPr>
-          <p:cNvPr id="177" name="Google Shape;177;p14:notes"/>
+          <p:cNvPr id="179" name="Google Shape;179;p14:notes"/>
           <p:cNvSpPr/>
           <p:nvPr>
             <p:ph idx="2" type="sldImg"/>
@@ -2055,7 +2058,7 @@
   <p:cSld>
     <p:spTree>
       <p:nvGrpSpPr>
-        <p:cNvPr id="182" name="Shape 182"/>
+        <p:cNvPr id="184" name="Shape 184"/>
         <p:cNvGrpSpPr/>
         <p:nvPr/>
       </p:nvGrpSpPr>
@@ -2069,7 +2072,7 @@
       </p:grpSpPr>
       <p:sp>
         <p:nvSpPr>
-          <p:cNvPr id="183" name="Google Shape;183;p15:notes"/>
+          <p:cNvPr id="185" name="Google Shape;185;p15:notes"/>
           <p:cNvSpPr txBox="1"/>
           <p:nvPr>
             <p:ph idx="1" type="body"/>
@@ -2108,7 +2111,7 @@
       </p:sp>
       <p:sp>
         <p:nvSpPr>
-          <p:cNvPr id="184" name="Google Shape;184;p15:notes"/>
+          <p:cNvPr id="186" name="Google Shape;186;p15:notes"/>
           <p:cNvSpPr/>
           <p:nvPr>
             <p:ph idx="2" type="sldImg"/>
@@ -2154,7 +2157,7 @@
   <p:cSld>
     <p:spTree>
       <p:nvGrpSpPr>
-        <p:cNvPr id="189" name="Shape 189"/>
+        <p:cNvPr id="191" name="Shape 191"/>
         <p:cNvGrpSpPr/>
         <p:nvPr/>
       </p:nvGrpSpPr>
@@ -2168,7 +2171,7 @@
       </p:grpSpPr>
       <p:sp>
         <p:nvSpPr>
-          <p:cNvPr id="190" name="Google Shape;190;p11:notes"/>
+          <p:cNvPr id="192" name="Google Shape;192;p11:notes"/>
           <p:cNvSpPr txBox="1"/>
           <p:nvPr>
             <p:ph idx="1" type="body"/>
@@ -2207,7 +2210,7 @@
       </p:sp>
       <p:sp>
         <p:nvSpPr>
-          <p:cNvPr id="191" name="Google Shape;191;p11:notes"/>
+          <p:cNvPr id="193" name="Google Shape;193;p11:notes"/>
           <p:cNvSpPr/>
           <p:nvPr>
             <p:ph idx="2" type="sldImg"/>
@@ -2253,7 +2256,7 @@
   <p:cSld>
     <p:spTree>
       <p:nvGrpSpPr>
-        <p:cNvPr id="195" name="Shape 195"/>
+        <p:cNvPr id="197" name="Shape 197"/>
         <p:cNvGrpSpPr/>
         <p:nvPr/>
       </p:nvGrpSpPr>
@@ -2267,7 +2270,7 @@
       </p:grpSpPr>
       <p:sp>
         <p:nvSpPr>
-          <p:cNvPr id="196" name="Google Shape;196;p12:notes"/>
+          <p:cNvPr id="198" name="Google Shape;198;p12:notes"/>
           <p:cNvSpPr txBox="1"/>
           <p:nvPr>
             <p:ph idx="1" type="body"/>
@@ -2306,7 +2309,7 @@
       </p:sp>
       <p:sp>
         <p:nvSpPr>
-          <p:cNvPr id="197" name="Google Shape;197;p12:notes"/>
+          <p:cNvPr id="199" name="Google Shape;199;p12:notes"/>
           <p:cNvSpPr/>
           <p:nvPr>
             <p:ph idx="2" type="sldImg"/>
@@ -2352,7 +2355,7 @@
   <p:cSld>
     <p:spTree>
       <p:nvGrpSpPr>
-        <p:cNvPr id="202" name="Shape 202"/>
+        <p:cNvPr id="204" name="Shape 204"/>
         <p:cNvGrpSpPr/>
         <p:nvPr/>
       </p:nvGrpSpPr>
@@ -2366,7 +2369,7 @@
       </p:grpSpPr>
       <p:sp>
         <p:nvSpPr>
-          <p:cNvPr id="203" name="Google Shape;203;p13:notes"/>
+          <p:cNvPr id="205" name="Google Shape;205;p13:notes"/>
           <p:cNvSpPr/>
           <p:nvPr>
             <p:ph idx="2" type="sldImg"/>
@@ -2411,7 +2414,7 @@
       </p:sp>
       <p:sp>
         <p:nvSpPr>
-          <p:cNvPr id="204" name="Google Shape;204;p13:notes"/>
+          <p:cNvPr id="206" name="Google Shape;206;p13:notes"/>
           <p:cNvSpPr txBox="1"/>
           <p:nvPr>
             <p:ph idx="1" type="body"/>
@@ -2465,7 +2468,7 @@
   <p:cSld>
     <p:spTree>
       <p:nvGrpSpPr>
-        <p:cNvPr id="209" name="Shape 209"/>
+        <p:cNvPr id="211" name="Shape 211"/>
         <p:cNvGrpSpPr/>
         <p:nvPr/>
       </p:nvGrpSpPr>
@@ -2479,46 +2482,7 @@
       </p:grpSpPr>
       <p:sp>
         <p:nvSpPr>
-          <p:cNvPr id="210" name="Google Shape;210;p16:notes"/>
-          <p:cNvSpPr txBox="1"/>
-          <p:nvPr>
-            <p:ph idx="1" type="body"/>
-          </p:nvPr>
-        </p:nvSpPr>
-        <p:spPr>
-          <a:xfrm>
-            <a:off x="731520" y="4620577"/>
-            <a:ext cx="5852160" cy="3780473"/>
-          </a:xfrm>
-          <a:prstGeom prst="rect">
-            <a:avLst/>
-          </a:prstGeom>
-        </p:spPr>
-        <p:txBody>
-          <a:bodyPr anchorCtr="0" anchor="t" bIns="48325" lIns="96650" spcFirstLastPara="1" rIns="96650" wrap="square" tIns="48325">
-            <a:noAutofit/>
-          </a:bodyPr>
-          <a:lstStyle/>
-          <a:p>
-            <a:pPr indent="0" lvl="0" marL="0" rtl="0" algn="l">
-              <a:spcBef>
-                <a:spcPts val="0"/>
-              </a:spcBef>
-              <a:spcAft>
-                <a:spcPts val="0"/>
-              </a:spcAft>
-              <a:buNone/>
-            </a:pPr>
-            <a:r>
-              <a:t/>
-            </a:r>
-            <a:endParaRPr/>
-          </a:p>
-        </p:txBody>
-      </p:sp>
-      <p:sp>
-        <p:nvSpPr>
-          <p:cNvPr id="211" name="Google Shape;211;p16:notes"/>
+          <p:cNvPr id="212" name="Google Shape;212;g13139f0f7d7_0_0:notes"/>
           <p:cNvSpPr/>
           <p:nvPr>
             <p:ph idx="2" type="sldImg"/>
@@ -2527,7 +2491,7 @@
         <p:spPr>
           <a:xfrm>
             <a:off x="1497013" y="1200150"/>
-            <a:ext cx="4321175" cy="3240088"/>
+            <a:ext cx="4321200" cy="3240000"/>
           </a:xfrm>
           <a:custGeom>
             <a:rect b="b" l="l" r="r" t="t"/>
@@ -2549,7 +2513,60 @@
               </a:path>
             </a:pathLst>
           </a:custGeom>
+          <a:noFill/>
+          <a:ln cap="flat" cmpd="sng" w="12700">
+            <a:solidFill>
+              <a:srgbClr val="000000"/>
+            </a:solidFill>
+            <a:prstDash val="solid"/>
+            <a:round/>
+            <a:headEnd len="sm" w="sm" type="none"/>
+            <a:tailEnd len="sm" w="sm" type="none"/>
+          </a:ln>
         </p:spPr>
+      </p:sp>
+      <p:sp>
+        <p:nvSpPr>
+          <p:cNvPr id="213" name="Google Shape;213;g13139f0f7d7_0_0:notes"/>
+          <p:cNvSpPr txBox="1"/>
+          <p:nvPr>
+            <p:ph idx="1" type="body"/>
+          </p:nvPr>
+        </p:nvSpPr>
+        <p:spPr>
+          <a:xfrm>
+            <a:off x="731520" y="4620577"/>
+            <a:ext cx="5852100" cy="3780600"/>
+          </a:xfrm>
+          <a:prstGeom prst="rect">
+            <a:avLst/>
+          </a:prstGeom>
+          <a:noFill/>
+          <a:ln>
+            <a:noFill/>
+          </a:ln>
+        </p:spPr>
+        <p:txBody>
+          <a:bodyPr anchorCtr="0" anchor="t" bIns="48325" lIns="96650" spcFirstLastPara="1" rIns="96650" wrap="square" tIns="48325">
+            <a:noAutofit/>
+          </a:bodyPr>
+          <a:lstStyle/>
+          <a:p>
+            <a:pPr indent="0" lvl="0" marL="0" rtl="0" algn="l">
+              <a:spcBef>
+                <a:spcPts val="0"/>
+              </a:spcBef>
+              <a:spcAft>
+                <a:spcPts val="0"/>
+              </a:spcAft>
+              <a:buNone/>
+            </a:pPr>
+            <a:r>
+              <a:t/>
+            </a:r>
+            <a:endParaRPr/>
+          </a:p>
+        </p:txBody>
       </p:sp>
     </p:spTree>
   </p:cSld>
@@ -2663,7 +2680,7 @@
   <p:cSld>
     <p:spTree>
       <p:nvGrpSpPr>
-        <p:cNvPr id="214" name="Shape 214"/>
+        <p:cNvPr id="218" name="Shape 218"/>
         <p:cNvGrpSpPr/>
         <p:nvPr/>
       </p:nvGrpSpPr>
@@ -2677,7 +2694,332 @@
       </p:grpSpPr>
       <p:sp>
         <p:nvSpPr>
-          <p:cNvPr id="215" name="Google Shape;215;p17:notes"/>
+          <p:cNvPr id="219" name="Google Shape;219;g13139f0f7d7_0_6:notes"/>
+          <p:cNvSpPr/>
+          <p:nvPr>
+            <p:ph idx="2" type="sldImg"/>
+          </p:nvPr>
+        </p:nvSpPr>
+        <p:spPr>
+          <a:xfrm>
+            <a:off x="1497013" y="1200150"/>
+            <a:ext cx="4321200" cy="3240000"/>
+          </a:xfrm>
+          <a:custGeom>
+            <a:rect b="b" l="l" r="r" t="t"/>
+            <a:pathLst>
+              <a:path extrusionOk="0" h="120000" w="120000">
+                <a:moveTo>
+                  <a:pt x="0" y="0"/>
+                </a:moveTo>
+                <a:lnTo>
+                  <a:pt x="120000" y="0"/>
+                </a:lnTo>
+                <a:lnTo>
+                  <a:pt x="120000" y="120000"/>
+                </a:lnTo>
+                <a:lnTo>
+                  <a:pt x="0" y="120000"/>
+                </a:lnTo>
+                <a:close/>
+              </a:path>
+            </a:pathLst>
+          </a:custGeom>
+          <a:noFill/>
+          <a:ln cap="flat" cmpd="sng" w="12700">
+            <a:solidFill>
+              <a:srgbClr val="000000"/>
+            </a:solidFill>
+            <a:prstDash val="solid"/>
+            <a:round/>
+            <a:headEnd len="sm" w="sm" type="none"/>
+            <a:tailEnd len="sm" w="sm" type="none"/>
+          </a:ln>
+        </p:spPr>
+      </p:sp>
+      <p:sp>
+        <p:nvSpPr>
+          <p:cNvPr id="220" name="Google Shape;220;g13139f0f7d7_0_6:notes"/>
+          <p:cNvSpPr txBox="1"/>
+          <p:nvPr>
+            <p:ph idx="1" type="body"/>
+          </p:nvPr>
+        </p:nvSpPr>
+        <p:spPr>
+          <a:xfrm>
+            <a:off x="731520" y="4620577"/>
+            <a:ext cx="5852100" cy="3780600"/>
+          </a:xfrm>
+          <a:prstGeom prst="rect">
+            <a:avLst/>
+          </a:prstGeom>
+          <a:noFill/>
+          <a:ln>
+            <a:noFill/>
+          </a:ln>
+        </p:spPr>
+        <p:txBody>
+          <a:bodyPr anchorCtr="0" anchor="t" bIns="48325" lIns="96650" spcFirstLastPara="1" rIns="96650" wrap="square" tIns="48325">
+            <a:noAutofit/>
+          </a:bodyPr>
+          <a:lstStyle/>
+          <a:p>
+            <a:pPr indent="0" lvl="0" marL="0" rtl="0" algn="l">
+              <a:spcBef>
+                <a:spcPts val="0"/>
+              </a:spcBef>
+              <a:spcAft>
+                <a:spcPts val="0"/>
+              </a:spcAft>
+              <a:buNone/>
+            </a:pPr>
+            <a:r>
+              <a:t/>
+            </a:r>
+            <a:endParaRPr/>
+          </a:p>
+        </p:txBody>
+      </p:sp>
+    </p:spTree>
+  </p:cSld>
+  <p:clrMapOvr>
+    <a:masterClrMapping/>
+  </p:clrMapOvr>
+</p:notes>
+</file>
+
+<file path=ppt/notesSlides/notesSlide21.xml><?xml version="1.0" encoding="utf-8"?>
+<p:notes xmlns:a="http://schemas.openxmlformats.org/drawingml/2006/main" xmlns:r="http://schemas.openxmlformats.org/officeDocument/2006/relationships" xmlns:mc="http://schemas.openxmlformats.org/markup-compatibility/2006" xmlns:mv="urn:schemas-microsoft-com:mac:vml" xmlns:p="http://schemas.openxmlformats.org/presentationml/2006/main" xmlns:c="http://schemas.openxmlformats.org/drawingml/2006/chart" xmlns:dgm="http://schemas.openxmlformats.org/drawingml/2006/diagram" xmlns:o="urn:schemas-microsoft-com:office:office" xmlns:v="urn:schemas-microsoft-com:vml" xmlns:pvml="urn:schemas-microsoft-com:office:powerpoint" xmlns:com="http://schemas.openxmlformats.org/drawingml/2006/compatibility" xmlns:p14="http://schemas.microsoft.com/office/powerpoint/2010/main" xmlns:p15="http://schemas.microsoft.com/office/powerpoint/2012/main" xmlns:ahyp="http://schemas.microsoft.com/office/drawing/2018/hyperlinkcolor" showMasterPhAnim="0" showMasterSp="0">
+  <p:cSld>
+    <p:spTree>
+      <p:nvGrpSpPr>
+        <p:cNvPr id="225" name="Shape 225"/>
+        <p:cNvGrpSpPr/>
+        <p:nvPr/>
+      </p:nvGrpSpPr>
+      <p:grpSpPr>
+        <a:xfrm>
+          <a:off x="0" y="0"/>
+          <a:ext cx="0" cy="0"/>
+          <a:chOff x="0" y="0"/>
+          <a:chExt cx="0" cy="0"/>
+        </a:xfrm>
+      </p:grpSpPr>
+      <p:sp>
+        <p:nvSpPr>
+          <p:cNvPr id="226" name="Google Shape;226;g13139f0f7d7_0_12:notes"/>
+          <p:cNvSpPr/>
+          <p:nvPr>
+            <p:ph idx="2" type="sldImg"/>
+          </p:nvPr>
+        </p:nvSpPr>
+        <p:spPr>
+          <a:xfrm>
+            <a:off x="1497013" y="1200150"/>
+            <a:ext cx="4321200" cy="3240000"/>
+          </a:xfrm>
+          <a:custGeom>
+            <a:rect b="b" l="l" r="r" t="t"/>
+            <a:pathLst>
+              <a:path extrusionOk="0" h="120000" w="120000">
+                <a:moveTo>
+                  <a:pt x="0" y="0"/>
+                </a:moveTo>
+                <a:lnTo>
+                  <a:pt x="120000" y="0"/>
+                </a:lnTo>
+                <a:lnTo>
+                  <a:pt x="120000" y="120000"/>
+                </a:lnTo>
+                <a:lnTo>
+                  <a:pt x="0" y="120000"/>
+                </a:lnTo>
+                <a:close/>
+              </a:path>
+            </a:pathLst>
+          </a:custGeom>
+          <a:noFill/>
+          <a:ln cap="flat" cmpd="sng" w="12700">
+            <a:solidFill>
+              <a:srgbClr val="000000"/>
+            </a:solidFill>
+            <a:prstDash val="solid"/>
+            <a:round/>
+            <a:headEnd len="sm" w="sm" type="none"/>
+            <a:tailEnd len="sm" w="sm" type="none"/>
+          </a:ln>
+        </p:spPr>
+      </p:sp>
+      <p:sp>
+        <p:nvSpPr>
+          <p:cNvPr id="227" name="Google Shape;227;g13139f0f7d7_0_12:notes"/>
+          <p:cNvSpPr txBox="1"/>
+          <p:nvPr>
+            <p:ph idx="1" type="body"/>
+          </p:nvPr>
+        </p:nvSpPr>
+        <p:spPr>
+          <a:xfrm>
+            <a:off x="731520" y="4620577"/>
+            <a:ext cx="5852100" cy="3780600"/>
+          </a:xfrm>
+          <a:prstGeom prst="rect">
+            <a:avLst/>
+          </a:prstGeom>
+          <a:noFill/>
+          <a:ln>
+            <a:noFill/>
+          </a:ln>
+        </p:spPr>
+        <p:txBody>
+          <a:bodyPr anchorCtr="0" anchor="t" bIns="48325" lIns="96650" spcFirstLastPara="1" rIns="96650" wrap="square" tIns="48325">
+            <a:noAutofit/>
+          </a:bodyPr>
+          <a:lstStyle/>
+          <a:p>
+            <a:pPr indent="0" lvl="0" marL="0" rtl="0" algn="l">
+              <a:spcBef>
+                <a:spcPts val="0"/>
+              </a:spcBef>
+              <a:spcAft>
+                <a:spcPts val="0"/>
+              </a:spcAft>
+              <a:buNone/>
+            </a:pPr>
+            <a:r>
+              <a:t/>
+            </a:r>
+            <a:endParaRPr/>
+          </a:p>
+        </p:txBody>
+      </p:sp>
+    </p:spTree>
+  </p:cSld>
+  <p:clrMapOvr>
+    <a:masterClrMapping/>
+  </p:clrMapOvr>
+</p:notes>
+</file>
+
+<file path=ppt/notesSlides/notesSlide22.xml><?xml version="1.0" encoding="utf-8"?>
+<p:notes xmlns:a="http://schemas.openxmlformats.org/drawingml/2006/main" xmlns:r="http://schemas.openxmlformats.org/officeDocument/2006/relationships" xmlns:mc="http://schemas.openxmlformats.org/markup-compatibility/2006" xmlns:mv="urn:schemas-microsoft-com:mac:vml" xmlns:p="http://schemas.openxmlformats.org/presentationml/2006/main" xmlns:c="http://schemas.openxmlformats.org/drawingml/2006/chart" xmlns:dgm="http://schemas.openxmlformats.org/drawingml/2006/diagram" xmlns:o="urn:schemas-microsoft-com:office:office" xmlns:v="urn:schemas-microsoft-com:vml" xmlns:pvml="urn:schemas-microsoft-com:office:powerpoint" xmlns:com="http://schemas.openxmlformats.org/drawingml/2006/compatibility" xmlns:p14="http://schemas.microsoft.com/office/powerpoint/2010/main" xmlns:p15="http://schemas.microsoft.com/office/powerpoint/2012/main" xmlns:ahyp="http://schemas.microsoft.com/office/drawing/2018/hyperlinkcolor" showMasterPhAnim="0" showMasterSp="0">
+  <p:cSld>
+    <p:spTree>
+      <p:nvGrpSpPr>
+        <p:cNvPr id="232" name="Shape 232"/>
+        <p:cNvGrpSpPr/>
+        <p:nvPr/>
+      </p:nvGrpSpPr>
+      <p:grpSpPr>
+        <a:xfrm>
+          <a:off x="0" y="0"/>
+          <a:ext cx="0" cy="0"/>
+          <a:chOff x="0" y="0"/>
+          <a:chExt cx="0" cy="0"/>
+        </a:xfrm>
+      </p:grpSpPr>
+      <p:sp>
+        <p:nvSpPr>
+          <p:cNvPr id="233" name="Google Shape;233;p16:notes"/>
+          <p:cNvSpPr txBox="1"/>
+          <p:nvPr>
+            <p:ph idx="1" type="body"/>
+          </p:nvPr>
+        </p:nvSpPr>
+        <p:spPr>
+          <a:xfrm>
+            <a:off x="731520" y="4620577"/>
+            <a:ext cx="5852160" cy="3780473"/>
+          </a:xfrm>
+          <a:prstGeom prst="rect">
+            <a:avLst/>
+          </a:prstGeom>
+        </p:spPr>
+        <p:txBody>
+          <a:bodyPr anchorCtr="0" anchor="t" bIns="48325" lIns="96650" spcFirstLastPara="1" rIns="96650" wrap="square" tIns="48325">
+            <a:noAutofit/>
+          </a:bodyPr>
+          <a:lstStyle/>
+          <a:p>
+            <a:pPr indent="0" lvl="0" marL="0" rtl="0" algn="l">
+              <a:spcBef>
+                <a:spcPts val="0"/>
+              </a:spcBef>
+              <a:spcAft>
+                <a:spcPts val="0"/>
+              </a:spcAft>
+              <a:buNone/>
+            </a:pPr>
+            <a:r>
+              <a:t/>
+            </a:r>
+            <a:endParaRPr/>
+          </a:p>
+        </p:txBody>
+      </p:sp>
+      <p:sp>
+        <p:nvSpPr>
+          <p:cNvPr id="234" name="Google Shape;234;p16:notes"/>
+          <p:cNvSpPr/>
+          <p:nvPr>
+            <p:ph idx="2" type="sldImg"/>
+          </p:nvPr>
+        </p:nvSpPr>
+        <p:spPr>
+          <a:xfrm>
+            <a:off x="1497013" y="1200150"/>
+            <a:ext cx="4321175" cy="3240088"/>
+          </a:xfrm>
+          <a:custGeom>
+            <a:rect b="b" l="l" r="r" t="t"/>
+            <a:pathLst>
+              <a:path extrusionOk="0" h="120000" w="120000">
+                <a:moveTo>
+                  <a:pt x="0" y="0"/>
+                </a:moveTo>
+                <a:lnTo>
+                  <a:pt x="120000" y="0"/>
+                </a:lnTo>
+                <a:lnTo>
+                  <a:pt x="120000" y="120000"/>
+                </a:lnTo>
+                <a:lnTo>
+                  <a:pt x="0" y="120000"/>
+                </a:lnTo>
+                <a:close/>
+              </a:path>
+            </a:pathLst>
+          </a:custGeom>
+        </p:spPr>
+      </p:sp>
+    </p:spTree>
+  </p:cSld>
+  <p:clrMapOvr>
+    <a:masterClrMapping/>
+  </p:clrMapOvr>
+</p:notes>
+</file>
+
+<file path=ppt/notesSlides/notesSlide23.xml><?xml version="1.0" encoding="utf-8"?>
+<p:notes xmlns:a="http://schemas.openxmlformats.org/drawingml/2006/main" xmlns:r="http://schemas.openxmlformats.org/officeDocument/2006/relationships" xmlns:mc="http://schemas.openxmlformats.org/markup-compatibility/2006" xmlns:mv="urn:schemas-microsoft-com:mac:vml" xmlns:p="http://schemas.openxmlformats.org/presentationml/2006/main" xmlns:c="http://schemas.openxmlformats.org/drawingml/2006/chart" xmlns:dgm="http://schemas.openxmlformats.org/drawingml/2006/diagram" xmlns:o="urn:schemas-microsoft-com:office:office" xmlns:v="urn:schemas-microsoft-com:vml" xmlns:pvml="urn:schemas-microsoft-com:office:powerpoint" xmlns:com="http://schemas.openxmlformats.org/drawingml/2006/compatibility" xmlns:p14="http://schemas.microsoft.com/office/powerpoint/2010/main" xmlns:p15="http://schemas.microsoft.com/office/powerpoint/2012/main" xmlns:ahyp="http://schemas.microsoft.com/office/drawing/2018/hyperlinkcolor" showMasterPhAnim="0" showMasterSp="0">
+  <p:cSld>
+    <p:spTree>
+      <p:nvGrpSpPr>
+        <p:cNvPr id="237" name="Shape 237"/>
+        <p:cNvGrpSpPr/>
+        <p:nvPr/>
+      </p:nvGrpSpPr>
+      <p:grpSpPr>
+        <a:xfrm>
+          <a:off x="0" y="0"/>
+          <a:ext cx="0" cy="0"/>
+          <a:chOff x="0" y="0"/>
+          <a:chExt cx="0" cy="0"/>
+        </a:xfrm>
+      </p:grpSpPr>
+      <p:sp>
+        <p:nvSpPr>
+          <p:cNvPr id="238" name="Google Shape;238;p17:notes"/>
           <p:cNvSpPr/>
           <p:nvPr>
             <p:ph idx="2" type="sldImg"/>
@@ -2722,7 +3064,7 @@
       </p:sp>
       <p:sp>
         <p:nvSpPr>
-          <p:cNvPr id="216" name="Google Shape;216;p17:notes"/>
+          <p:cNvPr id="239" name="Google Shape;239;p17:notes"/>
           <p:cNvSpPr txBox="1"/>
           <p:nvPr>
             <p:ph idx="1" type="body"/>
@@ -2771,12 +3113,12 @@
 </p:notes>
 </file>
 
-<file path=ppt/notesSlides/notesSlide21.xml><?xml version="1.0" encoding="utf-8"?>
+<file path=ppt/notesSlides/notesSlide24.xml><?xml version="1.0" encoding="utf-8"?>
 <p:notes xmlns:a="http://schemas.openxmlformats.org/drawingml/2006/main" xmlns:r="http://schemas.openxmlformats.org/officeDocument/2006/relationships" xmlns:mc="http://schemas.openxmlformats.org/markup-compatibility/2006" xmlns:mv="urn:schemas-microsoft-com:mac:vml" xmlns:p="http://schemas.openxmlformats.org/presentationml/2006/main" xmlns:c="http://schemas.openxmlformats.org/drawingml/2006/chart" xmlns:dgm="http://schemas.openxmlformats.org/drawingml/2006/diagram" xmlns:o="urn:schemas-microsoft-com:office:office" xmlns:v="urn:schemas-microsoft-com:vml" xmlns:pvml="urn:schemas-microsoft-com:office:powerpoint" xmlns:com="http://schemas.openxmlformats.org/drawingml/2006/compatibility" xmlns:p14="http://schemas.microsoft.com/office/powerpoint/2010/main" xmlns:p15="http://schemas.microsoft.com/office/powerpoint/2012/main" xmlns:ahyp="http://schemas.microsoft.com/office/drawing/2018/hyperlinkcolor" showMasterPhAnim="0" showMasterSp="0">
   <p:cSld>
     <p:spTree>
       <p:nvGrpSpPr>
-        <p:cNvPr id="221" name="Shape 221"/>
+        <p:cNvPr id="244" name="Shape 244"/>
         <p:cNvGrpSpPr/>
         <p:nvPr/>
       </p:nvGrpSpPr>
@@ -2790,7 +3132,7 @@
       </p:grpSpPr>
       <p:sp>
         <p:nvSpPr>
-          <p:cNvPr id="222" name="Google Shape;222;p18:notes"/>
+          <p:cNvPr id="245" name="Google Shape;245;p18:notes"/>
           <p:cNvSpPr/>
           <p:nvPr>
             <p:ph idx="2" type="sldImg"/>
@@ -2835,7 +3177,7 @@
       </p:sp>
       <p:sp>
         <p:nvSpPr>
-          <p:cNvPr id="223" name="Google Shape;223;p18:notes"/>
+          <p:cNvPr id="246" name="Google Shape;246;p18:notes"/>
           <p:cNvSpPr txBox="1"/>
           <p:nvPr>
             <p:ph idx="1" type="body"/>
@@ -2884,12 +3226,12 @@
 </p:notes>
 </file>
 
-<file path=ppt/notesSlides/notesSlide22.xml><?xml version="1.0" encoding="utf-8"?>
+<file path=ppt/notesSlides/notesSlide25.xml><?xml version="1.0" encoding="utf-8"?>
 <p:notes xmlns:a="http://schemas.openxmlformats.org/drawingml/2006/main" xmlns:r="http://schemas.openxmlformats.org/officeDocument/2006/relationships" xmlns:mc="http://schemas.openxmlformats.org/markup-compatibility/2006" xmlns:mv="urn:schemas-microsoft-com:mac:vml" xmlns:p="http://schemas.openxmlformats.org/presentationml/2006/main" xmlns:c="http://schemas.openxmlformats.org/drawingml/2006/chart" xmlns:dgm="http://schemas.openxmlformats.org/drawingml/2006/diagram" xmlns:o="urn:schemas-microsoft-com:office:office" xmlns:v="urn:schemas-microsoft-com:vml" xmlns:pvml="urn:schemas-microsoft-com:office:powerpoint" xmlns:com="http://schemas.openxmlformats.org/drawingml/2006/compatibility" xmlns:p14="http://schemas.microsoft.com/office/powerpoint/2010/main" xmlns:p15="http://schemas.microsoft.com/office/powerpoint/2012/main" xmlns:ahyp="http://schemas.microsoft.com/office/drawing/2018/hyperlinkcolor" showMasterPhAnim="0" showMasterSp="0">
   <p:cSld>
     <p:spTree>
       <p:nvGrpSpPr>
-        <p:cNvPr id="228" name="Shape 228"/>
+        <p:cNvPr id="251" name="Shape 251"/>
         <p:cNvGrpSpPr/>
         <p:nvPr/>
       </p:nvGrpSpPr>
@@ -2903,7 +3245,7 @@
       </p:grpSpPr>
       <p:sp>
         <p:nvSpPr>
-          <p:cNvPr id="229" name="Google Shape;229;p19:notes"/>
+          <p:cNvPr id="252" name="Google Shape;252;p19:notes"/>
           <p:cNvSpPr/>
           <p:nvPr>
             <p:ph idx="2" type="sldImg"/>
@@ -2948,7 +3290,7 @@
       </p:sp>
       <p:sp>
         <p:nvSpPr>
-          <p:cNvPr id="230" name="Google Shape;230;p19:notes"/>
+          <p:cNvPr id="253" name="Google Shape;253;p19:notes"/>
           <p:cNvSpPr txBox="1"/>
           <p:nvPr>
             <p:ph idx="1" type="body"/>
@@ -2997,12 +3339,12 @@
 </p:notes>
 </file>
 
-<file path=ppt/notesSlides/notesSlide23.xml><?xml version="1.0" encoding="utf-8"?>
+<file path=ppt/notesSlides/notesSlide26.xml><?xml version="1.0" encoding="utf-8"?>
 <p:notes xmlns:a="http://schemas.openxmlformats.org/drawingml/2006/main" xmlns:r="http://schemas.openxmlformats.org/officeDocument/2006/relationships" xmlns:mc="http://schemas.openxmlformats.org/markup-compatibility/2006" xmlns:mv="urn:schemas-microsoft-com:mac:vml" xmlns:p="http://schemas.openxmlformats.org/presentationml/2006/main" xmlns:c="http://schemas.openxmlformats.org/drawingml/2006/chart" xmlns:dgm="http://schemas.openxmlformats.org/drawingml/2006/diagram" xmlns:o="urn:schemas-microsoft-com:office:office" xmlns:v="urn:schemas-microsoft-com:vml" xmlns:pvml="urn:schemas-microsoft-com:office:powerpoint" xmlns:com="http://schemas.openxmlformats.org/drawingml/2006/compatibility" xmlns:p14="http://schemas.microsoft.com/office/powerpoint/2010/main" xmlns:p15="http://schemas.microsoft.com/office/powerpoint/2012/main" xmlns:ahyp="http://schemas.microsoft.com/office/drawing/2018/hyperlinkcolor" showMasterPhAnim="0" showMasterSp="0">
   <p:cSld>
     <p:spTree>
       <p:nvGrpSpPr>
-        <p:cNvPr id="235" name="Shape 235"/>
+        <p:cNvPr id="258" name="Shape 258"/>
         <p:cNvGrpSpPr/>
         <p:nvPr/>
       </p:nvGrpSpPr>
@@ -3016,7 +3358,7 @@
       </p:grpSpPr>
       <p:sp>
         <p:nvSpPr>
-          <p:cNvPr id="236" name="Google Shape;236;p20:notes"/>
+          <p:cNvPr id="259" name="Google Shape;259;p20:notes"/>
           <p:cNvSpPr/>
           <p:nvPr>
             <p:ph idx="2" type="sldImg"/>
@@ -3061,7 +3403,7 @@
       </p:sp>
       <p:sp>
         <p:nvSpPr>
-          <p:cNvPr id="237" name="Google Shape;237;p20:notes"/>
+          <p:cNvPr id="260" name="Google Shape;260;p20:notes"/>
           <p:cNvSpPr txBox="1"/>
           <p:nvPr>
             <p:ph idx="1" type="body"/>
@@ -3110,12 +3452,12 @@
 </p:notes>
 </file>
 
-<file path=ppt/notesSlides/notesSlide24.xml><?xml version="1.0" encoding="utf-8"?>
+<file path=ppt/notesSlides/notesSlide27.xml><?xml version="1.0" encoding="utf-8"?>
 <p:notes xmlns:a="http://schemas.openxmlformats.org/drawingml/2006/main" xmlns:r="http://schemas.openxmlformats.org/officeDocument/2006/relationships" xmlns:mc="http://schemas.openxmlformats.org/markup-compatibility/2006" xmlns:mv="urn:schemas-microsoft-com:mac:vml" xmlns:p="http://schemas.openxmlformats.org/presentationml/2006/main" xmlns:c="http://schemas.openxmlformats.org/drawingml/2006/chart" xmlns:dgm="http://schemas.openxmlformats.org/drawingml/2006/diagram" xmlns:o="urn:schemas-microsoft-com:office:office" xmlns:v="urn:schemas-microsoft-com:vml" xmlns:pvml="urn:schemas-microsoft-com:office:powerpoint" xmlns:com="http://schemas.openxmlformats.org/drawingml/2006/compatibility" xmlns:p14="http://schemas.microsoft.com/office/powerpoint/2010/main" xmlns:p15="http://schemas.microsoft.com/office/powerpoint/2012/main" xmlns:ahyp="http://schemas.microsoft.com/office/drawing/2018/hyperlinkcolor" showMasterPhAnim="0" showMasterSp="0">
   <p:cSld>
     <p:spTree>
       <p:nvGrpSpPr>
-        <p:cNvPr id="242" name="Shape 242"/>
+        <p:cNvPr id="265" name="Shape 265"/>
         <p:cNvGrpSpPr/>
         <p:nvPr/>
       </p:nvGrpSpPr>
@@ -3129,7 +3471,7 @@
       </p:grpSpPr>
       <p:sp>
         <p:nvSpPr>
-          <p:cNvPr id="243" name="Google Shape;243;p21:notes"/>
+          <p:cNvPr id="266" name="Google Shape;266;p21:notes"/>
           <p:cNvSpPr txBox="1"/>
           <p:nvPr>
             <p:ph idx="1" type="body"/>
@@ -3168,7 +3510,7 @@
       </p:sp>
       <p:sp>
         <p:nvSpPr>
-          <p:cNvPr id="244" name="Google Shape;244;p21:notes"/>
+          <p:cNvPr id="267" name="Google Shape;267;p21:notes"/>
           <p:cNvSpPr/>
           <p:nvPr>
             <p:ph idx="2" type="sldImg"/>
@@ -3567,7 +3909,7 @@
       </p:grpSpPr>
       <p:sp>
         <p:nvSpPr>
-          <p:cNvPr id="117" name="Google Shape;117;g12c30a3ea24_0_0:notes"/>
+          <p:cNvPr id="117" name="Google Shape;117;g12e52e12d1a_0_0:notes"/>
           <p:cNvSpPr/>
           <p:nvPr>
             <p:ph idx="2" type="sldImg"/>
@@ -3598,11 +3940,21 @@
               </a:path>
             </a:pathLst>
           </a:custGeom>
+          <a:noFill/>
+          <a:ln cap="flat" cmpd="sng" w="12700">
+            <a:solidFill>
+              <a:srgbClr val="000000"/>
+            </a:solidFill>
+            <a:prstDash val="solid"/>
+            <a:round/>
+            <a:headEnd len="sm" w="sm" type="none"/>
+            <a:tailEnd len="sm" w="sm" type="none"/>
+          </a:ln>
         </p:spPr>
       </p:sp>
       <p:sp>
         <p:nvSpPr>
-          <p:cNvPr id="118" name="Google Shape;118;g12c30a3ea24_0_0:notes"/>
+          <p:cNvPr id="118" name="Google Shape;118;g12e52e12d1a_0_0:notes"/>
           <p:cNvSpPr txBox="1"/>
           <p:nvPr>
             <p:ph idx="1" type="body"/>
@@ -3616,6 +3968,10 @@
           <a:prstGeom prst="rect">
             <a:avLst/>
           </a:prstGeom>
+          <a:noFill/>
+          <a:ln>
+            <a:noFill/>
+          </a:ln>
         </p:spPr>
         <p:txBody>
           <a:bodyPr anchorCtr="0" anchor="t" bIns="48325" lIns="96650" spcFirstLastPara="1" rIns="96650" wrap="square" tIns="48325">
@@ -3635,50 +3991,6 @@
             <a:r>
               <a:t/>
             </a:r>
-            <a:endParaRPr/>
-          </a:p>
-        </p:txBody>
-      </p:sp>
-      <p:sp>
-        <p:nvSpPr>
-          <p:cNvPr id="119" name="Google Shape;119;g12c30a3ea24_0_0:notes"/>
-          <p:cNvSpPr txBox="1"/>
-          <p:nvPr>
-            <p:ph idx="12" type="sldNum"/>
-          </p:nvPr>
-        </p:nvSpPr>
-        <p:spPr>
-          <a:xfrm>
-            <a:off x="4143587" y="9119475"/>
-            <a:ext cx="3169800" cy="481800"/>
-          </a:xfrm>
-          <a:prstGeom prst="rect">
-            <a:avLst/>
-          </a:prstGeom>
-        </p:spPr>
-        <p:txBody>
-          <a:bodyPr anchorCtr="0" anchor="b" bIns="48325" lIns="96650" spcFirstLastPara="1" rIns="96650" wrap="square" tIns="48325">
-            <a:noAutofit/>
-          </a:bodyPr>
-          <a:lstStyle/>
-          <a:p>
-            <a:pPr indent="0" lvl="0" marL="0" rtl="0" algn="r">
-              <a:spcBef>
-                <a:spcPts val="0"/>
-              </a:spcBef>
-              <a:spcAft>
-                <a:spcPts val="0"/>
-              </a:spcAft>
-              <a:buClr>
-                <a:srgbClr val="000000"/>
-              </a:buClr>
-              <a:buFont typeface="Arial"/>
-              <a:buNone/>
-            </a:pPr>
-            <a:fld id="{00000000-1234-1234-1234-123412341234}" type="slidenum">
-              <a:rPr lang="en-US"/>
-              <a:t>‹#›</a:t>
-            </a:fld>
             <a:endParaRPr/>
           </a:p>
         </p:txBody>
@@ -3696,7 +4008,7 @@
   <p:cSld>
     <p:spTree>
       <p:nvGrpSpPr>
-        <p:cNvPr id="121" name="Shape 121"/>
+        <p:cNvPr id="123" name="Shape 123"/>
         <p:cNvGrpSpPr/>
         <p:nvPr/>
       </p:nvGrpSpPr>
@@ -3710,7 +4022,7 @@
       </p:grpSpPr>
       <p:sp>
         <p:nvSpPr>
-          <p:cNvPr id="122" name="Google Shape;122;p3:notes"/>
+          <p:cNvPr id="124" name="Google Shape;124;p3:notes"/>
           <p:cNvSpPr txBox="1"/>
           <p:nvPr>
             <p:ph idx="1" type="body"/>
@@ -3749,7 +4061,7 @@
       </p:sp>
       <p:sp>
         <p:nvSpPr>
-          <p:cNvPr id="123" name="Google Shape;123;p3:notes"/>
+          <p:cNvPr id="125" name="Google Shape;125;p3:notes"/>
           <p:cNvSpPr/>
           <p:nvPr>
             <p:ph idx="2" type="sldImg"/>
@@ -3795,7 +4107,7 @@
   <p:cSld>
     <p:spTree>
       <p:nvGrpSpPr>
-        <p:cNvPr id="133" name="Shape 133"/>
+        <p:cNvPr id="135" name="Shape 135"/>
         <p:cNvGrpSpPr/>
         <p:nvPr/>
       </p:nvGrpSpPr>
@@ -3809,7 +4121,7 @@
       </p:grpSpPr>
       <p:sp>
         <p:nvSpPr>
-          <p:cNvPr id="134" name="Google Shape;134;p4:notes"/>
+          <p:cNvPr id="136" name="Google Shape;136;p4:notes"/>
           <p:cNvSpPr/>
           <p:nvPr>
             <p:ph idx="2" type="sldImg"/>
@@ -3854,7 +4166,7 @@
       </p:sp>
       <p:sp>
         <p:nvSpPr>
-          <p:cNvPr id="135" name="Google Shape;135;p4:notes"/>
+          <p:cNvPr id="137" name="Google Shape;137;p4:notes"/>
           <p:cNvSpPr txBox="1"/>
           <p:nvPr>
             <p:ph idx="1" type="body"/>
@@ -3908,7 +4220,7 @@
   <p:cSld>
     <p:spTree>
       <p:nvGrpSpPr>
-        <p:cNvPr id="140" name="Shape 140"/>
+        <p:cNvPr id="142" name="Shape 142"/>
         <p:cNvGrpSpPr/>
         <p:nvPr/>
       </p:nvGrpSpPr>
@@ -3922,7 +4234,7 @@
       </p:grpSpPr>
       <p:sp>
         <p:nvSpPr>
-          <p:cNvPr id="141" name="Google Shape;141;g12c30a3ea24_0_27:notes"/>
+          <p:cNvPr id="143" name="Google Shape;143;g12c30a3ea24_0_27:notes"/>
           <p:cNvSpPr/>
           <p:nvPr>
             <p:ph idx="2" type="sldImg"/>
@@ -3967,7 +4279,7 @@
       </p:sp>
       <p:sp>
         <p:nvSpPr>
-          <p:cNvPr id="142" name="Google Shape;142;g12c30a3ea24_0_27:notes"/>
+          <p:cNvPr id="144" name="Google Shape;144;g12c30a3ea24_0_27:notes"/>
           <p:cNvSpPr txBox="1"/>
           <p:nvPr>
             <p:ph idx="1" type="body"/>
@@ -14161,7 +14473,7 @@
   <p:cSld>
     <p:spTree>
       <p:nvGrpSpPr>
-        <p:cNvPr id="150" name="Shape 150"/>
+        <p:cNvPr id="152" name="Shape 152"/>
         <p:cNvGrpSpPr/>
         <p:nvPr/>
       </p:nvGrpSpPr>
@@ -14175,7 +14487,7 @@
       </p:grpSpPr>
       <p:sp>
         <p:nvSpPr>
-          <p:cNvPr id="151" name="Google Shape;151;p7"/>
+          <p:cNvPr id="153" name="Google Shape;153;p7"/>
           <p:cNvSpPr/>
           <p:nvPr/>
         </p:nvSpPr>
@@ -14233,7 +14545,7 @@
       </p:sp>
       <p:sp>
         <p:nvSpPr>
-          <p:cNvPr id="152" name="Google Shape;152;p7"/>
+          <p:cNvPr id="154" name="Google Shape;154;p7"/>
           <p:cNvSpPr/>
           <p:nvPr/>
         </p:nvSpPr>
@@ -14282,14 +14594,14 @@
       </p:sp>
       <p:sp>
         <p:nvSpPr>
-          <p:cNvPr id="153" name="Google Shape;153;p7"/>
+          <p:cNvPr id="155" name="Google Shape;155;p7"/>
           <p:cNvSpPr/>
           <p:nvPr/>
         </p:nvSpPr>
         <p:spPr>
           <a:xfrm>
-            <a:off x="469900" y="948690"/>
-            <a:ext cx="8044665" cy="5632311"/>
+            <a:off x="469900" y="948701"/>
+            <a:ext cx="8044800" cy="5909400"/>
           </a:xfrm>
           <a:prstGeom prst="rect">
             <a:avLst/>
@@ -14421,7 +14733,7 @@
             <a:r>
               <a:rPr b="1" lang="en-US" sz="1800">
                 <a:solidFill>
-                  <a:schemeClr val="dk1"/>
+                  <a:srgbClr val="980000"/>
                 </a:solidFill>
                 <a:latin typeface="Montserrat"/>
                 <a:ea typeface="Montserrat"/>
@@ -14433,7 +14745,7 @@
             <a:r>
               <a:rPr lang="en-US" sz="1800">
                 <a:solidFill>
-                  <a:schemeClr val="dk1"/>
+                  <a:srgbClr val="980000"/>
                 </a:solidFill>
                 <a:latin typeface="Montserrat"/>
                 <a:ea typeface="Montserrat"/>
@@ -14445,7 +14757,7 @@
             <a:r>
               <a:rPr b="1" lang="en-US" sz="1800">
                 <a:solidFill>
-                  <a:schemeClr val="dk1"/>
+                  <a:srgbClr val="980000"/>
                 </a:solidFill>
                 <a:latin typeface="Montserrat"/>
                 <a:ea typeface="Montserrat"/>
@@ -14455,6 +14767,9 @@
               <a:t>AS</a:t>
             </a:r>
             <a:endParaRPr>
+              <a:solidFill>
+                <a:srgbClr val="980000"/>
+              </a:solidFill>
               <a:latin typeface="Montserrat"/>
               <a:ea typeface="Montserrat"/>
               <a:cs typeface="Montserrat"/>
@@ -14917,7 +15232,7 @@
   <p:cSld>
     <p:spTree>
       <p:nvGrpSpPr>
-        <p:cNvPr id="157" name="Shape 157"/>
+        <p:cNvPr id="159" name="Shape 159"/>
         <p:cNvGrpSpPr/>
         <p:nvPr/>
       </p:nvGrpSpPr>
@@ -14931,7 +15246,7 @@
       </p:grpSpPr>
       <p:sp>
         <p:nvSpPr>
-          <p:cNvPr id="158" name="Google Shape;158;p8"/>
+          <p:cNvPr id="160" name="Google Shape;160;p8"/>
           <p:cNvSpPr/>
           <p:nvPr/>
         </p:nvSpPr>
@@ -14989,7 +15304,7 @@
       </p:sp>
       <p:sp>
         <p:nvSpPr>
-          <p:cNvPr id="159" name="Google Shape;159;p8"/>
+          <p:cNvPr id="161" name="Google Shape;161;p8"/>
           <p:cNvSpPr/>
           <p:nvPr/>
         </p:nvSpPr>
@@ -15038,7 +15353,7 @@
       </p:sp>
       <p:sp>
         <p:nvSpPr>
-          <p:cNvPr id="160" name="Google Shape;160;p8"/>
+          <p:cNvPr id="162" name="Google Shape;162;p8"/>
           <p:cNvSpPr/>
           <p:nvPr/>
         </p:nvSpPr>
@@ -15125,7 +15440,7 @@
             <a:r>
               <a:rPr b="1" i="0" lang="en-US" sz="1800" u="none" cap="none" strike="noStrike">
                 <a:solidFill>
-                  <a:schemeClr val="dk1"/>
+                  <a:srgbClr val="980000"/>
                 </a:solidFill>
                 <a:latin typeface="Montserrat"/>
                 <a:ea typeface="Montserrat"/>
@@ -15137,7 +15452,7 @@
             <a:r>
               <a:rPr lang="en-US" sz="1800">
                 <a:solidFill>
-                  <a:schemeClr val="dk1"/>
+                  <a:srgbClr val="980000"/>
                 </a:solidFill>
                 <a:latin typeface="Montserrat"/>
                 <a:ea typeface="Montserrat"/>
@@ -15149,7 +15464,7 @@
             <a:r>
               <a:rPr b="1" i="0" lang="en-US" sz="1800" u="none" cap="none" strike="noStrike">
                 <a:solidFill>
-                  <a:schemeClr val="dk1"/>
+                  <a:srgbClr val="980000"/>
                 </a:solidFill>
                 <a:latin typeface="Montserrat"/>
                 <a:ea typeface="Montserrat"/>
@@ -15161,7 +15476,7 @@
             <a:br>
               <a:rPr b="1" i="0" lang="en-US" sz="1800" u="none" cap="none" strike="noStrike">
                 <a:solidFill>
-                  <a:schemeClr val="dk1"/>
+                  <a:srgbClr val="980000"/>
                 </a:solidFill>
                 <a:latin typeface="Montserrat"/>
                 <a:ea typeface="Montserrat"/>
@@ -15492,7 +15807,7 @@
   <p:cSld>
     <p:spTree>
       <p:nvGrpSpPr>
-        <p:cNvPr id="164" name="Shape 164"/>
+        <p:cNvPr id="166" name="Shape 166"/>
         <p:cNvGrpSpPr/>
         <p:nvPr/>
       </p:nvGrpSpPr>
@@ -15506,7 +15821,7 @@
       </p:grpSpPr>
       <p:sp>
         <p:nvSpPr>
-          <p:cNvPr id="165" name="Google Shape;165;p9"/>
+          <p:cNvPr id="167" name="Google Shape;167;p9"/>
           <p:cNvSpPr/>
           <p:nvPr/>
         </p:nvSpPr>
@@ -15651,7 +15966,7 @@
       </p:sp>
       <p:sp>
         <p:nvSpPr>
-          <p:cNvPr id="166" name="Google Shape;166;p9"/>
+          <p:cNvPr id="168" name="Google Shape;168;p9"/>
           <p:cNvSpPr/>
           <p:nvPr/>
         </p:nvSpPr>
@@ -15700,7 +16015,7 @@
       </p:sp>
       <p:sp>
         <p:nvSpPr>
-          <p:cNvPr id="167" name="Google Shape;167;p9"/>
+          <p:cNvPr id="169" name="Google Shape;169;p9"/>
           <p:cNvSpPr/>
           <p:nvPr/>
         </p:nvSpPr>
@@ -16306,7 +16621,7 @@
   <p:cSld>
     <p:spTree>
       <p:nvGrpSpPr>
-        <p:cNvPr id="171" name="Shape 171"/>
+        <p:cNvPr id="173" name="Shape 173"/>
         <p:cNvGrpSpPr/>
         <p:nvPr/>
       </p:nvGrpSpPr>
@@ -16320,7 +16635,7 @@
       </p:grpSpPr>
       <p:sp>
         <p:nvSpPr>
-          <p:cNvPr id="172" name="Google Shape;172;p10"/>
+          <p:cNvPr id="174" name="Google Shape;174;p10"/>
           <p:cNvSpPr/>
           <p:nvPr/>
         </p:nvSpPr>
@@ -16362,6 +16677,18 @@
                 <a:cs typeface="Montserrat"/>
                 <a:sym typeface="Montserrat"/>
               </a:rPr>
+              <a:t>Use case: </a:t>
+            </a:r>
+            <a:r>
+              <a:rPr b="1" lang="en-US" sz="3000">
+                <a:solidFill>
+                  <a:srgbClr val="57068C"/>
+                </a:solidFill>
+                <a:latin typeface="Montserrat"/>
+                <a:ea typeface="Montserrat"/>
+                <a:cs typeface="Montserrat"/>
+                <a:sym typeface="Montserrat"/>
+              </a:rPr>
               <a:t>Simplifying Common Queries</a:t>
             </a:r>
             <a:endParaRPr b="1" sz="3000">
@@ -16378,7 +16705,7 @@
       </p:sp>
       <p:sp>
         <p:nvSpPr>
-          <p:cNvPr id="173" name="Google Shape;173;p10"/>
+          <p:cNvPr id="175" name="Google Shape;175;p10"/>
           <p:cNvSpPr/>
           <p:nvPr/>
         </p:nvSpPr>
@@ -16427,7 +16754,7 @@
       </p:sp>
       <p:sp>
         <p:nvSpPr>
-          <p:cNvPr id="174" name="Google Shape;174;p10"/>
+          <p:cNvPr id="176" name="Google Shape;176;p10"/>
           <p:cNvSpPr/>
           <p:nvPr/>
         </p:nvSpPr>
@@ -17033,7 +17360,7 @@
   <p:cSld>
     <p:spTree>
       <p:nvGrpSpPr>
-        <p:cNvPr id="178" name="Shape 178"/>
+        <p:cNvPr id="180" name="Shape 180"/>
         <p:cNvGrpSpPr/>
         <p:nvPr/>
       </p:nvGrpSpPr>
@@ -17047,7 +17374,7 @@
       </p:grpSpPr>
       <p:sp>
         <p:nvSpPr>
-          <p:cNvPr id="179" name="Google Shape;179;p14"/>
+          <p:cNvPr id="181" name="Google Shape;181;p14"/>
           <p:cNvSpPr/>
           <p:nvPr/>
         </p:nvSpPr>
@@ -17128,7 +17455,7 @@
       </p:sp>
       <p:sp>
         <p:nvSpPr>
-          <p:cNvPr id="180" name="Google Shape;180;p14"/>
+          <p:cNvPr id="182" name="Google Shape;182;p14"/>
           <p:cNvSpPr/>
           <p:nvPr/>
         </p:nvSpPr>
@@ -17451,7 +17778,7 @@
       </p:sp>
       <p:sp>
         <p:nvSpPr>
-          <p:cNvPr id="181" name="Google Shape;181;p14"/>
+          <p:cNvPr id="183" name="Google Shape;183;p14"/>
           <p:cNvSpPr txBox="1"/>
           <p:nvPr/>
         </p:nvSpPr>
@@ -17517,7 +17844,7 @@
   <p:cSld>
     <p:spTree>
       <p:nvGrpSpPr>
-        <p:cNvPr id="185" name="Shape 185"/>
+        <p:cNvPr id="187" name="Shape 187"/>
         <p:cNvGrpSpPr/>
         <p:nvPr/>
       </p:nvGrpSpPr>
@@ -17531,7 +17858,7 @@
       </p:grpSpPr>
       <p:sp>
         <p:nvSpPr>
-          <p:cNvPr id="186" name="Google Shape;186;p15"/>
+          <p:cNvPr id="188" name="Google Shape;188;p15"/>
           <p:cNvSpPr/>
           <p:nvPr/>
         </p:nvSpPr>
@@ -17589,7 +17916,7 @@
       </p:sp>
       <p:sp>
         <p:nvSpPr>
-          <p:cNvPr id="187" name="Google Shape;187;p15"/>
+          <p:cNvPr id="189" name="Google Shape;189;p15"/>
           <p:cNvSpPr/>
           <p:nvPr/>
         </p:nvSpPr>
@@ -17638,7 +17965,7 @@
       </p:sp>
       <p:sp>
         <p:nvSpPr>
-          <p:cNvPr id="188" name="Google Shape;188;p15"/>
+          <p:cNvPr id="190" name="Google Shape;190;p15"/>
           <p:cNvSpPr txBox="1"/>
           <p:nvPr/>
         </p:nvSpPr>
@@ -18322,7 +18649,7 @@
   <p:cSld>
     <p:spTree>
       <p:nvGrpSpPr>
-        <p:cNvPr id="192" name="Shape 192"/>
+        <p:cNvPr id="194" name="Shape 194"/>
         <p:cNvGrpSpPr/>
         <p:nvPr/>
       </p:nvGrpSpPr>
@@ -18336,7 +18663,7 @@
       </p:grpSpPr>
       <p:sp>
         <p:nvSpPr>
-          <p:cNvPr id="193" name="Google Shape;193;p11"/>
+          <p:cNvPr id="195" name="Google Shape;195;p11"/>
           <p:cNvSpPr/>
           <p:nvPr/>
         </p:nvSpPr>
@@ -18716,7 +19043,7 @@
       </p:sp>
       <p:sp>
         <p:nvSpPr>
-          <p:cNvPr id="194" name="Google Shape;194;p11"/>
+          <p:cNvPr id="196" name="Google Shape;196;p11"/>
           <p:cNvSpPr/>
           <p:nvPr/>
         </p:nvSpPr>
@@ -18751,23 +19078,23 @@
             <a:r>
               <a:rPr b="1" lang="en-US" sz="3000">
                 <a:solidFill>
-                  <a:schemeClr val="dk1"/>
-                </a:solidFill>
-                <a:latin typeface="Montserrat"/>
-                <a:ea typeface="Montserrat"/>
-                <a:cs typeface="Montserrat"/>
-                <a:sym typeface="Montserrat"/>
+                  <a:srgbClr val="57068C"/>
+                </a:solidFill>
+                <a:latin typeface="Arimo"/>
+                <a:ea typeface="Arimo"/>
+                <a:cs typeface="Arimo"/>
+                <a:sym typeface="Arimo"/>
               </a:rPr>
               <a:t>Building on top of “saved” queries</a:t>
             </a:r>
             <a:endParaRPr b="1" sz="3000">
               <a:solidFill>
-                <a:schemeClr val="dk1"/>
+                <a:srgbClr val="57068C"/>
               </a:solidFill>
-              <a:latin typeface="Montserrat"/>
-              <a:ea typeface="Montserrat"/>
-              <a:cs typeface="Montserrat"/>
-              <a:sym typeface="Montserrat"/>
+              <a:latin typeface="Arimo"/>
+              <a:ea typeface="Arimo"/>
+              <a:cs typeface="Arimo"/>
+              <a:sym typeface="Arimo"/>
             </a:endParaRPr>
           </a:p>
         </p:txBody>
@@ -18785,7 +19112,7 @@
   <p:cSld>
     <p:spTree>
       <p:nvGrpSpPr>
-        <p:cNvPr id="198" name="Shape 198"/>
+        <p:cNvPr id="200" name="Shape 200"/>
         <p:cNvGrpSpPr/>
         <p:nvPr/>
       </p:nvGrpSpPr>
@@ -18799,7 +19126,7 @@
       </p:grpSpPr>
       <p:sp>
         <p:nvSpPr>
-          <p:cNvPr id="199" name="Google Shape;199;p12"/>
+          <p:cNvPr id="201" name="Google Shape;201;p12"/>
           <p:cNvSpPr/>
           <p:nvPr/>
         </p:nvSpPr>
@@ -18834,30 +19161,30 @@
             <a:r>
               <a:rPr b="1" lang="en-US" sz="3000">
                 <a:solidFill>
-                  <a:schemeClr val="dk1"/>
-                </a:solidFill>
-                <a:latin typeface="Montserrat"/>
-                <a:ea typeface="Montserrat"/>
-                <a:cs typeface="Montserrat"/>
-                <a:sym typeface="Montserrat"/>
+                  <a:srgbClr val="57068C"/>
+                </a:solidFill>
+                <a:latin typeface="Arimo"/>
+                <a:ea typeface="Arimo"/>
+                <a:cs typeface="Arimo"/>
+                <a:sym typeface="Arimo"/>
               </a:rPr>
               <a:t>Further Practice</a:t>
             </a:r>
             <a:endParaRPr b="1" sz="3000">
               <a:solidFill>
-                <a:schemeClr val="dk1"/>
+                <a:srgbClr val="57068C"/>
               </a:solidFill>
-              <a:latin typeface="Montserrat"/>
-              <a:ea typeface="Montserrat"/>
-              <a:cs typeface="Montserrat"/>
-              <a:sym typeface="Montserrat"/>
+              <a:latin typeface="Arimo"/>
+              <a:ea typeface="Arimo"/>
+              <a:cs typeface="Arimo"/>
+              <a:sym typeface="Arimo"/>
             </a:endParaRPr>
           </a:p>
         </p:txBody>
       </p:sp>
       <p:sp>
         <p:nvSpPr>
-          <p:cNvPr id="200" name="Google Shape;200;p12"/>
+          <p:cNvPr id="202" name="Google Shape;202;p12"/>
           <p:cNvSpPr/>
           <p:nvPr/>
         </p:nvSpPr>
@@ -18906,7 +19233,7 @@
       </p:sp>
       <p:sp>
         <p:nvSpPr>
-          <p:cNvPr id="201" name="Google Shape;201;p12"/>
+          <p:cNvPr id="203" name="Google Shape;203;p12"/>
           <p:cNvSpPr txBox="1"/>
           <p:nvPr/>
         </p:nvSpPr>
@@ -19204,7 +19531,7 @@
   <p:cSld>
     <p:spTree>
       <p:nvGrpSpPr>
-        <p:cNvPr id="205" name="Shape 205"/>
+        <p:cNvPr id="207" name="Shape 207"/>
         <p:cNvGrpSpPr/>
         <p:nvPr/>
       </p:nvGrpSpPr>
@@ -19218,7 +19545,7 @@
       </p:grpSpPr>
       <p:sp>
         <p:nvSpPr>
-          <p:cNvPr id="206" name="Google Shape;206;p13"/>
+          <p:cNvPr id="208" name="Google Shape;208;p13"/>
           <p:cNvSpPr/>
           <p:nvPr/>
         </p:nvSpPr>
@@ -19253,53 +19580,42 @@
             <a:r>
               <a:rPr b="1" lang="en-US" sz="3000">
                 <a:solidFill>
-                  <a:schemeClr val="dk1"/>
-                </a:solidFill>
-                <a:latin typeface="Montserrat"/>
-                <a:ea typeface="Montserrat"/>
-                <a:cs typeface="Montserrat"/>
-                <a:sym typeface="Montserrat"/>
-              </a:rPr>
-              <a:t>Subqueries Practice Query: </a:t>
-            </a:r>
-            <a:br>
+                  <a:srgbClr val="57068C"/>
+                </a:solidFill>
+                <a:latin typeface="Arimo"/>
+                <a:ea typeface="Arimo"/>
+                <a:cs typeface="Arimo"/>
+                <a:sym typeface="Arimo"/>
+              </a:rPr>
+              <a:t>Activity: </a:t>
+            </a:r>
+            <a:r>
               <a:rPr b="1" lang="en-US" sz="3000">
                 <a:solidFill>
-                  <a:schemeClr val="dk1"/>
-                </a:solidFill>
-                <a:latin typeface="Montserrat"/>
-                <a:ea typeface="Montserrat"/>
-                <a:cs typeface="Montserrat"/>
-                <a:sym typeface="Montserrat"/>
-              </a:rPr>
-            </a:br>
-            <a:r>
-              <a:rPr b="1" lang="en-US" sz="3000">
-                <a:solidFill>
-                  <a:schemeClr val="dk1"/>
-                </a:solidFill>
-                <a:latin typeface="Montserrat"/>
-                <a:ea typeface="Montserrat"/>
-                <a:cs typeface="Montserrat"/>
-                <a:sym typeface="Montserrat"/>
+                  <a:srgbClr val="57068C"/>
+                </a:solidFill>
+                <a:latin typeface="Arimo"/>
+                <a:ea typeface="Arimo"/>
+                <a:cs typeface="Arimo"/>
+                <a:sym typeface="Arimo"/>
               </a:rPr>
               <a:t>Books and Political Views</a:t>
             </a:r>
             <a:endParaRPr b="1" sz="3000">
               <a:solidFill>
-                <a:schemeClr val="dk1"/>
+                <a:srgbClr val="57068C"/>
               </a:solidFill>
-              <a:latin typeface="Montserrat"/>
-              <a:ea typeface="Montserrat"/>
-              <a:cs typeface="Montserrat"/>
-              <a:sym typeface="Montserrat"/>
+              <a:latin typeface="Arimo"/>
+              <a:ea typeface="Arimo"/>
+              <a:cs typeface="Arimo"/>
+              <a:sym typeface="Arimo"/>
             </a:endParaRPr>
           </a:p>
         </p:txBody>
       </p:sp>
       <p:sp>
         <p:nvSpPr>
-          <p:cNvPr id="207" name="Google Shape;207;p13"/>
+          <p:cNvPr id="209" name="Google Shape;209;p13"/>
           <p:cNvSpPr/>
           <p:nvPr/>
         </p:nvSpPr>
@@ -19348,14 +19664,14 @@
       </p:sp>
       <p:sp>
         <p:nvSpPr>
-          <p:cNvPr id="208" name="Google Shape;208;p13"/>
+          <p:cNvPr id="210" name="Google Shape;210;p13"/>
           <p:cNvSpPr txBox="1"/>
           <p:nvPr/>
         </p:nvSpPr>
         <p:spPr>
           <a:xfrm>
             <a:off x="204550" y="1376725"/>
-            <a:ext cx="8535900" cy="5356500"/>
+            <a:ext cx="8793900" cy="4802400"/>
           </a:xfrm>
           <a:prstGeom prst="rect">
             <a:avLst/>
@@ -19395,7 +19711,7 @@
                 <a:cs typeface="Montserrat"/>
                 <a:sym typeface="Montserrat"/>
               </a:rPr>
-              <a:t>Compare the favorite books of liberal and conservative students</a:t>
+              <a:t>Compare the favorite books of liberal and conservative students. Find books that liberals like much more often than conservatives, and vice versa.</a:t>
             </a:r>
             <a:endParaRPr>
               <a:latin typeface="Montserrat"/>
@@ -19420,6 +19736,43 @@
               <a:buChar char="•"/>
             </a:pPr>
             <a:r>
+              <a:rPr lang="en-US" sz="1800">
+                <a:solidFill>
+                  <a:schemeClr val="dk1"/>
+                </a:solidFill>
+                <a:latin typeface="Montserrat"/>
+                <a:ea typeface="Montserrat"/>
+                <a:cs typeface="Montserrat"/>
+                <a:sym typeface="Montserrat"/>
+              </a:rPr>
+              <a:t>Hints</a:t>
+            </a:r>
+            <a:endParaRPr sz="1800">
+              <a:solidFill>
+                <a:schemeClr val="dk1"/>
+              </a:solidFill>
+              <a:latin typeface="Montserrat"/>
+              <a:ea typeface="Montserrat"/>
+              <a:cs typeface="Montserrat"/>
+              <a:sym typeface="Montserrat"/>
+            </a:endParaRPr>
+          </a:p>
+          <a:p>
+            <a:pPr indent="-342900" lvl="2" marL="1371600" marR="0" rtl="0" algn="l">
+              <a:spcBef>
+                <a:spcPts val="0"/>
+              </a:spcBef>
+              <a:spcAft>
+                <a:spcPts val="0"/>
+              </a:spcAft>
+              <a:buClr>
+                <a:schemeClr val="dk1"/>
+              </a:buClr>
+              <a:buSzPts val="1800"/>
+              <a:buFont typeface="Montserrat"/>
+              <a:buChar char="•"/>
+            </a:pPr>
+            <a:r>
               <a:rPr i="0" lang="en-US" sz="1800" u="none" cap="none" strike="noStrike">
                 <a:solidFill>
                   <a:schemeClr val="dk1"/>
@@ -19429,7 +19782,55 @@
                 <a:cs typeface="Montserrat"/>
                 <a:sym typeface="Montserrat"/>
               </a:rPr>
-              <a:t>Subquery 1: Get the list of books (with counts) of all liberal students</a:t>
+              <a:t>Subquery 1: </a:t>
+            </a:r>
+            <a:r>
+              <a:rPr lang="en-US" sz="1800">
+                <a:solidFill>
+                  <a:schemeClr val="dk1"/>
+                </a:solidFill>
+                <a:latin typeface="Montserrat"/>
+                <a:ea typeface="Montserrat"/>
+                <a:cs typeface="Montserrat"/>
+                <a:sym typeface="Montserrat"/>
+              </a:rPr>
+              <a:t>L</a:t>
+            </a:r>
+            <a:r>
+              <a:rPr i="0" lang="en-US" sz="1800" u="none" cap="none" strike="noStrike">
+                <a:solidFill>
+                  <a:schemeClr val="dk1"/>
+                </a:solidFill>
+                <a:latin typeface="Montserrat"/>
+                <a:ea typeface="Montserrat"/>
+                <a:cs typeface="Montserrat"/>
+                <a:sym typeface="Montserrat"/>
+              </a:rPr>
+              <a:t>ist of books and likes </a:t>
+            </a:r>
+            <a:r>
+              <a:rPr lang="en-US" sz="1800">
+                <a:solidFill>
+                  <a:schemeClr val="dk1"/>
+                </a:solidFill>
+                <a:latin typeface="Montserrat"/>
+                <a:ea typeface="Montserrat"/>
+                <a:cs typeface="Montserrat"/>
+                <a:sym typeface="Montserrat"/>
+              </a:rPr>
+              <a:t>from</a:t>
+            </a:r>
+            <a:r>
+              <a:rPr i="0" lang="en-US" sz="1800" u="none" cap="none" strike="noStrike">
+                <a:solidFill>
+                  <a:schemeClr val="dk1"/>
+                </a:solidFill>
+                <a:latin typeface="Montserrat"/>
+                <a:ea typeface="Montserrat"/>
+                <a:cs typeface="Montserrat"/>
+                <a:sym typeface="Montserrat"/>
+              </a:rPr>
+              <a:t> liberal students</a:t>
             </a:r>
             <a:endParaRPr>
               <a:latin typeface="Montserrat"/>
@@ -19439,7 +19840,7 @@
             </a:endParaRPr>
           </a:p>
           <a:p>
-            <a:pPr indent="-285750" lvl="1" marL="742950" marR="0" rtl="0" algn="l">
+            <a:pPr indent="-342900" lvl="2" marL="1371600" marR="0" rtl="0" algn="l">
               <a:spcBef>
                 <a:spcPts val="0"/>
               </a:spcBef>
@@ -19463,7 +19864,55 @@
                 <a:cs typeface="Montserrat"/>
                 <a:sym typeface="Montserrat"/>
               </a:rPr>
-              <a:t>Subquery 2: Get the list of books (with counts) of all conservative students</a:t>
+              <a:t>Subquery 2: </a:t>
+            </a:r>
+            <a:r>
+              <a:rPr lang="en-US" sz="1800">
+                <a:solidFill>
+                  <a:schemeClr val="dk1"/>
+                </a:solidFill>
+                <a:latin typeface="Montserrat"/>
+                <a:ea typeface="Montserrat"/>
+                <a:cs typeface="Montserrat"/>
+                <a:sym typeface="Montserrat"/>
+              </a:rPr>
+              <a:t>L</a:t>
+            </a:r>
+            <a:r>
+              <a:rPr i="0" lang="en-US" sz="1800" u="none" cap="none" strike="noStrike">
+                <a:solidFill>
+                  <a:schemeClr val="dk1"/>
+                </a:solidFill>
+                <a:latin typeface="Montserrat"/>
+                <a:ea typeface="Montserrat"/>
+                <a:cs typeface="Montserrat"/>
+                <a:sym typeface="Montserrat"/>
+              </a:rPr>
+              <a:t>ist of books and likes </a:t>
+            </a:r>
+            <a:r>
+              <a:rPr lang="en-US" sz="1800">
+                <a:solidFill>
+                  <a:schemeClr val="dk1"/>
+                </a:solidFill>
+                <a:latin typeface="Montserrat"/>
+                <a:ea typeface="Montserrat"/>
+                <a:cs typeface="Montserrat"/>
+                <a:sym typeface="Montserrat"/>
+              </a:rPr>
+              <a:t>from </a:t>
+            </a:r>
+            <a:r>
+              <a:rPr i="0" lang="en-US" sz="1800" u="none" cap="none" strike="noStrike">
+                <a:solidFill>
+                  <a:schemeClr val="dk1"/>
+                </a:solidFill>
+                <a:latin typeface="Montserrat"/>
+                <a:ea typeface="Montserrat"/>
+                <a:cs typeface="Montserrat"/>
+                <a:sym typeface="Montserrat"/>
+              </a:rPr>
+              <a:t>conservative students</a:t>
             </a:r>
             <a:endParaRPr>
               <a:latin typeface="Montserrat"/>
@@ -19473,7 +19922,7 @@
             </a:endParaRPr>
           </a:p>
           <a:p>
-            <a:pPr indent="-285750" lvl="1" marL="742950" marR="0" rtl="0" algn="l">
+            <a:pPr indent="-342900" lvl="2" marL="1371600" marR="0" rtl="0" algn="l">
               <a:spcBef>
                 <a:spcPts val="0"/>
               </a:spcBef>
@@ -19497,7 +19946,7 @@
                 <a:cs typeface="Montserrat"/>
                 <a:sym typeface="Montserrat"/>
               </a:rPr>
-              <a:t>Join the two on book name and compare counts</a:t>
+              <a:t>Join the two on book name and compare</a:t>
             </a:r>
             <a:endParaRPr>
               <a:latin typeface="Montserrat"/>
@@ -19535,7 +19984,7 @@
             </a:endParaRPr>
           </a:p>
           <a:p>
-            <a:pPr indent="-285750" lvl="0" marL="285750" marR="0" rtl="0" algn="l">
+            <a:pPr indent="-171450" lvl="0" marL="285750" marR="0" rtl="0" algn="l">
               <a:spcBef>
                 <a:spcPts val="0"/>
               </a:spcBef>
@@ -19547,372 +19996,21 @@
               </a:buClr>
               <a:buSzPts val="1800"/>
               <a:buFont typeface="Arial"/>
-              <a:buChar char="•"/>
-            </a:pPr>
-            <a:r>
-              <a:rPr lang="en-US" sz="1800">
-                <a:solidFill>
-                  <a:schemeClr val="dk1"/>
-                </a:solidFill>
-                <a:latin typeface="Montserrat"/>
-                <a:ea typeface="Montserrat"/>
-                <a:cs typeface="Montserrat"/>
-                <a:sym typeface="Montserrat"/>
-              </a:rPr>
-              <a:t>Analytics Concepts: </a:t>
-            </a:r>
+              <a:buNone/>
+            </a:pPr>
             <a:r>
               <a:rPr b="1" lang="en-US" sz="1800">
                 <a:solidFill>
-                  <a:srgbClr val="C00000"/>
-                </a:solidFill>
-                <a:latin typeface="Montserrat"/>
-                <a:ea typeface="Montserrat"/>
-                <a:cs typeface="Montserrat"/>
-                <a:sym typeface="Montserrat"/>
-              </a:rPr>
-              <a:t>Lift</a:t>
-            </a:r>
-            <a:r>
-              <a:rPr lang="en-US" sz="1800">
-                <a:solidFill>
-                  <a:schemeClr val="dk1"/>
-                </a:solidFill>
-                <a:latin typeface="Montserrat"/>
-                <a:ea typeface="Montserrat"/>
-                <a:cs typeface="Montserrat"/>
-                <a:sym typeface="Montserrat"/>
-              </a:rPr>
-              <a:t> and </a:t>
-            </a:r>
-            <a:r>
-              <a:rPr b="1" lang="en-US" sz="1800">
-                <a:solidFill>
-                  <a:srgbClr val="C00000"/>
-                </a:solidFill>
-                <a:latin typeface="Montserrat"/>
-                <a:ea typeface="Montserrat"/>
-                <a:cs typeface="Montserrat"/>
-                <a:sym typeface="Montserrat"/>
-              </a:rPr>
-              <a:t>Log-odds</a:t>
-            </a:r>
-            <a:endParaRPr>
-              <a:latin typeface="Montserrat"/>
-              <a:ea typeface="Montserrat"/>
-              <a:cs typeface="Montserrat"/>
-              <a:sym typeface="Montserrat"/>
-            </a:endParaRPr>
-          </a:p>
-          <a:p>
-            <a:pPr indent="-285750" lvl="1" marL="742950" marR="0" rtl="0" algn="l">
-              <a:spcBef>
-                <a:spcPts val="0"/>
-              </a:spcBef>
-              <a:spcAft>
-                <a:spcPts val="0"/>
-              </a:spcAft>
-              <a:buClr>
-                <a:schemeClr val="dk1"/>
-              </a:buClr>
-              <a:buSzPts val="1800"/>
-              <a:buFont typeface="Arial"/>
-              <a:buChar char="•"/>
-            </a:pPr>
-            <a:r>
-              <a:rPr i="0" lang="en-US" sz="1800" u="none" cap="none" strike="noStrike">
-                <a:solidFill>
-                  <a:schemeClr val="dk1"/>
-                </a:solidFill>
-                <a:latin typeface="Montserrat"/>
-                <a:ea typeface="Montserrat"/>
-                <a:cs typeface="Montserrat"/>
-                <a:sym typeface="Montserrat"/>
-              </a:rPr>
-              <a:t>Normalize the raw counts by the size of the liberal / conservative population and compute the </a:t>
-            </a:r>
-            <a:r>
-              <a:rPr b="1" i="0" lang="en-US" sz="1800" u="none" cap="none" strike="noStrike">
-                <a:solidFill>
-                  <a:schemeClr val="dk1"/>
-                </a:solidFill>
-                <a:latin typeface="Montserrat"/>
-                <a:ea typeface="Montserrat"/>
-                <a:cs typeface="Montserrat"/>
-                <a:sym typeface="Montserrat"/>
-              </a:rPr>
-              <a:t>percentage</a:t>
-            </a:r>
-            <a:r>
-              <a:rPr i="0" lang="en-US" sz="1800" u="none" cap="none" strike="noStrike">
-                <a:solidFill>
-                  <a:schemeClr val="dk1"/>
-                </a:solidFill>
-                <a:latin typeface="Montserrat"/>
-                <a:ea typeface="Montserrat"/>
-                <a:cs typeface="Montserrat"/>
-                <a:sym typeface="Montserrat"/>
-              </a:rPr>
-              <a:t> of liberals / conservatives that like a book</a:t>
-            </a:r>
-            <a:endParaRPr>
-              <a:latin typeface="Montserrat"/>
-              <a:ea typeface="Montserrat"/>
-              <a:cs typeface="Montserrat"/>
-              <a:sym typeface="Montserrat"/>
-            </a:endParaRPr>
-          </a:p>
-          <a:p>
-            <a:pPr indent="-285750" lvl="1" marL="742950" marR="0" rtl="0" algn="l">
-              <a:spcBef>
-                <a:spcPts val="0"/>
-              </a:spcBef>
-              <a:spcAft>
-                <a:spcPts val="0"/>
-              </a:spcAft>
-              <a:buClr>
-                <a:schemeClr val="dk1"/>
-              </a:buClr>
-              <a:buSzPts val="1800"/>
-              <a:buFont typeface="Arial"/>
-              <a:buChar char="•"/>
-            </a:pPr>
-            <a:r>
-              <a:rPr i="0" lang="en-US" sz="1800" u="none" cap="none" strike="noStrike">
-                <a:solidFill>
-                  <a:schemeClr val="dk1"/>
-                </a:solidFill>
-                <a:latin typeface="Montserrat"/>
-                <a:ea typeface="Montserrat"/>
-                <a:cs typeface="Montserrat"/>
-                <a:sym typeface="Montserrat"/>
-              </a:rPr>
-              <a:t>Compute the </a:t>
-            </a:r>
-            <a:r>
-              <a:rPr b="1" i="0" lang="en-US" sz="1800" u="none" cap="none" strike="noStrike">
-                <a:solidFill>
-                  <a:schemeClr val="dk1"/>
-                </a:solidFill>
-                <a:latin typeface="Montserrat"/>
-                <a:ea typeface="Montserrat"/>
-                <a:cs typeface="Montserrat"/>
-                <a:sym typeface="Montserrat"/>
-              </a:rPr>
-              <a:t>ratio </a:t>
-            </a:r>
-            <a:r>
-              <a:rPr i="0" lang="en-US" sz="1800" u="none" cap="none" strike="noStrike">
-                <a:solidFill>
-                  <a:schemeClr val="dk1"/>
-                </a:solidFill>
-                <a:latin typeface="Montserrat"/>
-                <a:ea typeface="Montserrat"/>
-                <a:cs typeface="Montserrat"/>
-                <a:sym typeface="Montserrat"/>
-              </a:rPr>
-              <a:t>of the percentages for each book. The </a:t>
-            </a:r>
-            <a:r>
-              <a:rPr b="1" i="0" lang="en-US" sz="1800" u="none" cap="none" strike="noStrike">
-                <a:solidFill>
-                  <a:schemeClr val="dk1"/>
-                </a:solidFill>
-                <a:latin typeface="Montserrat"/>
-                <a:ea typeface="Montserrat"/>
-                <a:cs typeface="Montserrat"/>
-                <a:sym typeface="Montserrat"/>
-              </a:rPr>
-              <a:t>ratio of percentages</a:t>
-            </a:r>
-            <a:r>
-              <a:rPr i="0" lang="en-US" sz="1800" u="none" cap="none" strike="noStrike">
-                <a:solidFill>
-                  <a:schemeClr val="dk1"/>
-                </a:solidFill>
-                <a:latin typeface="Montserrat"/>
-                <a:ea typeface="Montserrat"/>
-                <a:cs typeface="Montserrat"/>
-                <a:sym typeface="Montserrat"/>
-              </a:rPr>
-              <a:t> between two populations is commonly called </a:t>
-            </a:r>
-            <a:r>
-              <a:rPr b="1" i="0" lang="en-US" sz="1800" u="none" cap="none" strike="noStrike">
-                <a:solidFill>
-                  <a:schemeClr val="dk1"/>
-                </a:solidFill>
-                <a:latin typeface="Montserrat"/>
-                <a:ea typeface="Montserrat"/>
-                <a:cs typeface="Montserrat"/>
-                <a:sym typeface="Montserrat"/>
-              </a:rPr>
-              <a:t>lift</a:t>
-            </a:r>
-            <a:endParaRPr>
-              <a:latin typeface="Montserrat"/>
-              <a:ea typeface="Montserrat"/>
-              <a:cs typeface="Montserrat"/>
-              <a:sym typeface="Montserrat"/>
-            </a:endParaRPr>
-          </a:p>
-          <a:p>
-            <a:pPr indent="-285750" lvl="1" marL="742950" marR="0" rtl="0" algn="l">
-              <a:spcBef>
-                <a:spcPts val="0"/>
-              </a:spcBef>
-              <a:spcAft>
-                <a:spcPts val="0"/>
-              </a:spcAft>
-              <a:buClr>
-                <a:schemeClr val="dk1"/>
-              </a:buClr>
-              <a:buSzPts val="1800"/>
-              <a:buFont typeface="Arial"/>
-              <a:buChar char="•"/>
-            </a:pPr>
-            <a:r>
-              <a:rPr i="0" lang="en-US" sz="1800" u="none" cap="none" strike="noStrike">
-                <a:solidFill>
-                  <a:schemeClr val="dk1"/>
-                </a:solidFill>
-                <a:latin typeface="Montserrat"/>
-                <a:ea typeface="Montserrat"/>
-                <a:cs typeface="Montserrat"/>
-                <a:sym typeface="Montserrat"/>
-              </a:rPr>
-              <a:t>We often take the </a:t>
-            </a:r>
-            <a:r>
-              <a:rPr b="1" i="0" lang="en-US" sz="1800" u="sng" cap="none" strike="noStrike">
-                <a:solidFill>
-                  <a:schemeClr val="dk1"/>
-                </a:solidFill>
-                <a:latin typeface="Montserrat"/>
-                <a:ea typeface="Montserrat"/>
-                <a:cs typeface="Montserrat"/>
-                <a:sym typeface="Montserrat"/>
-              </a:rPr>
-              <a:t>log</a:t>
-            </a:r>
-            <a:r>
-              <a:rPr b="1" i="0" lang="en-US" sz="1800" u="none" cap="none" strike="noStrike">
-                <a:solidFill>
-                  <a:schemeClr val="dk1"/>
-                </a:solidFill>
-                <a:latin typeface="Montserrat"/>
-                <a:ea typeface="Montserrat"/>
-                <a:cs typeface="Montserrat"/>
-                <a:sym typeface="Montserrat"/>
-              </a:rPr>
-              <a:t> of ratios </a:t>
-            </a:r>
-            <a:r>
-              <a:rPr i="0" lang="en-US" sz="1800" u="none" cap="none" strike="noStrike">
-                <a:solidFill>
-                  <a:schemeClr val="dk1"/>
-                </a:solidFill>
-                <a:latin typeface="Montserrat"/>
-                <a:ea typeface="Montserrat"/>
-                <a:cs typeface="Montserrat"/>
-                <a:sym typeface="Montserrat"/>
-              </a:rPr>
-              <a:t>(aka log-odds). </a:t>
-            </a:r>
-            <a:endParaRPr>
-              <a:latin typeface="Montserrat"/>
-              <a:ea typeface="Montserrat"/>
-              <a:cs typeface="Montserrat"/>
-              <a:sym typeface="Montserrat"/>
-            </a:endParaRPr>
-          </a:p>
-          <a:p>
-            <a:pPr indent="-285750" lvl="2" marL="1200150" marR="0" rtl="0" algn="l">
-              <a:spcBef>
-                <a:spcPts val="0"/>
-              </a:spcBef>
-              <a:spcAft>
-                <a:spcPts val="0"/>
-              </a:spcAft>
-              <a:buClr>
-                <a:schemeClr val="dk1"/>
-              </a:buClr>
-              <a:buSzPts val="1800"/>
-              <a:buFont typeface="Montserrat"/>
-              <a:buChar char="•"/>
-            </a:pPr>
-            <a:r>
-              <a:rPr i="0" lang="en-US" sz="1800" u="none" cap="none" strike="noStrike">
-                <a:solidFill>
-                  <a:schemeClr val="dk1"/>
-                </a:solidFill>
-                <a:latin typeface="Montserrat"/>
-                <a:ea typeface="Montserrat"/>
-                <a:cs typeface="Montserrat"/>
-                <a:sym typeface="Montserrat"/>
-              </a:rPr>
-              <a:t>Log-odds are symmetric around 0, and they are additive </a:t>
-            </a:r>
-            <a:endParaRPr>
-              <a:latin typeface="Montserrat"/>
-              <a:ea typeface="Montserrat"/>
-              <a:cs typeface="Montserrat"/>
-              <a:sym typeface="Montserrat"/>
-            </a:endParaRPr>
-          </a:p>
-          <a:p>
-            <a:pPr indent="-285750" lvl="2" marL="1200150" marR="0" rtl="0" algn="l">
-              <a:spcBef>
-                <a:spcPts val="0"/>
-              </a:spcBef>
-              <a:spcAft>
-                <a:spcPts val="0"/>
-              </a:spcAft>
-              <a:buClr>
-                <a:schemeClr val="dk1"/>
-              </a:buClr>
-              <a:buSzPts val="1800"/>
-              <a:buFont typeface="Montserrat"/>
-              <a:buChar char="•"/>
-            </a:pPr>
-            <a:r>
-              <a:rPr i="0" lang="en-US" sz="1800" u="none" cap="none" strike="noStrike">
-                <a:solidFill>
-                  <a:schemeClr val="dk1"/>
-                </a:solidFill>
-                <a:latin typeface="Montserrat"/>
-                <a:ea typeface="Montserrat"/>
-                <a:cs typeface="Montserrat"/>
-                <a:sym typeface="Montserrat"/>
-              </a:rPr>
-              <a:t>As opposed to lift numbers that are multiplicative</a:t>
-            </a:r>
-            <a:endParaRPr>
-              <a:latin typeface="Montserrat"/>
-              <a:ea typeface="Montserrat"/>
-              <a:cs typeface="Montserrat"/>
-              <a:sym typeface="Montserrat"/>
-            </a:endParaRPr>
-          </a:p>
-          <a:p>
-            <a:pPr indent="-171450" lvl="1" marL="742950" marR="0" rtl="0" algn="l">
-              <a:spcBef>
-                <a:spcPts val="0"/>
-              </a:spcBef>
-              <a:spcAft>
-                <a:spcPts val="0"/>
-              </a:spcAft>
-              <a:buClr>
-                <a:schemeClr val="dk1"/>
-              </a:buClr>
-              <a:buSzPts val="1800"/>
-              <a:buFont typeface="Arial"/>
-              <a:buNone/>
-            </a:pPr>
-            <a:r>
-              <a:t/>
-            </a:r>
-            <a:endParaRPr i="0" sz="1800" u="none" cap="none" strike="noStrike">
+                  <a:schemeClr val="dk1"/>
+                </a:solidFill>
+                <a:latin typeface="Montserrat"/>
+                <a:ea typeface="Montserrat"/>
+                <a:cs typeface="Montserrat"/>
+                <a:sym typeface="Montserrat"/>
+              </a:rPr>
+              <a:t>Questions to consider</a:t>
+            </a:r>
+            <a:endParaRPr b="1" sz="1800">
               <a:solidFill>
                 <a:schemeClr val="dk1"/>
               </a:solidFill>
@@ -19923,7 +20021,7 @@
             </a:endParaRPr>
           </a:p>
           <a:p>
-            <a:pPr indent="-285750" lvl="0" marL="285750" marR="0" rtl="0" algn="l">
+            <a:pPr indent="0" lvl="0" marL="114300" marR="0" rtl="0" algn="l">
               <a:spcBef>
                 <a:spcPts val="0"/>
               </a:spcBef>
@@ -19934,22 +20032,16 @@
                 <a:schemeClr val="dk1"/>
               </a:buClr>
               <a:buSzPts val="1800"/>
-              <a:buFont typeface="Montserrat"/>
-              <a:buChar char="•"/>
-            </a:pPr>
-            <a:r>
-              <a:rPr lang="en-US" sz="1800">
-                <a:solidFill>
-                  <a:schemeClr val="dk1"/>
-                </a:solidFill>
-                <a:latin typeface="Montserrat"/>
-                <a:ea typeface="Montserrat"/>
-                <a:cs typeface="Montserrat"/>
-                <a:sym typeface="Montserrat"/>
-              </a:rPr>
-              <a:t>Consider only books that have at least 5 likes, to avoid noise</a:t>
-            </a:r>
-            <a:endParaRPr>
+              <a:buFont typeface="Arial"/>
+              <a:buNone/>
+            </a:pPr>
+            <a:r>
+              <a:t/>
+            </a:r>
+            <a:endParaRPr sz="1800">
+              <a:solidFill>
+                <a:schemeClr val="dk1"/>
+              </a:solidFill>
               <a:latin typeface="Montserrat"/>
               <a:ea typeface="Montserrat"/>
               <a:cs typeface="Montserrat"/>
@@ -19957,7 +20049,7 @@
             </a:endParaRPr>
           </a:p>
           <a:p>
-            <a:pPr indent="-285750" lvl="1" marL="742950" marR="0" rtl="0" algn="l">
+            <a:pPr indent="-285750" lvl="0" marL="285750" marR="0" rtl="0" algn="l">
               <a:spcBef>
                 <a:spcPts val="0"/>
               </a:spcBef>
@@ -19972,16 +20064,118 @@
               <a:buChar char="•"/>
             </a:pPr>
             <a:r>
-              <a:rPr i="0" lang="en-US" sz="1800" u="none" cap="none" strike="noStrike">
-                <a:solidFill>
-                  <a:schemeClr val="dk1"/>
-                </a:solidFill>
-                <a:latin typeface="Montserrat"/>
-                <a:ea typeface="Montserrat"/>
-                <a:cs typeface="Montserrat"/>
-                <a:sym typeface="Montserrat"/>
-              </a:rPr>
-              <a:t>What would be the purpose of OUTER joins in this case?</a:t>
+              <a:rPr lang="en-US" sz="1800">
+                <a:solidFill>
+                  <a:schemeClr val="dk1"/>
+                </a:solidFill>
+                <a:latin typeface="Montserrat"/>
+                <a:ea typeface="Montserrat"/>
+                <a:cs typeface="Montserrat"/>
+                <a:sym typeface="Montserrat"/>
+              </a:rPr>
+              <a:t>How to deal with the fact that we have many more liberals than conservatives?</a:t>
+            </a:r>
+            <a:endParaRPr sz="1800">
+              <a:solidFill>
+                <a:schemeClr val="dk1"/>
+              </a:solidFill>
+              <a:latin typeface="Montserrat"/>
+              <a:ea typeface="Montserrat"/>
+              <a:cs typeface="Montserrat"/>
+              <a:sym typeface="Montserrat"/>
+            </a:endParaRPr>
+          </a:p>
+          <a:p>
+            <a:pPr indent="-285750" lvl="0" marL="285750" marR="0" rtl="0" algn="l">
+              <a:spcBef>
+                <a:spcPts val="0"/>
+              </a:spcBef>
+              <a:spcAft>
+                <a:spcPts val="0"/>
+              </a:spcAft>
+              <a:buClr>
+                <a:schemeClr val="dk1"/>
+              </a:buClr>
+              <a:buSzPts val="1800"/>
+              <a:buFont typeface="Montserrat"/>
+              <a:buChar char="•"/>
+            </a:pPr>
+            <a:r>
+              <a:rPr lang="en-US" sz="1800">
+                <a:solidFill>
+                  <a:schemeClr val="dk1"/>
+                </a:solidFill>
+                <a:latin typeface="Montserrat"/>
+                <a:ea typeface="Montserrat"/>
+                <a:cs typeface="Montserrat"/>
+                <a:sym typeface="Montserrat"/>
+              </a:rPr>
+              <a:t>Should we avoid noisy results by only keeping books with a certain number of likes overall?</a:t>
+            </a:r>
+            <a:endParaRPr sz="1800">
+              <a:solidFill>
+                <a:schemeClr val="dk1"/>
+              </a:solidFill>
+              <a:latin typeface="Montserrat"/>
+              <a:ea typeface="Montserrat"/>
+              <a:cs typeface="Montserrat"/>
+              <a:sym typeface="Montserrat"/>
+            </a:endParaRPr>
+          </a:p>
+          <a:p>
+            <a:pPr indent="-285750" lvl="0" marL="285750" marR="0" rtl="0" algn="l">
+              <a:spcBef>
+                <a:spcPts val="0"/>
+              </a:spcBef>
+              <a:spcAft>
+                <a:spcPts val="0"/>
+              </a:spcAft>
+              <a:buClr>
+                <a:schemeClr val="dk1"/>
+              </a:buClr>
+              <a:buSzPts val="1800"/>
+              <a:buFont typeface="Montserrat"/>
+              <a:buChar char="•"/>
+            </a:pPr>
+            <a:r>
+              <a:rPr lang="en-US" sz="1800">
+                <a:solidFill>
+                  <a:schemeClr val="dk1"/>
+                </a:solidFill>
+                <a:latin typeface="Montserrat"/>
+                <a:ea typeface="Montserrat"/>
+                <a:cs typeface="Montserrat"/>
+                <a:sym typeface="Montserrat"/>
+              </a:rPr>
+              <a:t>What type of join should we use for our comparison of liberals and conservatives? INNER or OUTER? What is the difference?</a:t>
+            </a:r>
+            <a:endParaRPr i="0" sz="1800" u="none" cap="none" strike="noStrike">
+              <a:solidFill>
+                <a:schemeClr val="dk1"/>
+              </a:solidFill>
+              <a:latin typeface="Montserrat"/>
+              <a:ea typeface="Montserrat"/>
+              <a:cs typeface="Montserrat"/>
+              <a:sym typeface="Montserrat"/>
+            </a:endParaRPr>
+          </a:p>
+          <a:p>
+            <a:pPr indent="-285750" lvl="0" marL="285750" marR="0" rtl="0" algn="l">
+              <a:spcBef>
+                <a:spcPts val="0"/>
+              </a:spcBef>
+              <a:spcAft>
+                <a:spcPts val="0"/>
+              </a:spcAft>
+              <a:buClr>
+                <a:schemeClr val="dk1"/>
+              </a:buClr>
+              <a:buSzPts val="1800"/>
+              <a:buFont typeface="Montserrat"/>
+              <a:buChar char="•"/>
+            </a:pPr>
+            <a:r>
+              <a:t/>
             </a:r>
             <a:endParaRPr sz="1800">
               <a:solidFill>
@@ -20008,7 +20202,7 @@
   <p:cSld>
     <p:spTree>
       <p:nvGrpSpPr>
-        <p:cNvPr id="212" name="Shape 212"/>
+        <p:cNvPr id="214" name="Shape 214"/>
         <p:cNvGrpSpPr/>
         <p:nvPr/>
       </p:nvGrpSpPr>
@@ -20022,14 +20216,133 @@
       </p:grpSpPr>
       <p:sp>
         <p:nvSpPr>
-          <p:cNvPr id="213" name="Google Shape;213;p16"/>
+          <p:cNvPr id="215" name="Google Shape;215;g13139f0f7d7_0_0"/>
           <p:cNvSpPr/>
           <p:nvPr/>
         </p:nvSpPr>
         <p:spPr>
           <a:xfrm>
-            <a:off x="3353269" y="2721114"/>
-            <a:ext cx="2437462" cy="707886"/>
+            <a:off x="386308" y="147496"/>
+            <a:ext cx="7757400" cy="1015800"/>
+          </a:xfrm>
+          <a:prstGeom prst="rect">
+            <a:avLst/>
+          </a:prstGeom>
+          <a:noFill/>
+          <a:ln>
+            <a:noFill/>
+          </a:ln>
+        </p:spPr>
+        <p:txBody>
+          <a:bodyPr anchorCtr="0" anchor="t" bIns="45700" lIns="45700" spcFirstLastPara="1" rIns="45700" wrap="square" tIns="45700">
+            <a:noAutofit/>
+          </a:bodyPr>
+          <a:lstStyle/>
+          <a:p>
+            <a:pPr indent="0" lvl="0" marL="0" marR="0" rtl="0" algn="l">
+              <a:spcBef>
+                <a:spcPts val="0"/>
+              </a:spcBef>
+              <a:spcAft>
+                <a:spcPts val="0"/>
+              </a:spcAft>
+              <a:buNone/>
+            </a:pPr>
+            <a:r>
+              <a:rPr b="1" lang="en-US" sz="3000">
+                <a:solidFill>
+                  <a:srgbClr val="57068C"/>
+                </a:solidFill>
+                <a:latin typeface="Arimo"/>
+                <a:ea typeface="Arimo"/>
+                <a:cs typeface="Arimo"/>
+                <a:sym typeface="Arimo"/>
+              </a:rPr>
+              <a:t>Activity: </a:t>
+            </a:r>
+            <a:r>
+              <a:rPr b="1" lang="en-US" sz="3000">
+                <a:solidFill>
+                  <a:srgbClr val="57068C"/>
+                </a:solidFill>
+                <a:latin typeface="Arimo"/>
+                <a:ea typeface="Arimo"/>
+                <a:cs typeface="Arimo"/>
+                <a:sym typeface="Arimo"/>
+              </a:rPr>
+              <a:t>Books and Political Views</a:t>
+            </a:r>
+            <a:endParaRPr b="1" sz="3000">
+              <a:solidFill>
+                <a:srgbClr val="57068C"/>
+              </a:solidFill>
+              <a:latin typeface="Arimo"/>
+              <a:ea typeface="Arimo"/>
+              <a:cs typeface="Arimo"/>
+              <a:sym typeface="Arimo"/>
+            </a:endParaRPr>
+          </a:p>
+        </p:txBody>
+      </p:sp>
+      <p:sp>
+        <p:nvSpPr>
+          <p:cNvPr id="216" name="Google Shape;216;g13139f0f7d7_0_0"/>
+          <p:cNvSpPr/>
+          <p:nvPr/>
+        </p:nvSpPr>
+        <p:spPr>
+          <a:xfrm>
+            <a:off x="469900" y="1282700"/>
+            <a:ext cx="8204100" cy="307800"/>
+          </a:xfrm>
+          <a:prstGeom prst="rect">
+            <a:avLst/>
+          </a:prstGeom>
+          <a:noFill/>
+          <a:ln>
+            <a:noFill/>
+          </a:ln>
+        </p:spPr>
+        <p:txBody>
+          <a:bodyPr anchorCtr="0" anchor="t" bIns="0" lIns="0" spcFirstLastPara="1" rIns="0" wrap="square" tIns="0">
+            <a:noAutofit/>
+          </a:bodyPr>
+          <a:lstStyle/>
+          <a:p>
+            <a:pPr indent="0" lvl="0" marL="0" marR="0" rtl="0" algn="l">
+              <a:spcBef>
+                <a:spcPts val="0"/>
+              </a:spcBef>
+              <a:spcAft>
+                <a:spcPts val="0"/>
+              </a:spcAft>
+              <a:buNone/>
+            </a:pPr>
+            <a:r>
+              <a:t/>
+            </a:r>
+            <a:endParaRPr sz="2000">
+              <a:solidFill>
+                <a:schemeClr val="dk1"/>
+              </a:solidFill>
+              <a:latin typeface="Montserrat"/>
+              <a:ea typeface="Montserrat"/>
+              <a:cs typeface="Montserrat"/>
+              <a:sym typeface="Montserrat"/>
+            </a:endParaRPr>
+          </a:p>
+        </p:txBody>
+      </p:sp>
+      <p:sp>
+        <p:nvSpPr>
+          <p:cNvPr id="217" name="Google Shape;217;g13139f0f7d7_0_0"/>
+          <p:cNvSpPr txBox="1"/>
+          <p:nvPr/>
+        </p:nvSpPr>
+        <p:spPr>
+          <a:xfrm>
+            <a:off x="204550" y="1376725"/>
+            <a:ext cx="8939400" cy="3909600"/>
           </a:xfrm>
           <a:prstGeom prst="rect">
             <a:avLst/>
@@ -20045,6 +20358,178 @@
           </a:bodyPr>
           <a:lstStyle/>
           <a:p>
+            <a:pPr indent="-285750" lvl="0" marL="285750" marR="0" rtl="0" algn="l">
+              <a:spcBef>
+                <a:spcPts val="0"/>
+              </a:spcBef>
+              <a:spcAft>
+                <a:spcPts val="0"/>
+              </a:spcAft>
+              <a:buClr>
+                <a:schemeClr val="dk1"/>
+              </a:buClr>
+              <a:buSzPts val="1800"/>
+              <a:buFont typeface="Arial"/>
+              <a:buChar char="•"/>
+            </a:pPr>
+            <a:r>
+              <a:rPr lang="en-US" sz="1800">
+                <a:solidFill>
+                  <a:schemeClr val="dk1"/>
+                </a:solidFill>
+                <a:latin typeface="Montserrat"/>
+                <a:ea typeface="Montserrat"/>
+                <a:cs typeface="Montserrat"/>
+                <a:sym typeface="Montserrat"/>
+              </a:rPr>
+              <a:t>Analytics Concept: </a:t>
+            </a:r>
+            <a:r>
+              <a:rPr b="1" lang="en-US" sz="1800">
+                <a:solidFill>
+                  <a:srgbClr val="980000"/>
+                </a:solidFill>
+                <a:latin typeface="Montserrat"/>
+                <a:ea typeface="Montserrat"/>
+                <a:cs typeface="Montserrat"/>
+                <a:sym typeface="Montserrat"/>
+              </a:rPr>
+              <a:t>Lift</a:t>
+            </a:r>
+            <a:r>
+              <a:rPr lang="en-US" sz="1800">
+                <a:solidFill>
+                  <a:srgbClr val="980000"/>
+                </a:solidFill>
+                <a:latin typeface="Montserrat"/>
+                <a:ea typeface="Montserrat"/>
+                <a:cs typeface="Montserrat"/>
+                <a:sym typeface="Montserrat"/>
+              </a:rPr>
+              <a:t> </a:t>
+            </a:r>
+            <a:endParaRPr sz="1800">
+              <a:solidFill>
+                <a:srgbClr val="980000"/>
+              </a:solidFill>
+              <a:latin typeface="Montserrat"/>
+              <a:ea typeface="Montserrat"/>
+              <a:cs typeface="Montserrat"/>
+              <a:sym typeface="Montserrat"/>
+            </a:endParaRPr>
+          </a:p>
+          <a:p>
+            <a:pPr indent="-342900" lvl="1" marL="914400" marR="0" rtl="0" algn="l">
+              <a:spcBef>
+                <a:spcPts val="0"/>
+              </a:spcBef>
+              <a:spcAft>
+                <a:spcPts val="0"/>
+              </a:spcAft>
+              <a:buClr>
+                <a:schemeClr val="dk1"/>
+              </a:buClr>
+              <a:buSzPts val="1800"/>
+              <a:buFont typeface="Arial"/>
+              <a:buChar char="•"/>
+            </a:pPr>
+            <a:r>
+              <a:rPr lang="en-US" sz="1800">
+                <a:solidFill>
+                  <a:schemeClr val="dk1"/>
+                </a:solidFill>
+                <a:latin typeface="Montserrat"/>
+                <a:ea typeface="Montserrat"/>
+                <a:cs typeface="Montserrat"/>
+                <a:sym typeface="Montserrat"/>
+              </a:rPr>
+              <a:t>Lift has many definitions, but most often is defined as a ratio of rates (aka probabilities)</a:t>
+            </a:r>
+            <a:endParaRPr sz="1800">
+              <a:solidFill>
+                <a:schemeClr val="dk1"/>
+              </a:solidFill>
+              <a:latin typeface="Montserrat"/>
+              <a:ea typeface="Montserrat"/>
+              <a:cs typeface="Montserrat"/>
+              <a:sym typeface="Montserrat"/>
+            </a:endParaRPr>
+          </a:p>
+          <a:p>
+            <a:pPr indent="-342900" lvl="2" marL="1371600" marR="0" rtl="0" algn="l">
+              <a:spcBef>
+                <a:spcPts val="0"/>
+              </a:spcBef>
+              <a:spcAft>
+                <a:spcPts val="0"/>
+              </a:spcAft>
+              <a:buClr>
+                <a:schemeClr val="dk1"/>
+              </a:buClr>
+              <a:buSzPts val="1800"/>
+              <a:buFont typeface="Arial"/>
+              <a:buChar char="•"/>
+            </a:pPr>
+            <a:r>
+              <a:rPr lang="en-US" sz="1800">
+                <a:solidFill>
+                  <a:schemeClr val="dk1"/>
+                </a:solidFill>
+                <a:latin typeface="Montserrat"/>
+                <a:ea typeface="Montserrat"/>
+                <a:cs typeface="Montserrat"/>
+                <a:sym typeface="Montserrat"/>
+              </a:rPr>
+              <a:t>lift = (rate in target group) / (rate in control group)</a:t>
+            </a:r>
+            <a:endParaRPr sz="1800">
+              <a:solidFill>
+                <a:schemeClr val="dk1"/>
+              </a:solidFill>
+              <a:latin typeface="Montserrat"/>
+              <a:ea typeface="Montserrat"/>
+              <a:cs typeface="Montserrat"/>
+              <a:sym typeface="Montserrat"/>
+            </a:endParaRPr>
+          </a:p>
+          <a:p>
+            <a:pPr indent="-342900" lvl="1" marL="914400" marR="0" rtl="0" algn="l">
+              <a:spcBef>
+                <a:spcPts val="0"/>
+              </a:spcBef>
+              <a:spcAft>
+                <a:spcPts val="0"/>
+              </a:spcAft>
+              <a:buClr>
+                <a:schemeClr val="dk1"/>
+              </a:buClr>
+              <a:buSzPts val="1800"/>
+              <a:buFont typeface="Arial"/>
+              <a:buChar char="•"/>
+            </a:pPr>
+            <a:r>
+              <a:rPr lang="en-US" sz="1800">
+                <a:solidFill>
+                  <a:schemeClr val="dk1"/>
+                </a:solidFill>
+                <a:latin typeface="Montserrat"/>
+                <a:ea typeface="Montserrat"/>
+                <a:cs typeface="Montserrat"/>
+                <a:sym typeface="Montserrat"/>
+              </a:rPr>
+              <a:t>In our scenario target = liberals, control = conservatives (or vv)</a:t>
+            </a:r>
+            <a:endParaRPr sz="1800">
+              <a:solidFill>
+                <a:schemeClr val="dk1"/>
+              </a:solidFill>
+              <a:latin typeface="Montserrat"/>
+              <a:ea typeface="Montserrat"/>
+              <a:cs typeface="Montserrat"/>
+              <a:sym typeface="Montserrat"/>
+            </a:endParaRPr>
+          </a:p>
+          <a:p>
             <a:pPr indent="0" lvl="0" marL="0" marR="0" rtl="0" algn="l">
               <a:spcBef>
                 <a:spcPts val="0"/>
@@ -20055,18 +20540,359 @@
               <a:buNone/>
             </a:pPr>
             <a:r>
-              <a:rPr b="1" lang="en-US" sz="4000">
-                <a:solidFill>
-                  <a:srgbClr val="000000"/>
-                </a:solidFill>
-                <a:latin typeface="Arimo"/>
-                <a:ea typeface="Arimo"/>
-                <a:cs typeface="Arimo"/>
-                <a:sym typeface="Arimo"/>
-              </a:rPr>
-              <a:t>Variables</a:t>
-            </a:r>
-            <a:endParaRPr/>
+              <a:t/>
+            </a:r>
+            <a:endParaRPr>
+              <a:latin typeface="Montserrat"/>
+              <a:ea typeface="Montserrat"/>
+              <a:cs typeface="Montserrat"/>
+              <a:sym typeface="Montserrat"/>
+            </a:endParaRPr>
+          </a:p>
+          <a:p>
+            <a:pPr indent="0" lvl="1" marL="0" marR="0" rtl="0" algn="l">
+              <a:spcBef>
+                <a:spcPts val="0"/>
+              </a:spcBef>
+              <a:spcAft>
+                <a:spcPts val="0"/>
+              </a:spcAft>
+              <a:buClr>
+                <a:schemeClr val="dk1"/>
+              </a:buClr>
+              <a:buSzPts val="1800"/>
+              <a:buFont typeface="Arial"/>
+              <a:buNone/>
+            </a:pPr>
+            <a:r>
+              <a:t/>
+            </a:r>
+            <a:endParaRPr sz="1800">
+              <a:solidFill>
+                <a:schemeClr val="dk1"/>
+              </a:solidFill>
+              <a:latin typeface="Montserrat"/>
+              <a:ea typeface="Montserrat"/>
+              <a:cs typeface="Montserrat"/>
+              <a:sym typeface="Montserrat"/>
+            </a:endParaRPr>
+          </a:p>
+          <a:p>
+            <a:pPr indent="-285750" lvl="0" marL="285750" rtl="0" algn="l">
+              <a:spcBef>
+                <a:spcPts val="0"/>
+              </a:spcBef>
+              <a:spcAft>
+                <a:spcPts val="0"/>
+              </a:spcAft>
+              <a:buClr>
+                <a:schemeClr val="dk1"/>
+              </a:buClr>
+              <a:buSzPts val="1800"/>
+              <a:buChar char="•"/>
+            </a:pPr>
+            <a:r>
+              <a:rPr lang="en-US" sz="1800">
+                <a:solidFill>
+                  <a:schemeClr val="dk1"/>
+                </a:solidFill>
+                <a:latin typeface="Montserrat"/>
+                <a:ea typeface="Montserrat"/>
+                <a:cs typeface="Montserrat"/>
+                <a:sym typeface="Montserrat"/>
+              </a:rPr>
+              <a:t>Analytics Concepts: </a:t>
+            </a:r>
+            <a:r>
+              <a:rPr b="1" lang="en-US" sz="1800">
+                <a:solidFill>
+                  <a:srgbClr val="980000"/>
+                </a:solidFill>
+                <a:latin typeface="Montserrat"/>
+                <a:ea typeface="Montserrat"/>
+                <a:cs typeface="Montserrat"/>
+                <a:sym typeface="Montserrat"/>
+              </a:rPr>
+              <a:t>Log-odds</a:t>
+            </a:r>
+            <a:endParaRPr b="1" sz="1800">
+              <a:solidFill>
+                <a:srgbClr val="980000"/>
+              </a:solidFill>
+              <a:latin typeface="Montserrat"/>
+              <a:ea typeface="Montserrat"/>
+              <a:cs typeface="Montserrat"/>
+              <a:sym typeface="Montserrat"/>
+            </a:endParaRPr>
+          </a:p>
+          <a:p>
+            <a:pPr indent="-285750" lvl="1" marL="742950" marR="0" rtl="0" algn="l">
+              <a:spcBef>
+                <a:spcPts val="0"/>
+              </a:spcBef>
+              <a:spcAft>
+                <a:spcPts val="0"/>
+              </a:spcAft>
+              <a:buClr>
+                <a:schemeClr val="dk1"/>
+              </a:buClr>
+              <a:buSzPts val="1800"/>
+              <a:buFont typeface="Montserrat"/>
+              <a:buChar char="•"/>
+            </a:pPr>
+            <a:r>
+              <a:rPr lang="en-US" sz="1800">
+                <a:solidFill>
+                  <a:schemeClr val="dk1"/>
+                </a:solidFill>
+                <a:latin typeface="Montserrat"/>
+                <a:ea typeface="Montserrat"/>
+                <a:cs typeface="Montserrat"/>
+                <a:sym typeface="Montserrat"/>
+              </a:rPr>
+              <a:t>Ratios (like lift) go from 0 to infinity, with 1 being the neutral</a:t>
+            </a:r>
+            <a:endParaRPr sz="1800">
+              <a:solidFill>
+                <a:schemeClr val="dk1"/>
+              </a:solidFill>
+              <a:latin typeface="Montserrat"/>
+              <a:ea typeface="Montserrat"/>
+              <a:cs typeface="Montserrat"/>
+              <a:sym typeface="Montserrat"/>
+            </a:endParaRPr>
+          </a:p>
+          <a:p>
+            <a:pPr indent="-285750" lvl="1" marL="742950" marR="0" rtl="0" algn="l">
+              <a:spcBef>
+                <a:spcPts val="0"/>
+              </a:spcBef>
+              <a:spcAft>
+                <a:spcPts val="0"/>
+              </a:spcAft>
+              <a:buClr>
+                <a:schemeClr val="dk1"/>
+              </a:buClr>
+              <a:buSzPts val="1800"/>
+              <a:buFont typeface="Montserrat"/>
+              <a:buChar char="•"/>
+            </a:pPr>
+            <a:r>
+              <a:rPr lang="en-US" sz="1800">
+                <a:solidFill>
+                  <a:schemeClr val="dk1"/>
+                </a:solidFill>
+                <a:latin typeface="Montserrat"/>
+                <a:ea typeface="Montserrat"/>
+                <a:cs typeface="Montserrat"/>
+                <a:sym typeface="Montserrat"/>
+              </a:rPr>
+              <a:t>Ratios are not additive (sum of ratios is meaningless)</a:t>
+            </a:r>
+            <a:endParaRPr sz="1800">
+              <a:solidFill>
+                <a:schemeClr val="dk1"/>
+              </a:solidFill>
+              <a:latin typeface="Montserrat"/>
+              <a:ea typeface="Montserrat"/>
+              <a:cs typeface="Montserrat"/>
+              <a:sym typeface="Montserrat"/>
+            </a:endParaRPr>
+          </a:p>
+          <a:p>
+            <a:pPr indent="-285750" lvl="1" marL="742950" marR="0" rtl="0" algn="l">
+              <a:spcBef>
+                <a:spcPts val="0"/>
+              </a:spcBef>
+              <a:spcAft>
+                <a:spcPts val="0"/>
+              </a:spcAft>
+              <a:buClr>
+                <a:schemeClr val="dk1"/>
+              </a:buClr>
+              <a:buSzPts val="1800"/>
+              <a:buFont typeface="Montserrat"/>
+              <a:buChar char="•"/>
+            </a:pPr>
+            <a:r>
+              <a:rPr lang="en-US" sz="1800">
+                <a:solidFill>
+                  <a:schemeClr val="dk1"/>
+                </a:solidFill>
+                <a:latin typeface="Montserrat"/>
+                <a:ea typeface="Montserrat"/>
+                <a:cs typeface="Montserrat"/>
+                <a:sym typeface="Montserrat"/>
+              </a:rPr>
+              <a:t>Ratios are “multiplicative”</a:t>
+            </a:r>
+            <a:endParaRPr sz="1800">
+              <a:solidFill>
+                <a:schemeClr val="dk1"/>
+              </a:solidFill>
+              <a:latin typeface="Montserrat"/>
+              <a:ea typeface="Montserrat"/>
+              <a:cs typeface="Montserrat"/>
+              <a:sym typeface="Montserrat"/>
+            </a:endParaRPr>
+          </a:p>
+          <a:p>
+            <a:pPr indent="-285750" lvl="1" marL="742950" marR="0" rtl="0" algn="l">
+              <a:spcBef>
+                <a:spcPts val="0"/>
+              </a:spcBef>
+              <a:spcAft>
+                <a:spcPts val="0"/>
+              </a:spcAft>
+              <a:buClr>
+                <a:schemeClr val="dk1"/>
+              </a:buClr>
+              <a:buSzPts val="1800"/>
+              <a:buFont typeface="Montserrat"/>
+              <a:buChar char="•"/>
+            </a:pPr>
+            <a:r>
+              <a:rPr lang="en-US" sz="1800">
+                <a:solidFill>
+                  <a:schemeClr val="dk1"/>
+                </a:solidFill>
+                <a:latin typeface="Montserrat"/>
+                <a:ea typeface="Montserrat"/>
+                <a:cs typeface="Montserrat"/>
+                <a:sym typeface="Montserrat"/>
+              </a:rPr>
+              <a:t>Hard to visualize lifts below 1</a:t>
+            </a:r>
+            <a:endParaRPr sz="1800">
+              <a:solidFill>
+                <a:schemeClr val="dk1"/>
+              </a:solidFill>
+              <a:latin typeface="Montserrat"/>
+              <a:ea typeface="Montserrat"/>
+              <a:cs typeface="Montserrat"/>
+              <a:sym typeface="Montserrat"/>
+            </a:endParaRPr>
+          </a:p>
+          <a:p>
+            <a:pPr indent="-342900" lvl="0" marL="457200" rtl="0" algn="l">
+              <a:spcBef>
+                <a:spcPts val="0"/>
+              </a:spcBef>
+              <a:spcAft>
+                <a:spcPts val="0"/>
+              </a:spcAft>
+              <a:buClr>
+                <a:schemeClr val="dk1"/>
+              </a:buClr>
+              <a:buSzPts val="1800"/>
+              <a:buChar char="•"/>
+            </a:pPr>
+            <a:r>
+              <a:rPr lang="en-US" sz="1800">
+                <a:solidFill>
+                  <a:schemeClr val="dk1"/>
+                </a:solidFill>
+                <a:latin typeface="Montserrat"/>
+                <a:ea typeface="Montserrat"/>
+                <a:cs typeface="Montserrat"/>
+                <a:sym typeface="Montserrat"/>
+              </a:rPr>
+              <a:t>We often take the </a:t>
+            </a:r>
+            <a:r>
+              <a:rPr b="1" lang="en-US" sz="1800" u="sng">
+                <a:solidFill>
+                  <a:srgbClr val="980000"/>
+                </a:solidFill>
+                <a:latin typeface="Montserrat"/>
+                <a:ea typeface="Montserrat"/>
+                <a:cs typeface="Montserrat"/>
+                <a:sym typeface="Montserrat"/>
+              </a:rPr>
+              <a:t>log</a:t>
+            </a:r>
+            <a:r>
+              <a:rPr b="1" lang="en-US" sz="1800">
+                <a:solidFill>
+                  <a:srgbClr val="980000"/>
+                </a:solidFill>
+                <a:latin typeface="Montserrat"/>
+                <a:ea typeface="Montserrat"/>
+                <a:cs typeface="Montserrat"/>
+                <a:sym typeface="Montserrat"/>
+              </a:rPr>
+              <a:t> of ratios</a:t>
+            </a:r>
+            <a:r>
+              <a:rPr b="1" lang="en-US" sz="1800">
+                <a:solidFill>
+                  <a:schemeClr val="dk1"/>
+                </a:solidFill>
+                <a:latin typeface="Montserrat"/>
+                <a:ea typeface="Montserrat"/>
+                <a:cs typeface="Montserrat"/>
+                <a:sym typeface="Montserrat"/>
+              </a:rPr>
+              <a:t> </a:t>
+            </a:r>
+            <a:r>
+              <a:rPr lang="en-US" sz="1800">
+                <a:solidFill>
+                  <a:schemeClr val="dk1"/>
+                </a:solidFill>
+                <a:latin typeface="Montserrat"/>
+                <a:ea typeface="Montserrat"/>
+                <a:cs typeface="Montserrat"/>
+                <a:sym typeface="Montserrat"/>
+              </a:rPr>
+              <a:t>(aka log-odds). </a:t>
+            </a:r>
+            <a:endParaRPr>
+              <a:solidFill>
+                <a:schemeClr val="dk1"/>
+              </a:solidFill>
+              <a:latin typeface="Montserrat"/>
+              <a:ea typeface="Montserrat"/>
+              <a:cs typeface="Montserrat"/>
+              <a:sym typeface="Montserrat"/>
+            </a:endParaRPr>
+          </a:p>
+          <a:p>
+            <a:pPr indent="-342900" lvl="1" marL="914400" rtl="0" algn="l">
+              <a:spcBef>
+                <a:spcPts val="0"/>
+              </a:spcBef>
+              <a:spcAft>
+                <a:spcPts val="0"/>
+              </a:spcAft>
+              <a:buClr>
+                <a:schemeClr val="dk1"/>
+              </a:buClr>
+              <a:buSzPts val="1800"/>
+              <a:buFont typeface="Montserrat"/>
+              <a:buChar char="•"/>
+            </a:pPr>
+            <a:r>
+              <a:rPr lang="en-US" sz="1800">
+                <a:solidFill>
+                  <a:schemeClr val="dk1"/>
+                </a:solidFill>
+                <a:latin typeface="Montserrat"/>
+                <a:ea typeface="Montserrat"/>
+                <a:cs typeface="Montserrat"/>
+                <a:sym typeface="Montserrat"/>
+              </a:rPr>
+              <a:t>Log-odds are symmetric around 0, and they are additive </a:t>
+            </a:r>
+            <a:endParaRPr sz="1800">
+              <a:solidFill>
+                <a:schemeClr val="dk1"/>
+              </a:solidFill>
+              <a:latin typeface="Montserrat"/>
+              <a:ea typeface="Montserrat"/>
+              <a:cs typeface="Montserrat"/>
+              <a:sym typeface="Montserrat"/>
+            </a:endParaRPr>
           </a:p>
         </p:txBody>
       </p:sp>
@@ -20166,7 +20992,7 @@
   <p:cSld>
     <p:spTree>
       <p:nvGrpSpPr>
-        <p:cNvPr id="217" name="Shape 217"/>
+        <p:cNvPr id="221" name="Shape 221"/>
         <p:cNvGrpSpPr/>
         <p:nvPr/>
       </p:nvGrpSpPr>
@@ -20180,7 +21006,915 @@
       </p:grpSpPr>
       <p:sp>
         <p:nvSpPr>
-          <p:cNvPr id="218" name="Google Shape;218;p17"/>
+          <p:cNvPr id="222" name="Google Shape;222;g13139f0f7d7_0_6"/>
+          <p:cNvSpPr/>
+          <p:nvPr/>
+        </p:nvSpPr>
+        <p:spPr>
+          <a:xfrm>
+            <a:off x="386308" y="147496"/>
+            <a:ext cx="7757400" cy="1015800"/>
+          </a:xfrm>
+          <a:prstGeom prst="rect">
+            <a:avLst/>
+          </a:prstGeom>
+          <a:noFill/>
+          <a:ln>
+            <a:noFill/>
+          </a:ln>
+        </p:spPr>
+        <p:txBody>
+          <a:bodyPr anchorCtr="0" anchor="t" bIns="45700" lIns="45700" spcFirstLastPara="1" rIns="45700" wrap="square" tIns="45700">
+            <a:noAutofit/>
+          </a:bodyPr>
+          <a:lstStyle/>
+          <a:p>
+            <a:pPr indent="0" lvl="0" marL="0" marR="0" rtl="0" algn="l">
+              <a:spcBef>
+                <a:spcPts val="0"/>
+              </a:spcBef>
+              <a:spcAft>
+                <a:spcPts val="0"/>
+              </a:spcAft>
+              <a:buNone/>
+            </a:pPr>
+            <a:r>
+              <a:rPr b="1" lang="en-US" sz="3000">
+                <a:solidFill>
+                  <a:srgbClr val="57068C"/>
+                </a:solidFill>
+                <a:latin typeface="Arimo"/>
+                <a:ea typeface="Arimo"/>
+                <a:cs typeface="Arimo"/>
+                <a:sym typeface="Arimo"/>
+              </a:rPr>
+              <a:t>Activity: Books and Political Views</a:t>
+            </a:r>
+            <a:endParaRPr b="1" sz="3000">
+              <a:solidFill>
+                <a:srgbClr val="57068C"/>
+              </a:solidFill>
+              <a:latin typeface="Arimo"/>
+              <a:ea typeface="Arimo"/>
+              <a:cs typeface="Arimo"/>
+              <a:sym typeface="Arimo"/>
+            </a:endParaRPr>
+          </a:p>
+        </p:txBody>
+      </p:sp>
+      <p:sp>
+        <p:nvSpPr>
+          <p:cNvPr id="223" name="Google Shape;223;g13139f0f7d7_0_6"/>
+          <p:cNvSpPr/>
+          <p:nvPr/>
+        </p:nvSpPr>
+        <p:spPr>
+          <a:xfrm>
+            <a:off x="469900" y="1282700"/>
+            <a:ext cx="8204100" cy="307800"/>
+          </a:xfrm>
+          <a:prstGeom prst="rect">
+            <a:avLst/>
+          </a:prstGeom>
+          <a:noFill/>
+          <a:ln>
+            <a:noFill/>
+          </a:ln>
+        </p:spPr>
+        <p:txBody>
+          <a:bodyPr anchorCtr="0" anchor="t" bIns="0" lIns="0" spcFirstLastPara="1" rIns="0" wrap="square" tIns="0">
+            <a:noAutofit/>
+          </a:bodyPr>
+          <a:lstStyle/>
+          <a:p>
+            <a:pPr indent="0" lvl="0" marL="0" marR="0" rtl="0" algn="l">
+              <a:spcBef>
+                <a:spcPts val="0"/>
+              </a:spcBef>
+              <a:spcAft>
+                <a:spcPts val="0"/>
+              </a:spcAft>
+              <a:buNone/>
+            </a:pPr>
+            <a:r>
+              <a:t/>
+            </a:r>
+            <a:endParaRPr sz="2000">
+              <a:solidFill>
+                <a:schemeClr val="dk1"/>
+              </a:solidFill>
+              <a:latin typeface="Montserrat"/>
+              <a:ea typeface="Montserrat"/>
+              <a:cs typeface="Montserrat"/>
+              <a:sym typeface="Montserrat"/>
+            </a:endParaRPr>
+          </a:p>
+        </p:txBody>
+      </p:sp>
+      <p:sp>
+        <p:nvSpPr>
+          <p:cNvPr id="224" name="Google Shape;224;g13139f0f7d7_0_6"/>
+          <p:cNvSpPr txBox="1"/>
+          <p:nvPr/>
+        </p:nvSpPr>
+        <p:spPr>
+          <a:xfrm>
+            <a:off x="204550" y="1376725"/>
+            <a:ext cx="8939400" cy="3417000"/>
+          </a:xfrm>
+          <a:prstGeom prst="rect">
+            <a:avLst/>
+          </a:prstGeom>
+          <a:noFill/>
+          <a:ln>
+            <a:noFill/>
+          </a:ln>
+        </p:spPr>
+        <p:txBody>
+          <a:bodyPr anchorCtr="0" anchor="t" bIns="45700" lIns="91425" spcFirstLastPara="1" rIns="91425" wrap="square" tIns="45700">
+            <a:spAutoFit/>
+          </a:bodyPr>
+          <a:lstStyle/>
+          <a:p>
+            <a:pPr indent="-342900" lvl="0" marL="457200" marR="0" rtl="0" algn="l">
+              <a:spcBef>
+                <a:spcPts val="0"/>
+              </a:spcBef>
+              <a:spcAft>
+                <a:spcPts val="0"/>
+              </a:spcAft>
+              <a:buClr>
+                <a:schemeClr val="dk1"/>
+              </a:buClr>
+              <a:buSzPts val="1800"/>
+              <a:buFont typeface="Montserrat"/>
+              <a:buChar char="●"/>
+            </a:pPr>
+            <a:r>
+              <a:rPr lang="en-US" sz="1800">
+                <a:solidFill>
+                  <a:schemeClr val="dk1"/>
+                </a:solidFill>
+                <a:latin typeface="Montserrat"/>
+                <a:ea typeface="Montserrat"/>
+                <a:cs typeface="Montserrat"/>
+                <a:sym typeface="Montserrat"/>
+              </a:rPr>
+              <a:t>By having the “log-odds” for each book, we can now score individuals</a:t>
+            </a:r>
+            <a:endParaRPr sz="1800">
+              <a:solidFill>
+                <a:schemeClr val="dk1"/>
+              </a:solidFill>
+              <a:latin typeface="Montserrat"/>
+              <a:ea typeface="Montserrat"/>
+              <a:cs typeface="Montserrat"/>
+              <a:sym typeface="Montserrat"/>
+            </a:endParaRPr>
+          </a:p>
+          <a:p>
+            <a:pPr indent="-342900" lvl="1" marL="914400" marR="0" rtl="0" algn="l">
+              <a:spcBef>
+                <a:spcPts val="0"/>
+              </a:spcBef>
+              <a:spcAft>
+                <a:spcPts val="0"/>
+              </a:spcAft>
+              <a:buClr>
+                <a:schemeClr val="dk1"/>
+              </a:buClr>
+              <a:buSzPts val="1800"/>
+              <a:buFont typeface="Montserrat"/>
+              <a:buChar char="○"/>
+            </a:pPr>
+            <a:r>
+              <a:rPr lang="en-US" sz="1800">
+                <a:solidFill>
+                  <a:schemeClr val="dk1"/>
+                </a:solidFill>
+                <a:latin typeface="Montserrat"/>
+                <a:ea typeface="Montserrat"/>
+                <a:cs typeface="Montserrat"/>
+                <a:sym typeface="Montserrat"/>
+              </a:rPr>
+              <a:t>Save the query that calculates the log-odds for each book</a:t>
+            </a:r>
+            <a:endParaRPr sz="1800">
+              <a:solidFill>
+                <a:schemeClr val="dk1"/>
+              </a:solidFill>
+              <a:latin typeface="Montserrat"/>
+              <a:ea typeface="Montserrat"/>
+              <a:cs typeface="Montserrat"/>
+              <a:sym typeface="Montserrat"/>
+            </a:endParaRPr>
+          </a:p>
+          <a:p>
+            <a:pPr indent="0" lvl="0" marL="0" marR="0" rtl="0" algn="l">
+              <a:spcBef>
+                <a:spcPts val="0"/>
+              </a:spcBef>
+              <a:spcAft>
+                <a:spcPts val="0"/>
+              </a:spcAft>
+              <a:buNone/>
+            </a:pPr>
+            <a:r>
+              <a:t/>
+            </a:r>
+            <a:endParaRPr sz="1800">
+              <a:solidFill>
+                <a:schemeClr val="dk1"/>
+              </a:solidFill>
+              <a:latin typeface="Montserrat"/>
+              <a:ea typeface="Montserrat"/>
+              <a:cs typeface="Montserrat"/>
+              <a:sym typeface="Montserrat"/>
+            </a:endParaRPr>
+          </a:p>
+          <a:p>
+            <a:pPr indent="-342900" lvl="0" marL="457200" marR="0" rtl="0" algn="l">
+              <a:spcBef>
+                <a:spcPts val="0"/>
+              </a:spcBef>
+              <a:spcAft>
+                <a:spcPts val="0"/>
+              </a:spcAft>
+              <a:buClr>
+                <a:schemeClr val="dk1"/>
+              </a:buClr>
+              <a:buSzPts val="1800"/>
+              <a:buFont typeface="Montserrat"/>
+              <a:buChar char="●"/>
+            </a:pPr>
+            <a:r>
+              <a:rPr lang="en-US" sz="1800">
+                <a:solidFill>
+                  <a:schemeClr val="dk1"/>
+                </a:solidFill>
+                <a:latin typeface="Montserrat"/>
+                <a:ea typeface="Montserrat"/>
+                <a:cs typeface="Montserrat"/>
+                <a:sym typeface="Montserrat"/>
+              </a:rPr>
+              <a:t>If we sum the “log-odds” scores of the “book likes” for each ProfileID, we get a “log-odds” score for each ProfileID</a:t>
+            </a:r>
+            <a:endParaRPr sz="1800">
+              <a:solidFill>
+                <a:schemeClr val="dk1"/>
+              </a:solidFill>
+              <a:latin typeface="Montserrat"/>
+              <a:ea typeface="Montserrat"/>
+              <a:cs typeface="Montserrat"/>
+              <a:sym typeface="Montserrat"/>
+            </a:endParaRPr>
+          </a:p>
+          <a:p>
+            <a:pPr indent="-342900" lvl="1" marL="914400" marR="0" rtl="0" algn="l">
+              <a:spcBef>
+                <a:spcPts val="0"/>
+              </a:spcBef>
+              <a:spcAft>
+                <a:spcPts val="0"/>
+              </a:spcAft>
+              <a:buClr>
+                <a:schemeClr val="dk1"/>
+              </a:buClr>
+              <a:buSzPts val="1800"/>
+              <a:buFont typeface="Montserrat"/>
+              <a:buChar char="○"/>
+            </a:pPr>
+            <a:r>
+              <a:rPr lang="en-US" sz="1800">
+                <a:solidFill>
+                  <a:schemeClr val="dk1"/>
+                </a:solidFill>
+                <a:latin typeface="Montserrat"/>
+                <a:ea typeface="Montserrat"/>
+                <a:cs typeface="Montserrat"/>
+                <a:sym typeface="Montserrat"/>
+              </a:rPr>
+              <a:t>Write the query that calculates the score for each ProfileID using the results of the query that calculates log-odds per book</a:t>
+            </a:r>
+            <a:endParaRPr sz="1800">
+              <a:solidFill>
+                <a:schemeClr val="dk1"/>
+              </a:solidFill>
+              <a:latin typeface="Montserrat"/>
+              <a:ea typeface="Montserrat"/>
+              <a:cs typeface="Montserrat"/>
+              <a:sym typeface="Montserrat"/>
+            </a:endParaRPr>
+          </a:p>
+          <a:p>
+            <a:pPr indent="0" lvl="0" marL="0" marR="0" rtl="0" algn="l">
+              <a:spcBef>
+                <a:spcPts val="0"/>
+              </a:spcBef>
+              <a:spcAft>
+                <a:spcPts val="0"/>
+              </a:spcAft>
+              <a:buNone/>
+            </a:pPr>
+            <a:r>
+              <a:t/>
+            </a:r>
+            <a:endParaRPr sz="1800">
+              <a:solidFill>
+                <a:schemeClr val="dk1"/>
+              </a:solidFill>
+              <a:latin typeface="Montserrat"/>
+              <a:ea typeface="Montserrat"/>
+              <a:cs typeface="Montserrat"/>
+              <a:sym typeface="Montserrat"/>
+            </a:endParaRPr>
+          </a:p>
+          <a:p>
+            <a:pPr indent="-342900" lvl="0" marL="457200" marR="0" rtl="0" algn="l">
+              <a:spcBef>
+                <a:spcPts val="0"/>
+              </a:spcBef>
+              <a:spcAft>
+                <a:spcPts val="0"/>
+              </a:spcAft>
+              <a:buClr>
+                <a:schemeClr val="dk1"/>
+              </a:buClr>
+              <a:buSzPts val="1800"/>
+              <a:buFont typeface="Montserrat"/>
+              <a:buChar char="●"/>
+            </a:pPr>
+            <a:r>
+              <a:rPr lang="en-US" sz="1800">
+                <a:solidFill>
+                  <a:schemeClr val="dk1"/>
+                </a:solidFill>
+                <a:latin typeface="Montserrat"/>
+                <a:ea typeface="Montserrat"/>
+                <a:cs typeface="Montserrat"/>
+                <a:sym typeface="Montserrat"/>
+              </a:rPr>
+              <a:t>A positive sum indicates positive correlation with the target group and vice versa.</a:t>
+            </a:r>
+            <a:endParaRPr sz="1800">
+              <a:solidFill>
+                <a:schemeClr val="dk1"/>
+              </a:solidFill>
+              <a:latin typeface="Montserrat"/>
+              <a:ea typeface="Montserrat"/>
+              <a:cs typeface="Montserrat"/>
+              <a:sym typeface="Montserrat"/>
+            </a:endParaRPr>
+          </a:p>
+          <a:p>
+            <a:pPr indent="0" lvl="0" marL="0" marR="0" rtl="0" algn="l">
+              <a:spcBef>
+                <a:spcPts val="0"/>
+              </a:spcBef>
+              <a:spcAft>
+                <a:spcPts val="0"/>
+              </a:spcAft>
+              <a:buNone/>
+            </a:pPr>
+            <a:r>
+              <a:t/>
+            </a:r>
+            <a:endParaRPr sz="1800">
+              <a:solidFill>
+                <a:schemeClr val="dk1"/>
+              </a:solidFill>
+              <a:latin typeface="Montserrat"/>
+              <a:ea typeface="Montserrat"/>
+              <a:cs typeface="Montserrat"/>
+              <a:sym typeface="Montserrat"/>
+            </a:endParaRPr>
+          </a:p>
+          <a:p>
+            <a:pPr indent="0" lvl="0" marL="0" rtl="0" algn="l">
+              <a:spcBef>
+                <a:spcPts val="0"/>
+              </a:spcBef>
+              <a:spcAft>
+                <a:spcPts val="0"/>
+              </a:spcAft>
+              <a:buNone/>
+            </a:pPr>
+            <a:r>
+              <a:t/>
+            </a:r>
+            <a:endParaRPr sz="1800">
+              <a:solidFill>
+                <a:schemeClr val="dk1"/>
+              </a:solidFill>
+              <a:latin typeface="Montserrat"/>
+              <a:ea typeface="Montserrat"/>
+              <a:cs typeface="Montserrat"/>
+              <a:sym typeface="Montserrat"/>
+            </a:endParaRPr>
+          </a:p>
+        </p:txBody>
+      </p:sp>
+    </p:spTree>
+  </p:cSld>
+  <p:clrMapOvr>
+    <a:masterClrMapping/>
+  </p:clrMapOvr>
+</p:sld>
+</file>
+
+<file path=ppt/slides/slide21.xml><?xml version="1.0" encoding="utf-8"?>
+<p:sld xmlns:a="http://schemas.openxmlformats.org/drawingml/2006/main" xmlns:r="http://schemas.openxmlformats.org/officeDocument/2006/relationships" xmlns:mc="http://schemas.openxmlformats.org/markup-compatibility/2006" xmlns:mv="urn:schemas-microsoft-com:mac:vml" xmlns:p="http://schemas.openxmlformats.org/presentationml/2006/main" xmlns:c="http://schemas.openxmlformats.org/drawingml/2006/chart" xmlns:dgm="http://schemas.openxmlformats.org/drawingml/2006/diagram" xmlns:o="urn:schemas-microsoft-com:office:office" xmlns:v="urn:schemas-microsoft-com:vml" xmlns:pvml="urn:schemas-microsoft-com:office:powerpoint" xmlns:com="http://schemas.openxmlformats.org/drawingml/2006/compatibility" xmlns:p14="http://schemas.microsoft.com/office/powerpoint/2010/main" xmlns:p15="http://schemas.microsoft.com/office/powerpoint/2012/main" xmlns:ahyp="http://schemas.microsoft.com/office/drawing/2018/hyperlinkcolor">
+  <p:cSld>
+    <p:spTree>
+      <p:nvGrpSpPr>
+        <p:cNvPr id="228" name="Shape 228"/>
+        <p:cNvGrpSpPr/>
+        <p:nvPr/>
+      </p:nvGrpSpPr>
+      <p:grpSpPr>
+        <a:xfrm>
+          <a:off x="0" y="0"/>
+          <a:ext cx="0" cy="0"/>
+          <a:chOff x="0" y="0"/>
+          <a:chExt cx="0" cy="0"/>
+        </a:xfrm>
+      </p:grpSpPr>
+      <p:sp>
+        <p:nvSpPr>
+          <p:cNvPr id="229" name="Google Shape;229;g13139f0f7d7_0_12"/>
+          <p:cNvSpPr/>
+          <p:nvPr/>
+        </p:nvSpPr>
+        <p:spPr>
+          <a:xfrm>
+            <a:off x="386308" y="147496"/>
+            <a:ext cx="7757400" cy="1015800"/>
+          </a:xfrm>
+          <a:prstGeom prst="rect">
+            <a:avLst/>
+          </a:prstGeom>
+          <a:noFill/>
+          <a:ln>
+            <a:noFill/>
+          </a:ln>
+        </p:spPr>
+        <p:txBody>
+          <a:bodyPr anchorCtr="0" anchor="t" bIns="45700" lIns="45700" spcFirstLastPara="1" rIns="45700" wrap="square" tIns="45700">
+            <a:noAutofit/>
+          </a:bodyPr>
+          <a:lstStyle/>
+          <a:p>
+            <a:pPr indent="0" lvl="0" marL="0" marR="0" rtl="0" algn="l">
+              <a:spcBef>
+                <a:spcPts val="0"/>
+              </a:spcBef>
+              <a:spcAft>
+                <a:spcPts val="0"/>
+              </a:spcAft>
+              <a:buNone/>
+            </a:pPr>
+            <a:r>
+              <a:rPr b="1" lang="en-US" sz="3000">
+                <a:solidFill>
+                  <a:srgbClr val="57068C"/>
+                </a:solidFill>
+                <a:latin typeface="Arimo"/>
+                <a:ea typeface="Arimo"/>
+                <a:cs typeface="Arimo"/>
+                <a:sym typeface="Arimo"/>
+              </a:rPr>
+              <a:t>Activity: Books and Political Views</a:t>
+            </a:r>
+            <a:endParaRPr b="1" sz="3000">
+              <a:solidFill>
+                <a:srgbClr val="57068C"/>
+              </a:solidFill>
+              <a:latin typeface="Arimo"/>
+              <a:ea typeface="Arimo"/>
+              <a:cs typeface="Arimo"/>
+              <a:sym typeface="Arimo"/>
+            </a:endParaRPr>
+          </a:p>
+        </p:txBody>
+      </p:sp>
+      <p:sp>
+        <p:nvSpPr>
+          <p:cNvPr id="230" name="Google Shape;230;g13139f0f7d7_0_12"/>
+          <p:cNvSpPr/>
+          <p:nvPr/>
+        </p:nvSpPr>
+        <p:spPr>
+          <a:xfrm>
+            <a:off x="469900" y="1282700"/>
+            <a:ext cx="8204100" cy="307800"/>
+          </a:xfrm>
+          <a:prstGeom prst="rect">
+            <a:avLst/>
+          </a:prstGeom>
+          <a:noFill/>
+          <a:ln>
+            <a:noFill/>
+          </a:ln>
+        </p:spPr>
+        <p:txBody>
+          <a:bodyPr anchorCtr="0" anchor="t" bIns="0" lIns="0" spcFirstLastPara="1" rIns="0" wrap="square" tIns="0">
+            <a:noAutofit/>
+          </a:bodyPr>
+          <a:lstStyle/>
+          <a:p>
+            <a:pPr indent="0" lvl="0" marL="0" marR="0" rtl="0" algn="l">
+              <a:spcBef>
+                <a:spcPts val="0"/>
+              </a:spcBef>
+              <a:spcAft>
+                <a:spcPts val="0"/>
+              </a:spcAft>
+              <a:buNone/>
+            </a:pPr>
+            <a:r>
+              <a:t/>
+            </a:r>
+            <a:endParaRPr sz="2000">
+              <a:solidFill>
+                <a:schemeClr val="dk1"/>
+              </a:solidFill>
+              <a:latin typeface="Montserrat"/>
+              <a:ea typeface="Montserrat"/>
+              <a:cs typeface="Montserrat"/>
+              <a:sym typeface="Montserrat"/>
+            </a:endParaRPr>
+          </a:p>
+        </p:txBody>
+      </p:sp>
+      <p:sp>
+        <p:nvSpPr>
+          <p:cNvPr id="231" name="Google Shape;231;g13139f0f7d7_0_12"/>
+          <p:cNvSpPr txBox="1"/>
+          <p:nvPr/>
+        </p:nvSpPr>
+        <p:spPr>
+          <a:xfrm>
+            <a:off x="204550" y="1376725"/>
+            <a:ext cx="8939400" cy="2862900"/>
+          </a:xfrm>
+          <a:prstGeom prst="rect">
+            <a:avLst/>
+          </a:prstGeom>
+          <a:noFill/>
+          <a:ln>
+            <a:noFill/>
+          </a:ln>
+        </p:spPr>
+        <p:txBody>
+          <a:bodyPr anchorCtr="0" anchor="t" bIns="45700" lIns="91425" spcFirstLastPara="1" rIns="91425" wrap="square" tIns="45700">
+            <a:spAutoFit/>
+          </a:bodyPr>
+          <a:lstStyle/>
+          <a:p>
+            <a:pPr indent="-342900" lvl="0" marL="457200" marR="0" rtl="0" algn="l">
+              <a:spcBef>
+                <a:spcPts val="0"/>
+              </a:spcBef>
+              <a:spcAft>
+                <a:spcPts val="0"/>
+              </a:spcAft>
+              <a:buClr>
+                <a:schemeClr val="dk1"/>
+              </a:buClr>
+              <a:buSzPts val="1800"/>
+              <a:buFont typeface="Montserrat"/>
+              <a:buChar char="●"/>
+            </a:pPr>
+            <a:r>
+              <a:rPr b="1" lang="en-US" sz="1800">
+                <a:solidFill>
+                  <a:schemeClr val="dk1"/>
+                </a:solidFill>
+                <a:latin typeface="Montserrat"/>
+                <a:ea typeface="Montserrat"/>
+                <a:cs typeface="Montserrat"/>
+                <a:sym typeface="Montserrat"/>
+              </a:rPr>
+              <a:t>Evaluating </a:t>
+            </a:r>
+            <a:r>
+              <a:rPr lang="en-US" sz="1800">
+                <a:solidFill>
+                  <a:schemeClr val="dk1"/>
+                </a:solidFill>
+                <a:latin typeface="Montserrat"/>
+                <a:ea typeface="Montserrat"/>
+                <a:cs typeface="Montserrat"/>
+                <a:sym typeface="Montserrat"/>
+              </a:rPr>
+              <a:t>the scores:</a:t>
+            </a:r>
+            <a:endParaRPr sz="1800">
+              <a:solidFill>
+                <a:schemeClr val="dk1"/>
+              </a:solidFill>
+              <a:latin typeface="Montserrat"/>
+              <a:ea typeface="Montserrat"/>
+              <a:cs typeface="Montserrat"/>
+              <a:sym typeface="Montserrat"/>
+            </a:endParaRPr>
+          </a:p>
+          <a:p>
+            <a:pPr indent="-342900" lvl="1" marL="914400" marR="0" rtl="0" algn="l">
+              <a:spcBef>
+                <a:spcPts val="0"/>
+              </a:spcBef>
+              <a:spcAft>
+                <a:spcPts val="0"/>
+              </a:spcAft>
+              <a:buClr>
+                <a:schemeClr val="dk1"/>
+              </a:buClr>
+              <a:buSzPts val="1800"/>
+              <a:buFont typeface="Montserrat"/>
+              <a:buChar char="○"/>
+            </a:pPr>
+            <a:r>
+              <a:rPr lang="en-US" sz="1800">
+                <a:solidFill>
+                  <a:schemeClr val="dk1"/>
+                </a:solidFill>
+                <a:latin typeface="Montserrat"/>
+                <a:ea typeface="Montserrat"/>
+                <a:cs typeface="Montserrat"/>
+                <a:sym typeface="Montserrat"/>
+              </a:rPr>
+              <a:t>Check how often we classify liberals and conservatives correctly (note that we used the data already to calculate the book scores)</a:t>
+            </a:r>
+            <a:endParaRPr sz="1800">
+              <a:solidFill>
+                <a:schemeClr val="dk1"/>
+              </a:solidFill>
+              <a:latin typeface="Montserrat"/>
+              <a:ea typeface="Montserrat"/>
+              <a:cs typeface="Montserrat"/>
+              <a:sym typeface="Montserrat"/>
+            </a:endParaRPr>
+          </a:p>
+          <a:p>
+            <a:pPr indent="-342900" lvl="1" marL="914400" marR="0" rtl="0" algn="l">
+              <a:spcBef>
+                <a:spcPts val="0"/>
+              </a:spcBef>
+              <a:spcAft>
+                <a:spcPts val="0"/>
+              </a:spcAft>
+              <a:buClr>
+                <a:schemeClr val="dk1"/>
+              </a:buClr>
+              <a:buSzPts val="1800"/>
+              <a:buFont typeface="Montserrat"/>
+              <a:buChar char="○"/>
+            </a:pPr>
+            <a:r>
+              <a:rPr lang="en-US" sz="1800">
+                <a:solidFill>
+                  <a:schemeClr val="dk1"/>
+                </a:solidFill>
+                <a:latin typeface="Montserrat"/>
+                <a:ea typeface="Montserrat"/>
+                <a:cs typeface="Montserrat"/>
+                <a:sym typeface="Montserrat"/>
+              </a:rPr>
+              <a:t>Check if we classify “very liberal” and “very conservative” correctly (or keep a certain set of the population out of book score calculations and use it for testing)</a:t>
+            </a:r>
+            <a:endParaRPr sz="1800">
+              <a:solidFill>
+                <a:schemeClr val="dk1"/>
+              </a:solidFill>
+              <a:latin typeface="Montserrat"/>
+              <a:ea typeface="Montserrat"/>
+              <a:cs typeface="Montserrat"/>
+              <a:sym typeface="Montserrat"/>
+            </a:endParaRPr>
+          </a:p>
+          <a:p>
+            <a:pPr indent="-342900" lvl="0" marL="457200" marR="0" rtl="0" algn="l">
+              <a:spcBef>
+                <a:spcPts val="0"/>
+              </a:spcBef>
+              <a:spcAft>
+                <a:spcPts val="0"/>
+              </a:spcAft>
+              <a:buClr>
+                <a:schemeClr val="dk1"/>
+              </a:buClr>
+              <a:buSzPts val="1800"/>
+              <a:buFont typeface="Montserrat"/>
+              <a:buChar char="●"/>
+            </a:pPr>
+            <a:r>
+              <a:rPr b="1" lang="en-US" sz="1800">
+                <a:solidFill>
+                  <a:schemeClr val="dk1"/>
+                </a:solidFill>
+                <a:latin typeface="Montserrat"/>
+                <a:ea typeface="Montserrat"/>
+                <a:cs typeface="Montserrat"/>
+                <a:sym typeface="Montserrat"/>
+              </a:rPr>
+              <a:t>Using </a:t>
+            </a:r>
+            <a:r>
+              <a:rPr lang="en-US" sz="1800">
+                <a:solidFill>
+                  <a:schemeClr val="dk1"/>
+                </a:solidFill>
+                <a:latin typeface="Montserrat"/>
+                <a:ea typeface="Montserrat"/>
+                <a:cs typeface="Montserrat"/>
+                <a:sym typeface="Montserrat"/>
+              </a:rPr>
+              <a:t>the scores (“inference”):</a:t>
+            </a:r>
+            <a:endParaRPr sz="1800">
+              <a:solidFill>
+                <a:schemeClr val="dk1"/>
+              </a:solidFill>
+              <a:latin typeface="Montserrat"/>
+              <a:ea typeface="Montserrat"/>
+              <a:cs typeface="Montserrat"/>
+              <a:sym typeface="Montserrat"/>
+            </a:endParaRPr>
+          </a:p>
+          <a:p>
+            <a:pPr indent="-342900" lvl="1" marL="914400" marR="0" rtl="0" algn="l">
+              <a:spcBef>
+                <a:spcPts val="0"/>
+              </a:spcBef>
+              <a:spcAft>
+                <a:spcPts val="0"/>
+              </a:spcAft>
+              <a:buClr>
+                <a:schemeClr val="dk1"/>
+              </a:buClr>
+              <a:buSzPts val="1800"/>
+              <a:buFont typeface="Montserrat"/>
+              <a:buChar char="○"/>
+            </a:pPr>
+            <a:r>
+              <a:rPr lang="en-US" sz="1800">
+                <a:solidFill>
+                  <a:schemeClr val="dk1"/>
+                </a:solidFill>
+                <a:latin typeface="Montserrat"/>
+                <a:ea typeface="Montserrat"/>
+                <a:cs typeface="Montserrat"/>
+                <a:sym typeface="Montserrat"/>
+              </a:rPr>
+              <a:t>We can now make inferences about all ProfileIDs, even if they do not list their Political Views</a:t>
+            </a:r>
+            <a:endParaRPr sz="1800">
+              <a:solidFill>
+                <a:schemeClr val="dk1"/>
+              </a:solidFill>
+              <a:latin typeface="Montserrat"/>
+              <a:ea typeface="Montserrat"/>
+              <a:cs typeface="Montserrat"/>
+              <a:sym typeface="Montserrat"/>
+            </a:endParaRPr>
+          </a:p>
+          <a:p>
+            <a:pPr indent="0" lvl="0" marL="914400" marR="0" rtl="0" algn="l">
+              <a:spcBef>
+                <a:spcPts val="0"/>
+              </a:spcBef>
+              <a:spcAft>
+                <a:spcPts val="0"/>
+              </a:spcAft>
+              <a:buNone/>
+            </a:pPr>
+            <a:r>
+              <a:t/>
+            </a:r>
+            <a:endParaRPr sz="1800">
+              <a:solidFill>
+                <a:schemeClr val="dk1"/>
+              </a:solidFill>
+              <a:latin typeface="Montserrat"/>
+              <a:ea typeface="Montserrat"/>
+              <a:cs typeface="Montserrat"/>
+              <a:sym typeface="Montserrat"/>
+            </a:endParaRPr>
+          </a:p>
+        </p:txBody>
+      </p:sp>
+    </p:spTree>
+  </p:cSld>
+  <p:clrMapOvr>
+    <a:masterClrMapping/>
+  </p:clrMapOvr>
+</p:sld>
+</file>
+
+<file path=ppt/slides/slide22.xml><?xml version="1.0" encoding="utf-8"?>
+<p:sld xmlns:a="http://schemas.openxmlformats.org/drawingml/2006/main" xmlns:r="http://schemas.openxmlformats.org/officeDocument/2006/relationships" xmlns:mc="http://schemas.openxmlformats.org/markup-compatibility/2006" xmlns:mv="urn:schemas-microsoft-com:mac:vml" xmlns:p="http://schemas.openxmlformats.org/presentationml/2006/main" xmlns:c="http://schemas.openxmlformats.org/drawingml/2006/chart" xmlns:dgm="http://schemas.openxmlformats.org/drawingml/2006/diagram" xmlns:o="urn:schemas-microsoft-com:office:office" xmlns:v="urn:schemas-microsoft-com:vml" xmlns:pvml="urn:schemas-microsoft-com:office:powerpoint" xmlns:com="http://schemas.openxmlformats.org/drawingml/2006/compatibility" xmlns:p14="http://schemas.microsoft.com/office/powerpoint/2010/main" xmlns:p15="http://schemas.microsoft.com/office/powerpoint/2012/main" xmlns:ahyp="http://schemas.microsoft.com/office/drawing/2018/hyperlinkcolor">
+  <p:cSld>
+    <p:spTree>
+      <p:nvGrpSpPr>
+        <p:cNvPr id="235" name="Shape 235"/>
+        <p:cNvGrpSpPr/>
+        <p:nvPr/>
+      </p:nvGrpSpPr>
+      <p:grpSpPr>
+        <a:xfrm>
+          <a:off x="0" y="0"/>
+          <a:ext cx="0" cy="0"/>
+          <a:chOff x="0" y="0"/>
+          <a:chExt cx="0" cy="0"/>
+        </a:xfrm>
+      </p:grpSpPr>
+      <p:sp>
+        <p:nvSpPr>
+          <p:cNvPr id="236" name="Google Shape;236;p16"/>
+          <p:cNvSpPr/>
+          <p:nvPr/>
+        </p:nvSpPr>
+        <p:spPr>
+          <a:xfrm>
+            <a:off x="3044175" y="2721125"/>
+            <a:ext cx="3948300" cy="708000"/>
+          </a:xfrm>
+          <a:prstGeom prst="rect">
+            <a:avLst/>
+          </a:prstGeom>
+          <a:noFill/>
+          <a:ln>
+            <a:noFill/>
+          </a:ln>
+        </p:spPr>
+        <p:txBody>
+          <a:bodyPr anchorCtr="0" anchor="t" bIns="45700" lIns="91425" spcFirstLastPara="1" rIns="91425" wrap="square" tIns="45700">
+            <a:spAutoFit/>
+          </a:bodyPr>
+          <a:lstStyle/>
+          <a:p>
+            <a:pPr indent="0" lvl="0" marL="0" marR="0" rtl="0" algn="l">
+              <a:spcBef>
+                <a:spcPts val="0"/>
+              </a:spcBef>
+              <a:spcAft>
+                <a:spcPts val="0"/>
+              </a:spcAft>
+              <a:buNone/>
+            </a:pPr>
+            <a:r>
+              <a:rPr b="1" lang="en-US" sz="4200">
+                <a:solidFill>
+                  <a:srgbClr val="57068C"/>
+                </a:solidFill>
+                <a:latin typeface="Arimo"/>
+                <a:ea typeface="Arimo"/>
+                <a:cs typeface="Arimo"/>
+                <a:sym typeface="Arimo"/>
+              </a:rPr>
+              <a:t>Variables</a:t>
+            </a:r>
+            <a:endParaRPr sz="1600">
+              <a:solidFill>
+                <a:srgbClr val="57068C"/>
+              </a:solidFill>
+              <a:latin typeface="Arimo"/>
+              <a:ea typeface="Arimo"/>
+              <a:cs typeface="Arimo"/>
+              <a:sym typeface="Arimo"/>
+            </a:endParaRPr>
+          </a:p>
+        </p:txBody>
+      </p:sp>
+    </p:spTree>
+  </p:cSld>
+  <p:clrMapOvr>
+    <a:masterClrMapping/>
+  </p:clrMapOvr>
+</p:sld>
+</file>
+
+<file path=ppt/slides/slide23.xml><?xml version="1.0" encoding="utf-8"?>
+<p:sld xmlns:a="http://schemas.openxmlformats.org/drawingml/2006/main" xmlns:r="http://schemas.openxmlformats.org/officeDocument/2006/relationships" xmlns:mc="http://schemas.openxmlformats.org/markup-compatibility/2006" xmlns:mv="urn:schemas-microsoft-com:mac:vml" xmlns:p="http://schemas.openxmlformats.org/presentationml/2006/main" xmlns:c="http://schemas.openxmlformats.org/drawingml/2006/chart" xmlns:dgm="http://schemas.openxmlformats.org/drawingml/2006/diagram" xmlns:o="urn:schemas-microsoft-com:office:office" xmlns:v="urn:schemas-microsoft-com:vml" xmlns:pvml="urn:schemas-microsoft-com:office:powerpoint" xmlns:com="http://schemas.openxmlformats.org/drawingml/2006/compatibility" xmlns:p14="http://schemas.microsoft.com/office/powerpoint/2010/main" xmlns:p15="http://schemas.microsoft.com/office/powerpoint/2012/main" xmlns:ahyp="http://schemas.microsoft.com/office/drawing/2018/hyperlinkcolor">
+  <p:cSld>
+    <p:spTree>
+      <p:nvGrpSpPr>
+        <p:cNvPr id="240" name="Shape 240"/>
+        <p:cNvGrpSpPr/>
+        <p:nvPr/>
+      </p:nvGrpSpPr>
+      <p:grpSpPr>
+        <a:xfrm>
+          <a:off x="0" y="0"/>
+          <a:ext cx="0" cy="0"/>
+          <a:chOff x="0" y="0"/>
+          <a:chExt cx="0" cy="0"/>
+        </a:xfrm>
+      </p:grpSpPr>
+      <p:sp>
+        <p:nvSpPr>
+          <p:cNvPr id="241" name="Google Shape;241;p17"/>
           <p:cNvSpPr/>
           <p:nvPr/>
         </p:nvSpPr>
@@ -20215,7 +21949,7 @@
             <a:r>
               <a:rPr b="1" lang="en-US" sz="3000">
                 <a:solidFill>
-                  <a:schemeClr val="dk1"/>
+                  <a:srgbClr val="57068C"/>
                 </a:solidFill>
                 <a:latin typeface="Arimo"/>
                 <a:ea typeface="Arimo"/>
@@ -20226,7 +21960,7 @@
             </a:r>
             <a:endParaRPr b="1" sz="3000">
               <a:solidFill>
-                <a:schemeClr val="dk1"/>
+                <a:srgbClr val="57068C"/>
               </a:solidFill>
               <a:latin typeface="Arimo"/>
               <a:ea typeface="Arimo"/>
@@ -20238,7 +21972,7 @@
       </p:sp>
       <p:sp>
         <p:nvSpPr>
-          <p:cNvPr id="219" name="Google Shape;219;p17"/>
+          <p:cNvPr id="242" name="Google Shape;242;p17"/>
           <p:cNvSpPr/>
           <p:nvPr/>
         </p:nvSpPr>
@@ -20287,14 +22021,14 @@
       </p:sp>
       <p:sp>
         <p:nvSpPr>
-          <p:cNvPr id="220" name="Google Shape;220;p17"/>
+          <p:cNvPr id="243" name="Google Shape;243;p17"/>
           <p:cNvSpPr txBox="1"/>
           <p:nvPr/>
         </p:nvSpPr>
         <p:spPr>
           <a:xfrm>
             <a:off x="211619" y="1378168"/>
-            <a:ext cx="8658061" cy="3970318"/>
+            <a:ext cx="8658000" cy="4525200"/>
           </a:xfrm>
           <a:prstGeom prst="rect">
             <a:avLst/>
@@ -20321,7 +22055,7 @@
                 <a:schemeClr val="dk1"/>
               </a:buClr>
               <a:buSzPts val="1800"/>
-              <a:buFont typeface="Arial"/>
+              <a:buFont typeface="Montserrat"/>
               <a:buChar char="•"/>
             </a:pPr>
             <a:r>
@@ -20329,14 +22063,19 @@
                 <a:solidFill>
                   <a:schemeClr val="dk1"/>
                 </a:solidFill>
-                <a:latin typeface="Calibri"/>
-                <a:ea typeface="Calibri"/>
-                <a:cs typeface="Calibri"/>
-                <a:sym typeface="Calibri"/>
+                <a:latin typeface="Montserrat"/>
+                <a:ea typeface="Montserrat"/>
+                <a:cs typeface="Montserrat"/>
+                <a:sym typeface="Montserrat"/>
               </a:rPr>
               <a:t>Variables in SQL allow us to store values in generic names and reuse the generic names instead of the literal values</a:t>
             </a:r>
-            <a:endParaRPr/>
+            <a:endParaRPr>
+              <a:latin typeface="Montserrat"/>
+              <a:ea typeface="Montserrat"/>
+              <a:cs typeface="Montserrat"/>
+              <a:sym typeface="Montserrat"/>
+            </a:endParaRPr>
           </a:p>
           <a:p>
             <a:pPr indent="-171450" lvl="0" marL="285750" marR="0" rtl="0" algn="l">
@@ -20360,14 +22099,82 @@
               <a:solidFill>
                 <a:schemeClr val="dk1"/>
               </a:solidFill>
-              <a:latin typeface="Calibri"/>
-              <a:ea typeface="Calibri"/>
-              <a:cs typeface="Calibri"/>
-              <a:sym typeface="Calibri"/>
+              <a:latin typeface="Montserrat"/>
+              <a:ea typeface="Montserrat"/>
+              <a:cs typeface="Montserrat"/>
+              <a:sym typeface="Montserrat"/>
             </a:endParaRPr>
           </a:p>
           <a:p>
             <a:pPr indent="-285750" lvl="0" marL="285750" marR="0" rtl="0" algn="l">
+              <a:spcBef>
+                <a:spcPts val="0"/>
+              </a:spcBef>
+              <a:spcAft>
+                <a:spcPts val="0"/>
+              </a:spcAft>
+              <a:buClr>
+                <a:schemeClr val="dk1"/>
+              </a:buClr>
+              <a:buSzPts val="1800"/>
+              <a:buFont typeface="Montserrat"/>
+              <a:buChar char="•"/>
+            </a:pPr>
+            <a:r>
+              <a:rPr lang="en-US" sz="1800">
+                <a:solidFill>
+                  <a:schemeClr val="dk1"/>
+                </a:solidFill>
+                <a:latin typeface="Montserrat"/>
+                <a:ea typeface="Montserrat"/>
+                <a:cs typeface="Montserrat"/>
+                <a:sym typeface="Montserrat"/>
+              </a:rPr>
+              <a:t>Sometimes we want to make our queries generic, and have placeholders</a:t>
+            </a:r>
+            <a:endParaRPr>
+              <a:latin typeface="Montserrat"/>
+              <a:ea typeface="Montserrat"/>
+              <a:cs typeface="Montserrat"/>
+              <a:sym typeface="Montserrat"/>
+            </a:endParaRPr>
+          </a:p>
+          <a:p>
+            <a:pPr indent="-285750" lvl="1" marL="742950" marR="0" rtl="0" algn="l">
+              <a:spcBef>
+                <a:spcPts val="0"/>
+              </a:spcBef>
+              <a:spcAft>
+                <a:spcPts val="0"/>
+              </a:spcAft>
+              <a:buClr>
+                <a:schemeClr val="dk1"/>
+              </a:buClr>
+              <a:buSzPts val="1800"/>
+              <a:buFont typeface="Montserrat"/>
+              <a:buChar char="•"/>
+            </a:pPr>
+            <a:r>
+              <a:rPr b="1" i="0" lang="en-US" sz="1800" u="none" cap="none" strike="noStrike">
+                <a:solidFill>
+                  <a:schemeClr val="dk1"/>
+                </a:solidFill>
+                <a:latin typeface="Montserrat"/>
+                <a:ea typeface="Montserrat"/>
+                <a:cs typeface="Montserrat"/>
+                <a:sym typeface="Montserrat"/>
+              </a:rPr>
+              <a:t>SET @band = ‘Radiohead’</a:t>
+            </a:r>
+            <a:endParaRPr>
+              <a:latin typeface="Montserrat"/>
+              <a:ea typeface="Montserrat"/>
+              <a:cs typeface="Montserrat"/>
+              <a:sym typeface="Montserrat"/>
+            </a:endParaRPr>
+          </a:p>
+          <a:p>
+            <a:pPr indent="-171450" lvl="0" marL="285750" marR="0" rtl="0" algn="l">
               <a:spcBef>
                 <a:spcPts val="0"/>
               </a:spcBef>
@@ -20379,6 +22186,34 @@
               </a:buClr>
               <a:buSzPts val="1800"/>
               <a:buFont typeface="Arial"/>
+              <a:buNone/>
+            </a:pPr>
+            <a:r>
+              <a:t/>
+            </a:r>
+            <a:endParaRPr sz="1800">
+              <a:solidFill>
+                <a:schemeClr val="dk1"/>
+              </a:solidFill>
+              <a:latin typeface="Montserrat"/>
+              <a:ea typeface="Montserrat"/>
+              <a:cs typeface="Montserrat"/>
+              <a:sym typeface="Montserrat"/>
+            </a:endParaRPr>
+          </a:p>
+          <a:p>
+            <a:pPr indent="-285750" lvl="0" marL="285750" marR="0" rtl="0" algn="l">
+              <a:spcBef>
+                <a:spcPts val="0"/>
+              </a:spcBef>
+              <a:spcAft>
+                <a:spcPts val="0"/>
+              </a:spcAft>
+              <a:buClr>
+                <a:schemeClr val="dk1"/>
+              </a:buClr>
+              <a:buSzPts val="1800"/>
+              <a:buFont typeface="Montserrat"/>
               <a:buChar char="•"/>
             </a:pPr>
             <a:r>
@@ -20386,17 +22221,90 @@
                 <a:solidFill>
                   <a:schemeClr val="dk1"/>
                 </a:solidFill>
-                <a:latin typeface="Calibri"/>
-                <a:ea typeface="Calibri"/>
-                <a:cs typeface="Calibri"/>
-                <a:sym typeface="Calibri"/>
-              </a:rPr>
-              <a:t>Sometimes we want to make our queries generic, and have placeholders</a:t>
-            </a:r>
-            <a:endParaRPr/>
+                <a:latin typeface="Montserrat"/>
+                <a:ea typeface="Montserrat"/>
+                <a:cs typeface="Montserrat"/>
+                <a:sym typeface="Montserrat"/>
+              </a:rPr>
+              <a:t>Other times we want to store the (single value) result of a query in a variable to use later.</a:t>
+            </a:r>
+            <a:endParaRPr>
+              <a:latin typeface="Montserrat"/>
+              <a:ea typeface="Montserrat"/>
+              <a:cs typeface="Montserrat"/>
+              <a:sym typeface="Montserrat"/>
+            </a:endParaRPr>
           </a:p>
           <a:p>
             <a:pPr indent="-285750" lvl="1" marL="742950" marR="0" rtl="0" algn="l">
+              <a:spcBef>
+                <a:spcPts val="0"/>
+              </a:spcBef>
+              <a:spcAft>
+                <a:spcPts val="0"/>
+              </a:spcAft>
+              <a:buClr>
+                <a:schemeClr val="dk1"/>
+              </a:buClr>
+              <a:buSzPts val="1800"/>
+              <a:buFont typeface="Montserrat"/>
+              <a:buChar char="•"/>
+            </a:pPr>
+            <a:r>
+              <a:rPr i="0" lang="en-US" sz="1800" u="none" cap="none" strike="noStrike">
+                <a:solidFill>
+                  <a:schemeClr val="dk1"/>
+                </a:solidFill>
+                <a:latin typeface="Montserrat"/>
+                <a:ea typeface="Montserrat"/>
+                <a:cs typeface="Montserrat"/>
+                <a:sym typeface="Montserrat"/>
+              </a:rPr>
+              <a:t>Number of liberal students</a:t>
+            </a:r>
+            <a:endParaRPr>
+              <a:latin typeface="Montserrat"/>
+              <a:ea typeface="Montserrat"/>
+              <a:cs typeface="Montserrat"/>
+              <a:sym typeface="Montserrat"/>
+            </a:endParaRPr>
+          </a:p>
+          <a:p>
+            <a:pPr indent="-285750" lvl="1" marL="742950" marR="0" rtl="0" algn="l">
+              <a:spcBef>
+                <a:spcPts val="0"/>
+              </a:spcBef>
+              <a:spcAft>
+                <a:spcPts val="0"/>
+              </a:spcAft>
+              <a:buClr>
+                <a:schemeClr val="dk1"/>
+              </a:buClr>
+              <a:buSzPts val="1800"/>
+              <a:buFont typeface="Montserrat"/>
+              <a:buChar char="•"/>
+            </a:pPr>
+            <a:r>
+              <a:rPr b="1" i="0" lang="en-US" sz="1800" u="none" cap="none" strike="noStrike">
+                <a:solidFill>
+                  <a:schemeClr val="dk1"/>
+                </a:solidFill>
+                <a:latin typeface="Montserrat"/>
+                <a:ea typeface="Montserrat"/>
+                <a:cs typeface="Montserrat"/>
+                <a:sym typeface="Montserrat"/>
+              </a:rPr>
+              <a:t>SET @liberal = (SELECT COUNT(*) FROM Profiles WHERE PoliticalViews=‘Liberal’)</a:t>
+            </a:r>
+            <a:endParaRPr>
+              <a:latin typeface="Montserrat"/>
+              <a:ea typeface="Montserrat"/>
+              <a:cs typeface="Montserrat"/>
+              <a:sym typeface="Montserrat"/>
+            </a:endParaRPr>
+          </a:p>
+          <a:p>
+            <a:pPr indent="-171450" lvl="0" marL="285750" marR="0" rtl="0" algn="l">
               <a:spcBef>
                 <a:spcPts val="0"/>
               </a:spcBef>
@@ -20408,24 +22316,57 @@
               </a:buClr>
               <a:buSzPts val="1800"/>
               <a:buFont typeface="Arial"/>
+              <a:buNone/>
+            </a:pPr>
+            <a:r>
+              <a:t/>
+            </a:r>
+            <a:endParaRPr sz="1800">
+              <a:solidFill>
+                <a:schemeClr val="dk1"/>
+              </a:solidFill>
+              <a:latin typeface="Montserrat"/>
+              <a:ea typeface="Montserrat"/>
+              <a:cs typeface="Montserrat"/>
+              <a:sym typeface="Montserrat"/>
+            </a:endParaRPr>
+          </a:p>
+          <a:p>
+            <a:pPr indent="-285750" lvl="0" marL="285750" marR="0" rtl="0" algn="l">
+              <a:spcBef>
+                <a:spcPts val="0"/>
+              </a:spcBef>
+              <a:spcAft>
+                <a:spcPts val="0"/>
+              </a:spcAft>
+              <a:buClr>
+                <a:schemeClr val="dk1"/>
+              </a:buClr>
+              <a:buSzPts val="1800"/>
+              <a:buFont typeface="Montserrat"/>
               <a:buChar char="•"/>
             </a:pPr>
             <a:r>
-              <a:rPr b="1" i="0" lang="en-US" sz="1800" u="none" cap="none" strike="noStrike">
-                <a:solidFill>
-                  <a:schemeClr val="dk1"/>
-                </a:solidFill>
-                <a:latin typeface="Calibri"/>
-                <a:ea typeface="Calibri"/>
-                <a:cs typeface="Calibri"/>
-                <a:sym typeface="Calibri"/>
-              </a:rPr>
-              <a:t>SET @band = ‘Radiohead’</a:t>
-            </a:r>
-            <a:endParaRPr/>
-          </a:p>
-          <a:p>
-            <a:pPr indent="-171450" lvl="0" marL="285750" marR="0" rtl="0" algn="l">
+              <a:rPr lang="en-US" sz="1800">
+                <a:solidFill>
+                  <a:schemeClr val="dk1"/>
+                </a:solidFill>
+                <a:latin typeface="Montserrat"/>
+                <a:ea typeface="Montserrat"/>
+                <a:cs typeface="Montserrat"/>
+                <a:sym typeface="Montserrat"/>
+              </a:rPr>
+              <a:t>Variables are especially useful when we execute a sequence of SQL statements and we want to reuse results from previous queries.</a:t>
+            </a:r>
+            <a:endParaRPr>
+              <a:latin typeface="Montserrat"/>
+              <a:ea typeface="Montserrat"/>
+              <a:cs typeface="Montserrat"/>
+              <a:sym typeface="Montserrat"/>
+            </a:endParaRPr>
+          </a:p>
+          <a:p>
+            <a:pPr indent="-171450" lvl="1" marL="742950" marR="0" rtl="0" algn="l">
               <a:spcBef>
                 <a:spcPts val="0"/>
               </a:spcBef>
@@ -20442,186 +22383,14 @@
             <a:r>
               <a:t/>
             </a:r>
-            <a:endParaRPr sz="1800">
+            <a:endParaRPr i="0" sz="1800" u="none" cap="none" strike="noStrike">
               <a:solidFill>
                 <a:schemeClr val="dk1"/>
               </a:solidFill>
-              <a:latin typeface="Calibri"/>
-              <a:ea typeface="Calibri"/>
-              <a:cs typeface="Calibri"/>
-              <a:sym typeface="Calibri"/>
-            </a:endParaRPr>
-          </a:p>
-          <a:p>
-            <a:pPr indent="-285750" lvl="0" marL="285750" marR="0" rtl="0" algn="l">
-              <a:spcBef>
-                <a:spcPts val="0"/>
-              </a:spcBef>
-              <a:spcAft>
-                <a:spcPts val="0"/>
-              </a:spcAft>
-              <a:buClr>
-                <a:schemeClr val="dk1"/>
-              </a:buClr>
-              <a:buSzPts val="1800"/>
-              <a:buFont typeface="Arial"/>
-              <a:buChar char="•"/>
-            </a:pPr>
-            <a:r>
-              <a:rPr lang="en-US" sz="1800">
-                <a:solidFill>
-                  <a:schemeClr val="dk1"/>
-                </a:solidFill>
-                <a:latin typeface="Calibri"/>
-                <a:ea typeface="Calibri"/>
-                <a:cs typeface="Calibri"/>
-                <a:sym typeface="Calibri"/>
-              </a:rPr>
-              <a:t>Other times we want to store the (single value) result of a query in a variable to use later.</a:t>
-            </a:r>
-            <a:endParaRPr/>
-          </a:p>
-          <a:p>
-            <a:pPr indent="-285750" lvl="1" marL="742950" marR="0" rtl="0" algn="l">
-              <a:spcBef>
-                <a:spcPts val="0"/>
-              </a:spcBef>
-              <a:spcAft>
-                <a:spcPts val="0"/>
-              </a:spcAft>
-              <a:buClr>
-                <a:schemeClr val="dk1"/>
-              </a:buClr>
-              <a:buSzPts val="1800"/>
-              <a:buFont typeface="Arial"/>
-              <a:buChar char="•"/>
-            </a:pPr>
-            <a:r>
-              <a:rPr b="0" i="0" lang="en-US" sz="1800" u="none" cap="none" strike="noStrike">
-                <a:solidFill>
-                  <a:schemeClr val="dk1"/>
-                </a:solidFill>
-                <a:latin typeface="Calibri"/>
-                <a:ea typeface="Calibri"/>
-                <a:cs typeface="Calibri"/>
-                <a:sym typeface="Calibri"/>
-              </a:rPr>
-              <a:t>Number of liberal students</a:t>
-            </a:r>
-            <a:endParaRPr/>
-          </a:p>
-          <a:p>
-            <a:pPr indent="-285750" lvl="1" marL="742950" marR="0" rtl="0" algn="l">
-              <a:spcBef>
-                <a:spcPts val="0"/>
-              </a:spcBef>
-              <a:spcAft>
-                <a:spcPts val="0"/>
-              </a:spcAft>
-              <a:buClr>
-                <a:schemeClr val="dk1"/>
-              </a:buClr>
-              <a:buSzPts val="1800"/>
-              <a:buFont typeface="Arial"/>
-              <a:buChar char="•"/>
-            </a:pPr>
-            <a:r>
-              <a:rPr b="1" i="0" lang="en-US" sz="1800" u="none" cap="none" strike="noStrike">
-                <a:solidFill>
-                  <a:schemeClr val="dk1"/>
-                </a:solidFill>
-                <a:latin typeface="Calibri"/>
-                <a:ea typeface="Calibri"/>
-                <a:cs typeface="Calibri"/>
-                <a:sym typeface="Calibri"/>
-              </a:rPr>
-              <a:t>SET @liberal = (SELECT COUNT(*) FROM Profiles WHERE PoliticalViews=‘Liberal’)</a:t>
-            </a:r>
-            <a:endParaRPr/>
-          </a:p>
-          <a:p>
-            <a:pPr indent="-171450" lvl="0" marL="285750" marR="0" rtl="0" algn="l">
-              <a:spcBef>
-                <a:spcPts val="0"/>
-              </a:spcBef>
-              <a:spcAft>
-                <a:spcPts val="0"/>
-              </a:spcAft>
-              <a:buClr>
-                <a:schemeClr val="dk1"/>
-              </a:buClr>
-              <a:buSzPts val="1800"/>
-              <a:buFont typeface="Arial"/>
-              <a:buNone/>
-            </a:pPr>
-            <a:r>
-              <a:t/>
-            </a:r>
-            <a:endParaRPr sz="1800">
-              <a:solidFill>
-                <a:schemeClr val="dk1"/>
-              </a:solidFill>
-              <a:latin typeface="Calibri"/>
-              <a:ea typeface="Calibri"/>
-              <a:cs typeface="Calibri"/>
-              <a:sym typeface="Calibri"/>
-            </a:endParaRPr>
-          </a:p>
-          <a:p>
-            <a:pPr indent="-285750" lvl="0" marL="285750" marR="0" rtl="0" algn="l">
-              <a:spcBef>
-                <a:spcPts val="0"/>
-              </a:spcBef>
-              <a:spcAft>
-                <a:spcPts val="0"/>
-              </a:spcAft>
-              <a:buClr>
-                <a:schemeClr val="dk1"/>
-              </a:buClr>
-              <a:buSzPts val="1800"/>
-              <a:buFont typeface="Arial"/>
-              <a:buChar char="•"/>
-            </a:pPr>
-            <a:r>
-              <a:rPr lang="en-US" sz="1800">
-                <a:solidFill>
-                  <a:schemeClr val="dk1"/>
-                </a:solidFill>
-                <a:latin typeface="Calibri"/>
-                <a:ea typeface="Calibri"/>
-                <a:cs typeface="Calibri"/>
-                <a:sym typeface="Calibri"/>
-              </a:rPr>
-              <a:t>Variables are especially useful when we execute a sequence of SQL statements and we want to reuse results from previous queries.</a:t>
-            </a:r>
-            <a:endParaRPr/>
-          </a:p>
-          <a:p>
-            <a:pPr indent="-171450" lvl="1" marL="742950" marR="0" rtl="0" algn="l">
-              <a:spcBef>
-                <a:spcPts val="0"/>
-              </a:spcBef>
-              <a:spcAft>
-                <a:spcPts val="0"/>
-              </a:spcAft>
-              <a:buClr>
-                <a:schemeClr val="dk1"/>
-              </a:buClr>
-              <a:buSzPts val="1800"/>
-              <a:buFont typeface="Arial"/>
-              <a:buNone/>
-            </a:pPr>
-            <a:r>
-              <a:t/>
-            </a:r>
-            <a:endParaRPr b="0" i="0" sz="1800" u="none" cap="none" strike="noStrike">
-              <a:solidFill>
-                <a:schemeClr val="dk1"/>
-              </a:solidFill>
-              <a:latin typeface="Calibri"/>
-              <a:ea typeface="Calibri"/>
-              <a:cs typeface="Calibri"/>
-              <a:sym typeface="Calibri"/>
+              <a:latin typeface="Montserrat"/>
+              <a:ea typeface="Montserrat"/>
+              <a:cs typeface="Montserrat"/>
+              <a:sym typeface="Montserrat"/>
             </a:endParaRPr>
           </a:p>
         </p:txBody>
@@ -20634,12 +22403,12 @@
 </p:sld>
 </file>
 
-<file path=ppt/slides/slide21.xml><?xml version="1.0" encoding="utf-8"?>
+<file path=ppt/slides/slide24.xml><?xml version="1.0" encoding="utf-8"?>
 <p:sld xmlns:a="http://schemas.openxmlformats.org/drawingml/2006/main" xmlns:r="http://schemas.openxmlformats.org/officeDocument/2006/relationships" xmlns:mc="http://schemas.openxmlformats.org/markup-compatibility/2006" xmlns:mv="urn:schemas-microsoft-com:mac:vml" xmlns:p="http://schemas.openxmlformats.org/presentationml/2006/main" xmlns:c="http://schemas.openxmlformats.org/drawingml/2006/chart" xmlns:dgm="http://schemas.openxmlformats.org/drawingml/2006/diagram" xmlns:o="urn:schemas-microsoft-com:office:office" xmlns:v="urn:schemas-microsoft-com:vml" xmlns:pvml="urn:schemas-microsoft-com:office:powerpoint" xmlns:com="http://schemas.openxmlformats.org/drawingml/2006/compatibility" xmlns:p14="http://schemas.microsoft.com/office/powerpoint/2010/main" xmlns:p15="http://schemas.microsoft.com/office/powerpoint/2012/main" xmlns:ahyp="http://schemas.microsoft.com/office/drawing/2018/hyperlinkcolor">
   <p:cSld>
     <p:spTree>
       <p:nvGrpSpPr>
-        <p:cNvPr id="224" name="Shape 224"/>
+        <p:cNvPr id="247" name="Shape 247"/>
         <p:cNvGrpSpPr/>
         <p:nvPr/>
       </p:nvGrpSpPr>
@@ -20653,7 +22422,7 @@
       </p:grpSpPr>
       <p:sp>
         <p:nvSpPr>
-          <p:cNvPr id="225" name="Google Shape;225;p18"/>
+          <p:cNvPr id="248" name="Google Shape;248;p18"/>
           <p:cNvSpPr/>
           <p:nvPr/>
         </p:nvSpPr>
@@ -20688,7 +22457,7 @@
             <a:r>
               <a:rPr b="1" lang="en-US" sz="3000">
                 <a:solidFill>
-                  <a:schemeClr val="dk1"/>
+                  <a:srgbClr val="57068C"/>
                 </a:solidFill>
                 <a:latin typeface="Arimo"/>
                 <a:ea typeface="Arimo"/>
@@ -20699,7 +22468,7 @@
             </a:r>
             <a:endParaRPr b="1" sz="3000">
               <a:solidFill>
-                <a:schemeClr val="dk1"/>
+                <a:srgbClr val="57068C"/>
               </a:solidFill>
               <a:latin typeface="Arimo"/>
               <a:ea typeface="Arimo"/>
@@ -20711,7 +22480,7 @@
       </p:sp>
       <p:sp>
         <p:nvSpPr>
-          <p:cNvPr id="226" name="Google Shape;226;p18"/>
+          <p:cNvPr id="249" name="Google Shape;249;p18"/>
           <p:cNvSpPr/>
           <p:nvPr/>
         </p:nvSpPr>
@@ -20760,14 +22529,14 @@
       </p:sp>
       <p:sp>
         <p:nvSpPr>
-          <p:cNvPr id="227" name="Google Shape;227;p18"/>
+          <p:cNvPr id="250" name="Google Shape;250;p18"/>
           <p:cNvSpPr txBox="1"/>
           <p:nvPr/>
         </p:nvSpPr>
         <p:spPr>
           <a:xfrm>
             <a:off x="529119" y="1376737"/>
-            <a:ext cx="8211227" cy="3139321"/>
+            <a:ext cx="8211300" cy="3417000"/>
           </a:xfrm>
           <a:prstGeom prst="rect">
             <a:avLst/>
@@ -20804,14 +22573,82 @@
               <a:solidFill>
                 <a:schemeClr val="dk1"/>
               </a:solidFill>
-              <a:latin typeface="Calibri"/>
-              <a:ea typeface="Calibri"/>
-              <a:cs typeface="Calibri"/>
-              <a:sym typeface="Calibri"/>
+              <a:latin typeface="Montserrat"/>
+              <a:ea typeface="Montserrat"/>
+              <a:cs typeface="Montserrat"/>
+              <a:sym typeface="Montserrat"/>
             </a:endParaRPr>
           </a:p>
           <a:p>
             <a:pPr indent="-285750" lvl="0" marL="285750" marR="0" rtl="0" algn="l">
+              <a:spcBef>
+                <a:spcPts val="0"/>
+              </a:spcBef>
+              <a:spcAft>
+                <a:spcPts val="0"/>
+              </a:spcAft>
+              <a:buClr>
+                <a:schemeClr val="dk1"/>
+              </a:buClr>
+              <a:buSzPts val="1800"/>
+              <a:buFont typeface="Montserrat"/>
+              <a:buChar char="•"/>
+            </a:pPr>
+            <a:r>
+              <a:rPr lang="en-US" sz="1800">
+                <a:solidFill>
+                  <a:schemeClr val="dk1"/>
+                </a:solidFill>
+                <a:latin typeface="Montserrat"/>
+                <a:ea typeface="Montserrat"/>
+                <a:cs typeface="Montserrat"/>
+                <a:sym typeface="Montserrat"/>
+              </a:rPr>
+              <a:t>Find the Music that people that like Radiohead tend to like.</a:t>
+            </a:r>
+            <a:endParaRPr>
+              <a:latin typeface="Montserrat"/>
+              <a:ea typeface="Montserrat"/>
+              <a:cs typeface="Montserrat"/>
+              <a:sym typeface="Montserrat"/>
+            </a:endParaRPr>
+          </a:p>
+          <a:p>
+            <a:pPr indent="-285750" lvl="0" marL="285750" marR="0" rtl="0" algn="l">
+              <a:spcBef>
+                <a:spcPts val="0"/>
+              </a:spcBef>
+              <a:spcAft>
+                <a:spcPts val="0"/>
+              </a:spcAft>
+              <a:buClr>
+                <a:schemeClr val="dk1"/>
+              </a:buClr>
+              <a:buSzPts val="1800"/>
+              <a:buFont typeface="Montserrat"/>
+              <a:buChar char="•"/>
+            </a:pPr>
+            <a:r>
+              <a:rPr lang="en-US" sz="1800">
+                <a:solidFill>
+                  <a:schemeClr val="dk1"/>
+                </a:solidFill>
+                <a:latin typeface="Montserrat"/>
+                <a:ea typeface="Montserrat"/>
+                <a:cs typeface="Montserrat"/>
+                <a:sym typeface="Montserrat"/>
+              </a:rPr>
+              <a:t>Repeat the query above for Jay Z</a:t>
+            </a:r>
+            <a:endParaRPr>
+              <a:latin typeface="Montserrat"/>
+              <a:ea typeface="Montserrat"/>
+              <a:cs typeface="Montserrat"/>
+              <a:sym typeface="Montserrat"/>
+            </a:endParaRPr>
+          </a:p>
+          <a:p>
+            <a:pPr indent="-171450" lvl="0" marL="285750" marR="0" rtl="0" algn="l">
               <a:spcBef>
                 <a:spcPts val="0"/>
               </a:spcBef>
@@ -20823,24 +22660,23 @@
               </a:buClr>
               <a:buSzPts val="1800"/>
               <a:buFont typeface="Arial"/>
-              <a:buChar char="•"/>
-            </a:pPr>
-            <a:r>
-              <a:rPr lang="en-US" sz="1800">
-                <a:solidFill>
-                  <a:schemeClr val="dk1"/>
-                </a:solidFill>
-                <a:latin typeface="Calibri"/>
-                <a:ea typeface="Calibri"/>
-                <a:cs typeface="Calibri"/>
-                <a:sym typeface="Calibri"/>
-              </a:rPr>
-              <a:t>Find the Music that people that like Radiohead tend to like.</a:t>
-            </a:r>
-            <a:endParaRPr/>
-          </a:p>
-          <a:p>
-            <a:pPr indent="-285750" lvl="0" marL="285750" marR="0" rtl="0" algn="l">
+              <a:buNone/>
+            </a:pPr>
+            <a:r>
+              <a:t/>
+            </a:r>
+            <a:endParaRPr sz="1800">
+              <a:solidFill>
+                <a:schemeClr val="dk1"/>
+              </a:solidFill>
+              <a:latin typeface="Montserrat"/>
+              <a:ea typeface="Montserrat"/>
+              <a:cs typeface="Montserrat"/>
+              <a:sym typeface="Montserrat"/>
+            </a:endParaRPr>
+          </a:p>
+          <a:p>
+            <a:pPr indent="-171450" lvl="0" marL="285750" marR="0" rtl="0" algn="l">
               <a:spcBef>
                 <a:spcPts val="0"/>
               </a:spcBef>
@@ -20852,24 +22688,23 @@
               </a:buClr>
               <a:buSzPts val="1800"/>
               <a:buFont typeface="Arial"/>
-              <a:buChar char="•"/>
-            </a:pPr>
-            <a:r>
-              <a:rPr lang="en-US" sz="1800">
-                <a:solidFill>
-                  <a:schemeClr val="dk1"/>
-                </a:solidFill>
-                <a:latin typeface="Calibri"/>
-                <a:ea typeface="Calibri"/>
-                <a:cs typeface="Calibri"/>
-                <a:sym typeface="Calibri"/>
-              </a:rPr>
-              <a:t>Repeat the query above for Jay Z</a:t>
-            </a:r>
-            <a:endParaRPr/>
-          </a:p>
-          <a:p>
-            <a:pPr indent="-171450" lvl="0" marL="285750" marR="0" rtl="0" algn="l">
+              <a:buNone/>
+            </a:pPr>
+            <a:r>
+              <a:t/>
+            </a:r>
+            <a:endParaRPr sz="1800">
+              <a:solidFill>
+                <a:schemeClr val="dk1"/>
+              </a:solidFill>
+              <a:latin typeface="Montserrat"/>
+              <a:ea typeface="Montserrat"/>
+              <a:cs typeface="Montserrat"/>
+              <a:sym typeface="Montserrat"/>
+            </a:endParaRPr>
+          </a:p>
+          <a:p>
+            <a:pPr indent="-285750" lvl="0" marL="285750" marR="0" rtl="0" algn="l">
               <a:spcBef>
                 <a:spcPts val="0"/>
               </a:spcBef>
@@ -20880,7 +22715,36 @@
                 <a:schemeClr val="dk1"/>
               </a:buClr>
               <a:buSzPts val="1800"/>
-              <a:buFont typeface="Arial"/>
+              <a:buFont typeface="Montserrat"/>
+              <a:buChar char="•"/>
+            </a:pPr>
+            <a:r>
+              <a:rPr lang="en-US" sz="1800">
+                <a:solidFill>
+                  <a:schemeClr val="dk1"/>
+                </a:solidFill>
+                <a:latin typeface="Montserrat"/>
+                <a:ea typeface="Montserrat"/>
+                <a:cs typeface="Montserrat"/>
+                <a:sym typeface="Montserrat"/>
+              </a:rPr>
+              <a:t>Make your query generic, by using a @band variable and then set it appropriately:</a:t>
+            </a:r>
+            <a:endParaRPr>
+              <a:latin typeface="Montserrat"/>
+              <a:ea typeface="Montserrat"/>
+              <a:cs typeface="Montserrat"/>
+              <a:sym typeface="Montserrat"/>
+            </a:endParaRPr>
+          </a:p>
+          <a:p>
+            <a:pPr indent="0" lvl="0" marL="0" marR="0" rtl="0" algn="l">
+              <a:spcBef>
+                <a:spcPts val="0"/>
+              </a:spcBef>
+              <a:spcAft>
+                <a:spcPts val="0"/>
+              </a:spcAft>
               <a:buNone/>
             </a:pPr>
             <a:r>
@@ -20890,25 +22754,107 @@
               <a:solidFill>
                 <a:schemeClr val="dk1"/>
               </a:solidFill>
-              <a:latin typeface="Calibri"/>
-              <a:ea typeface="Calibri"/>
-              <a:cs typeface="Calibri"/>
-              <a:sym typeface="Calibri"/>
+              <a:latin typeface="Montserrat"/>
+              <a:ea typeface="Montserrat"/>
+              <a:cs typeface="Montserrat"/>
+              <a:sym typeface="Montserrat"/>
             </a:endParaRPr>
           </a:p>
           <a:p>
-            <a:pPr indent="-171450" lvl="0" marL="285750" marR="0" rtl="0" algn="l">
-              <a:spcBef>
-                <a:spcPts val="0"/>
-              </a:spcBef>
-              <a:spcAft>
-                <a:spcPts val="0"/>
-              </a:spcAft>
-              <a:buClr>
-                <a:schemeClr val="dk1"/>
-              </a:buClr>
-              <a:buSzPts val="1800"/>
-              <a:buFont typeface="Arial"/>
+            <a:pPr indent="0" lvl="2" marL="914400" marR="0" rtl="0" algn="l">
+              <a:spcBef>
+                <a:spcPts val="0"/>
+              </a:spcBef>
+              <a:spcAft>
+                <a:spcPts val="0"/>
+              </a:spcAft>
+              <a:buNone/>
+            </a:pPr>
+            <a:r>
+              <a:rPr i="0" lang="en-US" sz="1800" u="none" cap="none" strike="noStrike">
+                <a:solidFill>
+                  <a:schemeClr val="dk1"/>
+                </a:solidFill>
+                <a:latin typeface="Montserrat"/>
+                <a:ea typeface="Montserrat"/>
+                <a:cs typeface="Montserrat"/>
+                <a:sym typeface="Montserrat"/>
+              </a:rPr>
+              <a:t>SET @band = ‘Radiohead’ </a:t>
+            </a:r>
+            <a:endParaRPr>
+              <a:latin typeface="Montserrat"/>
+              <a:ea typeface="Montserrat"/>
+              <a:cs typeface="Montserrat"/>
+              <a:sym typeface="Montserrat"/>
+            </a:endParaRPr>
+          </a:p>
+          <a:p>
+            <a:pPr indent="0" lvl="2" marL="914400" marR="0" rtl="0" algn="l">
+              <a:spcBef>
+                <a:spcPts val="0"/>
+              </a:spcBef>
+              <a:spcAft>
+                <a:spcPts val="0"/>
+              </a:spcAft>
+              <a:buNone/>
+            </a:pPr>
+            <a:r>
+              <a:rPr i="0" lang="en-US" sz="1800" u="none" cap="none" strike="noStrike">
+                <a:solidFill>
+                  <a:schemeClr val="dk1"/>
+                </a:solidFill>
+                <a:latin typeface="Montserrat"/>
+                <a:ea typeface="Montserrat"/>
+                <a:cs typeface="Montserrat"/>
+                <a:sym typeface="Montserrat"/>
+              </a:rPr>
+              <a:t>	vs</a:t>
+            </a:r>
+            <a:endParaRPr>
+              <a:latin typeface="Montserrat"/>
+              <a:ea typeface="Montserrat"/>
+              <a:cs typeface="Montserrat"/>
+              <a:sym typeface="Montserrat"/>
+            </a:endParaRPr>
+          </a:p>
+          <a:p>
+            <a:pPr indent="0" lvl="2" marL="914400" marR="0" rtl="0" algn="l">
+              <a:spcBef>
+                <a:spcPts val="0"/>
+              </a:spcBef>
+              <a:spcAft>
+                <a:spcPts val="0"/>
+              </a:spcAft>
+              <a:buNone/>
+            </a:pPr>
+            <a:r>
+              <a:rPr i="0" lang="en-US" sz="1800" u="none" cap="none" strike="noStrike">
+                <a:solidFill>
+                  <a:schemeClr val="dk1"/>
+                </a:solidFill>
+                <a:latin typeface="Montserrat"/>
+                <a:ea typeface="Montserrat"/>
+                <a:cs typeface="Montserrat"/>
+                <a:sym typeface="Montserrat"/>
+              </a:rPr>
+              <a:t>SET @band = ‘Jay Z’ </a:t>
+            </a:r>
+            <a:endParaRPr>
+              <a:latin typeface="Montserrat"/>
+              <a:ea typeface="Montserrat"/>
+              <a:cs typeface="Montserrat"/>
+              <a:sym typeface="Montserrat"/>
+            </a:endParaRPr>
+          </a:p>
+          <a:p>
+            <a:pPr indent="0" lvl="0" marL="0" marR="0" rtl="0" algn="l">
+              <a:spcBef>
+                <a:spcPts val="0"/>
+              </a:spcBef>
+              <a:spcAft>
+                <a:spcPts val="0"/>
+              </a:spcAft>
               <a:buNone/>
             </a:pPr>
             <a:r>
@@ -20918,157 +22864,10 @@
               <a:solidFill>
                 <a:schemeClr val="dk1"/>
               </a:solidFill>
-              <a:latin typeface="Calibri"/>
-              <a:ea typeface="Calibri"/>
-              <a:cs typeface="Calibri"/>
-              <a:sym typeface="Calibri"/>
-            </a:endParaRPr>
-          </a:p>
-          <a:p>
-            <a:pPr indent="-285750" lvl="0" marL="285750" marR="0" rtl="0" algn="l">
-              <a:spcBef>
-                <a:spcPts val="0"/>
-              </a:spcBef>
-              <a:spcAft>
-                <a:spcPts val="0"/>
-              </a:spcAft>
-              <a:buClr>
-                <a:schemeClr val="dk1"/>
-              </a:buClr>
-              <a:buSzPts val="1800"/>
-              <a:buFont typeface="Arial"/>
-              <a:buChar char="•"/>
-            </a:pPr>
-            <a:r>
-              <a:rPr lang="en-US" sz="1800">
-                <a:solidFill>
-                  <a:schemeClr val="dk1"/>
-                </a:solidFill>
-                <a:latin typeface="Calibri"/>
-                <a:ea typeface="Calibri"/>
-                <a:cs typeface="Calibri"/>
-                <a:sym typeface="Calibri"/>
-              </a:rPr>
-              <a:t>Make your query generic, by using a @band variable and then set it appropriately:</a:t>
-            </a:r>
-            <a:endParaRPr/>
-          </a:p>
-          <a:p>
-            <a:pPr indent="0" lvl="0" marL="0" marR="0" rtl="0" algn="l">
-              <a:spcBef>
-                <a:spcPts val="0"/>
-              </a:spcBef>
-              <a:spcAft>
-                <a:spcPts val="0"/>
-              </a:spcAft>
-              <a:buNone/>
-            </a:pPr>
-            <a:r>
-              <a:t/>
-            </a:r>
-            <a:endParaRPr sz="1800">
-              <a:solidFill>
-                <a:schemeClr val="dk1"/>
-              </a:solidFill>
-              <a:latin typeface="Calibri"/>
-              <a:ea typeface="Calibri"/>
-              <a:cs typeface="Calibri"/>
-              <a:sym typeface="Calibri"/>
-            </a:endParaRPr>
-          </a:p>
-          <a:p>
-            <a:pPr indent="0" lvl="2" marL="914400" marR="0" rtl="0" algn="l">
-              <a:spcBef>
-                <a:spcPts val="0"/>
-              </a:spcBef>
-              <a:spcAft>
-                <a:spcPts val="0"/>
-              </a:spcAft>
-              <a:buNone/>
-            </a:pPr>
-            <a:r>
-              <a:rPr b="0" i="0" lang="en-US" sz="1800" u="none" cap="none" strike="noStrike">
-                <a:solidFill>
-                  <a:schemeClr val="dk1"/>
-                </a:solidFill>
-                <a:latin typeface="Calibri"/>
-                <a:ea typeface="Calibri"/>
-                <a:cs typeface="Calibri"/>
-                <a:sym typeface="Calibri"/>
-              </a:rPr>
-              <a:t>SET @band = ‘Radiohead’ </a:t>
-            </a:r>
-            <a:endParaRPr/>
-          </a:p>
-          <a:p>
-            <a:pPr indent="0" lvl="2" marL="914400" marR="0" rtl="0" algn="l">
-              <a:spcBef>
-                <a:spcPts val="0"/>
-              </a:spcBef>
-              <a:spcAft>
-                <a:spcPts val="0"/>
-              </a:spcAft>
-              <a:buNone/>
-            </a:pPr>
-            <a:r>
-              <a:rPr b="0" i="0" lang="en-US" sz="1800" u="none" cap="none" strike="noStrike">
-                <a:solidFill>
-                  <a:schemeClr val="dk1"/>
-                </a:solidFill>
-                <a:latin typeface="Calibri"/>
-                <a:ea typeface="Calibri"/>
-                <a:cs typeface="Calibri"/>
-                <a:sym typeface="Calibri"/>
-              </a:rPr>
-              <a:t>	vs</a:t>
-            </a:r>
-            <a:endParaRPr/>
-          </a:p>
-          <a:p>
-            <a:pPr indent="0" lvl="2" marL="914400" marR="0" rtl="0" algn="l">
-              <a:spcBef>
-                <a:spcPts val="0"/>
-              </a:spcBef>
-              <a:spcAft>
-                <a:spcPts val="0"/>
-              </a:spcAft>
-              <a:buNone/>
-            </a:pPr>
-            <a:r>
-              <a:rPr b="0" i="0" lang="en-US" sz="1800" u="none" cap="none" strike="noStrike">
-                <a:solidFill>
-                  <a:schemeClr val="dk1"/>
-                </a:solidFill>
-                <a:latin typeface="Calibri"/>
-                <a:ea typeface="Calibri"/>
-                <a:cs typeface="Calibri"/>
-                <a:sym typeface="Calibri"/>
-              </a:rPr>
-              <a:t>SET @band = ‘Jay Z’ </a:t>
-            </a:r>
-            <a:endParaRPr/>
-          </a:p>
-          <a:p>
-            <a:pPr indent="0" lvl="0" marL="0" marR="0" rtl="0" algn="l">
-              <a:spcBef>
-                <a:spcPts val="0"/>
-              </a:spcBef>
-              <a:spcAft>
-                <a:spcPts val="0"/>
-              </a:spcAft>
-              <a:buNone/>
-            </a:pPr>
-            <a:r>
-              <a:t/>
-            </a:r>
-            <a:endParaRPr sz="1800">
-              <a:solidFill>
-                <a:schemeClr val="dk1"/>
-              </a:solidFill>
-              <a:latin typeface="Calibri"/>
-              <a:ea typeface="Calibri"/>
-              <a:cs typeface="Calibri"/>
-              <a:sym typeface="Calibri"/>
+              <a:latin typeface="Montserrat"/>
+              <a:ea typeface="Montserrat"/>
+              <a:cs typeface="Montserrat"/>
+              <a:sym typeface="Montserrat"/>
             </a:endParaRPr>
           </a:p>
         </p:txBody>
@@ -21081,12 +22880,12 @@
 </p:sld>
 </file>
 
-<file path=ppt/slides/slide22.xml><?xml version="1.0" encoding="utf-8"?>
+<file path=ppt/slides/slide25.xml><?xml version="1.0" encoding="utf-8"?>
 <p:sld xmlns:a="http://schemas.openxmlformats.org/drawingml/2006/main" xmlns:r="http://schemas.openxmlformats.org/officeDocument/2006/relationships" xmlns:mc="http://schemas.openxmlformats.org/markup-compatibility/2006" xmlns:mv="urn:schemas-microsoft-com:mac:vml" xmlns:p="http://schemas.openxmlformats.org/presentationml/2006/main" xmlns:c="http://schemas.openxmlformats.org/drawingml/2006/chart" xmlns:dgm="http://schemas.openxmlformats.org/drawingml/2006/diagram" xmlns:o="urn:schemas-microsoft-com:office:office" xmlns:v="urn:schemas-microsoft-com:vml" xmlns:pvml="urn:schemas-microsoft-com:office:powerpoint" xmlns:com="http://schemas.openxmlformats.org/drawingml/2006/compatibility" xmlns:p14="http://schemas.microsoft.com/office/powerpoint/2010/main" xmlns:p15="http://schemas.microsoft.com/office/powerpoint/2012/main" xmlns:ahyp="http://schemas.microsoft.com/office/drawing/2018/hyperlinkcolor">
   <p:cSld>
     <p:spTree>
       <p:nvGrpSpPr>
-        <p:cNvPr id="231" name="Shape 231"/>
+        <p:cNvPr id="254" name="Shape 254"/>
         <p:cNvGrpSpPr/>
         <p:nvPr/>
       </p:nvGrpSpPr>
@@ -21100,7 +22899,7 @@
       </p:grpSpPr>
       <p:sp>
         <p:nvSpPr>
-          <p:cNvPr id="232" name="Google Shape;232;p19"/>
+          <p:cNvPr id="255" name="Google Shape;255;p19"/>
           <p:cNvSpPr/>
           <p:nvPr/>
         </p:nvSpPr>
@@ -21135,7 +22934,7 @@
             <a:r>
               <a:rPr b="1" lang="en-US" sz="3000">
                 <a:solidFill>
-                  <a:schemeClr val="dk1"/>
+                  <a:srgbClr val="57068C"/>
                 </a:solidFill>
                 <a:latin typeface="Arimo"/>
                 <a:ea typeface="Arimo"/>
@@ -21146,7 +22945,7 @@
             </a:r>
             <a:endParaRPr b="1" sz="3000">
               <a:solidFill>
-                <a:schemeClr val="dk1"/>
+                <a:srgbClr val="57068C"/>
               </a:solidFill>
               <a:latin typeface="Arimo"/>
               <a:ea typeface="Arimo"/>
@@ -21158,7 +22957,7 @@
       </p:sp>
       <p:sp>
         <p:nvSpPr>
-          <p:cNvPr id="233" name="Google Shape;233;p19"/>
+          <p:cNvPr id="256" name="Google Shape;256;p19"/>
           <p:cNvSpPr/>
           <p:nvPr/>
         </p:nvSpPr>
@@ -21207,14 +23006,14 @@
       </p:sp>
       <p:sp>
         <p:nvSpPr>
-          <p:cNvPr id="234" name="Google Shape;234;p19"/>
+          <p:cNvPr id="257" name="Google Shape;257;p19"/>
           <p:cNvSpPr txBox="1"/>
           <p:nvPr/>
         </p:nvSpPr>
         <p:spPr>
           <a:xfrm>
             <a:off x="529119" y="1376737"/>
-            <a:ext cx="8211227" cy="3785652"/>
+            <a:ext cx="8211300" cy="4402200"/>
           </a:xfrm>
           <a:prstGeom prst="rect">
             <a:avLst/>
@@ -21251,10 +23050,78 @@
               <a:solidFill>
                 <a:schemeClr val="dk1"/>
               </a:solidFill>
-              <a:latin typeface="Calibri"/>
-              <a:ea typeface="Calibri"/>
-              <a:cs typeface="Calibri"/>
-              <a:sym typeface="Calibri"/>
+              <a:latin typeface="Montserrat"/>
+              <a:ea typeface="Montserrat"/>
+              <a:cs typeface="Montserrat"/>
+              <a:sym typeface="Montserrat"/>
+            </a:endParaRPr>
+          </a:p>
+          <a:p>
+            <a:pPr indent="-285750" lvl="0" marL="285750" marR="0" rtl="0" algn="l">
+              <a:spcBef>
+                <a:spcPts val="0"/>
+              </a:spcBef>
+              <a:spcAft>
+                <a:spcPts val="0"/>
+              </a:spcAft>
+              <a:buClr>
+                <a:schemeClr val="dk1"/>
+              </a:buClr>
+              <a:buSzPts val="2000"/>
+              <a:buFont typeface="Montserrat"/>
+              <a:buChar char="•"/>
+            </a:pPr>
+            <a:r>
+              <a:rPr lang="en-US" sz="2000">
+                <a:solidFill>
+                  <a:schemeClr val="dk1"/>
+                </a:solidFill>
+                <a:latin typeface="Montserrat"/>
+                <a:ea typeface="Montserrat"/>
+                <a:cs typeface="Montserrat"/>
+                <a:sym typeface="Montserrat"/>
+              </a:rPr>
+              <a:t>Create a query that shows the percentage of people that like a music group</a:t>
+            </a:r>
+            <a:endParaRPr>
+              <a:latin typeface="Montserrat"/>
+              <a:ea typeface="Montserrat"/>
+              <a:cs typeface="Montserrat"/>
+              <a:sym typeface="Montserrat"/>
+            </a:endParaRPr>
+          </a:p>
+          <a:p>
+            <a:pPr indent="-285750" lvl="1" marL="742950" marR="0" rtl="0" algn="l">
+              <a:spcBef>
+                <a:spcPts val="0"/>
+              </a:spcBef>
+              <a:spcAft>
+                <a:spcPts val="0"/>
+              </a:spcAft>
+              <a:buClr>
+                <a:schemeClr val="dk1"/>
+              </a:buClr>
+              <a:buSzPts val="2000"/>
+              <a:buFont typeface="Montserrat"/>
+              <a:buChar char="•"/>
+            </a:pPr>
+            <a:r>
+              <a:rPr i="0" lang="en-US" sz="2000" u="none" cap="none" strike="noStrike">
+                <a:solidFill>
+                  <a:schemeClr val="dk1"/>
+                </a:solidFill>
+                <a:latin typeface="Montserrat"/>
+                <a:ea typeface="Montserrat"/>
+                <a:cs typeface="Montserrat"/>
+                <a:sym typeface="Montserrat"/>
+              </a:rPr>
+              <a:t>Use a variable for doing the normalization from counts to percentages</a:t>
+            </a:r>
+            <a:endParaRPr>
+              <a:latin typeface="Montserrat"/>
+              <a:ea typeface="Montserrat"/>
+              <a:cs typeface="Montserrat"/>
+              <a:sym typeface="Montserrat"/>
             </a:endParaRPr>
           </a:p>
           <a:p>
@@ -21277,17 +23144,102 @@
                 <a:solidFill>
                   <a:schemeClr val="dk1"/>
                 </a:solidFill>
-                <a:latin typeface="Calibri"/>
-                <a:ea typeface="Calibri"/>
-                <a:cs typeface="Calibri"/>
-                <a:sym typeface="Calibri"/>
-              </a:rPr>
-              <a:t>Create a query that shows the percentage of people that like a music group</a:t>
-            </a:r>
-            <a:endParaRPr/>
+                <a:latin typeface="Montserrat"/>
+                <a:ea typeface="Montserrat"/>
+                <a:cs typeface="Montserrat"/>
+                <a:sym typeface="Montserrat"/>
+              </a:rPr>
+              <a:t>Create a query that shows the percentage of people that like a </a:t>
+            </a:r>
+            <a:r>
+              <a:rPr b="1" lang="en-US" sz="2000">
+                <a:solidFill>
+                  <a:schemeClr val="dk1"/>
+                </a:solidFill>
+                <a:latin typeface="Montserrat"/>
+                <a:ea typeface="Montserrat"/>
+                <a:cs typeface="Montserrat"/>
+                <a:sym typeface="Montserrat"/>
+              </a:rPr>
+              <a:t>music group AND the focus band</a:t>
+            </a:r>
+            <a:endParaRPr>
+              <a:latin typeface="Montserrat"/>
+              <a:ea typeface="Montserrat"/>
+              <a:cs typeface="Montserrat"/>
+              <a:sym typeface="Montserrat"/>
+            </a:endParaRPr>
           </a:p>
           <a:p>
             <a:pPr indent="-285750" lvl="1" marL="742950" marR="0" rtl="0" algn="l">
+              <a:spcBef>
+                <a:spcPts val="0"/>
+              </a:spcBef>
+              <a:spcAft>
+                <a:spcPts val="0"/>
+              </a:spcAft>
+              <a:buClr>
+                <a:schemeClr val="dk1"/>
+              </a:buClr>
+              <a:buSzPts val="2000"/>
+              <a:buFont typeface="Montserrat"/>
+              <a:buChar char="•"/>
+            </a:pPr>
+            <a:r>
+              <a:rPr i="0" lang="en-US" sz="2000" u="none" cap="none" strike="noStrike">
+                <a:solidFill>
+                  <a:schemeClr val="dk1"/>
+                </a:solidFill>
+                <a:latin typeface="Montserrat"/>
+                <a:ea typeface="Montserrat"/>
+                <a:cs typeface="Montserrat"/>
+                <a:sym typeface="Montserrat"/>
+              </a:rPr>
+              <a:t>Again, use a variable for doing the normalization from counts to percentages</a:t>
+            </a:r>
+            <a:endParaRPr>
+              <a:latin typeface="Montserrat"/>
+              <a:ea typeface="Montserrat"/>
+              <a:cs typeface="Montserrat"/>
+              <a:sym typeface="Montserrat"/>
+            </a:endParaRPr>
+          </a:p>
+          <a:p>
+            <a:pPr indent="-285750" lvl="0" marL="285750" marR="0" rtl="0" algn="l">
+              <a:spcBef>
+                <a:spcPts val="0"/>
+              </a:spcBef>
+              <a:spcAft>
+                <a:spcPts val="0"/>
+              </a:spcAft>
+              <a:buClr>
+                <a:schemeClr val="dk1"/>
+              </a:buClr>
+              <a:buSzPts val="2000"/>
+              <a:buFont typeface="Montserrat"/>
+              <a:buChar char="•"/>
+            </a:pPr>
+            <a:r>
+              <a:rPr lang="en-US" sz="2000">
+                <a:solidFill>
+                  <a:schemeClr val="dk1"/>
+                </a:solidFill>
+                <a:latin typeface="Montserrat"/>
+                <a:ea typeface="Montserrat"/>
+                <a:cs typeface="Montserrat"/>
+                <a:sym typeface="Montserrat"/>
+              </a:rPr>
+              <a:t>Perform an outer join and compare the percentage of the focus band fans that like a music vs the percentage of the fans overall</a:t>
+            </a:r>
+            <a:endParaRPr>
+              <a:latin typeface="Montserrat"/>
+              <a:ea typeface="Montserrat"/>
+              <a:cs typeface="Montserrat"/>
+              <a:sym typeface="Montserrat"/>
+            </a:endParaRPr>
+          </a:p>
+          <a:p>
+            <a:pPr indent="-158750" lvl="0" marL="285750" marR="0" rtl="0" algn="l">
               <a:spcBef>
                 <a:spcPts val="0"/>
               </a:spcBef>
@@ -21299,134 +23251,6 @@
               </a:buClr>
               <a:buSzPts val="2000"/>
               <a:buFont typeface="Arial"/>
-              <a:buChar char="•"/>
-            </a:pPr>
-            <a:r>
-              <a:rPr b="0" i="0" lang="en-US" sz="2000" u="none" cap="none" strike="noStrike">
-                <a:solidFill>
-                  <a:schemeClr val="dk1"/>
-                </a:solidFill>
-                <a:latin typeface="Calibri"/>
-                <a:ea typeface="Calibri"/>
-                <a:cs typeface="Calibri"/>
-                <a:sym typeface="Calibri"/>
-              </a:rPr>
-              <a:t>Use a variable for doing the normalization from counts to percentages</a:t>
-            </a:r>
-            <a:endParaRPr/>
-          </a:p>
-          <a:p>
-            <a:pPr indent="-285750" lvl="0" marL="285750" marR="0" rtl="0" algn="l">
-              <a:spcBef>
-                <a:spcPts val="0"/>
-              </a:spcBef>
-              <a:spcAft>
-                <a:spcPts val="0"/>
-              </a:spcAft>
-              <a:buClr>
-                <a:schemeClr val="dk1"/>
-              </a:buClr>
-              <a:buSzPts val="2000"/>
-              <a:buFont typeface="Arial"/>
-              <a:buChar char="•"/>
-            </a:pPr>
-            <a:r>
-              <a:rPr lang="en-US" sz="2000">
-                <a:solidFill>
-                  <a:schemeClr val="dk1"/>
-                </a:solidFill>
-                <a:latin typeface="Calibri"/>
-                <a:ea typeface="Calibri"/>
-                <a:cs typeface="Calibri"/>
-                <a:sym typeface="Calibri"/>
-              </a:rPr>
-              <a:t>Create a query that shows the percentage of people that like a </a:t>
-            </a:r>
-            <a:r>
-              <a:rPr b="1" lang="en-US" sz="2000">
-                <a:solidFill>
-                  <a:schemeClr val="dk1"/>
-                </a:solidFill>
-                <a:latin typeface="Calibri"/>
-                <a:ea typeface="Calibri"/>
-                <a:cs typeface="Calibri"/>
-                <a:sym typeface="Calibri"/>
-              </a:rPr>
-              <a:t>music group AND the focus band</a:t>
-            </a:r>
-            <a:endParaRPr/>
-          </a:p>
-          <a:p>
-            <a:pPr indent="-285750" lvl="1" marL="742950" marR="0" rtl="0" algn="l">
-              <a:spcBef>
-                <a:spcPts val="0"/>
-              </a:spcBef>
-              <a:spcAft>
-                <a:spcPts val="0"/>
-              </a:spcAft>
-              <a:buClr>
-                <a:schemeClr val="dk1"/>
-              </a:buClr>
-              <a:buSzPts val="2000"/>
-              <a:buFont typeface="Arial"/>
-              <a:buChar char="•"/>
-            </a:pPr>
-            <a:r>
-              <a:rPr b="0" i="0" lang="en-US" sz="2000" u="none" cap="none" strike="noStrike">
-                <a:solidFill>
-                  <a:schemeClr val="dk1"/>
-                </a:solidFill>
-                <a:latin typeface="Calibri"/>
-                <a:ea typeface="Calibri"/>
-                <a:cs typeface="Calibri"/>
-                <a:sym typeface="Calibri"/>
-              </a:rPr>
-              <a:t>Again, use a variable for doing the normalization from counts to percentages</a:t>
-            </a:r>
-            <a:endParaRPr/>
-          </a:p>
-          <a:p>
-            <a:pPr indent="-285750" lvl="0" marL="285750" marR="0" rtl="0" algn="l">
-              <a:spcBef>
-                <a:spcPts val="0"/>
-              </a:spcBef>
-              <a:spcAft>
-                <a:spcPts val="0"/>
-              </a:spcAft>
-              <a:buClr>
-                <a:schemeClr val="dk1"/>
-              </a:buClr>
-              <a:buSzPts val="2000"/>
-              <a:buFont typeface="Arial"/>
-              <a:buChar char="•"/>
-            </a:pPr>
-            <a:r>
-              <a:rPr lang="en-US" sz="2000">
-                <a:solidFill>
-                  <a:schemeClr val="dk1"/>
-                </a:solidFill>
-                <a:latin typeface="Calibri"/>
-                <a:ea typeface="Calibri"/>
-                <a:cs typeface="Calibri"/>
-                <a:sym typeface="Calibri"/>
-              </a:rPr>
-              <a:t>Perform an outer join and compare the percentage of the focus band fans that like a music vs the percentage of the fans overall</a:t>
-            </a:r>
-            <a:endParaRPr/>
-          </a:p>
-          <a:p>
-            <a:pPr indent="-158750" lvl="0" marL="285750" marR="0" rtl="0" algn="l">
-              <a:spcBef>
-                <a:spcPts val="0"/>
-              </a:spcBef>
-              <a:spcAft>
-                <a:spcPts val="0"/>
-              </a:spcAft>
-              <a:buClr>
-                <a:schemeClr val="dk1"/>
-              </a:buClr>
-              <a:buSzPts val="2000"/>
-              <a:buFont typeface="Arial"/>
               <a:buNone/>
             </a:pPr>
             <a:r>
@@ -21436,10 +23260,10 @@
               <a:solidFill>
                 <a:schemeClr val="dk1"/>
               </a:solidFill>
-              <a:latin typeface="Calibri"/>
-              <a:ea typeface="Calibri"/>
-              <a:cs typeface="Calibri"/>
-              <a:sym typeface="Calibri"/>
+              <a:latin typeface="Montserrat"/>
+              <a:ea typeface="Montserrat"/>
+              <a:cs typeface="Montserrat"/>
+              <a:sym typeface="Montserrat"/>
             </a:endParaRPr>
           </a:p>
           <a:p>
@@ -21459,10 +23283,10 @@
               <a:solidFill>
                 <a:schemeClr val="dk1"/>
               </a:solidFill>
-              <a:latin typeface="Calibri"/>
-              <a:ea typeface="Calibri"/>
-              <a:cs typeface="Calibri"/>
-              <a:sym typeface="Calibri"/>
+              <a:latin typeface="Montserrat"/>
+              <a:ea typeface="Montserrat"/>
+              <a:cs typeface="Montserrat"/>
+              <a:sym typeface="Montserrat"/>
             </a:endParaRPr>
           </a:p>
         </p:txBody>
@@ -21475,12 +23299,12 @@
 </p:sld>
 </file>
 
-<file path=ppt/slides/slide23.xml><?xml version="1.0" encoding="utf-8"?>
+<file path=ppt/slides/slide26.xml><?xml version="1.0" encoding="utf-8"?>
 <p:sld xmlns:a="http://schemas.openxmlformats.org/drawingml/2006/main" xmlns:r="http://schemas.openxmlformats.org/officeDocument/2006/relationships" xmlns:mc="http://schemas.openxmlformats.org/markup-compatibility/2006" xmlns:mv="urn:schemas-microsoft-com:mac:vml" xmlns:p="http://schemas.openxmlformats.org/presentationml/2006/main" xmlns:c="http://schemas.openxmlformats.org/drawingml/2006/chart" xmlns:dgm="http://schemas.openxmlformats.org/drawingml/2006/diagram" xmlns:o="urn:schemas-microsoft-com:office:office" xmlns:v="urn:schemas-microsoft-com:vml" xmlns:pvml="urn:schemas-microsoft-com:office:powerpoint" xmlns:com="http://schemas.openxmlformats.org/drawingml/2006/compatibility" xmlns:p14="http://schemas.microsoft.com/office/powerpoint/2010/main" xmlns:p15="http://schemas.microsoft.com/office/powerpoint/2012/main" xmlns:ahyp="http://schemas.microsoft.com/office/drawing/2018/hyperlinkcolor">
   <p:cSld>
     <p:spTree>
       <p:nvGrpSpPr>
-        <p:cNvPr id="238" name="Shape 238"/>
+        <p:cNvPr id="261" name="Shape 261"/>
         <p:cNvGrpSpPr/>
         <p:nvPr/>
       </p:nvGrpSpPr>
@@ -21494,7 +23318,7 @@
       </p:grpSpPr>
       <p:sp>
         <p:nvSpPr>
-          <p:cNvPr id="239" name="Google Shape;239;p20"/>
+          <p:cNvPr id="262" name="Google Shape;262;p20"/>
           <p:cNvSpPr/>
           <p:nvPr/>
         </p:nvSpPr>
@@ -21529,7 +23353,7 @@
             <a:r>
               <a:rPr b="1" lang="en-US" sz="3000">
                 <a:solidFill>
-                  <a:schemeClr val="dk1"/>
+                  <a:srgbClr val="57068C"/>
                 </a:solidFill>
                 <a:latin typeface="Arimo"/>
                 <a:ea typeface="Arimo"/>
@@ -21540,7 +23364,7 @@
             </a:r>
             <a:endParaRPr b="1" sz="3000">
               <a:solidFill>
-                <a:schemeClr val="dk1"/>
+                <a:srgbClr val="57068C"/>
               </a:solidFill>
               <a:latin typeface="Arimo"/>
               <a:ea typeface="Arimo"/>
@@ -21552,7 +23376,7 @@
       </p:sp>
       <p:sp>
         <p:nvSpPr>
-          <p:cNvPr id="240" name="Google Shape;240;p20"/>
+          <p:cNvPr id="263" name="Google Shape;263;p20"/>
           <p:cNvSpPr/>
           <p:nvPr/>
         </p:nvSpPr>
@@ -21601,14 +23425,14 @@
       </p:sp>
       <p:sp>
         <p:nvSpPr>
-          <p:cNvPr id="241" name="Google Shape;241;p20"/>
+          <p:cNvPr id="264" name="Google Shape;264;p20"/>
           <p:cNvSpPr txBox="1"/>
           <p:nvPr/>
         </p:nvSpPr>
         <p:spPr>
           <a:xfrm>
             <a:off x="529119" y="1376737"/>
-            <a:ext cx="8211227" cy="1631216"/>
+            <a:ext cx="8211300" cy="1939500"/>
           </a:xfrm>
           <a:prstGeom prst="rect">
             <a:avLst/>
@@ -21645,14 +23469,51 @@
               <a:solidFill>
                 <a:schemeClr val="dk1"/>
               </a:solidFill>
-              <a:latin typeface="Calibri"/>
-              <a:ea typeface="Calibri"/>
-              <a:cs typeface="Calibri"/>
-              <a:sym typeface="Calibri"/>
+              <a:latin typeface="Montserrat"/>
+              <a:ea typeface="Montserrat"/>
+              <a:cs typeface="Montserrat"/>
+              <a:sym typeface="Montserrat"/>
             </a:endParaRPr>
           </a:p>
           <a:p>
             <a:pPr indent="-285750" lvl="0" marL="285750" marR="0" rtl="0" algn="l">
+              <a:spcBef>
+                <a:spcPts val="0"/>
+              </a:spcBef>
+              <a:spcAft>
+                <a:spcPts val="0"/>
+              </a:spcAft>
+              <a:buClr>
+                <a:schemeClr val="dk1"/>
+              </a:buClr>
+              <a:buSzPts val="2000"/>
+              <a:buFont typeface="Montserrat"/>
+              <a:buChar char="•"/>
+            </a:pPr>
+            <a:r>
+              <a:rPr lang="en-US" sz="2000">
+                <a:solidFill>
+                  <a:schemeClr val="dk1"/>
+                </a:solidFill>
+                <a:latin typeface="Montserrat"/>
+                <a:ea typeface="Montserrat"/>
+                <a:cs typeface="Montserrat"/>
+                <a:sym typeface="Montserrat"/>
+              </a:rPr>
+              <a:t>Analyze Book preferences by gender. What are the books that men like and what are the books that women like? Show the lifts and log-odds.</a:t>
+            </a:r>
+            <a:endParaRPr sz="2000">
+              <a:solidFill>
+                <a:schemeClr val="dk1"/>
+              </a:solidFill>
+              <a:latin typeface="Montserrat"/>
+              <a:ea typeface="Montserrat"/>
+              <a:cs typeface="Montserrat"/>
+              <a:sym typeface="Montserrat"/>
+            </a:endParaRPr>
+          </a:p>
+          <a:p>
+            <a:pPr indent="-158750" lvl="0" marL="285750" marR="0" rtl="0" algn="l">
               <a:spcBef>
                 <a:spcPts val="0"/>
               </a:spcBef>
@@ -21664,43 +23525,29 @@
               </a:buClr>
               <a:buSzPts val="2000"/>
               <a:buFont typeface="Arial"/>
-              <a:buChar char="•"/>
-            </a:pPr>
-            <a:r>
-              <a:rPr lang="en-US" sz="2000">
-                <a:solidFill>
-                  <a:schemeClr val="dk1"/>
-                </a:solidFill>
-                <a:latin typeface="Calibri"/>
-                <a:ea typeface="Calibri"/>
-                <a:cs typeface="Calibri"/>
-                <a:sym typeface="Calibri"/>
-              </a:rPr>
-              <a:t>Analyze Book preferences by gender. What are the books that men like and what are the books that women like? Show the lifts and log-odds.</a:t>
+              <a:buNone/>
+            </a:pPr>
+            <a:r>
+              <a:t/>
             </a:r>
             <a:endParaRPr sz="2000">
               <a:solidFill>
                 <a:schemeClr val="dk1"/>
               </a:solidFill>
-              <a:latin typeface="Calibri"/>
-              <a:ea typeface="Calibri"/>
-              <a:cs typeface="Calibri"/>
-              <a:sym typeface="Calibri"/>
+              <a:latin typeface="Montserrat"/>
+              <a:ea typeface="Montserrat"/>
+              <a:cs typeface="Montserrat"/>
+              <a:sym typeface="Montserrat"/>
             </a:endParaRPr>
           </a:p>
           <a:p>
-            <a:pPr indent="-158750" lvl="0" marL="285750" marR="0" rtl="0" algn="l">
-              <a:spcBef>
-                <a:spcPts val="0"/>
-              </a:spcBef>
-              <a:spcAft>
-                <a:spcPts val="0"/>
-              </a:spcAft>
-              <a:buClr>
-                <a:schemeClr val="dk1"/>
-              </a:buClr>
-              <a:buSzPts val="2000"/>
-              <a:buFont typeface="Arial"/>
+            <a:pPr indent="0" lvl="0" marL="0" marR="0" rtl="0" algn="l">
+              <a:spcBef>
+                <a:spcPts val="0"/>
+              </a:spcBef>
+              <a:spcAft>
+                <a:spcPts val="0"/>
+              </a:spcAft>
               <a:buNone/>
             </a:pPr>
             <a:r>
@@ -21710,33 +23557,10 @@
               <a:solidFill>
                 <a:schemeClr val="dk1"/>
               </a:solidFill>
-              <a:latin typeface="Calibri"/>
-              <a:ea typeface="Calibri"/>
-              <a:cs typeface="Calibri"/>
-              <a:sym typeface="Calibri"/>
-            </a:endParaRPr>
-          </a:p>
-          <a:p>
-            <a:pPr indent="0" lvl="0" marL="0" marR="0" rtl="0" algn="l">
-              <a:spcBef>
-                <a:spcPts val="0"/>
-              </a:spcBef>
-              <a:spcAft>
-                <a:spcPts val="0"/>
-              </a:spcAft>
-              <a:buNone/>
-            </a:pPr>
-            <a:r>
-              <a:t/>
-            </a:r>
-            <a:endParaRPr sz="2000">
-              <a:solidFill>
-                <a:schemeClr val="dk1"/>
-              </a:solidFill>
-              <a:latin typeface="Calibri"/>
-              <a:ea typeface="Calibri"/>
-              <a:cs typeface="Calibri"/>
-              <a:sym typeface="Calibri"/>
+              <a:latin typeface="Montserrat"/>
+              <a:ea typeface="Montserrat"/>
+              <a:cs typeface="Montserrat"/>
+              <a:sym typeface="Montserrat"/>
             </a:endParaRPr>
           </a:p>
         </p:txBody>
@@ -21749,12 +23573,12 @@
 </p:sld>
 </file>
 
-<file path=ppt/slides/slide24.xml><?xml version="1.0" encoding="utf-8"?>
+<file path=ppt/slides/slide27.xml><?xml version="1.0" encoding="utf-8"?>
 <p:sld xmlns:a="http://schemas.openxmlformats.org/drawingml/2006/main" xmlns:r="http://schemas.openxmlformats.org/officeDocument/2006/relationships" xmlns:mc="http://schemas.openxmlformats.org/markup-compatibility/2006" xmlns:mv="urn:schemas-microsoft-com:mac:vml" xmlns:p="http://schemas.openxmlformats.org/presentationml/2006/main" xmlns:c="http://schemas.openxmlformats.org/drawingml/2006/chart" xmlns:dgm="http://schemas.openxmlformats.org/drawingml/2006/diagram" xmlns:o="urn:schemas-microsoft-com:office:office" xmlns:v="urn:schemas-microsoft-com:vml" xmlns:pvml="urn:schemas-microsoft-com:office:powerpoint" xmlns:com="http://schemas.openxmlformats.org/drawingml/2006/compatibility" xmlns:p14="http://schemas.microsoft.com/office/powerpoint/2010/main" xmlns:p15="http://schemas.microsoft.com/office/powerpoint/2012/main" xmlns:ahyp="http://schemas.microsoft.com/office/drawing/2018/hyperlinkcolor">
   <p:cSld>
     <p:spTree>
       <p:nvGrpSpPr>
-        <p:cNvPr id="245" name="Shape 245"/>
+        <p:cNvPr id="268" name="Shape 268"/>
         <p:cNvGrpSpPr/>
         <p:nvPr/>
       </p:nvGrpSpPr>
@@ -23516,7 +25340,7 @@
   <p:cSld>
     <p:spTree>
       <p:nvGrpSpPr>
-        <p:cNvPr id="120" name="Shape 120"/>
+        <p:cNvPr id="119" name="Shape 119"/>
         <p:cNvGrpSpPr/>
         <p:nvPr/>
       </p:nvGrpSpPr>
@@ -23528,6 +25352,467 @@
           <a:chExt cx="0" cy="0"/>
         </a:xfrm>
       </p:grpSpPr>
+      <p:sp>
+        <p:nvSpPr>
+          <p:cNvPr id="120" name="Google Shape;120;g12e52e12d1a_0_0"/>
+          <p:cNvSpPr/>
+          <p:nvPr/>
+        </p:nvSpPr>
+        <p:spPr>
+          <a:xfrm>
+            <a:off x="386308" y="147496"/>
+            <a:ext cx="7757400" cy="554100"/>
+          </a:xfrm>
+          <a:prstGeom prst="rect">
+            <a:avLst/>
+          </a:prstGeom>
+          <a:noFill/>
+          <a:ln>
+            <a:noFill/>
+          </a:ln>
+        </p:spPr>
+        <p:txBody>
+          <a:bodyPr anchorCtr="0" anchor="t" bIns="45700" lIns="45700" spcFirstLastPara="1" rIns="45700" wrap="square" tIns="45700">
+            <a:noAutofit/>
+          </a:bodyPr>
+          <a:lstStyle/>
+          <a:p>
+            <a:pPr indent="0" lvl="0" marL="0" marR="0" rtl="0" algn="l">
+              <a:spcBef>
+                <a:spcPts val="0"/>
+              </a:spcBef>
+              <a:spcAft>
+                <a:spcPts val="0"/>
+              </a:spcAft>
+              <a:buNone/>
+            </a:pPr>
+            <a:r>
+              <a:rPr b="1" lang="en-US" sz="3000">
+                <a:solidFill>
+                  <a:srgbClr val="57068C"/>
+                </a:solidFill>
+                <a:latin typeface="Montserrat"/>
+                <a:ea typeface="Montserrat"/>
+                <a:cs typeface="Montserrat"/>
+                <a:sym typeface="Montserrat"/>
+              </a:rPr>
+              <a:t>Alternative</a:t>
+            </a:r>
+            <a:r>
+              <a:rPr b="1" lang="en-US" sz="3000">
+                <a:solidFill>
+                  <a:srgbClr val="57068C"/>
+                </a:solidFill>
+                <a:latin typeface="Montserrat"/>
+                <a:ea typeface="Montserrat"/>
+                <a:cs typeface="Montserrat"/>
+                <a:sym typeface="Montserrat"/>
+              </a:rPr>
+              <a:t> with Variables</a:t>
+            </a:r>
+            <a:endParaRPr>
+              <a:solidFill>
+                <a:srgbClr val="57068C"/>
+              </a:solidFill>
+              <a:latin typeface="Montserrat"/>
+              <a:ea typeface="Montserrat"/>
+              <a:cs typeface="Montserrat"/>
+              <a:sym typeface="Montserrat"/>
+            </a:endParaRPr>
+          </a:p>
+        </p:txBody>
+      </p:sp>
+      <p:sp>
+        <p:nvSpPr>
+          <p:cNvPr id="121" name="Google Shape;121;g12e52e12d1a_0_0"/>
+          <p:cNvSpPr/>
+          <p:nvPr/>
+        </p:nvSpPr>
+        <p:spPr>
+          <a:xfrm>
+            <a:off x="469900" y="1282700"/>
+            <a:ext cx="8204100" cy="307800"/>
+          </a:xfrm>
+          <a:prstGeom prst="rect">
+            <a:avLst/>
+          </a:prstGeom>
+          <a:noFill/>
+          <a:ln>
+            <a:noFill/>
+          </a:ln>
+        </p:spPr>
+        <p:txBody>
+          <a:bodyPr anchorCtr="0" anchor="t" bIns="0" lIns="0" spcFirstLastPara="1" rIns="0" wrap="square" tIns="0">
+            <a:noAutofit/>
+          </a:bodyPr>
+          <a:lstStyle/>
+          <a:p>
+            <a:pPr indent="0" lvl="0" marL="0" marR="0" rtl="0" algn="l">
+              <a:spcBef>
+                <a:spcPts val="0"/>
+              </a:spcBef>
+              <a:spcAft>
+                <a:spcPts val="0"/>
+              </a:spcAft>
+              <a:buNone/>
+            </a:pPr>
+            <a:r>
+              <a:t/>
+            </a:r>
+            <a:endParaRPr sz="2000">
+              <a:solidFill>
+                <a:schemeClr val="dk1"/>
+              </a:solidFill>
+              <a:latin typeface="Arimo"/>
+              <a:ea typeface="Arimo"/>
+              <a:cs typeface="Arimo"/>
+              <a:sym typeface="Arimo"/>
+            </a:endParaRPr>
+          </a:p>
+        </p:txBody>
+      </p:sp>
+      <p:sp>
+        <p:nvSpPr>
+          <p:cNvPr id="122" name="Google Shape;122;g12e52e12d1a_0_0"/>
+          <p:cNvSpPr txBox="1"/>
+          <p:nvPr/>
+        </p:nvSpPr>
+        <p:spPr>
+          <a:xfrm>
+            <a:off x="183175" y="900650"/>
+            <a:ext cx="8724300" cy="3140100"/>
+          </a:xfrm>
+          <a:prstGeom prst="rect">
+            <a:avLst/>
+          </a:prstGeom>
+          <a:noFill/>
+          <a:ln>
+            <a:noFill/>
+          </a:ln>
+        </p:spPr>
+        <p:txBody>
+          <a:bodyPr anchorCtr="0" anchor="t" bIns="45700" lIns="91425" spcFirstLastPara="1" rIns="91425" wrap="square" tIns="45700">
+            <a:spAutoFit/>
+          </a:bodyPr>
+          <a:lstStyle/>
+          <a:p>
+            <a:pPr indent="-342900" lvl="0" marL="457200" rtl="0" algn="l">
+              <a:spcBef>
+                <a:spcPts val="0"/>
+              </a:spcBef>
+              <a:spcAft>
+                <a:spcPts val="0"/>
+              </a:spcAft>
+              <a:buClr>
+                <a:schemeClr val="dk1"/>
+              </a:buClr>
+              <a:buSzPts val="1800"/>
+              <a:buFont typeface="Calibri"/>
+              <a:buChar char="•"/>
+            </a:pPr>
+            <a:r>
+              <a:rPr lang="en-US" sz="1800">
+                <a:solidFill>
+                  <a:schemeClr val="dk1"/>
+                </a:solidFill>
+                <a:latin typeface="Calibri"/>
+                <a:ea typeface="Calibri"/>
+                <a:cs typeface="Calibri"/>
+                <a:sym typeface="Calibri"/>
+              </a:rPr>
+              <a:t>Compute the national average sale price across all houses in the database</a:t>
+            </a:r>
+            <a:endParaRPr sz="1800">
+              <a:solidFill>
+                <a:schemeClr val="dk1"/>
+              </a:solidFill>
+              <a:latin typeface="Calibri"/>
+              <a:ea typeface="Calibri"/>
+              <a:cs typeface="Calibri"/>
+              <a:sym typeface="Calibri"/>
+            </a:endParaRPr>
+          </a:p>
+          <a:p>
+            <a:pPr indent="-342900" lvl="1" marL="914400" rtl="0" algn="l">
+              <a:spcBef>
+                <a:spcPts val="0"/>
+              </a:spcBef>
+              <a:spcAft>
+                <a:spcPts val="0"/>
+              </a:spcAft>
+              <a:buClr>
+                <a:schemeClr val="dk1"/>
+              </a:buClr>
+              <a:buSzPts val="1800"/>
+              <a:buFont typeface="Calibri"/>
+              <a:buChar char="○"/>
+            </a:pPr>
+            <a:r>
+              <a:rPr b="1" lang="en-US" sz="1800">
+                <a:solidFill>
+                  <a:srgbClr val="57068C"/>
+                </a:solidFill>
+                <a:latin typeface="Calibri"/>
+                <a:ea typeface="Calibri"/>
+                <a:cs typeface="Calibri"/>
+                <a:sym typeface="Calibri"/>
+              </a:rPr>
+              <a:t>SET @national_mean = (</a:t>
+            </a:r>
+            <a:r>
+              <a:rPr b="1" lang="en-US" sz="1800">
+                <a:solidFill>
+                  <a:srgbClr val="57068C"/>
+                </a:solidFill>
+                <a:latin typeface="Calibri"/>
+                <a:ea typeface="Calibri"/>
+                <a:cs typeface="Calibri"/>
+                <a:sym typeface="Calibri"/>
+              </a:rPr>
+              <a:t>SELECT AVG(mkt_price) FROM transactions)</a:t>
+            </a:r>
+            <a:br>
+              <a:rPr lang="en-US" sz="1800">
+                <a:solidFill>
+                  <a:schemeClr val="dk1"/>
+                </a:solidFill>
+                <a:latin typeface="Calibri"/>
+                <a:ea typeface="Calibri"/>
+                <a:cs typeface="Calibri"/>
+                <a:sym typeface="Calibri"/>
+              </a:rPr>
+            </a:br>
+            <a:endParaRPr sz="1800">
+              <a:solidFill>
+                <a:schemeClr val="dk1"/>
+              </a:solidFill>
+              <a:latin typeface="Calibri"/>
+              <a:ea typeface="Calibri"/>
+              <a:cs typeface="Calibri"/>
+              <a:sym typeface="Calibri"/>
+            </a:endParaRPr>
+          </a:p>
+          <a:p>
+            <a:pPr indent="-342900" lvl="0" marL="457200" rtl="0" algn="l">
+              <a:spcBef>
+                <a:spcPts val="0"/>
+              </a:spcBef>
+              <a:spcAft>
+                <a:spcPts val="0"/>
+              </a:spcAft>
+              <a:buClr>
+                <a:schemeClr val="dk1"/>
+              </a:buClr>
+              <a:buSzPts val="1800"/>
+              <a:buFont typeface="Calibri"/>
+              <a:buChar char="•"/>
+            </a:pPr>
+            <a:r>
+              <a:rPr lang="en-US" sz="1800">
+                <a:solidFill>
+                  <a:schemeClr val="dk1"/>
+                </a:solidFill>
+                <a:latin typeface="Calibri"/>
+                <a:ea typeface="Calibri"/>
+                <a:cs typeface="Calibri"/>
+                <a:sym typeface="Calibri"/>
+              </a:rPr>
+              <a:t>List all cities and the average price of the houses for all cities where the average home price is above $550,122.52</a:t>
+            </a:r>
+            <a:endParaRPr sz="1800">
+              <a:solidFill>
+                <a:schemeClr val="dk1"/>
+              </a:solidFill>
+              <a:latin typeface="Calibri"/>
+              <a:ea typeface="Calibri"/>
+              <a:cs typeface="Calibri"/>
+              <a:sym typeface="Calibri"/>
+            </a:endParaRPr>
+          </a:p>
+          <a:p>
+            <a:pPr indent="-342900" lvl="1" marL="914400" rtl="0" algn="l">
+              <a:spcBef>
+                <a:spcPts val="0"/>
+              </a:spcBef>
+              <a:spcAft>
+                <a:spcPts val="0"/>
+              </a:spcAft>
+              <a:buClr>
+                <a:srgbClr val="A61C00"/>
+              </a:buClr>
+              <a:buSzPts val="1800"/>
+              <a:buFont typeface="Calibri"/>
+              <a:buChar char="○"/>
+            </a:pPr>
+            <a:r>
+              <a:rPr b="1" lang="en-US" sz="1800">
+                <a:solidFill>
+                  <a:srgbClr val="A61C00"/>
+                </a:solidFill>
+                <a:latin typeface="Calibri"/>
+                <a:ea typeface="Calibri"/>
+                <a:cs typeface="Calibri"/>
+                <a:sym typeface="Calibri"/>
+              </a:rPr>
+              <a:t>SELECT city, AVG(mkt_price) AS avg_price</a:t>
+            </a:r>
+            <a:endParaRPr b="1" sz="1800">
+              <a:solidFill>
+                <a:srgbClr val="A61C00"/>
+              </a:solidFill>
+              <a:latin typeface="Calibri"/>
+              <a:ea typeface="Calibri"/>
+              <a:cs typeface="Calibri"/>
+              <a:sym typeface="Calibri"/>
+            </a:endParaRPr>
+          </a:p>
+          <a:p>
+            <a:pPr indent="0" lvl="0" marL="914400" rtl="0" algn="l">
+              <a:spcBef>
+                <a:spcPts val="0"/>
+              </a:spcBef>
+              <a:spcAft>
+                <a:spcPts val="0"/>
+              </a:spcAft>
+              <a:buNone/>
+            </a:pPr>
+            <a:r>
+              <a:rPr b="1" lang="en-US" sz="1800">
+                <a:solidFill>
+                  <a:srgbClr val="A61C00"/>
+                </a:solidFill>
+                <a:latin typeface="Calibri"/>
+                <a:ea typeface="Calibri"/>
+                <a:cs typeface="Calibri"/>
+                <a:sym typeface="Calibri"/>
+              </a:rPr>
+              <a:t>FROM transactions</a:t>
+            </a:r>
+            <a:endParaRPr b="1" sz="1800">
+              <a:solidFill>
+                <a:srgbClr val="A61C00"/>
+              </a:solidFill>
+              <a:latin typeface="Calibri"/>
+              <a:ea typeface="Calibri"/>
+              <a:cs typeface="Calibri"/>
+              <a:sym typeface="Calibri"/>
+            </a:endParaRPr>
+          </a:p>
+          <a:p>
+            <a:pPr indent="0" lvl="0" marL="914400" rtl="0" algn="l">
+              <a:spcBef>
+                <a:spcPts val="0"/>
+              </a:spcBef>
+              <a:spcAft>
+                <a:spcPts val="0"/>
+              </a:spcAft>
+              <a:buNone/>
+            </a:pPr>
+            <a:r>
+              <a:rPr b="1" lang="en-US" sz="1800">
+                <a:solidFill>
+                  <a:srgbClr val="A61C00"/>
+                </a:solidFill>
+                <a:latin typeface="Calibri"/>
+                <a:ea typeface="Calibri"/>
+                <a:cs typeface="Calibri"/>
+                <a:sym typeface="Calibri"/>
+              </a:rPr>
+              <a:t>GROUP BY city</a:t>
+            </a:r>
+            <a:br>
+              <a:rPr b="1" lang="en-US" sz="1800">
+                <a:solidFill>
+                  <a:srgbClr val="A61C00"/>
+                </a:solidFill>
+                <a:latin typeface="Calibri"/>
+                <a:ea typeface="Calibri"/>
+                <a:cs typeface="Calibri"/>
+                <a:sym typeface="Calibri"/>
+              </a:rPr>
+            </a:br>
+            <a:r>
+              <a:rPr b="1" lang="en-US" sz="1800">
+                <a:solidFill>
+                  <a:srgbClr val="A61C00"/>
+                </a:solidFill>
+                <a:latin typeface="Calibri"/>
+                <a:ea typeface="Calibri"/>
+                <a:cs typeface="Calibri"/>
+                <a:sym typeface="Calibri"/>
+              </a:rPr>
+              <a:t>HAVING AVG(mkt_price) &gt; </a:t>
+            </a:r>
+            <a:r>
+              <a:rPr b="1" lang="en-US" sz="1800">
+                <a:solidFill>
+                  <a:srgbClr val="57068C"/>
+                </a:solidFill>
+                <a:latin typeface="Calibri"/>
+                <a:ea typeface="Calibri"/>
+                <a:cs typeface="Calibri"/>
+                <a:sym typeface="Calibri"/>
+              </a:rPr>
+              <a:t>@national_mean</a:t>
+            </a:r>
+            <a:endParaRPr b="1" sz="1800">
+              <a:solidFill>
+                <a:srgbClr val="57068C"/>
+              </a:solidFill>
+              <a:latin typeface="Calibri"/>
+              <a:ea typeface="Calibri"/>
+              <a:cs typeface="Calibri"/>
+              <a:sym typeface="Calibri"/>
+            </a:endParaRPr>
+          </a:p>
+          <a:p>
+            <a:pPr indent="0" lvl="0" marL="914400" rtl="0" algn="l">
+              <a:spcBef>
+                <a:spcPts val="0"/>
+              </a:spcBef>
+              <a:spcAft>
+                <a:spcPts val="0"/>
+              </a:spcAft>
+              <a:buNone/>
+            </a:pPr>
+            <a:r>
+              <a:t/>
+            </a:r>
+            <a:endParaRPr sz="1800">
+              <a:solidFill>
+                <a:schemeClr val="dk1"/>
+              </a:solidFill>
+              <a:latin typeface="Calibri"/>
+              <a:ea typeface="Calibri"/>
+              <a:cs typeface="Calibri"/>
+              <a:sym typeface="Calibri"/>
+            </a:endParaRPr>
+          </a:p>
+          <a:p>
+            <a:pPr indent="0" lvl="0" marL="0" marR="0" rtl="0" algn="l">
+              <a:spcBef>
+                <a:spcPts val="0"/>
+              </a:spcBef>
+              <a:spcAft>
+                <a:spcPts val="0"/>
+              </a:spcAft>
+              <a:buNone/>
+            </a:pPr>
+            <a:r>
+              <a:t/>
+            </a:r>
+            <a:endParaRPr sz="1800">
+              <a:solidFill>
+                <a:schemeClr val="dk1"/>
+              </a:solidFill>
+              <a:latin typeface="Calibri"/>
+              <a:ea typeface="Calibri"/>
+              <a:cs typeface="Calibri"/>
+              <a:sym typeface="Calibri"/>
+            </a:endParaRPr>
+          </a:p>
+        </p:txBody>
+      </p:sp>
     </p:spTree>
   </p:cSld>
   <p:clrMapOvr>
@@ -23541,7 +25826,7 @@
   <p:cSld>
     <p:spTree>
       <p:nvGrpSpPr>
-        <p:cNvPr id="124" name="Shape 124"/>
+        <p:cNvPr id="126" name="Shape 126"/>
         <p:cNvGrpSpPr/>
         <p:nvPr/>
       </p:nvGrpSpPr>
@@ -23555,7 +25840,7 @@
       </p:grpSpPr>
       <p:sp>
         <p:nvSpPr>
-          <p:cNvPr id="125" name="Google Shape;125;p3"/>
+          <p:cNvPr id="127" name="Google Shape;127;p3"/>
           <p:cNvSpPr/>
           <p:nvPr/>
         </p:nvSpPr>
@@ -23613,7 +25898,7 @@
       </p:sp>
       <p:sp>
         <p:nvSpPr>
-          <p:cNvPr id="126" name="Google Shape;126;p3"/>
+          <p:cNvPr id="128" name="Google Shape;128;p3"/>
           <p:cNvSpPr/>
           <p:nvPr/>
         </p:nvSpPr>
@@ -23804,18 +26089,6 @@
               <a:t> </a:t>
             </a:r>
             <a:r>
-              <a:rPr i="0" lang="en-US" sz="2700" u="none" cap="none" strike="noStrike">
-                <a:solidFill>
-                  <a:srgbClr val="000000"/>
-                </a:solidFill>
-                <a:latin typeface="Montserrat"/>
-                <a:ea typeface="Montserrat"/>
-                <a:cs typeface="Montserrat"/>
-                <a:sym typeface="Montserrat"/>
-              </a:rPr>
-              <a:t>ON </a:t>
-            </a:r>
-            <a:r>
               <a:rPr lang="en-US" sz="2700">
                 <a:solidFill>
                   <a:schemeClr val="dk1"/>
@@ -23894,7 +26167,7 @@
       </p:sp>
       <p:sp>
         <p:nvSpPr>
-          <p:cNvPr id="127" name="Google Shape;127;p3"/>
+          <p:cNvPr id="129" name="Google Shape;129;p3"/>
           <p:cNvSpPr/>
           <p:nvPr/>
         </p:nvSpPr>
@@ -23952,7 +26225,7 @@
       </p:sp>
       <p:cxnSp>
         <p:nvCxnSpPr>
-          <p:cNvPr id="128" name="Google Shape;128;p3"/>
+          <p:cNvPr id="130" name="Google Shape;130;p3"/>
           <p:cNvCxnSpPr/>
           <p:nvPr/>
         </p:nvCxnSpPr>
@@ -23985,7 +26258,7 @@
       </p:cxnSp>
       <p:sp>
         <p:nvSpPr>
-          <p:cNvPr id="129" name="Google Shape;129;p3"/>
+          <p:cNvPr id="131" name="Google Shape;131;p3"/>
           <p:cNvSpPr txBox="1"/>
           <p:nvPr/>
         </p:nvSpPr>
@@ -24043,7 +26316,7 @@
       </p:sp>
       <p:sp>
         <p:nvSpPr>
-          <p:cNvPr id="130" name="Google Shape;130;p3"/>
+          <p:cNvPr id="132" name="Google Shape;132;p3"/>
           <p:cNvSpPr/>
           <p:nvPr/>
         </p:nvSpPr>
@@ -24375,7 +26648,7 @@
       </p:sp>
       <p:sp>
         <p:nvSpPr>
-          <p:cNvPr id="131" name="Google Shape;131;p3"/>
+          <p:cNvPr id="133" name="Google Shape;133;p3"/>
           <p:cNvSpPr/>
           <p:nvPr/>
         </p:nvSpPr>
@@ -24456,7 +26729,7 @@
       </p:sp>
       <p:cxnSp>
         <p:nvCxnSpPr>
-          <p:cNvPr id="132" name="Google Shape;132;p3"/>
+          <p:cNvPr id="134" name="Google Shape;134;p3"/>
           <p:cNvCxnSpPr/>
           <p:nvPr/>
         </p:nvCxnSpPr>
@@ -24526,7 +26799,7 @@
                                           </p:stCondLst>
                                         </p:cTn>
                                         <p:tgtEl>
-                                          <p:spTgt spid="127"/>
+                                          <p:spTgt spid="129"/>
                                         </p:tgtEl>
                                         <p:attrNameLst>
                                           <p:attrName>style.visibility</p:attrName>
@@ -24540,7 +26813,7 @@
                                       <p:cBhvr>
                                         <p:cTn dur="750"/>
                                         <p:tgtEl>
-                                          <p:spTgt spid="127"/>
+                                          <p:spTgt spid="129"/>
                                         </p:tgtEl>
                                       </p:cBhvr>
                                     </p:animEffect>
@@ -24579,7 +26852,7 @@
                                           </p:stCondLst>
                                         </p:cTn>
                                         <p:tgtEl>
-                                          <p:spTgt spid="128"/>
+                                          <p:spTgt spid="130"/>
                                         </p:tgtEl>
                                         <p:attrNameLst>
                                           <p:attrName>style.visibility</p:attrName>
@@ -24593,7 +26866,7 @@
                                       <p:cBhvr>
                                         <p:cTn dur="750"/>
                                         <p:tgtEl>
-                                          <p:spTgt spid="128"/>
+                                          <p:spTgt spid="130"/>
                                         </p:tgtEl>
                                       </p:cBhvr>
                                     </p:animEffect>
@@ -24632,7 +26905,7 @@
                                           </p:stCondLst>
                                         </p:cTn>
                                         <p:tgtEl>
-                                          <p:spTgt spid="131"/>
+                                          <p:spTgt spid="133"/>
                                         </p:tgtEl>
                                         <p:attrNameLst>
                                           <p:attrName>style.visibility</p:attrName>
@@ -24646,7 +26919,7 @@
                                       <p:cBhvr>
                                         <p:cTn dur="750"/>
                                         <p:tgtEl>
-                                          <p:spTgt spid="131"/>
+                                          <p:spTgt spid="133"/>
                                         </p:tgtEl>
                                       </p:cBhvr>
                                     </p:animEffect>
@@ -24685,7 +26958,7 @@
                                           </p:stCondLst>
                                         </p:cTn>
                                         <p:tgtEl>
-                                          <p:spTgt spid="132"/>
+                                          <p:spTgt spid="134"/>
                                         </p:tgtEl>
                                         <p:attrNameLst>
                                           <p:attrName>style.visibility</p:attrName>
@@ -24699,7 +26972,7 @@
                                       <p:cBhvr>
                                         <p:cTn dur="750"/>
                                         <p:tgtEl>
-                                          <p:spTgt spid="132"/>
+                                          <p:spTgt spid="134"/>
                                         </p:tgtEl>
                                       </p:cBhvr>
                                     </p:animEffect>
@@ -24742,7 +27015,7 @@
   <p:cSld>
     <p:spTree>
       <p:nvGrpSpPr>
-        <p:cNvPr id="136" name="Shape 136"/>
+        <p:cNvPr id="138" name="Shape 138"/>
         <p:cNvGrpSpPr/>
         <p:nvPr/>
       </p:nvGrpSpPr>
@@ -24756,7 +27029,7 @@
       </p:grpSpPr>
       <p:sp>
         <p:nvSpPr>
-          <p:cNvPr id="137" name="Google Shape;137;p4"/>
+          <p:cNvPr id="139" name="Google Shape;139;p4"/>
           <p:cNvSpPr/>
           <p:nvPr/>
         </p:nvSpPr>
@@ -24814,7 +27087,7 @@
       </p:sp>
       <p:sp>
         <p:nvSpPr>
-          <p:cNvPr id="138" name="Google Shape;138;p4"/>
+          <p:cNvPr id="140" name="Google Shape;140;p4"/>
           <p:cNvSpPr/>
           <p:nvPr/>
         </p:nvSpPr>
@@ -24863,7 +27136,7 @@
       </p:sp>
       <p:sp>
         <p:nvSpPr>
-          <p:cNvPr id="139" name="Google Shape;139;p4"/>
+          <p:cNvPr id="141" name="Google Shape;141;p4"/>
           <p:cNvSpPr txBox="1"/>
           <p:nvPr/>
         </p:nvSpPr>
@@ -25300,7 +27573,7 @@
   <p:cSld>
     <p:spTree>
       <p:nvGrpSpPr>
-        <p:cNvPr id="143" name="Shape 143"/>
+        <p:cNvPr id="145" name="Shape 145"/>
         <p:cNvGrpSpPr/>
         <p:nvPr/>
       </p:nvGrpSpPr>
@@ -25314,7 +27587,7 @@
       </p:grpSpPr>
       <p:sp>
         <p:nvSpPr>
-          <p:cNvPr id="144" name="Google Shape;144;g12c30a3ea24_0_27"/>
+          <p:cNvPr id="146" name="Google Shape;146;g12c30a3ea24_0_27"/>
           <p:cNvSpPr/>
           <p:nvPr/>
         </p:nvSpPr>
@@ -25372,7 +27645,7 @@
       </p:sp>
       <p:sp>
         <p:nvSpPr>
-          <p:cNvPr id="145" name="Google Shape;145;g12c30a3ea24_0_27"/>
+          <p:cNvPr id="147" name="Google Shape;147;g12c30a3ea24_0_27"/>
           <p:cNvSpPr/>
           <p:nvPr/>
         </p:nvSpPr>
@@ -25421,7 +27694,7 @@
       </p:sp>
       <p:sp>
         <p:nvSpPr>
-          <p:cNvPr id="146" name="Google Shape;146;g12c30a3ea24_0_27"/>
+          <p:cNvPr id="148" name="Google Shape;148;g12c30a3ea24_0_27"/>
           <p:cNvSpPr txBox="1"/>
           <p:nvPr/>
         </p:nvSpPr>

--- a/session6/F-SQL_Subqueries.pptx
+++ b/session6/F-SQL_Subqueries.pptx
@@ -306,7 +306,7 @@
       <p15:sldGuideLst xmlns:p15="http://schemas.microsoft.com/office/powerpoint/2012/main"/>
     </p:ext>
     <p:ext uri="http://customooxmlschemas.google.com/">
-      <go:slidesCustomData xmlns="" xmlns:mc="http://schemas.openxmlformats.org/markup-compatibility/2006" xmlns:mv="urn:schemas-microsoft-com:mac:vml" xmlns:c="http://schemas.openxmlformats.org/drawingml/2006/chart" xmlns:dgm="http://schemas.openxmlformats.org/drawingml/2006/diagram" xmlns:o="urn:schemas-microsoft-com:office:office" xmlns:v="urn:schemas-microsoft-com:vml" xmlns:pvml="urn:schemas-microsoft-com:office:powerpoint" xmlns:com="http://schemas.openxmlformats.org/drawingml/2006/compatibility" xmlns:p14="http://schemas.microsoft.com/office/powerpoint/2010/main" xmlns:p15="http://schemas.microsoft.com/office/powerpoint/2012/main" xmlns:ahyp="http://schemas.microsoft.com/office/drawing/2018/hyperlinkcolor" xmlns:go="http://customooxmlschemas.google.com/" r:id="rId53" roundtripDataSignature="AMtx7mj3ZLvO33oq78s+YwLT1n/iDoW9fA=="/>
+      <go:slidesCustomData xmlns:go="http://customooxmlschemas.google.com/" xmlns:ahyp="http://schemas.microsoft.com/office/drawing/2018/hyperlinkcolor" xmlns:p15="http://schemas.microsoft.com/office/powerpoint/2012/main" xmlns:p14="http://schemas.microsoft.com/office/powerpoint/2010/main" xmlns:com="http://schemas.openxmlformats.org/drawingml/2006/compatibility" xmlns:pvml="urn:schemas-microsoft-com:office:powerpoint" xmlns:v="urn:schemas-microsoft-com:vml" xmlns:o="urn:schemas-microsoft-com:office:office" xmlns:dgm="http://schemas.openxmlformats.org/drawingml/2006/diagram" xmlns:c="http://schemas.openxmlformats.org/drawingml/2006/chart" xmlns:mv="urn:schemas-microsoft-com:mac:vml" xmlns:mc="http://schemas.openxmlformats.org/markup-compatibility/2006" xmlns="" r:id="rId53" roundtripDataSignature="AMtx7mj3ZLvO33oq78s+YwLT1n/iDoW9fA=="/>
     </p:ext>
   </p:extLst>
 </p:presentation>
@@ -18894,7 +18894,7 @@
                 <a:cs typeface="Montserrat"/>
                 <a:sym typeface="Montserrat"/>
               </a:rPr>
-              <a:t> &lt;&gt; 'Drama’ AND </a:t>
+              <a:t> = 'Drama’ AND </a:t>
             </a:r>
             <a:r>
               <a:rPr lang="en-US" sz="1800" dirty="0" err="1">
@@ -19271,7 +19271,7 @@
                 <a:cs typeface="Montserrat"/>
                 <a:sym typeface="Montserrat"/>
               </a:rPr>
-              <a:t> &lt;&gt; 'Drama’ </a:t>
+              <a:t> = 'Drama’ </a:t>
             </a:r>
             <a:endParaRPr lang="en-US" sz="1800" dirty="0">
               <a:solidFill>
